--- a/CONAN_content.pptx
+++ b/CONAN_content.pptx
@@ -142,6 +142,441 @@
     </p:ext>
   </p:extLst>
 </p:presentation>
+</file>
+
+<file path=ppt/changesInfos/changesInfo1.xml><?xml version="1.0" encoding="utf-8"?>
+<pc:chgInfo xmlns:a="http://schemas.openxmlformats.org/drawingml/2006/main" xmlns:r="http://schemas.openxmlformats.org/officeDocument/2006/relationships" xmlns:ac="http://schemas.microsoft.com/office/drawing/2013/main/command" xmlns:pc="http://schemas.microsoft.com/office/powerpoint/2013/main/command">
+  <pc:docChgLst>
+    <pc:chgData name="Arbour, Duncan" userId="f8c76c83-f09a-4702-8a60-e00215c8b89f" providerId="ADAL" clId="{322C7BEB-DD28-5740-B6F0-31DDDEF951D8}"/>
+    <pc:docChg chg="addSld delSld modSld">
+      <pc:chgData name="Arbour, Duncan" userId="f8c76c83-f09a-4702-8a60-e00215c8b89f" providerId="ADAL" clId="{322C7BEB-DD28-5740-B6F0-31DDDEF951D8}" dt="2024-08-17T10:04:31.950" v="65" actId="2890"/>
+      <pc:docMkLst>
+        <pc:docMk/>
+      </pc:docMkLst>
+      <pc:sldChg chg="modSp mod">
+        <pc:chgData name="Arbour, Duncan" userId="f8c76c83-f09a-4702-8a60-e00215c8b89f" providerId="ADAL" clId="{322C7BEB-DD28-5740-B6F0-31DDDEF951D8}" dt="2024-08-17T10:04:16.686" v="36" actId="1035"/>
+        <pc:sldMkLst>
+          <pc:docMk/>
+          <pc:sldMk cId="3236585661" sldId="257"/>
+        </pc:sldMkLst>
+        <pc:spChg chg="mod">
+          <ac:chgData name="Arbour, Duncan" userId="f8c76c83-f09a-4702-8a60-e00215c8b89f" providerId="ADAL" clId="{322C7BEB-DD28-5740-B6F0-31DDDEF951D8}" dt="2024-08-17T10:04:16.686" v="36" actId="1035"/>
+          <ac:spMkLst>
+            <pc:docMk/>
+            <pc:sldMk cId="3236585661" sldId="257"/>
+            <ac:spMk id="11" creationId="{A3036AEF-7A78-A326-F646-0EFE6B2B6FB6}"/>
+          </ac:spMkLst>
+        </pc:spChg>
+      </pc:sldChg>
+      <pc:sldChg chg="add">
+        <pc:chgData name="Arbour, Duncan" userId="f8c76c83-f09a-4702-8a60-e00215c8b89f" providerId="ADAL" clId="{322C7BEB-DD28-5740-B6F0-31DDDEF951D8}" dt="2024-08-17T10:04:22.205" v="37" actId="2890"/>
+        <pc:sldMkLst>
+          <pc:docMk/>
+          <pc:sldMk cId="1479853515" sldId="258"/>
+        </pc:sldMkLst>
+      </pc:sldChg>
+      <pc:sldChg chg="del">
+        <pc:chgData name="Arbour, Duncan" userId="f8c76c83-f09a-4702-8a60-e00215c8b89f" providerId="ADAL" clId="{322C7BEB-DD28-5740-B6F0-31DDDEF951D8}" dt="2024-08-17T10:04:10.030" v="0" actId="2696"/>
+        <pc:sldMkLst>
+          <pc:docMk/>
+          <pc:sldMk cId="2637515214" sldId="258"/>
+        </pc:sldMkLst>
+      </pc:sldChg>
+      <pc:sldChg chg="add">
+        <pc:chgData name="Arbour, Duncan" userId="f8c76c83-f09a-4702-8a60-e00215c8b89f" providerId="ADAL" clId="{322C7BEB-DD28-5740-B6F0-31DDDEF951D8}" dt="2024-08-17T10:04:23.471" v="38" actId="2890"/>
+        <pc:sldMkLst>
+          <pc:docMk/>
+          <pc:sldMk cId="2575204970" sldId="259"/>
+        </pc:sldMkLst>
+      </pc:sldChg>
+      <pc:sldChg chg="del">
+        <pc:chgData name="Arbour, Duncan" userId="f8c76c83-f09a-4702-8a60-e00215c8b89f" providerId="ADAL" clId="{322C7BEB-DD28-5740-B6F0-31DDDEF951D8}" dt="2024-08-17T10:04:10.066" v="9" actId="2696"/>
+        <pc:sldMkLst>
+          <pc:docMk/>
+          <pc:sldMk cId="3478230032" sldId="259"/>
+        </pc:sldMkLst>
+      </pc:sldChg>
+      <pc:sldChg chg="add">
+        <pc:chgData name="Arbour, Duncan" userId="f8c76c83-f09a-4702-8a60-e00215c8b89f" providerId="ADAL" clId="{322C7BEB-DD28-5740-B6F0-31DDDEF951D8}" dt="2024-08-17T10:04:23.992" v="39" actId="2890"/>
+        <pc:sldMkLst>
+          <pc:docMk/>
+          <pc:sldMk cId="3091934217" sldId="260"/>
+        </pc:sldMkLst>
+      </pc:sldChg>
+      <pc:sldChg chg="del">
+        <pc:chgData name="Arbour, Duncan" userId="f8c76c83-f09a-4702-8a60-e00215c8b89f" providerId="ADAL" clId="{322C7BEB-DD28-5740-B6F0-31DDDEF951D8}" dt="2024-08-17T10:04:10.039" v="5" actId="2696"/>
+        <pc:sldMkLst>
+          <pc:docMk/>
+          <pc:sldMk cId="4155417935" sldId="260"/>
+        </pc:sldMkLst>
+      </pc:sldChg>
+      <pc:sldChg chg="add">
+        <pc:chgData name="Arbour, Duncan" userId="f8c76c83-f09a-4702-8a60-e00215c8b89f" providerId="ADAL" clId="{322C7BEB-DD28-5740-B6F0-31DDDEF951D8}" dt="2024-08-17T10:04:24.424" v="40" actId="2890"/>
+        <pc:sldMkLst>
+          <pc:docMk/>
+          <pc:sldMk cId="1943154021" sldId="261"/>
+        </pc:sldMkLst>
+      </pc:sldChg>
+      <pc:sldChg chg="del">
+        <pc:chgData name="Arbour, Duncan" userId="f8c76c83-f09a-4702-8a60-e00215c8b89f" providerId="ADAL" clId="{322C7BEB-DD28-5740-B6F0-31DDDEF951D8}" dt="2024-08-17T10:04:10.041" v="6" actId="2696"/>
+        <pc:sldMkLst>
+          <pc:docMk/>
+          <pc:sldMk cId="2055450813" sldId="261"/>
+        </pc:sldMkLst>
+      </pc:sldChg>
+      <pc:sldChg chg="del">
+        <pc:chgData name="Arbour, Duncan" userId="f8c76c83-f09a-4702-8a60-e00215c8b89f" providerId="ADAL" clId="{322C7BEB-DD28-5740-B6F0-31DDDEF951D8}" dt="2024-08-17T10:04:10.115" v="25" actId="2696"/>
+        <pc:sldMkLst>
+          <pc:docMk/>
+          <pc:sldMk cId="3002650792" sldId="262"/>
+        </pc:sldMkLst>
+      </pc:sldChg>
+      <pc:sldChg chg="add">
+        <pc:chgData name="Arbour, Duncan" userId="f8c76c83-f09a-4702-8a60-e00215c8b89f" providerId="ADAL" clId="{322C7BEB-DD28-5740-B6F0-31DDDEF951D8}" dt="2024-08-17T10:04:24.796" v="41" actId="2890"/>
+        <pc:sldMkLst>
+          <pc:docMk/>
+          <pc:sldMk cId="3862225825" sldId="262"/>
+        </pc:sldMkLst>
+      </pc:sldChg>
+      <pc:sldChg chg="add">
+        <pc:chgData name="Arbour, Duncan" userId="f8c76c83-f09a-4702-8a60-e00215c8b89f" providerId="ADAL" clId="{322C7BEB-DD28-5740-B6F0-31DDDEF951D8}" dt="2024-08-17T10:04:24.961" v="42" actId="2890"/>
+        <pc:sldMkLst>
+          <pc:docMk/>
+          <pc:sldMk cId="932914618" sldId="263"/>
+        </pc:sldMkLst>
+      </pc:sldChg>
+      <pc:sldChg chg="del">
+        <pc:chgData name="Arbour, Duncan" userId="f8c76c83-f09a-4702-8a60-e00215c8b89f" providerId="ADAL" clId="{322C7BEB-DD28-5740-B6F0-31DDDEF951D8}" dt="2024-08-17T10:04:10.073" v="12" actId="2696"/>
+        <pc:sldMkLst>
+          <pc:docMk/>
+          <pc:sldMk cId="936637235" sldId="263"/>
+        </pc:sldMkLst>
+      </pc:sldChg>
+      <pc:sldChg chg="del">
+        <pc:chgData name="Arbour, Duncan" userId="f8c76c83-f09a-4702-8a60-e00215c8b89f" providerId="ADAL" clId="{322C7BEB-DD28-5740-B6F0-31DDDEF951D8}" dt="2024-08-17T10:04:10.140" v="28" actId="2696"/>
+        <pc:sldMkLst>
+          <pc:docMk/>
+          <pc:sldMk cId="920509518" sldId="264"/>
+        </pc:sldMkLst>
+      </pc:sldChg>
+      <pc:sldChg chg="add">
+        <pc:chgData name="Arbour, Duncan" userId="f8c76c83-f09a-4702-8a60-e00215c8b89f" providerId="ADAL" clId="{322C7BEB-DD28-5740-B6F0-31DDDEF951D8}" dt="2024-08-17T10:04:25.149" v="43" actId="2890"/>
+        <pc:sldMkLst>
+          <pc:docMk/>
+          <pc:sldMk cId="2558792014" sldId="264"/>
+        </pc:sldMkLst>
+      </pc:sldChg>
+      <pc:sldChg chg="del">
+        <pc:chgData name="Arbour, Duncan" userId="f8c76c83-f09a-4702-8a60-e00215c8b89f" providerId="ADAL" clId="{322C7BEB-DD28-5740-B6F0-31DDDEF951D8}" dt="2024-08-17T10:04:10.037" v="4" actId="2696"/>
+        <pc:sldMkLst>
+          <pc:docMk/>
+          <pc:sldMk cId="1508241146" sldId="265"/>
+        </pc:sldMkLst>
+      </pc:sldChg>
+      <pc:sldChg chg="add">
+        <pc:chgData name="Arbour, Duncan" userId="f8c76c83-f09a-4702-8a60-e00215c8b89f" providerId="ADAL" clId="{322C7BEB-DD28-5740-B6F0-31DDDEF951D8}" dt="2024-08-17T10:04:25.411" v="44" actId="2890"/>
+        <pc:sldMkLst>
+          <pc:docMk/>
+          <pc:sldMk cId="3633352861" sldId="265"/>
+        </pc:sldMkLst>
+      </pc:sldChg>
+      <pc:sldChg chg="add">
+        <pc:chgData name="Arbour, Duncan" userId="f8c76c83-f09a-4702-8a60-e00215c8b89f" providerId="ADAL" clId="{322C7BEB-DD28-5740-B6F0-31DDDEF951D8}" dt="2024-08-17T10:04:25.581" v="45" actId="2890"/>
+        <pc:sldMkLst>
+          <pc:docMk/>
+          <pc:sldMk cId="2376532883" sldId="266"/>
+        </pc:sldMkLst>
+      </pc:sldChg>
+      <pc:sldChg chg="del">
+        <pc:chgData name="Arbour, Duncan" userId="f8c76c83-f09a-4702-8a60-e00215c8b89f" providerId="ADAL" clId="{322C7BEB-DD28-5740-B6F0-31DDDEF951D8}" dt="2024-08-17T10:04:10.093" v="23" actId="2696"/>
+        <pc:sldMkLst>
+          <pc:docMk/>
+          <pc:sldMk cId="2872896762" sldId="266"/>
+        </pc:sldMkLst>
+      </pc:sldChg>
+      <pc:sldChg chg="add">
+        <pc:chgData name="Arbour, Duncan" userId="f8c76c83-f09a-4702-8a60-e00215c8b89f" providerId="ADAL" clId="{322C7BEB-DD28-5740-B6F0-31DDDEF951D8}" dt="2024-08-17T10:04:25.824" v="46" actId="2890"/>
+        <pc:sldMkLst>
+          <pc:docMk/>
+          <pc:sldMk cId="3449870671" sldId="267"/>
+        </pc:sldMkLst>
+      </pc:sldChg>
+      <pc:sldChg chg="del">
+        <pc:chgData name="Arbour, Duncan" userId="f8c76c83-f09a-4702-8a60-e00215c8b89f" providerId="ADAL" clId="{322C7BEB-DD28-5740-B6F0-31DDDEF951D8}" dt="2024-08-17T10:04:10.043" v="7" actId="2696"/>
+        <pc:sldMkLst>
+          <pc:docMk/>
+          <pc:sldMk cId="3654223394" sldId="267"/>
+        </pc:sldMkLst>
+      </pc:sldChg>
+      <pc:sldChg chg="add">
+        <pc:chgData name="Arbour, Duncan" userId="f8c76c83-f09a-4702-8a60-e00215c8b89f" providerId="ADAL" clId="{322C7BEB-DD28-5740-B6F0-31DDDEF951D8}" dt="2024-08-17T10:04:25.964" v="47" actId="2890"/>
+        <pc:sldMkLst>
+          <pc:docMk/>
+          <pc:sldMk cId="1027689865" sldId="268"/>
+        </pc:sldMkLst>
+      </pc:sldChg>
+      <pc:sldChg chg="del">
+        <pc:chgData name="Arbour, Duncan" userId="f8c76c83-f09a-4702-8a60-e00215c8b89f" providerId="ADAL" clId="{322C7BEB-DD28-5740-B6F0-31DDDEF951D8}" dt="2024-08-17T10:04:10.035" v="3" actId="2696"/>
+        <pc:sldMkLst>
+          <pc:docMk/>
+          <pc:sldMk cId="4203603594" sldId="268"/>
+        </pc:sldMkLst>
+      </pc:sldChg>
+      <pc:sldChg chg="del">
+        <pc:chgData name="Arbour, Duncan" userId="f8c76c83-f09a-4702-8a60-e00215c8b89f" providerId="ADAL" clId="{322C7BEB-DD28-5740-B6F0-31DDDEF951D8}" dt="2024-08-17T10:04:10.032" v="1" actId="2696"/>
+        <pc:sldMkLst>
+          <pc:docMk/>
+          <pc:sldMk cId="781474269" sldId="269"/>
+        </pc:sldMkLst>
+      </pc:sldChg>
+      <pc:sldChg chg="add">
+        <pc:chgData name="Arbour, Duncan" userId="f8c76c83-f09a-4702-8a60-e00215c8b89f" providerId="ADAL" clId="{322C7BEB-DD28-5740-B6F0-31DDDEF951D8}" dt="2024-08-17T10:04:26.119" v="48" actId="2890"/>
+        <pc:sldMkLst>
+          <pc:docMk/>
+          <pc:sldMk cId="3090259532" sldId="269"/>
+        </pc:sldMkLst>
+      </pc:sldChg>
+      <pc:sldChg chg="add">
+        <pc:chgData name="Arbour, Duncan" userId="f8c76c83-f09a-4702-8a60-e00215c8b89f" providerId="ADAL" clId="{322C7BEB-DD28-5740-B6F0-31DDDEF951D8}" dt="2024-08-17T10:04:26.374" v="49" actId="2890"/>
+        <pc:sldMkLst>
+          <pc:docMk/>
+          <pc:sldMk cId="116252995" sldId="270"/>
+        </pc:sldMkLst>
+      </pc:sldChg>
+      <pc:sldChg chg="del">
+        <pc:chgData name="Arbour, Duncan" userId="f8c76c83-f09a-4702-8a60-e00215c8b89f" providerId="ADAL" clId="{322C7BEB-DD28-5740-B6F0-31DDDEF951D8}" dt="2024-08-17T10:04:10.090" v="21" actId="2696"/>
+        <pc:sldMkLst>
+          <pc:docMk/>
+          <pc:sldMk cId="3553913390" sldId="270"/>
+        </pc:sldMkLst>
+      </pc:sldChg>
+      <pc:sldChg chg="add">
+        <pc:chgData name="Arbour, Duncan" userId="f8c76c83-f09a-4702-8a60-e00215c8b89f" providerId="ADAL" clId="{322C7BEB-DD28-5740-B6F0-31DDDEF951D8}" dt="2024-08-17T10:04:26.557" v="50" actId="2890"/>
+        <pc:sldMkLst>
+          <pc:docMk/>
+          <pc:sldMk cId="2420441641" sldId="271"/>
+        </pc:sldMkLst>
+      </pc:sldChg>
+      <pc:sldChg chg="del">
+        <pc:chgData name="Arbour, Duncan" userId="f8c76c83-f09a-4702-8a60-e00215c8b89f" providerId="ADAL" clId="{322C7BEB-DD28-5740-B6F0-31DDDEF951D8}" dt="2024-08-17T10:04:10.068" v="10" actId="2696"/>
+        <pc:sldMkLst>
+          <pc:docMk/>
+          <pc:sldMk cId="2830232442" sldId="271"/>
+        </pc:sldMkLst>
+      </pc:sldChg>
+      <pc:sldChg chg="add">
+        <pc:chgData name="Arbour, Duncan" userId="f8c76c83-f09a-4702-8a60-e00215c8b89f" providerId="ADAL" clId="{322C7BEB-DD28-5740-B6F0-31DDDEF951D8}" dt="2024-08-17T10:04:26.825" v="51" actId="2890"/>
+        <pc:sldMkLst>
+          <pc:docMk/>
+          <pc:sldMk cId="816274661" sldId="272"/>
+        </pc:sldMkLst>
+      </pc:sldChg>
+      <pc:sldChg chg="del">
+        <pc:chgData name="Arbour, Duncan" userId="f8c76c83-f09a-4702-8a60-e00215c8b89f" providerId="ADAL" clId="{322C7BEB-DD28-5740-B6F0-31DDDEF951D8}" dt="2024-08-17T10:04:10.082" v="17" actId="2696"/>
+        <pc:sldMkLst>
+          <pc:docMk/>
+          <pc:sldMk cId="1969274073" sldId="272"/>
+        </pc:sldMkLst>
+      </pc:sldChg>
+      <pc:sldChg chg="add">
+        <pc:chgData name="Arbour, Duncan" userId="f8c76c83-f09a-4702-8a60-e00215c8b89f" providerId="ADAL" clId="{322C7BEB-DD28-5740-B6F0-31DDDEF951D8}" dt="2024-08-17T10:04:26.991" v="52" actId="2890"/>
+        <pc:sldMkLst>
+          <pc:docMk/>
+          <pc:sldMk cId="153292090" sldId="273"/>
+        </pc:sldMkLst>
+      </pc:sldChg>
+      <pc:sldChg chg="del">
+        <pc:chgData name="Arbour, Duncan" userId="f8c76c83-f09a-4702-8a60-e00215c8b89f" providerId="ADAL" clId="{322C7BEB-DD28-5740-B6F0-31DDDEF951D8}" dt="2024-08-17T10:04:10.091" v="22" actId="2696"/>
+        <pc:sldMkLst>
+          <pc:docMk/>
+          <pc:sldMk cId="3926473649" sldId="273"/>
+        </pc:sldMkLst>
+      </pc:sldChg>
+      <pc:sldChg chg="add">
+        <pc:chgData name="Arbour, Duncan" userId="f8c76c83-f09a-4702-8a60-e00215c8b89f" providerId="ADAL" clId="{322C7BEB-DD28-5740-B6F0-31DDDEF951D8}" dt="2024-08-17T10:04:27.245" v="53" actId="2890"/>
+        <pc:sldMkLst>
+          <pc:docMk/>
+          <pc:sldMk cId="1258715885" sldId="274"/>
+        </pc:sldMkLst>
+      </pc:sldChg>
+      <pc:sldChg chg="del">
+        <pc:chgData name="Arbour, Duncan" userId="f8c76c83-f09a-4702-8a60-e00215c8b89f" providerId="ADAL" clId="{322C7BEB-DD28-5740-B6F0-31DDDEF951D8}" dt="2024-08-17T10:04:10.081" v="16" actId="2696"/>
+        <pc:sldMkLst>
+          <pc:docMk/>
+          <pc:sldMk cId="2938847976" sldId="274"/>
+        </pc:sldMkLst>
+      </pc:sldChg>
+      <pc:sldChg chg="add">
+        <pc:chgData name="Arbour, Duncan" userId="f8c76c83-f09a-4702-8a60-e00215c8b89f" providerId="ADAL" clId="{322C7BEB-DD28-5740-B6F0-31DDDEF951D8}" dt="2024-08-17T10:04:27.511" v="54" actId="2890"/>
+        <pc:sldMkLst>
+          <pc:docMk/>
+          <pc:sldMk cId="1479630293" sldId="275"/>
+        </pc:sldMkLst>
+      </pc:sldChg>
+      <pc:sldChg chg="del">
+        <pc:chgData name="Arbour, Duncan" userId="f8c76c83-f09a-4702-8a60-e00215c8b89f" providerId="ADAL" clId="{322C7BEB-DD28-5740-B6F0-31DDDEF951D8}" dt="2024-08-17T10:04:10.119" v="27" actId="2696"/>
+        <pc:sldMkLst>
+          <pc:docMk/>
+          <pc:sldMk cId="2992359851" sldId="275"/>
+        </pc:sldMkLst>
+      </pc:sldChg>
+      <pc:sldChg chg="add">
+        <pc:chgData name="Arbour, Duncan" userId="f8c76c83-f09a-4702-8a60-e00215c8b89f" providerId="ADAL" clId="{322C7BEB-DD28-5740-B6F0-31DDDEF951D8}" dt="2024-08-17T10:04:27.791" v="55" actId="2890"/>
+        <pc:sldMkLst>
+          <pc:docMk/>
+          <pc:sldMk cId="1161563729" sldId="276"/>
+        </pc:sldMkLst>
+      </pc:sldChg>
+      <pc:sldChg chg="del">
+        <pc:chgData name="Arbour, Duncan" userId="f8c76c83-f09a-4702-8a60-e00215c8b89f" providerId="ADAL" clId="{322C7BEB-DD28-5740-B6F0-31DDDEF951D8}" dt="2024-08-17T10:04:10.044" v="8" actId="2696"/>
+        <pc:sldMkLst>
+          <pc:docMk/>
+          <pc:sldMk cId="3648281203" sldId="276"/>
+        </pc:sldMkLst>
+      </pc:sldChg>
+      <pc:sldChg chg="del">
+        <pc:chgData name="Arbour, Duncan" userId="f8c76c83-f09a-4702-8a60-e00215c8b89f" providerId="ADAL" clId="{322C7BEB-DD28-5740-B6F0-31DDDEF951D8}" dt="2024-08-17T10:04:10.086" v="19" actId="2696"/>
+        <pc:sldMkLst>
+          <pc:docMk/>
+          <pc:sldMk cId="2047277304" sldId="277"/>
+        </pc:sldMkLst>
+      </pc:sldChg>
+      <pc:sldChg chg="add">
+        <pc:chgData name="Arbour, Duncan" userId="f8c76c83-f09a-4702-8a60-e00215c8b89f" providerId="ADAL" clId="{322C7BEB-DD28-5740-B6F0-31DDDEF951D8}" dt="2024-08-17T10:04:28.437" v="56" actId="2890"/>
+        <pc:sldMkLst>
+          <pc:docMk/>
+          <pc:sldMk cId="3651622068" sldId="277"/>
+        </pc:sldMkLst>
+      </pc:sldChg>
+      <pc:sldChg chg="add">
+        <pc:chgData name="Arbour, Duncan" userId="f8c76c83-f09a-4702-8a60-e00215c8b89f" providerId="ADAL" clId="{322C7BEB-DD28-5740-B6F0-31DDDEF951D8}" dt="2024-08-17T10:04:28.889" v="57" actId="2890"/>
+        <pc:sldMkLst>
+          <pc:docMk/>
+          <pc:sldMk cId="2545146107" sldId="278"/>
+        </pc:sldMkLst>
+      </pc:sldChg>
+      <pc:sldChg chg="del">
+        <pc:chgData name="Arbour, Duncan" userId="f8c76c83-f09a-4702-8a60-e00215c8b89f" providerId="ADAL" clId="{322C7BEB-DD28-5740-B6F0-31DDDEF951D8}" dt="2024-08-17T10:04:10.077" v="14" actId="2696"/>
+        <pc:sldMkLst>
+          <pc:docMk/>
+          <pc:sldMk cId="4143237008" sldId="278"/>
+        </pc:sldMkLst>
+      </pc:sldChg>
+      <pc:sldChg chg="del">
+        <pc:chgData name="Arbour, Duncan" userId="f8c76c83-f09a-4702-8a60-e00215c8b89f" providerId="ADAL" clId="{322C7BEB-DD28-5740-B6F0-31DDDEF951D8}" dt="2024-08-17T10:04:10.075" v="13" actId="2696"/>
+        <pc:sldMkLst>
+          <pc:docMk/>
+          <pc:sldMk cId="634637723" sldId="279"/>
+        </pc:sldMkLst>
+      </pc:sldChg>
+      <pc:sldChg chg="add">
+        <pc:chgData name="Arbour, Duncan" userId="f8c76c83-f09a-4702-8a60-e00215c8b89f" providerId="ADAL" clId="{322C7BEB-DD28-5740-B6F0-31DDDEF951D8}" dt="2024-08-17T10:04:29.193" v="58" actId="2890"/>
+        <pc:sldMkLst>
+          <pc:docMk/>
+          <pc:sldMk cId="865011741" sldId="279"/>
+        </pc:sldMkLst>
+      </pc:sldChg>
+      <pc:sldChg chg="del">
+        <pc:chgData name="Arbour, Duncan" userId="f8c76c83-f09a-4702-8a60-e00215c8b89f" providerId="ADAL" clId="{322C7BEB-DD28-5740-B6F0-31DDDEF951D8}" dt="2024-08-17T10:04:10.079" v="15" actId="2696"/>
+        <pc:sldMkLst>
+          <pc:docMk/>
+          <pc:sldMk cId="125439493" sldId="280"/>
+        </pc:sldMkLst>
+      </pc:sldChg>
+      <pc:sldChg chg="add">
+        <pc:chgData name="Arbour, Duncan" userId="f8c76c83-f09a-4702-8a60-e00215c8b89f" providerId="ADAL" clId="{322C7BEB-DD28-5740-B6F0-31DDDEF951D8}" dt="2024-08-17T10:04:29.492" v="59" actId="2890"/>
+        <pc:sldMkLst>
+          <pc:docMk/>
+          <pc:sldMk cId="3255657496" sldId="280"/>
+        </pc:sldMkLst>
+      </pc:sldChg>
+      <pc:sldChg chg="del">
+        <pc:chgData name="Arbour, Duncan" userId="f8c76c83-f09a-4702-8a60-e00215c8b89f" providerId="ADAL" clId="{322C7BEB-DD28-5740-B6F0-31DDDEF951D8}" dt="2024-08-17T10:04:10.095" v="24" actId="2696"/>
+        <pc:sldMkLst>
+          <pc:docMk/>
+          <pc:sldMk cId="1104277095" sldId="281"/>
+        </pc:sldMkLst>
+      </pc:sldChg>
+      <pc:sldChg chg="add">
+        <pc:chgData name="Arbour, Duncan" userId="f8c76c83-f09a-4702-8a60-e00215c8b89f" providerId="ADAL" clId="{322C7BEB-DD28-5740-B6F0-31DDDEF951D8}" dt="2024-08-17T10:04:29.733" v="60" actId="2890"/>
+        <pc:sldMkLst>
+          <pc:docMk/>
+          <pc:sldMk cId="3306040638" sldId="281"/>
+        </pc:sldMkLst>
+      </pc:sldChg>
+      <pc:sldChg chg="add">
+        <pc:chgData name="Arbour, Duncan" userId="f8c76c83-f09a-4702-8a60-e00215c8b89f" providerId="ADAL" clId="{322C7BEB-DD28-5740-B6F0-31DDDEF951D8}" dt="2024-08-17T10:04:30.071" v="61" actId="2890"/>
+        <pc:sldMkLst>
+          <pc:docMk/>
+          <pc:sldMk cId="541512117" sldId="282"/>
+        </pc:sldMkLst>
+      </pc:sldChg>
+      <pc:sldChg chg="del">
+        <pc:chgData name="Arbour, Duncan" userId="f8c76c83-f09a-4702-8a60-e00215c8b89f" providerId="ADAL" clId="{322C7BEB-DD28-5740-B6F0-31DDDEF951D8}" dt="2024-08-17T10:04:10.084" v="18" actId="2696"/>
+        <pc:sldMkLst>
+          <pc:docMk/>
+          <pc:sldMk cId="1375990944" sldId="282"/>
+        </pc:sldMkLst>
+      </pc:sldChg>
+      <pc:sldChg chg="add">
+        <pc:chgData name="Arbour, Duncan" userId="f8c76c83-f09a-4702-8a60-e00215c8b89f" providerId="ADAL" clId="{322C7BEB-DD28-5740-B6F0-31DDDEF951D8}" dt="2024-08-17T10:04:30.423" v="62" actId="2890"/>
+        <pc:sldMkLst>
+          <pc:docMk/>
+          <pc:sldMk cId="1262806030" sldId="283"/>
+        </pc:sldMkLst>
+      </pc:sldChg>
+      <pc:sldChg chg="del">
+        <pc:chgData name="Arbour, Duncan" userId="f8c76c83-f09a-4702-8a60-e00215c8b89f" providerId="ADAL" clId="{322C7BEB-DD28-5740-B6F0-31DDDEF951D8}" dt="2024-08-17T10:04:10.033" v="2" actId="2696"/>
+        <pc:sldMkLst>
+          <pc:docMk/>
+          <pc:sldMk cId="3627025977" sldId="283"/>
+        </pc:sldMkLst>
+      </pc:sldChg>
+      <pc:sldChg chg="add">
+        <pc:chgData name="Arbour, Duncan" userId="f8c76c83-f09a-4702-8a60-e00215c8b89f" providerId="ADAL" clId="{322C7BEB-DD28-5740-B6F0-31DDDEF951D8}" dt="2024-08-17T10:04:30.776" v="63" actId="2890"/>
+        <pc:sldMkLst>
+          <pc:docMk/>
+          <pc:sldMk cId="2260543904" sldId="284"/>
+        </pc:sldMkLst>
+      </pc:sldChg>
+      <pc:sldChg chg="del">
+        <pc:chgData name="Arbour, Duncan" userId="f8c76c83-f09a-4702-8a60-e00215c8b89f" providerId="ADAL" clId="{322C7BEB-DD28-5740-B6F0-31DDDEF951D8}" dt="2024-08-17T10:04:10.088" v="20" actId="2696"/>
+        <pc:sldMkLst>
+          <pc:docMk/>
+          <pc:sldMk cId="3475631388" sldId="284"/>
+        </pc:sldMkLst>
+      </pc:sldChg>
+      <pc:sldChg chg="del">
+        <pc:chgData name="Arbour, Duncan" userId="f8c76c83-f09a-4702-8a60-e00215c8b89f" providerId="ADAL" clId="{322C7BEB-DD28-5740-B6F0-31DDDEF951D8}" dt="2024-08-17T10:04:10.070" v="11" actId="2696"/>
+        <pc:sldMkLst>
+          <pc:docMk/>
+          <pc:sldMk cId="103451846" sldId="285"/>
+        </pc:sldMkLst>
+      </pc:sldChg>
+      <pc:sldChg chg="add">
+        <pc:chgData name="Arbour, Duncan" userId="f8c76c83-f09a-4702-8a60-e00215c8b89f" providerId="ADAL" clId="{322C7BEB-DD28-5740-B6F0-31DDDEF951D8}" dt="2024-08-17T10:04:31.139" v="64" actId="2890"/>
+        <pc:sldMkLst>
+          <pc:docMk/>
+          <pc:sldMk cId="487603209" sldId="285"/>
+        </pc:sldMkLst>
+      </pc:sldChg>
+      <pc:sldChg chg="add">
+        <pc:chgData name="Arbour, Duncan" userId="f8c76c83-f09a-4702-8a60-e00215c8b89f" providerId="ADAL" clId="{322C7BEB-DD28-5740-B6F0-31DDDEF951D8}" dt="2024-08-17T10:04:31.950" v="65" actId="2890"/>
+        <pc:sldMkLst>
+          <pc:docMk/>
+          <pc:sldMk cId="527611995" sldId="286"/>
+        </pc:sldMkLst>
+      </pc:sldChg>
+      <pc:sldChg chg="del">
+        <pc:chgData name="Arbour, Duncan" userId="f8c76c83-f09a-4702-8a60-e00215c8b89f" providerId="ADAL" clId="{322C7BEB-DD28-5740-B6F0-31DDDEF951D8}" dt="2024-08-17T10:04:10.117" v="26" actId="2696"/>
+        <pc:sldMkLst>
+          <pc:docMk/>
+          <pc:sldMk cId="4259366838" sldId="286"/>
+        </pc:sldMkLst>
+      </pc:sldChg>
+    </pc:docChg>
+  </pc:docChgLst>
+</pc:chgInfo>
 </file>
 
 <file path=ppt/notesMasters/notesMaster1.xml><?xml version="1.0" encoding="utf-8"?>
@@ -1730,7 +2165,7 @@
         </p:nvSpPr>
         <p:spPr>
           <a:xfrm>
-            <a:off x="768626" y="5989981"/>
+            <a:off x="768626" y="5883965"/>
             <a:ext cx="10614991" cy="215444"/>
           </a:xfrm>
           <a:prstGeom prst="rect">
@@ -1745,7 +2180,7 @@
           <a:p>
             <a:pPr algn="ctr"/>
             <a:r>
-              <a:rPr lang="en-GB" sz="1400" b="1">
+              <a:rPr lang="en-GB" sz="1400" b="1" dirty="0" err="1">
                 <a:solidFill>
                   <a:schemeClr val="tx2"/>
                 </a:solidFill>
@@ -2156,7 +2591,7 @@
         </p:nvSpPr>
         <p:spPr>
           <a:xfrm>
-            <a:off x="768626" y="5989981"/>
+            <a:off x="768626" y="5883965"/>
             <a:ext cx="10614991" cy="215444"/>
           </a:xfrm>
           <a:prstGeom prst="rect">
@@ -2171,7 +2606,7 @@
           <a:p>
             <a:pPr algn="ctr"/>
             <a:r>
-              <a:rPr lang="en-GB" sz="1400" b="1">
+              <a:rPr lang="en-GB" sz="1400" b="1" dirty="0" err="1">
                 <a:solidFill>
                   <a:schemeClr val="tx2"/>
                 </a:solidFill>
@@ -2189,7 +2624,7 @@
     </p:spTree>
     <p:extLst>
       <p:ext uri="{BB962C8B-B14F-4D97-AF65-F5344CB8AC3E}">
-        <p14:creationId xmlns:p14="http://schemas.microsoft.com/office/powerpoint/2010/main" val="2872896762"/>
+        <p14:creationId xmlns:p14="http://schemas.microsoft.com/office/powerpoint/2010/main" val="2376532883"/>
       </p:ext>
     </p:extLst>
   </p:cSld>
@@ -2582,7 +3017,7 @@
         </p:nvSpPr>
         <p:spPr>
           <a:xfrm>
-            <a:off x="768626" y="5989981"/>
+            <a:off x="768626" y="5883965"/>
             <a:ext cx="10614991" cy="215444"/>
           </a:xfrm>
           <a:prstGeom prst="rect">
@@ -2597,7 +3032,7 @@
           <a:p>
             <a:pPr algn="ctr"/>
             <a:r>
-              <a:rPr lang="en-GB" sz="1400" b="1">
+              <a:rPr lang="en-GB" sz="1400" b="1" dirty="0" err="1">
                 <a:solidFill>
                   <a:schemeClr val="tx2"/>
                 </a:solidFill>
@@ -2615,7 +3050,7 @@
     </p:spTree>
     <p:extLst>
       <p:ext uri="{BB962C8B-B14F-4D97-AF65-F5344CB8AC3E}">
-        <p14:creationId xmlns:p14="http://schemas.microsoft.com/office/powerpoint/2010/main" val="3654223394"/>
+        <p14:creationId xmlns:p14="http://schemas.microsoft.com/office/powerpoint/2010/main" val="3449870671"/>
       </p:ext>
     </p:extLst>
   </p:cSld>
@@ -3008,7 +3443,7 @@
         </p:nvSpPr>
         <p:spPr>
           <a:xfrm>
-            <a:off x="768626" y="5989981"/>
+            <a:off x="768626" y="5883965"/>
             <a:ext cx="10614991" cy="215444"/>
           </a:xfrm>
           <a:prstGeom prst="rect">
@@ -3023,7 +3458,7 @@
           <a:p>
             <a:pPr algn="ctr"/>
             <a:r>
-              <a:rPr lang="en-GB" sz="1400" b="1">
+              <a:rPr lang="en-GB" sz="1400" b="1" dirty="0" err="1">
                 <a:solidFill>
                   <a:schemeClr val="tx2"/>
                 </a:solidFill>
@@ -3041,7 +3476,7 @@
     </p:spTree>
     <p:extLst>
       <p:ext uri="{BB962C8B-B14F-4D97-AF65-F5344CB8AC3E}">
-        <p14:creationId xmlns:p14="http://schemas.microsoft.com/office/powerpoint/2010/main" val="4203603594"/>
+        <p14:creationId xmlns:p14="http://schemas.microsoft.com/office/powerpoint/2010/main" val="1027689865"/>
       </p:ext>
     </p:extLst>
   </p:cSld>
@@ -3434,7 +3869,7 @@
         </p:nvSpPr>
         <p:spPr>
           <a:xfrm>
-            <a:off x="768626" y="5989981"/>
+            <a:off x="768626" y="5883965"/>
             <a:ext cx="10614991" cy="215444"/>
           </a:xfrm>
           <a:prstGeom prst="rect">
@@ -3449,7 +3884,7 @@
           <a:p>
             <a:pPr algn="ctr"/>
             <a:r>
-              <a:rPr lang="en-GB" sz="1400" b="1">
+              <a:rPr lang="en-GB" sz="1400" b="1" dirty="0" err="1">
                 <a:solidFill>
                   <a:schemeClr val="tx2"/>
                 </a:solidFill>
@@ -3467,7 +3902,7 @@
     </p:spTree>
     <p:extLst>
       <p:ext uri="{BB962C8B-B14F-4D97-AF65-F5344CB8AC3E}">
-        <p14:creationId xmlns:p14="http://schemas.microsoft.com/office/powerpoint/2010/main" val="781474269"/>
+        <p14:creationId xmlns:p14="http://schemas.microsoft.com/office/powerpoint/2010/main" val="3090259532"/>
       </p:ext>
     </p:extLst>
   </p:cSld>
@@ -3860,7 +4295,7 @@
         </p:nvSpPr>
         <p:spPr>
           <a:xfrm>
-            <a:off x="768626" y="5989981"/>
+            <a:off x="768626" y="5883965"/>
             <a:ext cx="10614991" cy="215444"/>
           </a:xfrm>
           <a:prstGeom prst="rect">
@@ -3875,7 +4310,7 @@
           <a:p>
             <a:pPr algn="ctr"/>
             <a:r>
-              <a:rPr lang="en-GB" sz="1400" b="1">
+              <a:rPr lang="en-GB" sz="1400" b="1" dirty="0" err="1">
                 <a:solidFill>
                   <a:schemeClr val="tx2"/>
                 </a:solidFill>
@@ -3893,7 +4328,7 @@
     </p:spTree>
     <p:extLst>
       <p:ext uri="{BB962C8B-B14F-4D97-AF65-F5344CB8AC3E}">
-        <p14:creationId xmlns:p14="http://schemas.microsoft.com/office/powerpoint/2010/main" val="3553913390"/>
+        <p14:creationId xmlns:p14="http://schemas.microsoft.com/office/powerpoint/2010/main" val="116252995"/>
       </p:ext>
     </p:extLst>
   </p:cSld>
@@ -4286,7 +4721,7 @@
         </p:nvSpPr>
         <p:spPr>
           <a:xfrm>
-            <a:off x="768626" y="5989981"/>
+            <a:off x="768626" y="5883965"/>
             <a:ext cx="10614991" cy="215444"/>
           </a:xfrm>
           <a:prstGeom prst="rect">
@@ -4301,7 +4736,7 @@
           <a:p>
             <a:pPr algn="ctr"/>
             <a:r>
-              <a:rPr lang="en-GB" sz="1400" b="1">
+              <a:rPr lang="en-GB" sz="1400" b="1" dirty="0" err="1">
                 <a:solidFill>
                   <a:schemeClr val="tx2"/>
                 </a:solidFill>
@@ -4319,7 +4754,7 @@
     </p:spTree>
     <p:extLst>
       <p:ext uri="{BB962C8B-B14F-4D97-AF65-F5344CB8AC3E}">
-        <p14:creationId xmlns:p14="http://schemas.microsoft.com/office/powerpoint/2010/main" val="2830232442"/>
+        <p14:creationId xmlns:p14="http://schemas.microsoft.com/office/powerpoint/2010/main" val="2420441641"/>
       </p:ext>
     </p:extLst>
   </p:cSld>
@@ -4712,7 +5147,7 @@
         </p:nvSpPr>
         <p:spPr>
           <a:xfrm>
-            <a:off x="768626" y="5989981"/>
+            <a:off x="768626" y="5883965"/>
             <a:ext cx="10614991" cy="215444"/>
           </a:xfrm>
           <a:prstGeom prst="rect">
@@ -4727,7 +5162,7 @@
           <a:p>
             <a:pPr algn="ctr"/>
             <a:r>
-              <a:rPr lang="en-GB" sz="1400" b="1">
+              <a:rPr lang="en-GB" sz="1400" b="1" dirty="0" err="1">
                 <a:solidFill>
                   <a:schemeClr val="tx2"/>
                 </a:solidFill>
@@ -4745,7 +5180,7 @@
     </p:spTree>
     <p:extLst>
       <p:ext uri="{BB962C8B-B14F-4D97-AF65-F5344CB8AC3E}">
-        <p14:creationId xmlns:p14="http://schemas.microsoft.com/office/powerpoint/2010/main" val="1969274073"/>
+        <p14:creationId xmlns:p14="http://schemas.microsoft.com/office/powerpoint/2010/main" val="816274661"/>
       </p:ext>
     </p:extLst>
   </p:cSld>
@@ -5138,7 +5573,7 @@
         </p:nvSpPr>
         <p:spPr>
           <a:xfrm>
-            <a:off x="768626" y="5989981"/>
+            <a:off x="768626" y="5883965"/>
             <a:ext cx="10614991" cy="215444"/>
           </a:xfrm>
           <a:prstGeom prst="rect">
@@ -5153,7 +5588,7 @@
           <a:p>
             <a:pPr algn="ctr"/>
             <a:r>
-              <a:rPr lang="en-GB" sz="1400" b="1">
+              <a:rPr lang="en-GB" sz="1400" b="1" dirty="0" err="1">
                 <a:solidFill>
                   <a:schemeClr val="tx2"/>
                 </a:solidFill>
@@ -5171,7 +5606,7 @@
     </p:spTree>
     <p:extLst>
       <p:ext uri="{BB962C8B-B14F-4D97-AF65-F5344CB8AC3E}">
-        <p14:creationId xmlns:p14="http://schemas.microsoft.com/office/powerpoint/2010/main" val="3926473649"/>
+        <p14:creationId xmlns:p14="http://schemas.microsoft.com/office/powerpoint/2010/main" val="153292090"/>
       </p:ext>
     </p:extLst>
   </p:cSld>
@@ -5564,7 +5999,7 @@
         </p:nvSpPr>
         <p:spPr>
           <a:xfrm>
-            <a:off x="768626" y="5989981"/>
+            <a:off x="768626" y="5883965"/>
             <a:ext cx="10614991" cy="215444"/>
           </a:xfrm>
           <a:prstGeom prst="rect">
@@ -5579,7 +6014,7 @@
           <a:p>
             <a:pPr algn="ctr"/>
             <a:r>
-              <a:rPr lang="en-GB" sz="1400" b="1">
+              <a:rPr lang="en-GB" sz="1400" b="1" dirty="0" err="1">
                 <a:solidFill>
                   <a:schemeClr val="tx2"/>
                 </a:solidFill>
@@ -5597,7 +6032,7 @@
     </p:spTree>
     <p:extLst>
       <p:ext uri="{BB962C8B-B14F-4D97-AF65-F5344CB8AC3E}">
-        <p14:creationId xmlns:p14="http://schemas.microsoft.com/office/powerpoint/2010/main" val="2938847976"/>
+        <p14:creationId xmlns:p14="http://schemas.microsoft.com/office/powerpoint/2010/main" val="1258715885"/>
       </p:ext>
     </p:extLst>
   </p:cSld>
@@ -5990,7 +6425,7 @@
         </p:nvSpPr>
         <p:spPr>
           <a:xfrm>
-            <a:off x="768626" y="5989981"/>
+            <a:off x="768626" y="5883965"/>
             <a:ext cx="10614991" cy="215444"/>
           </a:xfrm>
           <a:prstGeom prst="rect">
@@ -6005,7 +6440,7 @@
           <a:p>
             <a:pPr algn="ctr"/>
             <a:r>
-              <a:rPr lang="en-GB" sz="1400" b="1">
+              <a:rPr lang="en-GB" sz="1400" b="1" dirty="0" err="1">
                 <a:solidFill>
                   <a:schemeClr val="tx2"/>
                 </a:solidFill>
@@ -6023,7 +6458,7 @@
     </p:spTree>
     <p:extLst>
       <p:ext uri="{BB962C8B-B14F-4D97-AF65-F5344CB8AC3E}">
-        <p14:creationId xmlns:p14="http://schemas.microsoft.com/office/powerpoint/2010/main" val="2992359851"/>
+        <p14:creationId xmlns:p14="http://schemas.microsoft.com/office/powerpoint/2010/main" val="1479630293"/>
       </p:ext>
     </p:extLst>
   </p:cSld>
@@ -6416,7 +6851,7 @@
         </p:nvSpPr>
         <p:spPr>
           <a:xfrm>
-            <a:off x="768626" y="5989981"/>
+            <a:off x="768626" y="5883965"/>
             <a:ext cx="10614991" cy="215444"/>
           </a:xfrm>
           <a:prstGeom prst="rect">
@@ -6431,7 +6866,7 @@
           <a:p>
             <a:pPr algn="ctr"/>
             <a:r>
-              <a:rPr lang="en-GB" sz="1400" b="1">
+              <a:rPr lang="en-GB" sz="1400" b="1" dirty="0" err="1">
                 <a:solidFill>
                   <a:schemeClr val="tx2"/>
                 </a:solidFill>
@@ -6449,7 +6884,7 @@
     </p:spTree>
     <p:extLst>
       <p:ext uri="{BB962C8B-B14F-4D97-AF65-F5344CB8AC3E}">
-        <p14:creationId xmlns:p14="http://schemas.microsoft.com/office/powerpoint/2010/main" val="2637515214"/>
+        <p14:creationId xmlns:p14="http://schemas.microsoft.com/office/powerpoint/2010/main" val="1479853515"/>
       </p:ext>
     </p:extLst>
   </p:cSld>
@@ -6842,7 +7277,7 @@
         </p:nvSpPr>
         <p:spPr>
           <a:xfrm>
-            <a:off x="768626" y="5989981"/>
+            <a:off x="768626" y="5883965"/>
             <a:ext cx="10614991" cy="215444"/>
           </a:xfrm>
           <a:prstGeom prst="rect">
@@ -6857,7 +7292,7 @@
           <a:p>
             <a:pPr algn="ctr"/>
             <a:r>
-              <a:rPr lang="en-GB" sz="1400" b="1">
+              <a:rPr lang="en-GB" sz="1400" b="1" dirty="0" err="1">
                 <a:solidFill>
                   <a:schemeClr val="tx2"/>
                 </a:solidFill>
@@ -6875,7 +7310,7 @@
     </p:spTree>
     <p:extLst>
       <p:ext uri="{BB962C8B-B14F-4D97-AF65-F5344CB8AC3E}">
-        <p14:creationId xmlns:p14="http://schemas.microsoft.com/office/powerpoint/2010/main" val="3648281203"/>
+        <p14:creationId xmlns:p14="http://schemas.microsoft.com/office/powerpoint/2010/main" val="1161563729"/>
       </p:ext>
     </p:extLst>
   </p:cSld>
@@ -7268,7 +7703,7 @@
         </p:nvSpPr>
         <p:spPr>
           <a:xfrm>
-            <a:off x="768626" y="5989981"/>
+            <a:off x="768626" y="5883965"/>
             <a:ext cx="10614991" cy="215444"/>
           </a:xfrm>
           <a:prstGeom prst="rect">
@@ -7283,7 +7718,7 @@
           <a:p>
             <a:pPr algn="ctr"/>
             <a:r>
-              <a:rPr lang="en-GB" sz="1400" b="1">
+              <a:rPr lang="en-GB" sz="1400" b="1" dirty="0" err="1">
                 <a:solidFill>
                   <a:schemeClr val="tx2"/>
                 </a:solidFill>
@@ -7301,7 +7736,7 @@
     </p:spTree>
     <p:extLst>
       <p:ext uri="{BB962C8B-B14F-4D97-AF65-F5344CB8AC3E}">
-        <p14:creationId xmlns:p14="http://schemas.microsoft.com/office/powerpoint/2010/main" val="2047277304"/>
+        <p14:creationId xmlns:p14="http://schemas.microsoft.com/office/powerpoint/2010/main" val="3651622068"/>
       </p:ext>
     </p:extLst>
   </p:cSld>
@@ -7694,7 +8129,7 @@
         </p:nvSpPr>
         <p:spPr>
           <a:xfrm>
-            <a:off x="768626" y="5989981"/>
+            <a:off x="768626" y="5883965"/>
             <a:ext cx="10614991" cy="215444"/>
           </a:xfrm>
           <a:prstGeom prst="rect">
@@ -7709,7 +8144,7 @@
           <a:p>
             <a:pPr algn="ctr"/>
             <a:r>
-              <a:rPr lang="en-GB" sz="1400" b="1">
+              <a:rPr lang="en-GB" sz="1400" b="1" dirty="0" err="1">
                 <a:solidFill>
                   <a:schemeClr val="tx2"/>
                 </a:solidFill>
@@ -7727,7 +8162,7 @@
     </p:spTree>
     <p:extLst>
       <p:ext uri="{BB962C8B-B14F-4D97-AF65-F5344CB8AC3E}">
-        <p14:creationId xmlns:p14="http://schemas.microsoft.com/office/powerpoint/2010/main" val="4143237008"/>
+        <p14:creationId xmlns:p14="http://schemas.microsoft.com/office/powerpoint/2010/main" val="2545146107"/>
       </p:ext>
     </p:extLst>
   </p:cSld>
@@ -8120,7 +8555,7 @@
         </p:nvSpPr>
         <p:spPr>
           <a:xfrm>
-            <a:off x="768626" y="5989981"/>
+            <a:off x="768626" y="5883965"/>
             <a:ext cx="10614991" cy="215444"/>
           </a:xfrm>
           <a:prstGeom prst="rect">
@@ -8135,7 +8570,7 @@
           <a:p>
             <a:pPr algn="ctr"/>
             <a:r>
-              <a:rPr lang="en-GB" sz="1400" b="1">
+              <a:rPr lang="en-GB" sz="1400" b="1" dirty="0" err="1">
                 <a:solidFill>
                   <a:schemeClr val="tx2"/>
                 </a:solidFill>
@@ -8153,7 +8588,7 @@
     </p:spTree>
     <p:extLst>
       <p:ext uri="{BB962C8B-B14F-4D97-AF65-F5344CB8AC3E}">
-        <p14:creationId xmlns:p14="http://schemas.microsoft.com/office/powerpoint/2010/main" val="634637723"/>
+        <p14:creationId xmlns:p14="http://schemas.microsoft.com/office/powerpoint/2010/main" val="865011741"/>
       </p:ext>
     </p:extLst>
   </p:cSld>
@@ -8546,7 +8981,7 @@
         </p:nvSpPr>
         <p:spPr>
           <a:xfrm>
-            <a:off x="768626" y="5989981"/>
+            <a:off x="768626" y="5883965"/>
             <a:ext cx="10614991" cy="215444"/>
           </a:xfrm>
           <a:prstGeom prst="rect">
@@ -8561,7 +8996,7 @@
           <a:p>
             <a:pPr algn="ctr"/>
             <a:r>
-              <a:rPr lang="en-GB" sz="1400" b="1">
+              <a:rPr lang="en-GB" sz="1400" b="1" dirty="0" err="1">
                 <a:solidFill>
                   <a:schemeClr val="tx2"/>
                 </a:solidFill>
@@ -8579,7 +9014,7 @@
     </p:spTree>
     <p:extLst>
       <p:ext uri="{BB962C8B-B14F-4D97-AF65-F5344CB8AC3E}">
-        <p14:creationId xmlns:p14="http://schemas.microsoft.com/office/powerpoint/2010/main" val="125439493"/>
+        <p14:creationId xmlns:p14="http://schemas.microsoft.com/office/powerpoint/2010/main" val="3255657496"/>
       </p:ext>
     </p:extLst>
   </p:cSld>
@@ -8972,7 +9407,7 @@
         </p:nvSpPr>
         <p:spPr>
           <a:xfrm>
-            <a:off x="768626" y="5989981"/>
+            <a:off x="768626" y="5883965"/>
             <a:ext cx="10614991" cy="215444"/>
           </a:xfrm>
           <a:prstGeom prst="rect">
@@ -8987,7 +9422,7 @@
           <a:p>
             <a:pPr algn="ctr"/>
             <a:r>
-              <a:rPr lang="en-GB" sz="1400" b="1">
+              <a:rPr lang="en-GB" sz="1400" b="1" dirty="0" err="1">
                 <a:solidFill>
                   <a:schemeClr val="tx2"/>
                 </a:solidFill>
@@ -9005,7 +9440,7 @@
     </p:spTree>
     <p:extLst>
       <p:ext uri="{BB962C8B-B14F-4D97-AF65-F5344CB8AC3E}">
-        <p14:creationId xmlns:p14="http://schemas.microsoft.com/office/powerpoint/2010/main" val="1104277095"/>
+        <p14:creationId xmlns:p14="http://schemas.microsoft.com/office/powerpoint/2010/main" val="3306040638"/>
       </p:ext>
     </p:extLst>
   </p:cSld>
@@ -9398,7 +9833,7 @@
         </p:nvSpPr>
         <p:spPr>
           <a:xfrm>
-            <a:off x="768626" y="5989981"/>
+            <a:off x="768626" y="5883965"/>
             <a:ext cx="10614991" cy="215444"/>
           </a:xfrm>
           <a:prstGeom prst="rect">
@@ -9413,7 +9848,7 @@
           <a:p>
             <a:pPr algn="ctr"/>
             <a:r>
-              <a:rPr lang="en-GB" sz="1400" b="1">
+              <a:rPr lang="en-GB" sz="1400" b="1" dirty="0" err="1">
                 <a:solidFill>
                   <a:schemeClr val="tx2"/>
                 </a:solidFill>
@@ -9431,7 +9866,7 @@
     </p:spTree>
     <p:extLst>
       <p:ext uri="{BB962C8B-B14F-4D97-AF65-F5344CB8AC3E}">
-        <p14:creationId xmlns:p14="http://schemas.microsoft.com/office/powerpoint/2010/main" val="1375990944"/>
+        <p14:creationId xmlns:p14="http://schemas.microsoft.com/office/powerpoint/2010/main" val="541512117"/>
       </p:ext>
     </p:extLst>
   </p:cSld>
@@ -9824,7 +10259,7 @@
         </p:nvSpPr>
         <p:spPr>
           <a:xfrm>
-            <a:off x="768626" y="5989981"/>
+            <a:off x="768626" y="5883965"/>
             <a:ext cx="10614991" cy="215444"/>
           </a:xfrm>
           <a:prstGeom prst="rect">
@@ -9839,7 +10274,7 @@
           <a:p>
             <a:pPr algn="ctr"/>
             <a:r>
-              <a:rPr lang="en-GB" sz="1400" b="1">
+              <a:rPr lang="en-GB" sz="1400" b="1" dirty="0" err="1">
                 <a:solidFill>
                   <a:schemeClr val="tx2"/>
                 </a:solidFill>
@@ -9857,7 +10292,7 @@
     </p:spTree>
     <p:extLst>
       <p:ext uri="{BB962C8B-B14F-4D97-AF65-F5344CB8AC3E}">
-        <p14:creationId xmlns:p14="http://schemas.microsoft.com/office/powerpoint/2010/main" val="3627025977"/>
+        <p14:creationId xmlns:p14="http://schemas.microsoft.com/office/powerpoint/2010/main" val="1262806030"/>
       </p:ext>
     </p:extLst>
   </p:cSld>
@@ -10250,7 +10685,7 @@
         </p:nvSpPr>
         <p:spPr>
           <a:xfrm>
-            <a:off x="768626" y="5989981"/>
+            <a:off x="768626" y="5883965"/>
             <a:ext cx="10614991" cy="215444"/>
           </a:xfrm>
           <a:prstGeom prst="rect">
@@ -10265,7 +10700,7 @@
           <a:p>
             <a:pPr algn="ctr"/>
             <a:r>
-              <a:rPr lang="en-GB" sz="1400" b="1">
+              <a:rPr lang="en-GB" sz="1400" b="1" dirty="0" err="1">
                 <a:solidFill>
                   <a:schemeClr val="tx2"/>
                 </a:solidFill>
@@ -10283,7 +10718,7 @@
     </p:spTree>
     <p:extLst>
       <p:ext uri="{BB962C8B-B14F-4D97-AF65-F5344CB8AC3E}">
-        <p14:creationId xmlns:p14="http://schemas.microsoft.com/office/powerpoint/2010/main" val="3475631388"/>
+        <p14:creationId xmlns:p14="http://schemas.microsoft.com/office/powerpoint/2010/main" val="2260543904"/>
       </p:ext>
     </p:extLst>
   </p:cSld>
@@ -10676,7 +11111,7 @@
         </p:nvSpPr>
         <p:spPr>
           <a:xfrm>
-            <a:off x="768626" y="5989981"/>
+            <a:off x="768626" y="5883965"/>
             <a:ext cx="10614991" cy="215444"/>
           </a:xfrm>
           <a:prstGeom prst="rect">
@@ -10691,7 +11126,7 @@
           <a:p>
             <a:pPr algn="ctr"/>
             <a:r>
-              <a:rPr lang="en-GB" sz="1400" b="1">
+              <a:rPr lang="en-GB" sz="1400" b="1" dirty="0" err="1">
                 <a:solidFill>
                   <a:schemeClr val="tx2"/>
                 </a:solidFill>
@@ -10709,7 +11144,7 @@
     </p:spTree>
     <p:extLst>
       <p:ext uri="{BB962C8B-B14F-4D97-AF65-F5344CB8AC3E}">
-        <p14:creationId xmlns:p14="http://schemas.microsoft.com/office/powerpoint/2010/main" val="103451846"/>
+        <p14:creationId xmlns:p14="http://schemas.microsoft.com/office/powerpoint/2010/main" val="487603209"/>
       </p:ext>
     </p:extLst>
   </p:cSld>
@@ -11102,7 +11537,7 @@
         </p:nvSpPr>
         <p:spPr>
           <a:xfrm>
-            <a:off x="768626" y="5989981"/>
+            <a:off x="768626" y="5883965"/>
             <a:ext cx="10614991" cy="215444"/>
           </a:xfrm>
           <a:prstGeom prst="rect">
@@ -11117,7 +11552,7 @@
           <a:p>
             <a:pPr algn="ctr"/>
             <a:r>
-              <a:rPr lang="en-GB" sz="1400" b="1">
+              <a:rPr lang="en-GB" sz="1400" b="1" dirty="0" err="1">
                 <a:solidFill>
                   <a:schemeClr val="tx2"/>
                 </a:solidFill>
@@ -11135,7 +11570,7 @@
     </p:spTree>
     <p:extLst>
       <p:ext uri="{BB962C8B-B14F-4D97-AF65-F5344CB8AC3E}">
-        <p14:creationId xmlns:p14="http://schemas.microsoft.com/office/powerpoint/2010/main" val="3478230032"/>
+        <p14:creationId xmlns:p14="http://schemas.microsoft.com/office/powerpoint/2010/main" val="2575204970"/>
       </p:ext>
     </p:extLst>
   </p:cSld>
@@ -11528,7 +11963,7 @@
         </p:nvSpPr>
         <p:spPr>
           <a:xfrm>
-            <a:off x="768626" y="5989981"/>
+            <a:off x="768626" y="5883965"/>
             <a:ext cx="10614991" cy="215444"/>
           </a:xfrm>
           <a:prstGeom prst="rect">
@@ -11543,7 +11978,7 @@
           <a:p>
             <a:pPr algn="ctr"/>
             <a:r>
-              <a:rPr lang="en-GB" sz="1400" b="1">
+              <a:rPr lang="en-GB" sz="1400" b="1" dirty="0" err="1">
                 <a:solidFill>
                   <a:schemeClr val="tx2"/>
                 </a:solidFill>
@@ -11561,7 +11996,7 @@
     </p:spTree>
     <p:extLst>
       <p:ext uri="{BB962C8B-B14F-4D97-AF65-F5344CB8AC3E}">
-        <p14:creationId xmlns:p14="http://schemas.microsoft.com/office/powerpoint/2010/main" val="4259366838"/>
+        <p14:creationId xmlns:p14="http://schemas.microsoft.com/office/powerpoint/2010/main" val="527611995"/>
       </p:ext>
     </p:extLst>
   </p:cSld>
@@ -11954,7 +12389,7 @@
         </p:nvSpPr>
         <p:spPr>
           <a:xfrm>
-            <a:off x="768626" y="5989981"/>
+            <a:off x="768626" y="5883965"/>
             <a:ext cx="10614991" cy="215444"/>
           </a:xfrm>
           <a:prstGeom prst="rect">
@@ -11969,7 +12404,7 @@
           <a:p>
             <a:pPr algn="ctr"/>
             <a:r>
-              <a:rPr lang="en-GB" sz="1400" b="1">
+              <a:rPr lang="en-GB" sz="1400" b="1" dirty="0" err="1">
                 <a:solidFill>
                   <a:schemeClr val="tx2"/>
                 </a:solidFill>
@@ -11987,7 +12422,7 @@
     </p:spTree>
     <p:extLst>
       <p:ext uri="{BB962C8B-B14F-4D97-AF65-F5344CB8AC3E}">
-        <p14:creationId xmlns:p14="http://schemas.microsoft.com/office/powerpoint/2010/main" val="4155417935"/>
+        <p14:creationId xmlns:p14="http://schemas.microsoft.com/office/powerpoint/2010/main" val="3091934217"/>
       </p:ext>
     </p:extLst>
   </p:cSld>
@@ -12380,7 +12815,7 @@
         </p:nvSpPr>
         <p:spPr>
           <a:xfrm>
-            <a:off x="768626" y="5989981"/>
+            <a:off x="768626" y="5883965"/>
             <a:ext cx="10614991" cy="215444"/>
           </a:xfrm>
           <a:prstGeom prst="rect">
@@ -12395,7 +12830,7 @@
           <a:p>
             <a:pPr algn="ctr"/>
             <a:r>
-              <a:rPr lang="en-GB" sz="1400" b="1">
+              <a:rPr lang="en-GB" sz="1400" b="1" dirty="0" err="1">
                 <a:solidFill>
                   <a:schemeClr val="tx2"/>
                 </a:solidFill>
@@ -12413,7 +12848,7 @@
     </p:spTree>
     <p:extLst>
       <p:ext uri="{BB962C8B-B14F-4D97-AF65-F5344CB8AC3E}">
-        <p14:creationId xmlns:p14="http://schemas.microsoft.com/office/powerpoint/2010/main" val="2055450813"/>
+        <p14:creationId xmlns:p14="http://schemas.microsoft.com/office/powerpoint/2010/main" val="1943154021"/>
       </p:ext>
     </p:extLst>
   </p:cSld>
@@ -12806,7 +13241,7 @@
         </p:nvSpPr>
         <p:spPr>
           <a:xfrm>
-            <a:off x="768626" y="5989981"/>
+            <a:off x="768626" y="5883965"/>
             <a:ext cx="10614991" cy="215444"/>
           </a:xfrm>
           <a:prstGeom prst="rect">
@@ -12821,7 +13256,7 @@
           <a:p>
             <a:pPr algn="ctr"/>
             <a:r>
-              <a:rPr lang="en-GB" sz="1400" b="1">
+              <a:rPr lang="en-GB" sz="1400" b="1" dirty="0" err="1">
                 <a:solidFill>
                   <a:schemeClr val="tx2"/>
                 </a:solidFill>
@@ -12839,7 +13274,7 @@
     </p:spTree>
     <p:extLst>
       <p:ext uri="{BB962C8B-B14F-4D97-AF65-F5344CB8AC3E}">
-        <p14:creationId xmlns:p14="http://schemas.microsoft.com/office/powerpoint/2010/main" val="3002650792"/>
+        <p14:creationId xmlns:p14="http://schemas.microsoft.com/office/powerpoint/2010/main" val="3862225825"/>
       </p:ext>
     </p:extLst>
   </p:cSld>
@@ -13232,7 +13667,7 @@
         </p:nvSpPr>
         <p:spPr>
           <a:xfrm>
-            <a:off x="768626" y="5989981"/>
+            <a:off x="768626" y="5883965"/>
             <a:ext cx="10614991" cy="215444"/>
           </a:xfrm>
           <a:prstGeom prst="rect">
@@ -13247,7 +13682,7 @@
           <a:p>
             <a:pPr algn="ctr"/>
             <a:r>
-              <a:rPr lang="en-GB" sz="1400" b="1">
+              <a:rPr lang="en-GB" sz="1400" b="1" dirty="0" err="1">
                 <a:solidFill>
                   <a:schemeClr val="tx2"/>
                 </a:solidFill>
@@ -13265,7 +13700,7 @@
     </p:spTree>
     <p:extLst>
       <p:ext uri="{BB962C8B-B14F-4D97-AF65-F5344CB8AC3E}">
-        <p14:creationId xmlns:p14="http://schemas.microsoft.com/office/powerpoint/2010/main" val="936637235"/>
+        <p14:creationId xmlns:p14="http://schemas.microsoft.com/office/powerpoint/2010/main" val="932914618"/>
       </p:ext>
     </p:extLst>
   </p:cSld>
@@ -13658,7 +14093,7 @@
         </p:nvSpPr>
         <p:spPr>
           <a:xfrm>
-            <a:off x="768626" y="5989981"/>
+            <a:off x="768626" y="5883965"/>
             <a:ext cx="10614991" cy="215444"/>
           </a:xfrm>
           <a:prstGeom prst="rect">
@@ -13673,7 +14108,7 @@
           <a:p>
             <a:pPr algn="ctr"/>
             <a:r>
-              <a:rPr lang="en-GB" sz="1400" b="1">
+              <a:rPr lang="en-GB" sz="1400" b="1" dirty="0" err="1">
                 <a:solidFill>
                   <a:schemeClr val="tx2"/>
                 </a:solidFill>
@@ -13691,7 +14126,7 @@
     </p:spTree>
     <p:extLst>
       <p:ext uri="{BB962C8B-B14F-4D97-AF65-F5344CB8AC3E}">
-        <p14:creationId xmlns:p14="http://schemas.microsoft.com/office/powerpoint/2010/main" val="920509518"/>
+        <p14:creationId xmlns:p14="http://schemas.microsoft.com/office/powerpoint/2010/main" val="2558792014"/>
       </p:ext>
     </p:extLst>
   </p:cSld>
@@ -14084,7 +14519,7 @@
         </p:nvSpPr>
         <p:spPr>
           <a:xfrm>
-            <a:off x="768626" y="5989981"/>
+            <a:off x="768626" y="5883965"/>
             <a:ext cx="10614991" cy="215444"/>
           </a:xfrm>
           <a:prstGeom prst="rect">
@@ -14099,7 +14534,7 @@
           <a:p>
             <a:pPr algn="ctr"/>
             <a:r>
-              <a:rPr lang="en-GB" sz="1400" b="1">
+              <a:rPr lang="en-GB" sz="1400" b="1" dirty="0" err="1">
                 <a:solidFill>
                   <a:schemeClr val="tx2"/>
                 </a:solidFill>
@@ -14117,7 +14552,7 @@
     </p:spTree>
     <p:extLst>
       <p:ext uri="{BB962C8B-B14F-4D97-AF65-F5344CB8AC3E}">
-        <p14:creationId xmlns:p14="http://schemas.microsoft.com/office/powerpoint/2010/main" val="1508241146"/>
+        <p14:creationId xmlns:p14="http://schemas.microsoft.com/office/powerpoint/2010/main" val="3633352861"/>
       </p:ext>
     </p:extLst>
   </p:cSld>
@@ -14816,15 +15251,6 @@
 </file>
 
 <file path=customXml/item1.xml><?xml version="1.0" encoding="utf-8"?>
-<?mso-contentType ?>
-<FormTemplates xmlns="http://schemas.microsoft.com/sharepoint/v3/contenttype/forms">
-  <Display>DocumentLibraryForm</Display>
-  <Edit>DocumentLibraryForm</Edit>
-  <New>DocumentLibraryForm</New>
-</FormTemplates>
-</file>
-
-<file path=customXml/item2.xml><?xml version="1.0" encoding="utf-8"?>
 <p:properties xmlns:p="http://schemas.microsoft.com/office/2006/metadata/properties" xmlns:xsi="http://www.w3.org/2001/XMLSchema-instance" xmlns:pc="http://schemas.microsoft.com/office/infopath/2007/PartnerControls">
   <documentManagement>
     <TaxCatchAll xmlns="9bea065c-4598-471b-a0d8-b208471d6a41" xsi:nil="true"/>
@@ -14833,6 +15259,15 @@
     </lcf76f155ced4ddcb4097134ff3c332f>
   </documentManagement>
 </p:properties>
+</file>
+
+<file path=customXml/item2.xml><?xml version="1.0" encoding="utf-8"?>
+<?mso-contentType ?>
+<FormTemplates xmlns="http://schemas.microsoft.com/sharepoint/v3/contenttype/forms">
+  <Display>DocumentLibraryForm</Display>
+  <Edit>DocumentLibraryForm</Edit>
+  <New>DocumentLibraryForm</New>
+</FormTemplates>
 </file>
 
 <file path=customXml/item3.xml><?xml version="1.0" encoding="utf-8"?>
@@ -15071,26 +15506,26 @@
 </file>
 
 <file path=customXml/itemProps1.xml><?xml version="1.0" encoding="utf-8"?>
-<ds:datastoreItem xmlns:ds="http://schemas.openxmlformats.org/officeDocument/2006/customXml" ds:itemID="{3BB299B6-1159-4940-B296-E198453C8E80}">
+<ds:datastoreItem xmlns:ds="http://schemas.openxmlformats.org/officeDocument/2006/customXml" ds:itemID="{9674E985-4D59-45AB-8970-AD8E2C92CE21}">
   <ds:schemaRefs>
-    <ds:schemaRef ds:uri="http://schemas.microsoft.com/sharepoint/v3/contenttype/forms"/>
+    <ds:schemaRef ds:uri="http://purl.org/dc/elements/1.1/"/>
+    <ds:schemaRef ds:uri="9bea065c-4598-471b-a0d8-b208471d6a41"/>
+    <ds:schemaRef ds:uri="http://www.w3.org/XML/1998/namespace"/>
+    <ds:schemaRef ds:uri="http://schemas.microsoft.com/office/2006/documentManagement/types"/>
+    <ds:schemaRef ds:uri="http://purl.org/dc/terms/"/>
+    <ds:schemaRef ds:uri="http://schemas.microsoft.com/office/infopath/2007/PartnerControls"/>
+    <ds:schemaRef ds:uri="737cdb0d-9f15-48ec-9529-975a91239bb1"/>
+    <ds:schemaRef ds:uri="http://schemas.openxmlformats.org/package/2006/metadata/core-properties"/>
+    <ds:schemaRef ds:uri="http://schemas.microsoft.com/office/2006/metadata/properties"/>
+    <ds:schemaRef ds:uri="http://purl.org/dc/dcmitype/"/>
   </ds:schemaRefs>
 </ds:datastoreItem>
 </file>
 
 <file path=customXml/itemProps2.xml><?xml version="1.0" encoding="utf-8"?>
-<ds:datastoreItem xmlns:ds="http://schemas.openxmlformats.org/officeDocument/2006/customXml" ds:itemID="{9674E985-4D59-45AB-8970-AD8E2C92CE21}">
+<ds:datastoreItem xmlns:ds="http://schemas.openxmlformats.org/officeDocument/2006/customXml" ds:itemID="{3BB299B6-1159-4940-B296-E198453C8E80}">
   <ds:schemaRefs>
-    <ds:schemaRef ds:uri="737cdb0d-9f15-48ec-9529-975a91239bb1"/>
-    <ds:schemaRef ds:uri="http://purl.org/dc/elements/1.1/"/>
-    <ds:schemaRef ds:uri="http://schemas.microsoft.com/office/2006/metadata/properties"/>
-    <ds:schemaRef ds:uri="http://purl.org/dc/terms/"/>
-    <ds:schemaRef ds:uri="9bea065c-4598-471b-a0d8-b208471d6a41"/>
-    <ds:schemaRef ds:uri="http://schemas.microsoft.com/office/2006/documentManagement/types"/>
-    <ds:schemaRef ds:uri="http://www.w3.org/XML/1998/namespace"/>
-    <ds:schemaRef ds:uri="http://purl.org/dc/dcmitype/"/>
-    <ds:schemaRef ds:uri="http://schemas.microsoft.com/office/infopath/2007/PartnerControls"/>
-    <ds:schemaRef ds:uri="http://schemas.openxmlformats.org/package/2006/metadata/core-properties"/>
+    <ds:schemaRef ds:uri="http://schemas.microsoft.com/sharepoint/v3/contenttype/forms"/>
   </ds:schemaRefs>
 </ds:datastoreItem>
 </file>

--- a/CONAN_content.pptx
+++ b/CONAN_content.pptx
@@ -5,7 +5,7 @@
     <p:sldMasterId id="2147483660" r:id="rId4"/>
   </p:sldMasterIdLst>
   <p:notesMasterIdLst>
-    <p:notesMasterId r:id="rId35"/>
+    <p:notesMasterId r:id="rId55"/>
   </p:notesMasterIdLst>
   <p:sldIdLst>
     <p:sldId id="257" r:id="rId5"/>
@@ -38,6 +38,26 @@
     <p:sldId id="284" r:id="rId32"/>
     <p:sldId id="285" r:id="rId33"/>
     <p:sldId id="286" r:id="rId34"/>
+    <p:sldId id="287" r:id="rId35"/>
+    <p:sldId id="288" r:id="rId36"/>
+    <p:sldId id="289" r:id="rId37"/>
+    <p:sldId id="290" r:id="rId38"/>
+    <p:sldId id="291" r:id="rId39"/>
+    <p:sldId id="292" r:id="rId40"/>
+    <p:sldId id="293" r:id="rId41"/>
+    <p:sldId id="294" r:id="rId42"/>
+    <p:sldId id="295" r:id="rId43"/>
+    <p:sldId id="296" r:id="rId44"/>
+    <p:sldId id="297" r:id="rId45"/>
+    <p:sldId id="298" r:id="rId46"/>
+    <p:sldId id="299" r:id="rId47"/>
+    <p:sldId id="300" r:id="rId48"/>
+    <p:sldId id="301" r:id="rId49"/>
+    <p:sldId id="302" r:id="rId50"/>
+    <p:sldId id="303" r:id="rId51"/>
+    <p:sldId id="304" r:id="rId52"/>
+    <p:sldId id="305" r:id="rId53"/>
+    <p:sldId id="306" r:id="rId54"/>
   </p:sldIdLst>
   <p:sldSz cx="12192000" cy="6858000"/>
   <p:notesSz cx="6858000" cy="9144000"/>
@@ -144,441 +164,6 @@
 </p:presentation>
 </file>
 
-<file path=ppt/changesInfos/changesInfo1.xml><?xml version="1.0" encoding="utf-8"?>
-<pc:chgInfo xmlns:a="http://schemas.openxmlformats.org/drawingml/2006/main" xmlns:r="http://schemas.openxmlformats.org/officeDocument/2006/relationships" xmlns:ac="http://schemas.microsoft.com/office/drawing/2013/main/command" xmlns:pc="http://schemas.microsoft.com/office/powerpoint/2013/main/command">
-  <pc:docChgLst>
-    <pc:chgData name="Arbour, Duncan" userId="f8c76c83-f09a-4702-8a60-e00215c8b89f" providerId="ADAL" clId="{322C7BEB-DD28-5740-B6F0-31DDDEF951D8}"/>
-    <pc:docChg chg="addSld delSld modSld">
-      <pc:chgData name="Arbour, Duncan" userId="f8c76c83-f09a-4702-8a60-e00215c8b89f" providerId="ADAL" clId="{322C7BEB-DD28-5740-B6F0-31DDDEF951D8}" dt="2024-08-17T10:04:31.950" v="65" actId="2890"/>
-      <pc:docMkLst>
-        <pc:docMk/>
-      </pc:docMkLst>
-      <pc:sldChg chg="modSp mod">
-        <pc:chgData name="Arbour, Duncan" userId="f8c76c83-f09a-4702-8a60-e00215c8b89f" providerId="ADAL" clId="{322C7BEB-DD28-5740-B6F0-31DDDEF951D8}" dt="2024-08-17T10:04:16.686" v="36" actId="1035"/>
-        <pc:sldMkLst>
-          <pc:docMk/>
-          <pc:sldMk cId="3236585661" sldId="257"/>
-        </pc:sldMkLst>
-        <pc:spChg chg="mod">
-          <ac:chgData name="Arbour, Duncan" userId="f8c76c83-f09a-4702-8a60-e00215c8b89f" providerId="ADAL" clId="{322C7BEB-DD28-5740-B6F0-31DDDEF951D8}" dt="2024-08-17T10:04:16.686" v="36" actId="1035"/>
-          <ac:spMkLst>
-            <pc:docMk/>
-            <pc:sldMk cId="3236585661" sldId="257"/>
-            <ac:spMk id="11" creationId="{A3036AEF-7A78-A326-F646-0EFE6B2B6FB6}"/>
-          </ac:spMkLst>
-        </pc:spChg>
-      </pc:sldChg>
-      <pc:sldChg chg="add">
-        <pc:chgData name="Arbour, Duncan" userId="f8c76c83-f09a-4702-8a60-e00215c8b89f" providerId="ADAL" clId="{322C7BEB-DD28-5740-B6F0-31DDDEF951D8}" dt="2024-08-17T10:04:22.205" v="37" actId="2890"/>
-        <pc:sldMkLst>
-          <pc:docMk/>
-          <pc:sldMk cId="1479853515" sldId="258"/>
-        </pc:sldMkLst>
-      </pc:sldChg>
-      <pc:sldChg chg="del">
-        <pc:chgData name="Arbour, Duncan" userId="f8c76c83-f09a-4702-8a60-e00215c8b89f" providerId="ADAL" clId="{322C7BEB-DD28-5740-B6F0-31DDDEF951D8}" dt="2024-08-17T10:04:10.030" v="0" actId="2696"/>
-        <pc:sldMkLst>
-          <pc:docMk/>
-          <pc:sldMk cId="2637515214" sldId="258"/>
-        </pc:sldMkLst>
-      </pc:sldChg>
-      <pc:sldChg chg="add">
-        <pc:chgData name="Arbour, Duncan" userId="f8c76c83-f09a-4702-8a60-e00215c8b89f" providerId="ADAL" clId="{322C7BEB-DD28-5740-B6F0-31DDDEF951D8}" dt="2024-08-17T10:04:23.471" v="38" actId="2890"/>
-        <pc:sldMkLst>
-          <pc:docMk/>
-          <pc:sldMk cId="2575204970" sldId="259"/>
-        </pc:sldMkLst>
-      </pc:sldChg>
-      <pc:sldChg chg="del">
-        <pc:chgData name="Arbour, Duncan" userId="f8c76c83-f09a-4702-8a60-e00215c8b89f" providerId="ADAL" clId="{322C7BEB-DD28-5740-B6F0-31DDDEF951D8}" dt="2024-08-17T10:04:10.066" v="9" actId="2696"/>
-        <pc:sldMkLst>
-          <pc:docMk/>
-          <pc:sldMk cId="3478230032" sldId="259"/>
-        </pc:sldMkLst>
-      </pc:sldChg>
-      <pc:sldChg chg="add">
-        <pc:chgData name="Arbour, Duncan" userId="f8c76c83-f09a-4702-8a60-e00215c8b89f" providerId="ADAL" clId="{322C7BEB-DD28-5740-B6F0-31DDDEF951D8}" dt="2024-08-17T10:04:23.992" v="39" actId="2890"/>
-        <pc:sldMkLst>
-          <pc:docMk/>
-          <pc:sldMk cId="3091934217" sldId="260"/>
-        </pc:sldMkLst>
-      </pc:sldChg>
-      <pc:sldChg chg="del">
-        <pc:chgData name="Arbour, Duncan" userId="f8c76c83-f09a-4702-8a60-e00215c8b89f" providerId="ADAL" clId="{322C7BEB-DD28-5740-B6F0-31DDDEF951D8}" dt="2024-08-17T10:04:10.039" v="5" actId="2696"/>
-        <pc:sldMkLst>
-          <pc:docMk/>
-          <pc:sldMk cId="4155417935" sldId="260"/>
-        </pc:sldMkLst>
-      </pc:sldChg>
-      <pc:sldChg chg="add">
-        <pc:chgData name="Arbour, Duncan" userId="f8c76c83-f09a-4702-8a60-e00215c8b89f" providerId="ADAL" clId="{322C7BEB-DD28-5740-B6F0-31DDDEF951D8}" dt="2024-08-17T10:04:24.424" v="40" actId="2890"/>
-        <pc:sldMkLst>
-          <pc:docMk/>
-          <pc:sldMk cId="1943154021" sldId="261"/>
-        </pc:sldMkLst>
-      </pc:sldChg>
-      <pc:sldChg chg="del">
-        <pc:chgData name="Arbour, Duncan" userId="f8c76c83-f09a-4702-8a60-e00215c8b89f" providerId="ADAL" clId="{322C7BEB-DD28-5740-B6F0-31DDDEF951D8}" dt="2024-08-17T10:04:10.041" v="6" actId="2696"/>
-        <pc:sldMkLst>
-          <pc:docMk/>
-          <pc:sldMk cId="2055450813" sldId="261"/>
-        </pc:sldMkLst>
-      </pc:sldChg>
-      <pc:sldChg chg="del">
-        <pc:chgData name="Arbour, Duncan" userId="f8c76c83-f09a-4702-8a60-e00215c8b89f" providerId="ADAL" clId="{322C7BEB-DD28-5740-B6F0-31DDDEF951D8}" dt="2024-08-17T10:04:10.115" v="25" actId="2696"/>
-        <pc:sldMkLst>
-          <pc:docMk/>
-          <pc:sldMk cId="3002650792" sldId="262"/>
-        </pc:sldMkLst>
-      </pc:sldChg>
-      <pc:sldChg chg="add">
-        <pc:chgData name="Arbour, Duncan" userId="f8c76c83-f09a-4702-8a60-e00215c8b89f" providerId="ADAL" clId="{322C7BEB-DD28-5740-B6F0-31DDDEF951D8}" dt="2024-08-17T10:04:24.796" v="41" actId="2890"/>
-        <pc:sldMkLst>
-          <pc:docMk/>
-          <pc:sldMk cId="3862225825" sldId="262"/>
-        </pc:sldMkLst>
-      </pc:sldChg>
-      <pc:sldChg chg="add">
-        <pc:chgData name="Arbour, Duncan" userId="f8c76c83-f09a-4702-8a60-e00215c8b89f" providerId="ADAL" clId="{322C7BEB-DD28-5740-B6F0-31DDDEF951D8}" dt="2024-08-17T10:04:24.961" v="42" actId="2890"/>
-        <pc:sldMkLst>
-          <pc:docMk/>
-          <pc:sldMk cId="932914618" sldId="263"/>
-        </pc:sldMkLst>
-      </pc:sldChg>
-      <pc:sldChg chg="del">
-        <pc:chgData name="Arbour, Duncan" userId="f8c76c83-f09a-4702-8a60-e00215c8b89f" providerId="ADAL" clId="{322C7BEB-DD28-5740-B6F0-31DDDEF951D8}" dt="2024-08-17T10:04:10.073" v="12" actId="2696"/>
-        <pc:sldMkLst>
-          <pc:docMk/>
-          <pc:sldMk cId="936637235" sldId="263"/>
-        </pc:sldMkLst>
-      </pc:sldChg>
-      <pc:sldChg chg="del">
-        <pc:chgData name="Arbour, Duncan" userId="f8c76c83-f09a-4702-8a60-e00215c8b89f" providerId="ADAL" clId="{322C7BEB-DD28-5740-B6F0-31DDDEF951D8}" dt="2024-08-17T10:04:10.140" v="28" actId="2696"/>
-        <pc:sldMkLst>
-          <pc:docMk/>
-          <pc:sldMk cId="920509518" sldId="264"/>
-        </pc:sldMkLst>
-      </pc:sldChg>
-      <pc:sldChg chg="add">
-        <pc:chgData name="Arbour, Duncan" userId="f8c76c83-f09a-4702-8a60-e00215c8b89f" providerId="ADAL" clId="{322C7BEB-DD28-5740-B6F0-31DDDEF951D8}" dt="2024-08-17T10:04:25.149" v="43" actId="2890"/>
-        <pc:sldMkLst>
-          <pc:docMk/>
-          <pc:sldMk cId="2558792014" sldId="264"/>
-        </pc:sldMkLst>
-      </pc:sldChg>
-      <pc:sldChg chg="del">
-        <pc:chgData name="Arbour, Duncan" userId="f8c76c83-f09a-4702-8a60-e00215c8b89f" providerId="ADAL" clId="{322C7BEB-DD28-5740-B6F0-31DDDEF951D8}" dt="2024-08-17T10:04:10.037" v="4" actId="2696"/>
-        <pc:sldMkLst>
-          <pc:docMk/>
-          <pc:sldMk cId="1508241146" sldId="265"/>
-        </pc:sldMkLst>
-      </pc:sldChg>
-      <pc:sldChg chg="add">
-        <pc:chgData name="Arbour, Duncan" userId="f8c76c83-f09a-4702-8a60-e00215c8b89f" providerId="ADAL" clId="{322C7BEB-DD28-5740-B6F0-31DDDEF951D8}" dt="2024-08-17T10:04:25.411" v="44" actId="2890"/>
-        <pc:sldMkLst>
-          <pc:docMk/>
-          <pc:sldMk cId="3633352861" sldId="265"/>
-        </pc:sldMkLst>
-      </pc:sldChg>
-      <pc:sldChg chg="add">
-        <pc:chgData name="Arbour, Duncan" userId="f8c76c83-f09a-4702-8a60-e00215c8b89f" providerId="ADAL" clId="{322C7BEB-DD28-5740-B6F0-31DDDEF951D8}" dt="2024-08-17T10:04:25.581" v="45" actId="2890"/>
-        <pc:sldMkLst>
-          <pc:docMk/>
-          <pc:sldMk cId="2376532883" sldId="266"/>
-        </pc:sldMkLst>
-      </pc:sldChg>
-      <pc:sldChg chg="del">
-        <pc:chgData name="Arbour, Duncan" userId="f8c76c83-f09a-4702-8a60-e00215c8b89f" providerId="ADAL" clId="{322C7BEB-DD28-5740-B6F0-31DDDEF951D8}" dt="2024-08-17T10:04:10.093" v="23" actId="2696"/>
-        <pc:sldMkLst>
-          <pc:docMk/>
-          <pc:sldMk cId="2872896762" sldId="266"/>
-        </pc:sldMkLst>
-      </pc:sldChg>
-      <pc:sldChg chg="add">
-        <pc:chgData name="Arbour, Duncan" userId="f8c76c83-f09a-4702-8a60-e00215c8b89f" providerId="ADAL" clId="{322C7BEB-DD28-5740-B6F0-31DDDEF951D8}" dt="2024-08-17T10:04:25.824" v="46" actId="2890"/>
-        <pc:sldMkLst>
-          <pc:docMk/>
-          <pc:sldMk cId="3449870671" sldId="267"/>
-        </pc:sldMkLst>
-      </pc:sldChg>
-      <pc:sldChg chg="del">
-        <pc:chgData name="Arbour, Duncan" userId="f8c76c83-f09a-4702-8a60-e00215c8b89f" providerId="ADAL" clId="{322C7BEB-DD28-5740-B6F0-31DDDEF951D8}" dt="2024-08-17T10:04:10.043" v="7" actId="2696"/>
-        <pc:sldMkLst>
-          <pc:docMk/>
-          <pc:sldMk cId="3654223394" sldId="267"/>
-        </pc:sldMkLst>
-      </pc:sldChg>
-      <pc:sldChg chg="add">
-        <pc:chgData name="Arbour, Duncan" userId="f8c76c83-f09a-4702-8a60-e00215c8b89f" providerId="ADAL" clId="{322C7BEB-DD28-5740-B6F0-31DDDEF951D8}" dt="2024-08-17T10:04:25.964" v="47" actId="2890"/>
-        <pc:sldMkLst>
-          <pc:docMk/>
-          <pc:sldMk cId="1027689865" sldId="268"/>
-        </pc:sldMkLst>
-      </pc:sldChg>
-      <pc:sldChg chg="del">
-        <pc:chgData name="Arbour, Duncan" userId="f8c76c83-f09a-4702-8a60-e00215c8b89f" providerId="ADAL" clId="{322C7BEB-DD28-5740-B6F0-31DDDEF951D8}" dt="2024-08-17T10:04:10.035" v="3" actId="2696"/>
-        <pc:sldMkLst>
-          <pc:docMk/>
-          <pc:sldMk cId="4203603594" sldId="268"/>
-        </pc:sldMkLst>
-      </pc:sldChg>
-      <pc:sldChg chg="del">
-        <pc:chgData name="Arbour, Duncan" userId="f8c76c83-f09a-4702-8a60-e00215c8b89f" providerId="ADAL" clId="{322C7BEB-DD28-5740-B6F0-31DDDEF951D8}" dt="2024-08-17T10:04:10.032" v="1" actId="2696"/>
-        <pc:sldMkLst>
-          <pc:docMk/>
-          <pc:sldMk cId="781474269" sldId="269"/>
-        </pc:sldMkLst>
-      </pc:sldChg>
-      <pc:sldChg chg="add">
-        <pc:chgData name="Arbour, Duncan" userId="f8c76c83-f09a-4702-8a60-e00215c8b89f" providerId="ADAL" clId="{322C7BEB-DD28-5740-B6F0-31DDDEF951D8}" dt="2024-08-17T10:04:26.119" v="48" actId="2890"/>
-        <pc:sldMkLst>
-          <pc:docMk/>
-          <pc:sldMk cId="3090259532" sldId="269"/>
-        </pc:sldMkLst>
-      </pc:sldChg>
-      <pc:sldChg chg="add">
-        <pc:chgData name="Arbour, Duncan" userId="f8c76c83-f09a-4702-8a60-e00215c8b89f" providerId="ADAL" clId="{322C7BEB-DD28-5740-B6F0-31DDDEF951D8}" dt="2024-08-17T10:04:26.374" v="49" actId="2890"/>
-        <pc:sldMkLst>
-          <pc:docMk/>
-          <pc:sldMk cId="116252995" sldId="270"/>
-        </pc:sldMkLst>
-      </pc:sldChg>
-      <pc:sldChg chg="del">
-        <pc:chgData name="Arbour, Duncan" userId="f8c76c83-f09a-4702-8a60-e00215c8b89f" providerId="ADAL" clId="{322C7BEB-DD28-5740-B6F0-31DDDEF951D8}" dt="2024-08-17T10:04:10.090" v="21" actId="2696"/>
-        <pc:sldMkLst>
-          <pc:docMk/>
-          <pc:sldMk cId="3553913390" sldId="270"/>
-        </pc:sldMkLst>
-      </pc:sldChg>
-      <pc:sldChg chg="add">
-        <pc:chgData name="Arbour, Duncan" userId="f8c76c83-f09a-4702-8a60-e00215c8b89f" providerId="ADAL" clId="{322C7BEB-DD28-5740-B6F0-31DDDEF951D8}" dt="2024-08-17T10:04:26.557" v="50" actId="2890"/>
-        <pc:sldMkLst>
-          <pc:docMk/>
-          <pc:sldMk cId="2420441641" sldId="271"/>
-        </pc:sldMkLst>
-      </pc:sldChg>
-      <pc:sldChg chg="del">
-        <pc:chgData name="Arbour, Duncan" userId="f8c76c83-f09a-4702-8a60-e00215c8b89f" providerId="ADAL" clId="{322C7BEB-DD28-5740-B6F0-31DDDEF951D8}" dt="2024-08-17T10:04:10.068" v="10" actId="2696"/>
-        <pc:sldMkLst>
-          <pc:docMk/>
-          <pc:sldMk cId="2830232442" sldId="271"/>
-        </pc:sldMkLst>
-      </pc:sldChg>
-      <pc:sldChg chg="add">
-        <pc:chgData name="Arbour, Duncan" userId="f8c76c83-f09a-4702-8a60-e00215c8b89f" providerId="ADAL" clId="{322C7BEB-DD28-5740-B6F0-31DDDEF951D8}" dt="2024-08-17T10:04:26.825" v="51" actId="2890"/>
-        <pc:sldMkLst>
-          <pc:docMk/>
-          <pc:sldMk cId="816274661" sldId="272"/>
-        </pc:sldMkLst>
-      </pc:sldChg>
-      <pc:sldChg chg="del">
-        <pc:chgData name="Arbour, Duncan" userId="f8c76c83-f09a-4702-8a60-e00215c8b89f" providerId="ADAL" clId="{322C7BEB-DD28-5740-B6F0-31DDDEF951D8}" dt="2024-08-17T10:04:10.082" v="17" actId="2696"/>
-        <pc:sldMkLst>
-          <pc:docMk/>
-          <pc:sldMk cId="1969274073" sldId="272"/>
-        </pc:sldMkLst>
-      </pc:sldChg>
-      <pc:sldChg chg="add">
-        <pc:chgData name="Arbour, Duncan" userId="f8c76c83-f09a-4702-8a60-e00215c8b89f" providerId="ADAL" clId="{322C7BEB-DD28-5740-B6F0-31DDDEF951D8}" dt="2024-08-17T10:04:26.991" v="52" actId="2890"/>
-        <pc:sldMkLst>
-          <pc:docMk/>
-          <pc:sldMk cId="153292090" sldId="273"/>
-        </pc:sldMkLst>
-      </pc:sldChg>
-      <pc:sldChg chg="del">
-        <pc:chgData name="Arbour, Duncan" userId="f8c76c83-f09a-4702-8a60-e00215c8b89f" providerId="ADAL" clId="{322C7BEB-DD28-5740-B6F0-31DDDEF951D8}" dt="2024-08-17T10:04:10.091" v="22" actId="2696"/>
-        <pc:sldMkLst>
-          <pc:docMk/>
-          <pc:sldMk cId="3926473649" sldId="273"/>
-        </pc:sldMkLst>
-      </pc:sldChg>
-      <pc:sldChg chg="add">
-        <pc:chgData name="Arbour, Duncan" userId="f8c76c83-f09a-4702-8a60-e00215c8b89f" providerId="ADAL" clId="{322C7BEB-DD28-5740-B6F0-31DDDEF951D8}" dt="2024-08-17T10:04:27.245" v="53" actId="2890"/>
-        <pc:sldMkLst>
-          <pc:docMk/>
-          <pc:sldMk cId="1258715885" sldId="274"/>
-        </pc:sldMkLst>
-      </pc:sldChg>
-      <pc:sldChg chg="del">
-        <pc:chgData name="Arbour, Duncan" userId="f8c76c83-f09a-4702-8a60-e00215c8b89f" providerId="ADAL" clId="{322C7BEB-DD28-5740-B6F0-31DDDEF951D8}" dt="2024-08-17T10:04:10.081" v="16" actId="2696"/>
-        <pc:sldMkLst>
-          <pc:docMk/>
-          <pc:sldMk cId="2938847976" sldId="274"/>
-        </pc:sldMkLst>
-      </pc:sldChg>
-      <pc:sldChg chg="add">
-        <pc:chgData name="Arbour, Duncan" userId="f8c76c83-f09a-4702-8a60-e00215c8b89f" providerId="ADAL" clId="{322C7BEB-DD28-5740-B6F0-31DDDEF951D8}" dt="2024-08-17T10:04:27.511" v="54" actId="2890"/>
-        <pc:sldMkLst>
-          <pc:docMk/>
-          <pc:sldMk cId="1479630293" sldId="275"/>
-        </pc:sldMkLst>
-      </pc:sldChg>
-      <pc:sldChg chg="del">
-        <pc:chgData name="Arbour, Duncan" userId="f8c76c83-f09a-4702-8a60-e00215c8b89f" providerId="ADAL" clId="{322C7BEB-DD28-5740-B6F0-31DDDEF951D8}" dt="2024-08-17T10:04:10.119" v="27" actId="2696"/>
-        <pc:sldMkLst>
-          <pc:docMk/>
-          <pc:sldMk cId="2992359851" sldId="275"/>
-        </pc:sldMkLst>
-      </pc:sldChg>
-      <pc:sldChg chg="add">
-        <pc:chgData name="Arbour, Duncan" userId="f8c76c83-f09a-4702-8a60-e00215c8b89f" providerId="ADAL" clId="{322C7BEB-DD28-5740-B6F0-31DDDEF951D8}" dt="2024-08-17T10:04:27.791" v="55" actId="2890"/>
-        <pc:sldMkLst>
-          <pc:docMk/>
-          <pc:sldMk cId="1161563729" sldId="276"/>
-        </pc:sldMkLst>
-      </pc:sldChg>
-      <pc:sldChg chg="del">
-        <pc:chgData name="Arbour, Duncan" userId="f8c76c83-f09a-4702-8a60-e00215c8b89f" providerId="ADAL" clId="{322C7BEB-DD28-5740-B6F0-31DDDEF951D8}" dt="2024-08-17T10:04:10.044" v="8" actId="2696"/>
-        <pc:sldMkLst>
-          <pc:docMk/>
-          <pc:sldMk cId="3648281203" sldId="276"/>
-        </pc:sldMkLst>
-      </pc:sldChg>
-      <pc:sldChg chg="del">
-        <pc:chgData name="Arbour, Duncan" userId="f8c76c83-f09a-4702-8a60-e00215c8b89f" providerId="ADAL" clId="{322C7BEB-DD28-5740-B6F0-31DDDEF951D8}" dt="2024-08-17T10:04:10.086" v="19" actId="2696"/>
-        <pc:sldMkLst>
-          <pc:docMk/>
-          <pc:sldMk cId="2047277304" sldId="277"/>
-        </pc:sldMkLst>
-      </pc:sldChg>
-      <pc:sldChg chg="add">
-        <pc:chgData name="Arbour, Duncan" userId="f8c76c83-f09a-4702-8a60-e00215c8b89f" providerId="ADAL" clId="{322C7BEB-DD28-5740-B6F0-31DDDEF951D8}" dt="2024-08-17T10:04:28.437" v="56" actId="2890"/>
-        <pc:sldMkLst>
-          <pc:docMk/>
-          <pc:sldMk cId="3651622068" sldId="277"/>
-        </pc:sldMkLst>
-      </pc:sldChg>
-      <pc:sldChg chg="add">
-        <pc:chgData name="Arbour, Duncan" userId="f8c76c83-f09a-4702-8a60-e00215c8b89f" providerId="ADAL" clId="{322C7BEB-DD28-5740-B6F0-31DDDEF951D8}" dt="2024-08-17T10:04:28.889" v="57" actId="2890"/>
-        <pc:sldMkLst>
-          <pc:docMk/>
-          <pc:sldMk cId="2545146107" sldId="278"/>
-        </pc:sldMkLst>
-      </pc:sldChg>
-      <pc:sldChg chg="del">
-        <pc:chgData name="Arbour, Duncan" userId="f8c76c83-f09a-4702-8a60-e00215c8b89f" providerId="ADAL" clId="{322C7BEB-DD28-5740-B6F0-31DDDEF951D8}" dt="2024-08-17T10:04:10.077" v="14" actId="2696"/>
-        <pc:sldMkLst>
-          <pc:docMk/>
-          <pc:sldMk cId="4143237008" sldId="278"/>
-        </pc:sldMkLst>
-      </pc:sldChg>
-      <pc:sldChg chg="del">
-        <pc:chgData name="Arbour, Duncan" userId="f8c76c83-f09a-4702-8a60-e00215c8b89f" providerId="ADAL" clId="{322C7BEB-DD28-5740-B6F0-31DDDEF951D8}" dt="2024-08-17T10:04:10.075" v="13" actId="2696"/>
-        <pc:sldMkLst>
-          <pc:docMk/>
-          <pc:sldMk cId="634637723" sldId="279"/>
-        </pc:sldMkLst>
-      </pc:sldChg>
-      <pc:sldChg chg="add">
-        <pc:chgData name="Arbour, Duncan" userId="f8c76c83-f09a-4702-8a60-e00215c8b89f" providerId="ADAL" clId="{322C7BEB-DD28-5740-B6F0-31DDDEF951D8}" dt="2024-08-17T10:04:29.193" v="58" actId="2890"/>
-        <pc:sldMkLst>
-          <pc:docMk/>
-          <pc:sldMk cId="865011741" sldId="279"/>
-        </pc:sldMkLst>
-      </pc:sldChg>
-      <pc:sldChg chg="del">
-        <pc:chgData name="Arbour, Duncan" userId="f8c76c83-f09a-4702-8a60-e00215c8b89f" providerId="ADAL" clId="{322C7BEB-DD28-5740-B6F0-31DDDEF951D8}" dt="2024-08-17T10:04:10.079" v="15" actId="2696"/>
-        <pc:sldMkLst>
-          <pc:docMk/>
-          <pc:sldMk cId="125439493" sldId="280"/>
-        </pc:sldMkLst>
-      </pc:sldChg>
-      <pc:sldChg chg="add">
-        <pc:chgData name="Arbour, Duncan" userId="f8c76c83-f09a-4702-8a60-e00215c8b89f" providerId="ADAL" clId="{322C7BEB-DD28-5740-B6F0-31DDDEF951D8}" dt="2024-08-17T10:04:29.492" v="59" actId="2890"/>
-        <pc:sldMkLst>
-          <pc:docMk/>
-          <pc:sldMk cId="3255657496" sldId="280"/>
-        </pc:sldMkLst>
-      </pc:sldChg>
-      <pc:sldChg chg="del">
-        <pc:chgData name="Arbour, Duncan" userId="f8c76c83-f09a-4702-8a60-e00215c8b89f" providerId="ADAL" clId="{322C7BEB-DD28-5740-B6F0-31DDDEF951D8}" dt="2024-08-17T10:04:10.095" v="24" actId="2696"/>
-        <pc:sldMkLst>
-          <pc:docMk/>
-          <pc:sldMk cId="1104277095" sldId="281"/>
-        </pc:sldMkLst>
-      </pc:sldChg>
-      <pc:sldChg chg="add">
-        <pc:chgData name="Arbour, Duncan" userId="f8c76c83-f09a-4702-8a60-e00215c8b89f" providerId="ADAL" clId="{322C7BEB-DD28-5740-B6F0-31DDDEF951D8}" dt="2024-08-17T10:04:29.733" v="60" actId="2890"/>
-        <pc:sldMkLst>
-          <pc:docMk/>
-          <pc:sldMk cId="3306040638" sldId="281"/>
-        </pc:sldMkLst>
-      </pc:sldChg>
-      <pc:sldChg chg="add">
-        <pc:chgData name="Arbour, Duncan" userId="f8c76c83-f09a-4702-8a60-e00215c8b89f" providerId="ADAL" clId="{322C7BEB-DD28-5740-B6F0-31DDDEF951D8}" dt="2024-08-17T10:04:30.071" v="61" actId="2890"/>
-        <pc:sldMkLst>
-          <pc:docMk/>
-          <pc:sldMk cId="541512117" sldId="282"/>
-        </pc:sldMkLst>
-      </pc:sldChg>
-      <pc:sldChg chg="del">
-        <pc:chgData name="Arbour, Duncan" userId="f8c76c83-f09a-4702-8a60-e00215c8b89f" providerId="ADAL" clId="{322C7BEB-DD28-5740-B6F0-31DDDEF951D8}" dt="2024-08-17T10:04:10.084" v="18" actId="2696"/>
-        <pc:sldMkLst>
-          <pc:docMk/>
-          <pc:sldMk cId="1375990944" sldId="282"/>
-        </pc:sldMkLst>
-      </pc:sldChg>
-      <pc:sldChg chg="add">
-        <pc:chgData name="Arbour, Duncan" userId="f8c76c83-f09a-4702-8a60-e00215c8b89f" providerId="ADAL" clId="{322C7BEB-DD28-5740-B6F0-31DDDEF951D8}" dt="2024-08-17T10:04:30.423" v="62" actId="2890"/>
-        <pc:sldMkLst>
-          <pc:docMk/>
-          <pc:sldMk cId="1262806030" sldId="283"/>
-        </pc:sldMkLst>
-      </pc:sldChg>
-      <pc:sldChg chg="del">
-        <pc:chgData name="Arbour, Duncan" userId="f8c76c83-f09a-4702-8a60-e00215c8b89f" providerId="ADAL" clId="{322C7BEB-DD28-5740-B6F0-31DDDEF951D8}" dt="2024-08-17T10:04:10.033" v="2" actId="2696"/>
-        <pc:sldMkLst>
-          <pc:docMk/>
-          <pc:sldMk cId="3627025977" sldId="283"/>
-        </pc:sldMkLst>
-      </pc:sldChg>
-      <pc:sldChg chg="add">
-        <pc:chgData name="Arbour, Duncan" userId="f8c76c83-f09a-4702-8a60-e00215c8b89f" providerId="ADAL" clId="{322C7BEB-DD28-5740-B6F0-31DDDEF951D8}" dt="2024-08-17T10:04:30.776" v="63" actId="2890"/>
-        <pc:sldMkLst>
-          <pc:docMk/>
-          <pc:sldMk cId="2260543904" sldId="284"/>
-        </pc:sldMkLst>
-      </pc:sldChg>
-      <pc:sldChg chg="del">
-        <pc:chgData name="Arbour, Duncan" userId="f8c76c83-f09a-4702-8a60-e00215c8b89f" providerId="ADAL" clId="{322C7BEB-DD28-5740-B6F0-31DDDEF951D8}" dt="2024-08-17T10:04:10.088" v="20" actId="2696"/>
-        <pc:sldMkLst>
-          <pc:docMk/>
-          <pc:sldMk cId="3475631388" sldId="284"/>
-        </pc:sldMkLst>
-      </pc:sldChg>
-      <pc:sldChg chg="del">
-        <pc:chgData name="Arbour, Duncan" userId="f8c76c83-f09a-4702-8a60-e00215c8b89f" providerId="ADAL" clId="{322C7BEB-DD28-5740-B6F0-31DDDEF951D8}" dt="2024-08-17T10:04:10.070" v="11" actId="2696"/>
-        <pc:sldMkLst>
-          <pc:docMk/>
-          <pc:sldMk cId="103451846" sldId="285"/>
-        </pc:sldMkLst>
-      </pc:sldChg>
-      <pc:sldChg chg="add">
-        <pc:chgData name="Arbour, Duncan" userId="f8c76c83-f09a-4702-8a60-e00215c8b89f" providerId="ADAL" clId="{322C7BEB-DD28-5740-B6F0-31DDDEF951D8}" dt="2024-08-17T10:04:31.139" v="64" actId="2890"/>
-        <pc:sldMkLst>
-          <pc:docMk/>
-          <pc:sldMk cId="487603209" sldId="285"/>
-        </pc:sldMkLst>
-      </pc:sldChg>
-      <pc:sldChg chg="add">
-        <pc:chgData name="Arbour, Duncan" userId="f8c76c83-f09a-4702-8a60-e00215c8b89f" providerId="ADAL" clId="{322C7BEB-DD28-5740-B6F0-31DDDEF951D8}" dt="2024-08-17T10:04:31.950" v="65" actId="2890"/>
-        <pc:sldMkLst>
-          <pc:docMk/>
-          <pc:sldMk cId="527611995" sldId="286"/>
-        </pc:sldMkLst>
-      </pc:sldChg>
-      <pc:sldChg chg="del">
-        <pc:chgData name="Arbour, Duncan" userId="f8c76c83-f09a-4702-8a60-e00215c8b89f" providerId="ADAL" clId="{322C7BEB-DD28-5740-B6F0-31DDDEF951D8}" dt="2024-08-17T10:04:10.117" v="26" actId="2696"/>
-        <pc:sldMkLst>
-          <pc:docMk/>
-          <pc:sldMk cId="4259366838" sldId="286"/>
-        </pc:sldMkLst>
-      </pc:sldChg>
-    </pc:docChg>
-  </pc:docChgLst>
-</pc:chgInfo>
-</file>
-
 <file path=ppt/notesMasters/notesMaster1.xml><?xml version="1.0" encoding="utf-8"?>
 <p:notesMaster xmlns:a="http://schemas.openxmlformats.org/drawingml/2006/main" xmlns:r="http://schemas.openxmlformats.org/officeDocument/2006/relationships" xmlns:p="http://schemas.openxmlformats.org/presentationml/2006/main">
   <p:cSld>
@@ -661,7 +246,7 @@
           <a:p>
             <a:fld id="{77AB6CFA-8C06-A742-9C67-9EB8DDEC067B}" type="datetimeFigureOut">
               <a:rPr lang="en-US" smtClean="0"/>
-              <a:t>8/17/24</a:t>
+              <a:t>8/18/24</a:t>
             </a:fld>
             <a:endParaRPr lang="en-US"/>
           </a:p>
@@ -2631,13 +2216,13 @@
   <p:clrMapOvr>
     <a:masterClrMapping/>
   </p:clrMapOvr>
-  <mc:AlternateContent xmlns:mc="http://schemas.openxmlformats.org/markup-compatibility/2006">
-    <mc:Choice xmlns:p14="http://schemas.microsoft.com/office/powerpoint/2010/main" Requires="p14">
+  <mc:AlternateContent xmlns:mc="http://schemas.openxmlformats.org/markup-compatibility/2006" xmlns:p14="http://schemas.microsoft.com/office/powerpoint/2010/main">
+    <mc:Choice Requires="p14">
       <p:transition spd="med" p14:dur="700">
         <p:fade/>
       </p:transition>
     </mc:Choice>
-    <mc:Fallback>
+    <mc:Fallback xmlns="">
       <p:transition spd="med">
         <p:fade/>
       </p:transition>
@@ -3057,13 +2642,13 @@
   <p:clrMapOvr>
     <a:masterClrMapping/>
   </p:clrMapOvr>
-  <mc:AlternateContent xmlns:mc="http://schemas.openxmlformats.org/markup-compatibility/2006">
-    <mc:Choice xmlns:p14="http://schemas.microsoft.com/office/powerpoint/2010/main" Requires="p14">
+  <mc:AlternateContent xmlns:mc="http://schemas.openxmlformats.org/markup-compatibility/2006" xmlns:p14="http://schemas.microsoft.com/office/powerpoint/2010/main">
+    <mc:Choice Requires="p14">
       <p:transition spd="med" p14:dur="700">
         <p:fade/>
       </p:transition>
     </mc:Choice>
-    <mc:Fallback>
+    <mc:Fallback xmlns="">
       <p:transition spd="med">
         <p:fade/>
       </p:transition>
@@ -3483,13 +3068,13 @@
   <p:clrMapOvr>
     <a:masterClrMapping/>
   </p:clrMapOvr>
-  <mc:AlternateContent xmlns:mc="http://schemas.openxmlformats.org/markup-compatibility/2006">
-    <mc:Choice xmlns:p14="http://schemas.microsoft.com/office/powerpoint/2010/main" Requires="p14">
+  <mc:AlternateContent xmlns:mc="http://schemas.openxmlformats.org/markup-compatibility/2006" xmlns:p14="http://schemas.microsoft.com/office/powerpoint/2010/main">
+    <mc:Choice Requires="p14">
       <p:transition spd="med" p14:dur="700">
         <p:fade/>
       </p:transition>
     </mc:Choice>
-    <mc:Fallback>
+    <mc:Fallback xmlns="">
       <p:transition spd="med">
         <p:fade/>
       </p:transition>
@@ -3909,13 +3494,13 @@
   <p:clrMapOvr>
     <a:masterClrMapping/>
   </p:clrMapOvr>
-  <mc:AlternateContent xmlns:mc="http://schemas.openxmlformats.org/markup-compatibility/2006">
-    <mc:Choice xmlns:p14="http://schemas.microsoft.com/office/powerpoint/2010/main" Requires="p14">
+  <mc:AlternateContent xmlns:mc="http://schemas.openxmlformats.org/markup-compatibility/2006" xmlns:p14="http://schemas.microsoft.com/office/powerpoint/2010/main">
+    <mc:Choice Requires="p14">
       <p:transition spd="med" p14:dur="700">
         <p:fade/>
       </p:transition>
     </mc:Choice>
-    <mc:Fallback>
+    <mc:Fallback xmlns="">
       <p:transition spd="med">
         <p:fade/>
       </p:transition>
@@ -4335,13 +3920,13 @@
   <p:clrMapOvr>
     <a:masterClrMapping/>
   </p:clrMapOvr>
-  <mc:AlternateContent xmlns:mc="http://schemas.openxmlformats.org/markup-compatibility/2006">
-    <mc:Choice xmlns:p14="http://schemas.microsoft.com/office/powerpoint/2010/main" Requires="p14">
+  <mc:AlternateContent xmlns:mc="http://schemas.openxmlformats.org/markup-compatibility/2006" xmlns:p14="http://schemas.microsoft.com/office/powerpoint/2010/main">
+    <mc:Choice Requires="p14">
       <p:transition spd="med" p14:dur="700">
         <p:fade/>
       </p:transition>
     </mc:Choice>
-    <mc:Fallback>
+    <mc:Fallback xmlns="">
       <p:transition spd="med">
         <p:fade/>
       </p:transition>
@@ -4761,13 +4346,13 @@
   <p:clrMapOvr>
     <a:masterClrMapping/>
   </p:clrMapOvr>
-  <mc:AlternateContent xmlns:mc="http://schemas.openxmlformats.org/markup-compatibility/2006">
-    <mc:Choice xmlns:p14="http://schemas.microsoft.com/office/powerpoint/2010/main" Requires="p14">
+  <mc:AlternateContent xmlns:mc="http://schemas.openxmlformats.org/markup-compatibility/2006" xmlns:p14="http://schemas.microsoft.com/office/powerpoint/2010/main">
+    <mc:Choice Requires="p14">
       <p:transition spd="med" p14:dur="700">
         <p:fade/>
       </p:transition>
     </mc:Choice>
-    <mc:Fallback>
+    <mc:Fallback xmlns="">
       <p:transition spd="med">
         <p:fade/>
       </p:transition>
@@ -5187,13 +4772,13 @@
   <p:clrMapOvr>
     <a:masterClrMapping/>
   </p:clrMapOvr>
-  <mc:AlternateContent xmlns:mc="http://schemas.openxmlformats.org/markup-compatibility/2006">
-    <mc:Choice xmlns:p14="http://schemas.microsoft.com/office/powerpoint/2010/main" Requires="p14">
+  <mc:AlternateContent xmlns:mc="http://schemas.openxmlformats.org/markup-compatibility/2006" xmlns:p14="http://schemas.microsoft.com/office/powerpoint/2010/main">
+    <mc:Choice Requires="p14">
       <p:transition spd="med" p14:dur="700">
         <p:fade/>
       </p:transition>
     </mc:Choice>
-    <mc:Fallback>
+    <mc:Fallback xmlns="">
       <p:transition spd="med">
         <p:fade/>
       </p:transition>
@@ -5613,13 +5198,13 @@
   <p:clrMapOvr>
     <a:masterClrMapping/>
   </p:clrMapOvr>
-  <mc:AlternateContent xmlns:mc="http://schemas.openxmlformats.org/markup-compatibility/2006">
-    <mc:Choice xmlns:p14="http://schemas.microsoft.com/office/powerpoint/2010/main" Requires="p14">
+  <mc:AlternateContent xmlns:mc="http://schemas.openxmlformats.org/markup-compatibility/2006" xmlns:p14="http://schemas.microsoft.com/office/powerpoint/2010/main">
+    <mc:Choice Requires="p14">
       <p:transition spd="med" p14:dur="700">
         <p:fade/>
       </p:transition>
     </mc:Choice>
-    <mc:Fallback>
+    <mc:Fallback xmlns="">
       <p:transition spd="med">
         <p:fade/>
       </p:transition>
@@ -6039,13 +5624,13 @@
   <p:clrMapOvr>
     <a:masterClrMapping/>
   </p:clrMapOvr>
-  <mc:AlternateContent xmlns:mc="http://schemas.openxmlformats.org/markup-compatibility/2006">
-    <mc:Choice xmlns:p14="http://schemas.microsoft.com/office/powerpoint/2010/main" Requires="p14">
+  <mc:AlternateContent xmlns:mc="http://schemas.openxmlformats.org/markup-compatibility/2006" xmlns:p14="http://schemas.microsoft.com/office/powerpoint/2010/main">
+    <mc:Choice Requires="p14">
       <p:transition spd="med" p14:dur="700">
         <p:fade/>
       </p:transition>
     </mc:Choice>
-    <mc:Fallback>
+    <mc:Fallback xmlns="">
       <p:transition spd="med">
         <p:fade/>
       </p:transition>
@@ -6465,13 +6050,13 @@
   <p:clrMapOvr>
     <a:masterClrMapping/>
   </p:clrMapOvr>
-  <mc:AlternateContent xmlns:mc="http://schemas.openxmlformats.org/markup-compatibility/2006">
-    <mc:Choice xmlns:p14="http://schemas.microsoft.com/office/powerpoint/2010/main" Requires="p14">
+  <mc:AlternateContent xmlns:mc="http://schemas.openxmlformats.org/markup-compatibility/2006" xmlns:p14="http://schemas.microsoft.com/office/powerpoint/2010/main">
+    <mc:Choice Requires="p14">
       <p:transition spd="med" p14:dur="700">
         <p:fade/>
       </p:transition>
     </mc:Choice>
-    <mc:Fallback>
+    <mc:Fallback xmlns="">
       <p:transition spd="med">
         <p:fade/>
       </p:transition>
@@ -6891,13 +6476,13 @@
   <p:clrMapOvr>
     <a:masterClrMapping/>
   </p:clrMapOvr>
-  <mc:AlternateContent xmlns:mc="http://schemas.openxmlformats.org/markup-compatibility/2006">
-    <mc:Choice xmlns:p14="http://schemas.microsoft.com/office/powerpoint/2010/main" Requires="p14">
+  <mc:AlternateContent xmlns:mc="http://schemas.openxmlformats.org/markup-compatibility/2006" xmlns:p14="http://schemas.microsoft.com/office/powerpoint/2010/main">
+    <mc:Choice Requires="p14">
       <p:transition spd="med" p14:dur="700">
         <p:fade/>
       </p:transition>
     </mc:Choice>
-    <mc:Fallback>
+    <mc:Fallback xmlns="">
       <p:transition spd="med">
         <p:fade/>
       </p:transition>
@@ -7317,13 +6902,13 @@
   <p:clrMapOvr>
     <a:masterClrMapping/>
   </p:clrMapOvr>
-  <mc:AlternateContent xmlns:mc="http://schemas.openxmlformats.org/markup-compatibility/2006">
-    <mc:Choice xmlns:p14="http://schemas.microsoft.com/office/powerpoint/2010/main" Requires="p14">
+  <mc:AlternateContent xmlns:mc="http://schemas.openxmlformats.org/markup-compatibility/2006" xmlns:p14="http://schemas.microsoft.com/office/powerpoint/2010/main">
+    <mc:Choice Requires="p14">
       <p:transition spd="med" p14:dur="700">
         <p:fade/>
       </p:transition>
     </mc:Choice>
-    <mc:Fallback>
+    <mc:Fallback xmlns="">
       <p:transition spd="med">
         <p:fade/>
       </p:transition>
@@ -7743,13 +7328,13 @@
   <p:clrMapOvr>
     <a:masterClrMapping/>
   </p:clrMapOvr>
-  <mc:AlternateContent xmlns:mc="http://schemas.openxmlformats.org/markup-compatibility/2006">
-    <mc:Choice xmlns:p14="http://schemas.microsoft.com/office/powerpoint/2010/main" Requires="p14">
+  <mc:AlternateContent xmlns:mc="http://schemas.openxmlformats.org/markup-compatibility/2006" xmlns:p14="http://schemas.microsoft.com/office/powerpoint/2010/main">
+    <mc:Choice Requires="p14">
       <p:transition spd="med" p14:dur="700">
         <p:fade/>
       </p:transition>
     </mc:Choice>
-    <mc:Fallback>
+    <mc:Fallback xmlns="">
       <p:transition spd="med">
         <p:fade/>
       </p:transition>
@@ -8169,13 +7754,13 @@
   <p:clrMapOvr>
     <a:masterClrMapping/>
   </p:clrMapOvr>
-  <mc:AlternateContent xmlns:mc="http://schemas.openxmlformats.org/markup-compatibility/2006">
-    <mc:Choice xmlns:p14="http://schemas.microsoft.com/office/powerpoint/2010/main" Requires="p14">
+  <mc:AlternateContent xmlns:mc="http://schemas.openxmlformats.org/markup-compatibility/2006" xmlns:p14="http://schemas.microsoft.com/office/powerpoint/2010/main">
+    <mc:Choice Requires="p14">
       <p:transition spd="med" p14:dur="700">
         <p:fade/>
       </p:transition>
     </mc:Choice>
-    <mc:Fallback>
+    <mc:Fallback xmlns="">
       <p:transition spd="med">
         <p:fade/>
       </p:transition>
@@ -8595,13 +8180,13 @@
   <p:clrMapOvr>
     <a:masterClrMapping/>
   </p:clrMapOvr>
-  <mc:AlternateContent xmlns:mc="http://schemas.openxmlformats.org/markup-compatibility/2006">
-    <mc:Choice xmlns:p14="http://schemas.microsoft.com/office/powerpoint/2010/main" Requires="p14">
+  <mc:AlternateContent xmlns:mc="http://schemas.openxmlformats.org/markup-compatibility/2006" xmlns:p14="http://schemas.microsoft.com/office/powerpoint/2010/main">
+    <mc:Choice Requires="p14">
       <p:transition spd="med" p14:dur="700">
         <p:fade/>
       </p:transition>
     </mc:Choice>
-    <mc:Fallback>
+    <mc:Fallback xmlns="">
       <p:transition spd="med">
         <p:fade/>
       </p:transition>
@@ -9021,13 +8606,13 @@
   <p:clrMapOvr>
     <a:masterClrMapping/>
   </p:clrMapOvr>
-  <mc:AlternateContent xmlns:mc="http://schemas.openxmlformats.org/markup-compatibility/2006">
-    <mc:Choice xmlns:p14="http://schemas.microsoft.com/office/powerpoint/2010/main" Requires="p14">
+  <mc:AlternateContent xmlns:mc="http://schemas.openxmlformats.org/markup-compatibility/2006" xmlns:p14="http://schemas.microsoft.com/office/powerpoint/2010/main">
+    <mc:Choice Requires="p14">
       <p:transition spd="med" p14:dur="700">
         <p:fade/>
       </p:transition>
     </mc:Choice>
-    <mc:Fallback>
+    <mc:Fallback xmlns="">
       <p:transition spd="med">
         <p:fade/>
       </p:transition>
@@ -9447,13 +9032,13 @@
   <p:clrMapOvr>
     <a:masterClrMapping/>
   </p:clrMapOvr>
-  <mc:AlternateContent xmlns:mc="http://schemas.openxmlformats.org/markup-compatibility/2006">
-    <mc:Choice xmlns:p14="http://schemas.microsoft.com/office/powerpoint/2010/main" Requires="p14">
+  <mc:AlternateContent xmlns:mc="http://schemas.openxmlformats.org/markup-compatibility/2006" xmlns:p14="http://schemas.microsoft.com/office/powerpoint/2010/main">
+    <mc:Choice Requires="p14">
       <p:transition spd="med" p14:dur="700">
         <p:fade/>
       </p:transition>
     </mc:Choice>
-    <mc:Fallback>
+    <mc:Fallback xmlns="">
       <p:transition spd="med">
         <p:fade/>
       </p:transition>
@@ -9873,13 +9458,13 @@
   <p:clrMapOvr>
     <a:masterClrMapping/>
   </p:clrMapOvr>
-  <mc:AlternateContent xmlns:mc="http://schemas.openxmlformats.org/markup-compatibility/2006">
-    <mc:Choice xmlns:p14="http://schemas.microsoft.com/office/powerpoint/2010/main" Requires="p14">
+  <mc:AlternateContent xmlns:mc="http://schemas.openxmlformats.org/markup-compatibility/2006" xmlns:p14="http://schemas.microsoft.com/office/powerpoint/2010/main">
+    <mc:Choice Requires="p14">
       <p:transition spd="med" p14:dur="700">
         <p:fade/>
       </p:transition>
     </mc:Choice>
-    <mc:Fallback>
+    <mc:Fallback xmlns="">
       <p:transition spd="med">
         <p:fade/>
       </p:transition>
@@ -10299,13 +9884,13 @@
   <p:clrMapOvr>
     <a:masterClrMapping/>
   </p:clrMapOvr>
-  <mc:AlternateContent xmlns:mc="http://schemas.openxmlformats.org/markup-compatibility/2006">
-    <mc:Choice xmlns:p14="http://schemas.microsoft.com/office/powerpoint/2010/main" Requires="p14">
+  <mc:AlternateContent xmlns:mc="http://schemas.openxmlformats.org/markup-compatibility/2006" xmlns:p14="http://schemas.microsoft.com/office/powerpoint/2010/main">
+    <mc:Choice Requires="p14">
       <p:transition spd="med" p14:dur="700">
         <p:fade/>
       </p:transition>
     </mc:Choice>
-    <mc:Fallback>
+    <mc:Fallback xmlns="">
       <p:transition spd="med">
         <p:fade/>
       </p:transition>
@@ -10725,13 +10310,13 @@
   <p:clrMapOvr>
     <a:masterClrMapping/>
   </p:clrMapOvr>
-  <mc:AlternateContent xmlns:mc="http://schemas.openxmlformats.org/markup-compatibility/2006">
-    <mc:Choice xmlns:p14="http://schemas.microsoft.com/office/powerpoint/2010/main" Requires="p14">
+  <mc:AlternateContent xmlns:mc="http://schemas.openxmlformats.org/markup-compatibility/2006" xmlns:p14="http://schemas.microsoft.com/office/powerpoint/2010/main">
+    <mc:Choice Requires="p14">
       <p:transition spd="med" p14:dur="700">
         <p:fade/>
       </p:transition>
     </mc:Choice>
-    <mc:Fallback>
+    <mc:Fallback xmlns="">
       <p:transition spd="med">
         <p:fade/>
       </p:transition>
@@ -11151,13 +10736,13 @@
   <p:clrMapOvr>
     <a:masterClrMapping/>
   </p:clrMapOvr>
-  <mc:AlternateContent xmlns:mc="http://schemas.openxmlformats.org/markup-compatibility/2006">
-    <mc:Choice xmlns:p14="http://schemas.microsoft.com/office/powerpoint/2010/main" Requires="p14">
+  <mc:AlternateContent xmlns:mc="http://schemas.openxmlformats.org/markup-compatibility/2006" xmlns:p14="http://schemas.microsoft.com/office/powerpoint/2010/main">
+    <mc:Choice Requires="p14">
       <p:transition spd="med" p14:dur="700">
         <p:fade/>
       </p:transition>
     </mc:Choice>
-    <mc:Fallback>
+    <mc:Fallback xmlns="">
       <p:transition spd="med">
         <p:fade/>
       </p:transition>
@@ -11577,13 +11162,13 @@
   <p:clrMapOvr>
     <a:masterClrMapping/>
   </p:clrMapOvr>
-  <mc:AlternateContent xmlns:mc="http://schemas.openxmlformats.org/markup-compatibility/2006">
-    <mc:Choice xmlns:p14="http://schemas.microsoft.com/office/powerpoint/2010/main" Requires="p14">
+  <mc:AlternateContent xmlns:mc="http://schemas.openxmlformats.org/markup-compatibility/2006" xmlns:p14="http://schemas.microsoft.com/office/powerpoint/2010/main">
+    <mc:Choice Requires="p14">
       <p:transition spd="med" p14:dur="700">
         <p:fade/>
       </p:transition>
     </mc:Choice>
-    <mc:Fallback>
+    <mc:Fallback xmlns="">
       <p:transition spd="med">
         <p:fade/>
       </p:transition>
@@ -11997,6 +11582,3840 @@
     <p:extLst>
       <p:ext uri="{BB962C8B-B14F-4D97-AF65-F5344CB8AC3E}">
         <p14:creationId xmlns:p14="http://schemas.microsoft.com/office/powerpoint/2010/main" val="527611995"/>
+      </p:ext>
+    </p:extLst>
+  </p:cSld>
+  <p:clrMapOvr>
+    <a:masterClrMapping/>
+  </p:clrMapOvr>
+  <mc:AlternateContent xmlns:mc="http://schemas.openxmlformats.org/markup-compatibility/2006" xmlns:p14="http://schemas.microsoft.com/office/powerpoint/2010/main">
+    <mc:Choice Requires="p14">
+      <p:transition spd="med" p14:dur="700">
+        <p:fade/>
+      </p:transition>
+    </mc:Choice>
+    <mc:Fallback xmlns="">
+      <p:transition spd="med">
+        <p:fade/>
+      </p:transition>
+    </mc:Fallback>
+  </mc:AlternateContent>
+</p:sld>
+</file>
+
+<file path=ppt/slides/slide31.xml><?xml version="1.0" encoding="utf-8"?>
+<p:sld xmlns:a="http://schemas.openxmlformats.org/drawingml/2006/main" xmlns:r="http://schemas.openxmlformats.org/officeDocument/2006/relationships" xmlns:p="http://schemas.openxmlformats.org/presentationml/2006/main">
+  <p:cSld>
+    <p:spTree>
+      <p:nvGrpSpPr>
+        <p:cNvPr id="1" name=""/>
+        <p:cNvGrpSpPr/>
+        <p:nvPr/>
+      </p:nvGrpSpPr>
+      <p:grpSpPr>
+        <a:xfrm>
+          <a:off x="0" y="0"/>
+          <a:ext cx="0" cy="0"/>
+          <a:chOff x="0" y="0"/>
+          <a:chExt cx="0" cy="0"/>
+        </a:xfrm>
+      </p:grpSpPr>
+      <p:sp>
+        <p:nvSpPr>
+          <p:cNvPr id="8" name="Text Placeholder 7">
+            <a:extLst>
+              <a:ext uri="{FF2B5EF4-FFF2-40B4-BE49-F238E27FC236}">
+                <a16:creationId xmlns:a16="http://schemas.microsoft.com/office/drawing/2014/main" id="{75D95B09-4C81-1BEA-C17E-A0651CE452C3}"/>
+              </a:ext>
+            </a:extLst>
+          </p:cNvPr>
+          <p:cNvSpPr>
+            <a:spLocks noGrp="1"/>
+          </p:cNvSpPr>
+          <p:nvPr>
+            <p:ph type="body" sz="quarter" idx="10"/>
+          </p:nvPr>
+        </p:nvSpPr>
+        <p:spPr/>
+        <p:txBody>
+          <a:bodyPr/>
+          <a:lstStyle/>
+          <a:p>
+            <a:r>
+              <a:rPr lang="en-GB" dirty="0" err="1"/>
+              <a:t>slide_subtitle</a:t>
+            </a:r>
+            <a:endParaRPr lang="en-GB" dirty="0"/>
+          </a:p>
+        </p:txBody>
+      </p:sp>
+      <p:sp>
+        <p:nvSpPr>
+          <p:cNvPr id="7" name="Title 6">
+            <a:extLst>
+              <a:ext uri="{FF2B5EF4-FFF2-40B4-BE49-F238E27FC236}">
+                <a16:creationId xmlns:a16="http://schemas.microsoft.com/office/drawing/2014/main" id="{F07B11D4-9D2C-D4C4-F367-CF2CB0614582}"/>
+              </a:ext>
+            </a:extLst>
+          </p:cNvPr>
+          <p:cNvSpPr>
+            <a:spLocks noGrp="1"/>
+          </p:cNvSpPr>
+          <p:nvPr>
+            <p:ph type="title"/>
+          </p:nvPr>
+        </p:nvSpPr>
+        <p:spPr/>
+        <p:txBody>
+          <a:bodyPr/>
+          <a:lstStyle/>
+          <a:p>
+            <a:r>
+              <a:rPr lang="en-GB" dirty="0" err="1"/>
+              <a:t>slide_title</a:t>
+            </a:r>
+            <a:endParaRPr lang="en-GB" dirty="0"/>
+          </a:p>
+        </p:txBody>
+      </p:sp>
+      <p:sp>
+        <p:nvSpPr>
+          <p:cNvPr id="9" name="Title 6">
+            <a:extLst>
+              <a:ext uri="{FF2B5EF4-FFF2-40B4-BE49-F238E27FC236}">
+                <a16:creationId xmlns:a16="http://schemas.microsoft.com/office/drawing/2014/main" id="{0FCE95F0-9FB9-6C46-6607-48165DF1A718}"/>
+              </a:ext>
+            </a:extLst>
+          </p:cNvPr>
+          <p:cNvSpPr txBox="1">
+            <a:spLocks/>
+          </p:cNvSpPr>
+          <p:nvPr/>
+        </p:nvSpPr>
+        <p:spPr>
+          <a:xfrm>
+            <a:off x="632460" y="1165884"/>
+            <a:ext cx="10927080" cy="731520"/>
+          </a:xfrm>
+          <a:prstGeom prst="rect">
+            <a:avLst/>
+          </a:prstGeom>
+        </p:spPr>
+        <p:txBody>
+          <a:bodyPr vert="horz" lIns="0" tIns="0" rIns="0" bIns="0" rtlCol="0" anchor="t" anchorCtr="0">
+            <a:noAutofit/>
+          </a:bodyPr>
+          <a:lstStyle>
+            <a:lvl1pPr algn="l" defTabSz="609555" rtl="0" eaLnBrk="1" latinLnBrk="0" hangingPunct="1">
+              <a:lnSpc>
+                <a:spcPct val="100000"/>
+              </a:lnSpc>
+              <a:spcBef>
+                <a:spcPct val="0"/>
+              </a:spcBef>
+              <a:buNone/>
+              <a:defRPr lang="en-US" sz="2600" b="1" kern="1200" spc="-20" baseline="0" dirty="0">
+                <a:solidFill>
+                  <a:schemeClr val="bg1"/>
+                </a:solidFill>
+                <a:latin typeface="+mj-lt"/>
+                <a:ea typeface="+mj-ea"/>
+                <a:cs typeface="+mj-cs"/>
+              </a:defRPr>
+            </a:lvl1pPr>
+          </a:lstStyle>
+          <a:p>
+            <a:pPr>
+              <a:buClr>
+                <a:schemeClr val="accent4"/>
+              </a:buClr>
+            </a:pPr>
+            <a:r>
+              <a:rPr lang="en-GB" sz="1400" b="0" dirty="0" err="1">
+                <a:solidFill>
+                  <a:schemeClr val="accent2"/>
+                </a:solidFill>
+                <a:latin typeface="Calibri" panose="020F0502020204030204" pitchFamily="34" charset="0"/>
+                <a:cs typeface="Calibri" panose="020F0502020204030204" pitchFamily="34" charset="0"/>
+              </a:rPr>
+              <a:t>slide_bullet</a:t>
+            </a:r>
+            <a:endParaRPr lang="en-GB" sz="1400" b="0" dirty="0">
+              <a:solidFill>
+                <a:schemeClr val="accent2"/>
+              </a:solidFill>
+              <a:latin typeface="Calibri" panose="020F0502020204030204" pitchFamily="34" charset="0"/>
+              <a:cs typeface="Calibri" panose="020F0502020204030204" pitchFamily="34" charset="0"/>
+            </a:endParaRPr>
+          </a:p>
+          <a:p>
+            <a:endParaRPr lang="en-GB" sz="1600" b="0" dirty="0">
+              <a:solidFill>
+                <a:schemeClr val="accent2"/>
+              </a:solidFill>
+              <a:latin typeface="Calibri" panose="020F0502020204030204" pitchFamily="34" charset="0"/>
+              <a:cs typeface="Calibri" panose="020F0502020204030204" pitchFamily="34" charset="0"/>
+            </a:endParaRPr>
+          </a:p>
+          <a:p>
+            <a:pPr marL="285750" indent="-285750">
+              <a:buFont typeface="Arial" panose="020B0604020202020204" pitchFamily="34" charset="0"/>
+              <a:buChar char="•"/>
+            </a:pPr>
+            <a:endParaRPr lang="en-GB" sz="1600" b="0" dirty="0">
+              <a:solidFill>
+                <a:schemeClr val="accent2"/>
+              </a:solidFill>
+              <a:latin typeface="Calibri" panose="020F0502020204030204" pitchFamily="34" charset="0"/>
+              <a:cs typeface="Calibri" panose="020F0502020204030204" pitchFamily="34" charset="0"/>
+            </a:endParaRPr>
+          </a:p>
+          <a:p>
+            <a:pPr marL="285750" indent="-285750">
+              <a:buFont typeface="Arial" panose="020B0604020202020204" pitchFamily="34" charset="0"/>
+              <a:buChar char="•"/>
+            </a:pPr>
+            <a:endParaRPr lang="en-GB" sz="1600" b="0" dirty="0">
+              <a:solidFill>
+                <a:schemeClr val="accent2"/>
+              </a:solidFill>
+              <a:latin typeface="Calibri" panose="020F0502020204030204" pitchFamily="34" charset="0"/>
+              <a:cs typeface="Calibri" panose="020F0502020204030204" pitchFamily="34" charset="0"/>
+            </a:endParaRPr>
+          </a:p>
+          <a:p>
+            <a:pPr marL="285750" indent="-285750">
+              <a:buFont typeface="Arial" panose="020B0604020202020204" pitchFamily="34" charset="0"/>
+              <a:buChar char="•"/>
+            </a:pPr>
+            <a:endParaRPr lang="en-GB" sz="1600" b="0" dirty="0">
+              <a:solidFill>
+                <a:schemeClr val="accent2"/>
+              </a:solidFill>
+              <a:latin typeface="Calibri" panose="020F0502020204030204" pitchFamily="34" charset="0"/>
+              <a:cs typeface="Calibri" panose="020F0502020204030204" pitchFamily="34" charset="0"/>
+            </a:endParaRPr>
+          </a:p>
+          <a:p>
+            <a:endParaRPr lang="en-GB" sz="1600" b="0" dirty="0">
+              <a:solidFill>
+                <a:schemeClr val="accent2"/>
+              </a:solidFill>
+              <a:latin typeface="Calibri" panose="020F0502020204030204" pitchFamily="34" charset="0"/>
+              <a:cs typeface="Calibri" panose="020F0502020204030204" pitchFamily="34" charset="0"/>
+            </a:endParaRPr>
+          </a:p>
+          <a:p>
+            <a:pPr marL="285750" indent="-285750">
+              <a:buFont typeface="Arial" panose="020B0604020202020204" pitchFamily="34" charset="0"/>
+              <a:buChar char="•"/>
+            </a:pPr>
+            <a:endParaRPr lang="en-GB" sz="1600" b="0" dirty="0">
+              <a:solidFill>
+                <a:schemeClr val="accent2"/>
+              </a:solidFill>
+              <a:latin typeface="Calibri" panose="020F0502020204030204" pitchFamily="34" charset="0"/>
+              <a:cs typeface="Calibri" panose="020F0502020204030204" pitchFamily="34" charset="0"/>
+            </a:endParaRPr>
+          </a:p>
+        </p:txBody>
+      </p:sp>
+      <p:sp>
+        <p:nvSpPr>
+          <p:cNvPr id="10" name="Title 6">
+            <a:extLst>
+              <a:ext uri="{FF2B5EF4-FFF2-40B4-BE49-F238E27FC236}">
+                <a16:creationId xmlns:a16="http://schemas.microsoft.com/office/drawing/2014/main" id="{64A2D8A6-32F9-F325-26A8-30EC5DCDFC53}"/>
+              </a:ext>
+            </a:extLst>
+          </p:cNvPr>
+          <p:cNvSpPr txBox="1">
+            <a:spLocks/>
+          </p:cNvSpPr>
+          <p:nvPr/>
+        </p:nvSpPr>
+        <p:spPr>
+          <a:xfrm>
+            <a:off x="632460" y="5819339"/>
+            <a:ext cx="10927080" cy="731520"/>
+          </a:xfrm>
+          <a:prstGeom prst="rect">
+            <a:avLst/>
+          </a:prstGeom>
+          <a:gradFill flip="none" rotWithShape="1">
+            <a:gsLst>
+              <a:gs pos="0">
+                <a:schemeClr val="bg1"/>
+              </a:gs>
+              <a:gs pos="40000">
+                <a:schemeClr val="accent4"/>
+              </a:gs>
+              <a:gs pos="100000">
+                <a:schemeClr val="accent3"/>
+              </a:gs>
+            </a:gsLst>
+            <a:lin ang="0" scaled="1"/>
+            <a:tileRect/>
+          </a:gradFill>
+          <a:effectLst>
+            <a:outerShdw blurRad="50800" dist="38100" dir="2700000" algn="tl" rotWithShape="0">
+              <a:prstClr val="black">
+                <a:alpha val="40000"/>
+              </a:prstClr>
+            </a:outerShdw>
+          </a:effectLst>
+        </p:spPr>
+        <p:txBody>
+          <a:bodyPr vert="horz" lIns="0" tIns="0" rIns="0" bIns="0" rtlCol="0" anchor="t" anchorCtr="0">
+            <a:noAutofit/>
+          </a:bodyPr>
+          <a:lstStyle>
+            <a:lvl1pPr algn="l" defTabSz="609555" rtl="0" eaLnBrk="1" latinLnBrk="0" hangingPunct="1">
+              <a:lnSpc>
+                <a:spcPct val="100000"/>
+              </a:lnSpc>
+              <a:spcBef>
+                <a:spcPct val="0"/>
+              </a:spcBef>
+              <a:buNone/>
+              <a:defRPr lang="en-US" sz="2600" b="1" kern="1200" spc="-20" baseline="0" dirty="0">
+                <a:solidFill>
+                  <a:schemeClr val="bg1"/>
+                </a:solidFill>
+                <a:latin typeface="+mj-lt"/>
+                <a:ea typeface="+mj-ea"/>
+                <a:cs typeface="+mj-cs"/>
+              </a:defRPr>
+            </a:lvl1pPr>
+          </a:lstStyle>
+          <a:p>
+            <a:endParaRPr lang="en-GB" sz="1600" b="0" dirty="0">
+              <a:solidFill>
+                <a:schemeClr val="accent2"/>
+              </a:solidFill>
+              <a:latin typeface="Calibri" panose="020F0502020204030204" pitchFamily="34" charset="0"/>
+              <a:cs typeface="Calibri" panose="020F0502020204030204" pitchFamily="34" charset="0"/>
+            </a:endParaRPr>
+          </a:p>
+          <a:p>
+            <a:pPr marL="285750" indent="-285750">
+              <a:buFont typeface="Arial" panose="020B0604020202020204" pitchFamily="34" charset="0"/>
+              <a:buChar char="•"/>
+            </a:pPr>
+            <a:endParaRPr lang="en-GB" sz="1600" b="0" dirty="0">
+              <a:solidFill>
+                <a:schemeClr val="accent2"/>
+              </a:solidFill>
+              <a:latin typeface="Calibri" panose="020F0502020204030204" pitchFamily="34" charset="0"/>
+              <a:cs typeface="Calibri" panose="020F0502020204030204" pitchFamily="34" charset="0"/>
+            </a:endParaRPr>
+          </a:p>
+          <a:p>
+            <a:pPr marL="285750" indent="-285750">
+              <a:buFont typeface="Arial" panose="020B0604020202020204" pitchFamily="34" charset="0"/>
+              <a:buChar char="•"/>
+            </a:pPr>
+            <a:endParaRPr lang="en-GB" sz="1600" b="0" dirty="0">
+              <a:solidFill>
+                <a:schemeClr val="accent2"/>
+              </a:solidFill>
+              <a:latin typeface="Calibri" panose="020F0502020204030204" pitchFamily="34" charset="0"/>
+              <a:cs typeface="Calibri" panose="020F0502020204030204" pitchFamily="34" charset="0"/>
+            </a:endParaRPr>
+          </a:p>
+          <a:p>
+            <a:pPr marL="285750" indent="-285750">
+              <a:buFont typeface="Arial" panose="020B0604020202020204" pitchFamily="34" charset="0"/>
+              <a:buChar char="•"/>
+            </a:pPr>
+            <a:endParaRPr lang="en-GB" sz="1600" b="0" dirty="0">
+              <a:solidFill>
+                <a:schemeClr val="accent2"/>
+              </a:solidFill>
+              <a:latin typeface="Calibri" panose="020F0502020204030204" pitchFamily="34" charset="0"/>
+              <a:cs typeface="Calibri" panose="020F0502020204030204" pitchFamily="34" charset="0"/>
+            </a:endParaRPr>
+          </a:p>
+          <a:p>
+            <a:endParaRPr lang="en-GB" sz="1600" b="0" dirty="0">
+              <a:solidFill>
+                <a:schemeClr val="accent2"/>
+              </a:solidFill>
+              <a:latin typeface="Calibri" panose="020F0502020204030204" pitchFamily="34" charset="0"/>
+              <a:cs typeface="Calibri" panose="020F0502020204030204" pitchFamily="34" charset="0"/>
+            </a:endParaRPr>
+          </a:p>
+          <a:p>
+            <a:pPr marL="285750" indent="-285750">
+              <a:buFont typeface="Arial" panose="020B0604020202020204" pitchFamily="34" charset="0"/>
+              <a:buChar char="•"/>
+            </a:pPr>
+            <a:endParaRPr lang="en-GB" sz="1600" b="0" dirty="0">
+              <a:solidFill>
+                <a:schemeClr val="accent2"/>
+              </a:solidFill>
+              <a:latin typeface="Calibri" panose="020F0502020204030204" pitchFamily="34" charset="0"/>
+              <a:cs typeface="Calibri" panose="020F0502020204030204" pitchFamily="34" charset="0"/>
+            </a:endParaRPr>
+          </a:p>
+        </p:txBody>
+      </p:sp>
+      <p:sp>
+        <p:nvSpPr>
+          <p:cNvPr id="11" name="TextBox 10">
+            <a:extLst>
+              <a:ext uri="{FF2B5EF4-FFF2-40B4-BE49-F238E27FC236}">
+                <a16:creationId xmlns:a16="http://schemas.microsoft.com/office/drawing/2014/main" id="{A3036AEF-7A78-A326-F646-0EFE6B2B6FB6}"/>
+              </a:ext>
+            </a:extLst>
+          </p:cNvPr>
+          <p:cNvSpPr txBox="1"/>
+          <p:nvPr/>
+        </p:nvSpPr>
+        <p:spPr>
+          <a:xfrm>
+            <a:off x="768626" y="5883965"/>
+            <a:ext cx="10614991" cy="215444"/>
+          </a:xfrm>
+          <a:prstGeom prst="rect">
+            <a:avLst/>
+          </a:prstGeom>
+        </p:spPr>
+        <p:txBody>
+          <a:bodyPr wrap="square" lIns="0" tIns="0" rIns="0" bIns="0" rtlCol="0" anchor="t" anchorCtr="0">
+            <a:spAutoFit/>
+          </a:bodyPr>
+          <a:lstStyle/>
+          <a:p>
+            <a:pPr algn="ctr"/>
+            <a:r>
+              <a:rPr lang="en-GB" sz="1400" b="1" dirty="0" err="1">
+                <a:solidFill>
+                  <a:schemeClr val="tx2"/>
+                </a:solidFill>
+              </a:rPr>
+              <a:t>slide_takeout</a:t>
+            </a:r>
+            <a:endParaRPr lang="en-GB" sz="1400" b="1" dirty="0">
+              <a:solidFill>
+                <a:schemeClr val="tx2"/>
+              </a:solidFill>
+            </a:endParaRPr>
+          </a:p>
+        </p:txBody>
+      </p:sp>
+    </p:spTree>
+    <p:extLst>
+      <p:ext uri="{BB962C8B-B14F-4D97-AF65-F5344CB8AC3E}">
+        <p14:creationId xmlns:p14="http://schemas.microsoft.com/office/powerpoint/2010/main" val="4259669739"/>
+      </p:ext>
+    </p:extLst>
+  </p:cSld>
+  <p:clrMapOvr>
+    <a:masterClrMapping/>
+  </p:clrMapOvr>
+  <mc:AlternateContent xmlns:mc="http://schemas.openxmlformats.org/markup-compatibility/2006">
+    <mc:Choice xmlns:p14="http://schemas.microsoft.com/office/powerpoint/2010/main" Requires="p14">
+      <p:transition spd="med" p14:dur="700">
+        <p:fade/>
+      </p:transition>
+    </mc:Choice>
+    <mc:Fallback>
+      <p:transition spd="med">
+        <p:fade/>
+      </p:transition>
+    </mc:Fallback>
+  </mc:AlternateContent>
+</p:sld>
+</file>
+
+<file path=ppt/slides/slide32.xml><?xml version="1.0" encoding="utf-8"?>
+<p:sld xmlns:a="http://schemas.openxmlformats.org/drawingml/2006/main" xmlns:r="http://schemas.openxmlformats.org/officeDocument/2006/relationships" xmlns:p="http://schemas.openxmlformats.org/presentationml/2006/main">
+  <p:cSld>
+    <p:spTree>
+      <p:nvGrpSpPr>
+        <p:cNvPr id="1" name=""/>
+        <p:cNvGrpSpPr/>
+        <p:nvPr/>
+      </p:nvGrpSpPr>
+      <p:grpSpPr>
+        <a:xfrm>
+          <a:off x="0" y="0"/>
+          <a:ext cx="0" cy="0"/>
+          <a:chOff x="0" y="0"/>
+          <a:chExt cx="0" cy="0"/>
+        </a:xfrm>
+      </p:grpSpPr>
+      <p:sp>
+        <p:nvSpPr>
+          <p:cNvPr id="8" name="Text Placeholder 7">
+            <a:extLst>
+              <a:ext uri="{FF2B5EF4-FFF2-40B4-BE49-F238E27FC236}">
+                <a16:creationId xmlns:a16="http://schemas.microsoft.com/office/drawing/2014/main" id="{75D95B09-4C81-1BEA-C17E-A0651CE452C3}"/>
+              </a:ext>
+            </a:extLst>
+          </p:cNvPr>
+          <p:cNvSpPr>
+            <a:spLocks noGrp="1"/>
+          </p:cNvSpPr>
+          <p:nvPr>
+            <p:ph type="body" sz="quarter" idx="10"/>
+          </p:nvPr>
+        </p:nvSpPr>
+        <p:spPr/>
+        <p:txBody>
+          <a:bodyPr/>
+          <a:lstStyle/>
+          <a:p>
+            <a:r>
+              <a:rPr lang="en-GB" dirty="0" err="1"/>
+              <a:t>slide_subtitle</a:t>
+            </a:r>
+            <a:endParaRPr lang="en-GB" dirty="0"/>
+          </a:p>
+        </p:txBody>
+      </p:sp>
+      <p:sp>
+        <p:nvSpPr>
+          <p:cNvPr id="7" name="Title 6">
+            <a:extLst>
+              <a:ext uri="{FF2B5EF4-FFF2-40B4-BE49-F238E27FC236}">
+                <a16:creationId xmlns:a16="http://schemas.microsoft.com/office/drawing/2014/main" id="{F07B11D4-9D2C-D4C4-F367-CF2CB0614582}"/>
+              </a:ext>
+            </a:extLst>
+          </p:cNvPr>
+          <p:cNvSpPr>
+            <a:spLocks noGrp="1"/>
+          </p:cNvSpPr>
+          <p:nvPr>
+            <p:ph type="title"/>
+          </p:nvPr>
+        </p:nvSpPr>
+        <p:spPr/>
+        <p:txBody>
+          <a:bodyPr/>
+          <a:lstStyle/>
+          <a:p>
+            <a:r>
+              <a:rPr lang="en-GB" dirty="0" err="1"/>
+              <a:t>slide_title</a:t>
+            </a:r>
+            <a:endParaRPr lang="en-GB" dirty="0"/>
+          </a:p>
+        </p:txBody>
+      </p:sp>
+      <p:sp>
+        <p:nvSpPr>
+          <p:cNvPr id="9" name="Title 6">
+            <a:extLst>
+              <a:ext uri="{FF2B5EF4-FFF2-40B4-BE49-F238E27FC236}">
+                <a16:creationId xmlns:a16="http://schemas.microsoft.com/office/drawing/2014/main" id="{0FCE95F0-9FB9-6C46-6607-48165DF1A718}"/>
+              </a:ext>
+            </a:extLst>
+          </p:cNvPr>
+          <p:cNvSpPr txBox="1">
+            <a:spLocks/>
+          </p:cNvSpPr>
+          <p:nvPr/>
+        </p:nvSpPr>
+        <p:spPr>
+          <a:xfrm>
+            <a:off x="632460" y="1165884"/>
+            <a:ext cx="10927080" cy="731520"/>
+          </a:xfrm>
+          <a:prstGeom prst="rect">
+            <a:avLst/>
+          </a:prstGeom>
+        </p:spPr>
+        <p:txBody>
+          <a:bodyPr vert="horz" lIns="0" tIns="0" rIns="0" bIns="0" rtlCol="0" anchor="t" anchorCtr="0">
+            <a:noAutofit/>
+          </a:bodyPr>
+          <a:lstStyle>
+            <a:lvl1pPr algn="l" defTabSz="609555" rtl="0" eaLnBrk="1" latinLnBrk="0" hangingPunct="1">
+              <a:lnSpc>
+                <a:spcPct val="100000"/>
+              </a:lnSpc>
+              <a:spcBef>
+                <a:spcPct val="0"/>
+              </a:spcBef>
+              <a:buNone/>
+              <a:defRPr lang="en-US" sz="2600" b="1" kern="1200" spc="-20" baseline="0" dirty="0">
+                <a:solidFill>
+                  <a:schemeClr val="bg1"/>
+                </a:solidFill>
+                <a:latin typeface="+mj-lt"/>
+                <a:ea typeface="+mj-ea"/>
+                <a:cs typeface="+mj-cs"/>
+              </a:defRPr>
+            </a:lvl1pPr>
+          </a:lstStyle>
+          <a:p>
+            <a:pPr>
+              <a:buClr>
+                <a:schemeClr val="accent4"/>
+              </a:buClr>
+            </a:pPr>
+            <a:r>
+              <a:rPr lang="en-GB" sz="1400" b="0" dirty="0" err="1">
+                <a:solidFill>
+                  <a:schemeClr val="accent2"/>
+                </a:solidFill>
+                <a:latin typeface="Calibri" panose="020F0502020204030204" pitchFamily="34" charset="0"/>
+                <a:cs typeface="Calibri" panose="020F0502020204030204" pitchFamily="34" charset="0"/>
+              </a:rPr>
+              <a:t>slide_bullet</a:t>
+            </a:r>
+            <a:endParaRPr lang="en-GB" sz="1400" b="0" dirty="0">
+              <a:solidFill>
+                <a:schemeClr val="accent2"/>
+              </a:solidFill>
+              <a:latin typeface="Calibri" panose="020F0502020204030204" pitchFamily="34" charset="0"/>
+              <a:cs typeface="Calibri" panose="020F0502020204030204" pitchFamily="34" charset="0"/>
+            </a:endParaRPr>
+          </a:p>
+          <a:p>
+            <a:endParaRPr lang="en-GB" sz="1600" b="0" dirty="0">
+              <a:solidFill>
+                <a:schemeClr val="accent2"/>
+              </a:solidFill>
+              <a:latin typeface="Calibri" panose="020F0502020204030204" pitchFamily="34" charset="0"/>
+              <a:cs typeface="Calibri" panose="020F0502020204030204" pitchFamily="34" charset="0"/>
+            </a:endParaRPr>
+          </a:p>
+          <a:p>
+            <a:pPr marL="285750" indent="-285750">
+              <a:buFont typeface="Arial" panose="020B0604020202020204" pitchFamily="34" charset="0"/>
+              <a:buChar char="•"/>
+            </a:pPr>
+            <a:endParaRPr lang="en-GB" sz="1600" b="0" dirty="0">
+              <a:solidFill>
+                <a:schemeClr val="accent2"/>
+              </a:solidFill>
+              <a:latin typeface="Calibri" panose="020F0502020204030204" pitchFamily="34" charset="0"/>
+              <a:cs typeface="Calibri" panose="020F0502020204030204" pitchFamily="34" charset="0"/>
+            </a:endParaRPr>
+          </a:p>
+          <a:p>
+            <a:pPr marL="285750" indent="-285750">
+              <a:buFont typeface="Arial" panose="020B0604020202020204" pitchFamily="34" charset="0"/>
+              <a:buChar char="•"/>
+            </a:pPr>
+            <a:endParaRPr lang="en-GB" sz="1600" b="0" dirty="0">
+              <a:solidFill>
+                <a:schemeClr val="accent2"/>
+              </a:solidFill>
+              <a:latin typeface="Calibri" panose="020F0502020204030204" pitchFamily="34" charset="0"/>
+              <a:cs typeface="Calibri" panose="020F0502020204030204" pitchFamily="34" charset="0"/>
+            </a:endParaRPr>
+          </a:p>
+          <a:p>
+            <a:pPr marL="285750" indent="-285750">
+              <a:buFont typeface="Arial" panose="020B0604020202020204" pitchFamily="34" charset="0"/>
+              <a:buChar char="•"/>
+            </a:pPr>
+            <a:endParaRPr lang="en-GB" sz="1600" b="0" dirty="0">
+              <a:solidFill>
+                <a:schemeClr val="accent2"/>
+              </a:solidFill>
+              <a:latin typeface="Calibri" panose="020F0502020204030204" pitchFamily="34" charset="0"/>
+              <a:cs typeface="Calibri" panose="020F0502020204030204" pitchFamily="34" charset="0"/>
+            </a:endParaRPr>
+          </a:p>
+          <a:p>
+            <a:endParaRPr lang="en-GB" sz="1600" b="0" dirty="0">
+              <a:solidFill>
+                <a:schemeClr val="accent2"/>
+              </a:solidFill>
+              <a:latin typeface="Calibri" panose="020F0502020204030204" pitchFamily="34" charset="0"/>
+              <a:cs typeface="Calibri" panose="020F0502020204030204" pitchFamily="34" charset="0"/>
+            </a:endParaRPr>
+          </a:p>
+          <a:p>
+            <a:pPr marL="285750" indent="-285750">
+              <a:buFont typeface="Arial" panose="020B0604020202020204" pitchFamily="34" charset="0"/>
+              <a:buChar char="•"/>
+            </a:pPr>
+            <a:endParaRPr lang="en-GB" sz="1600" b="0" dirty="0">
+              <a:solidFill>
+                <a:schemeClr val="accent2"/>
+              </a:solidFill>
+              <a:latin typeface="Calibri" panose="020F0502020204030204" pitchFamily="34" charset="0"/>
+              <a:cs typeface="Calibri" panose="020F0502020204030204" pitchFamily="34" charset="0"/>
+            </a:endParaRPr>
+          </a:p>
+        </p:txBody>
+      </p:sp>
+      <p:sp>
+        <p:nvSpPr>
+          <p:cNvPr id="10" name="Title 6">
+            <a:extLst>
+              <a:ext uri="{FF2B5EF4-FFF2-40B4-BE49-F238E27FC236}">
+                <a16:creationId xmlns:a16="http://schemas.microsoft.com/office/drawing/2014/main" id="{64A2D8A6-32F9-F325-26A8-30EC5DCDFC53}"/>
+              </a:ext>
+            </a:extLst>
+          </p:cNvPr>
+          <p:cNvSpPr txBox="1">
+            <a:spLocks/>
+          </p:cNvSpPr>
+          <p:nvPr/>
+        </p:nvSpPr>
+        <p:spPr>
+          <a:xfrm>
+            <a:off x="632460" y="5819339"/>
+            <a:ext cx="10927080" cy="731520"/>
+          </a:xfrm>
+          <a:prstGeom prst="rect">
+            <a:avLst/>
+          </a:prstGeom>
+          <a:gradFill flip="none" rotWithShape="1">
+            <a:gsLst>
+              <a:gs pos="0">
+                <a:schemeClr val="bg1"/>
+              </a:gs>
+              <a:gs pos="40000">
+                <a:schemeClr val="accent4"/>
+              </a:gs>
+              <a:gs pos="100000">
+                <a:schemeClr val="accent3"/>
+              </a:gs>
+            </a:gsLst>
+            <a:lin ang="0" scaled="1"/>
+            <a:tileRect/>
+          </a:gradFill>
+          <a:effectLst>
+            <a:outerShdw blurRad="50800" dist="38100" dir="2700000" algn="tl" rotWithShape="0">
+              <a:prstClr val="black">
+                <a:alpha val="40000"/>
+              </a:prstClr>
+            </a:outerShdw>
+          </a:effectLst>
+        </p:spPr>
+        <p:txBody>
+          <a:bodyPr vert="horz" lIns="0" tIns="0" rIns="0" bIns="0" rtlCol="0" anchor="t" anchorCtr="0">
+            <a:noAutofit/>
+          </a:bodyPr>
+          <a:lstStyle>
+            <a:lvl1pPr algn="l" defTabSz="609555" rtl="0" eaLnBrk="1" latinLnBrk="0" hangingPunct="1">
+              <a:lnSpc>
+                <a:spcPct val="100000"/>
+              </a:lnSpc>
+              <a:spcBef>
+                <a:spcPct val="0"/>
+              </a:spcBef>
+              <a:buNone/>
+              <a:defRPr lang="en-US" sz="2600" b="1" kern="1200" spc="-20" baseline="0" dirty="0">
+                <a:solidFill>
+                  <a:schemeClr val="bg1"/>
+                </a:solidFill>
+                <a:latin typeface="+mj-lt"/>
+                <a:ea typeface="+mj-ea"/>
+                <a:cs typeface="+mj-cs"/>
+              </a:defRPr>
+            </a:lvl1pPr>
+          </a:lstStyle>
+          <a:p>
+            <a:endParaRPr lang="en-GB" sz="1600" b="0" dirty="0">
+              <a:solidFill>
+                <a:schemeClr val="accent2"/>
+              </a:solidFill>
+              <a:latin typeface="Calibri" panose="020F0502020204030204" pitchFamily="34" charset="0"/>
+              <a:cs typeface="Calibri" panose="020F0502020204030204" pitchFamily="34" charset="0"/>
+            </a:endParaRPr>
+          </a:p>
+          <a:p>
+            <a:pPr marL="285750" indent="-285750">
+              <a:buFont typeface="Arial" panose="020B0604020202020204" pitchFamily="34" charset="0"/>
+              <a:buChar char="•"/>
+            </a:pPr>
+            <a:endParaRPr lang="en-GB" sz="1600" b="0" dirty="0">
+              <a:solidFill>
+                <a:schemeClr val="accent2"/>
+              </a:solidFill>
+              <a:latin typeface="Calibri" panose="020F0502020204030204" pitchFamily="34" charset="0"/>
+              <a:cs typeface="Calibri" panose="020F0502020204030204" pitchFamily="34" charset="0"/>
+            </a:endParaRPr>
+          </a:p>
+          <a:p>
+            <a:pPr marL="285750" indent="-285750">
+              <a:buFont typeface="Arial" panose="020B0604020202020204" pitchFamily="34" charset="0"/>
+              <a:buChar char="•"/>
+            </a:pPr>
+            <a:endParaRPr lang="en-GB" sz="1600" b="0" dirty="0">
+              <a:solidFill>
+                <a:schemeClr val="accent2"/>
+              </a:solidFill>
+              <a:latin typeface="Calibri" panose="020F0502020204030204" pitchFamily="34" charset="0"/>
+              <a:cs typeface="Calibri" panose="020F0502020204030204" pitchFamily="34" charset="0"/>
+            </a:endParaRPr>
+          </a:p>
+          <a:p>
+            <a:pPr marL="285750" indent="-285750">
+              <a:buFont typeface="Arial" panose="020B0604020202020204" pitchFamily="34" charset="0"/>
+              <a:buChar char="•"/>
+            </a:pPr>
+            <a:endParaRPr lang="en-GB" sz="1600" b="0" dirty="0">
+              <a:solidFill>
+                <a:schemeClr val="accent2"/>
+              </a:solidFill>
+              <a:latin typeface="Calibri" panose="020F0502020204030204" pitchFamily="34" charset="0"/>
+              <a:cs typeface="Calibri" panose="020F0502020204030204" pitchFamily="34" charset="0"/>
+            </a:endParaRPr>
+          </a:p>
+          <a:p>
+            <a:endParaRPr lang="en-GB" sz="1600" b="0" dirty="0">
+              <a:solidFill>
+                <a:schemeClr val="accent2"/>
+              </a:solidFill>
+              <a:latin typeface="Calibri" panose="020F0502020204030204" pitchFamily="34" charset="0"/>
+              <a:cs typeface="Calibri" panose="020F0502020204030204" pitchFamily="34" charset="0"/>
+            </a:endParaRPr>
+          </a:p>
+          <a:p>
+            <a:pPr marL="285750" indent="-285750">
+              <a:buFont typeface="Arial" panose="020B0604020202020204" pitchFamily="34" charset="0"/>
+              <a:buChar char="•"/>
+            </a:pPr>
+            <a:endParaRPr lang="en-GB" sz="1600" b="0" dirty="0">
+              <a:solidFill>
+                <a:schemeClr val="accent2"/>
+              </a:solidFill>
+              <a:latin typeface="Calibri" panose="020F0502020204030204" pitchFamily="34" charset="0"/>
+              <a:cs typeface="Calibri" panose="020F0502020204030204" pitchFamily="34" charset="0"/>
+            </a:endParaRPr>
+          </a:p>
+        </p:txBody>
+      </p:sp>
+      <p:sp>
+        <p:nvSpPr>
+          <p:cNvPr id="11" name="TextBox 10">
+            <a:extLst>
+              <a:ext uri="{FF2B5EF4-FFF2-40B4-BE49-F238E27FC236}">
+                <a16:creationId xmlns:a16="http://schemas.microsoft.com/office/drawing/2014/main" id="{A3036AEF-7A78-A326-F646-0EFE6B2B6FB6}"/>
+              </a:ext>
+            </a:extLst>
+          </p:cNvPr>
+          <p:cNvSpPr txBox="1"/>
+          <p:nvPr/>
+        </p:nvSpPr>
+        <p:spPr>
+          <a:xfrm>
+            <a:off x="768626" y="5883965"/>
+            <a:ext cx="10614991" cy="215444"/>
+          </a:xfrm>
+          <a:prstGeom prst="rect">
+            <a:avLst/>
+          </a:prstGeom>
+        </p:spPr>
+        <p:txBody>
+          <a:bodyPr wrap="square" lIns="0" tIns="0" rIns="0" bIns="0" rtlCol="0" anchor="t" anchorCtr="0">
+            <a:spAutoFit/>
+          </a:bodyPr>
+          <a:lstStyle/>
+          <a:p>
+            <a:pPr algn="ctr"/>
+            <a:r>
+              <a:rPr lang="en-GB" sz="1400" b="1" dirty="0" err="1">
+                <a:solidFill>
+                  <a:schemeClr val="tx2"/>
+                </a:solidFill>
+              </a:rPr>
+              <a:t>slide_takeout</a:t>
+            </a:r>
+            <a:endParaRPr lang="en-GB" sz="1400" b="1" dirty="0">
+              <a:solidFill>
+                <a:schemeClr val="tx2"/>
+              </a:solidFill>
+            </a:endParaRPr>
+          </a:p>
+        </p:txBody>
+      </p:sp>
+    </p:spTree>
+    <p:extLst>
+      <p:ext uri="{BB962C8B-B14F-4D97-AF65-F5344CB8AC3E}">
+        <p14:creationId xmlns:p14="http://schemas.microsoft.com/office/powerpoint/2010/main" val="2334462030"/>
+      </p:ext>
+    </p:extLst>
+  </p:cSld>
+  <p:clrMapOvr>
+    <a:masterClrMapping/>
+  </p:clrMapOvr>
+  <mc:AlternateContent xmlns:mc="http://schemas.openxmlformats.org/markup-compatibility/2006">
+    <mc:Choice xmlns:p14="http://schemas.microsoft.com/office/powerpoint/2010/main" Requires="p14">
+      <p:transition spd="med" p14:dur="700">
+        <p:fade/>
+      </p:transition>
+    </mc:Choice>
+    <mc:Fallback>
+      <p:transition spd="med">
+        <p:fade/>
+      </p:transition>
+    </mc:Fallback>
+  </mc:AlternateContent>
+</p:sld>
+</file>
+
+<file path=ppt/slides/slide33.xml><?xml version="1.0" encoding="utf-8"?>
+<p:sld xmlns:a="http://schemas.openxmlformats.org/drawingml/2006/main" xmlns:r="http://schemas.openxmlformats.org/officeDocument/2006/relationships" xmlns:p="http://schemas.openxmlformats.org/presentationml/2006/main">
+  <p:cSld>
+    <p:spTree>
+      <p:nvGrpSpPr>
+        <p:cNvPr id="1" name=""/>
+        <p:cNvGrpSpPr/>
+        <p:nvPr/>
+      </p:nvGrpSpPr>
+      <p:grpSpPr>
+        <a:xfrm>
+          <a:off x="0" y="0"/>
+          <a:ext cx="0" cy="0"/>
+          <a:chOff x="0" y="0"/>
+          <a:chExt cx="0" cy="0"/>
+        </a:xfrm>
+      </p:grpSpPr>
+      <p:sp>
+        <p:nvSpPr>
+          <p:cNvPr id="8" name="Text Placeholder 7">
+            <a:extLst>
+              <a:ext uri="{FF2B5EF4-FFF2-40B4-BE49-F238E27FC236}">
+                <a16:creationId xmlns:a16="http://schemas.microsoft.com/office/drawing/2014/main" id="{75D95B09-4C81-1BEA-C17E-A0651CE452C3}"/>
+              </a:ext>
+            </a:extLst>
+          </p:cNvPr>
+          <p:cNvSpPr>
+            <a:spLocks noGrp="1"/>
+          </p:cNvSpPr>
+          <p:nvPr>
+            <p:ph type="body" sz="quarter" idx="10"/>
+          </p:nvPr>
+        </p:nvSpPr>
+        <p:spPr/>
+        <p:txBody>
+          <a:bodyPr/>
+          <a:lstStyle/>
+          <a:p>
+            <a:r>
+              <a:rPr lang="en-GB" dirty="0" err="1"/>
+              <a:t>slide_subtitle</a:t>
+            </a:r>
+            <a:endParaRPr lang="en-GB" dirty="0"/>
+          </a:p>
+        </p:txBody>
+      </p:sp>
+      <p:sp>
+        <p:nvSpPr>
+          <p:cNvPr id="7" name="Title 6">
+            <a:extLst>
+              <a:ext uri="{FF2B5EF4-FFF2-40B4-BE49-F238E27FC236}">
+                <a16:creationId xmlns:a16="http://schemas.microsoft.com/office/drawing/2014/main" id="{F07B11D4-9D2C-D4C4-F367-CF2CB0614582}"/>
+              </a:ext>
+            </a:extLst>
+          </p:cNvPr>
+          <p:cNvSpPr>
+            <a:spLocks noGrp="1"/>
+          </p:cNvSpPr>
+          <p:nvPr>
+            <p:ph type="title"/>
+          </p:nvPr>
+        </p:nvSpPr>
+        <p:spPr/>
+        <p:txBody>
+          <a:bodyPr/>
+          <a:lstStyle/>
+          <a:p>
+            <a:r>
+              <a:rPr lang="en-GB" dirty="0" err="1"/>
+              <a:t>slide_title</a:t>
+            </a:r>
+            <a:endParaRPr lang="en-GB" dirty="0"/>
+          </a:p>
+        </p:txBody>
+      </p:sp>
+      <p:sp>
+        <p:nvSpPr>
+          <p:cNvPr id="9" name="Title 6">
+            <a:extLst>
+              <a:ext uri="{FF2B5EF4-FFF2-40B4-BE49-F238E27FC236}">
+                <a16:creationId xmlns:a16="http://schemas.microsoft.com/office/drawing/2014/main" id="{0FCE95F0-9FB9-6C46-6607-48165DF1A718}"/>
+              </a:ext>
+            </a:extLst>
+          </p:cNvPr>
+          <p:cNvSpPr txBox="1">
+            <a:spLocks/>
+          </p:cNvSpPr>
+          <p:nvPr/>
+        </p:nvSpPr>
+        <p:spPr>
+          <a:xfrm>
+            <a:off x="632460" y="1165884"/>
+            <a:ext cx="10927080" cy="731520"/>
+          </a:xfrm>
+          <a:prstGeom prst="rect">
+            <a:avLst/>
+          </a:prstGeom>
+        </p:spPr>
+        <p:txBody>
+          <a:bodyPr vert="horz" lIns="0" tIns="0" rIns="0" bIns="0" rtlCol="0" anchor="t" anchorCtr="0">
+            <a:noAutofit/>
+          </a:bodyPr>
+          <a:lstStyle>
+            <a:lvl1pPr algn="l" defTabSz="609555" rtl="0" eaLnBrk="1" latinLnBrk="0" hangingPunct="1">
+              <a:lnSpc>
+                <a:spcPct val="100000"/>
+              </a:lnSpc>
+              <a:spcBef>
+                <a:spcPct val="0"/>
+              </a:spcBef>
+              <a:buNone/>
+              <a:defRPr lang="en-US" sz="2600" b="1" kern="1200" spc="-20" baseline="0" dirty="0">
+                <a:solidFill>
+                  <a:schemeClr val="bg1"/>
+                </a:solidFill>
+                <a:latin typeface="+mj-lt"/>
+                <a:ea typeface="+mj-ea"/>
+                <a:cs typeface="+mj-cs"/>
+              </a:defRPr>
+            </a:lvl1pPr>
+          </a:lstStyle>
+          <a:p>
+            <a:pPr>
+              <a:buClr>
+                <a:schemeClr val="accent4"/>
+              </a:buClr>
+            </a:pPr>
+            <a:r>
+              <a:rPr lang="en-GB" sz="1400" b="0" dirty="0" err="1">
+                <a:solidFill>
+                  <a:schemeClr val="accent2"/>
+                </a:solidFill>
+                <a:latin typeface="Calibri" panose="020F0502020204030204" pitchFamily="34" charset="0"/>
+                <a:cs typeface="Calibri" panose="020F0502020204030204" pitchFamily="34" charset="0"/>
+              </a:rPr>
+              <a:t>slide_bullet</a:t>
+            </a:r>
+            <a:endParaRPr lang="en-GB" sz="1400" b="0" dirty="0">
+              <a:solidFill>
+                <a:schemeClr val="accent2"/>
+              </a:solidFill>
+              <a:latin typeface="Calibri" panose="020F0502020204030204" pitchFamily="34" charset="0"/>
+              <a:cs typeface="Calibri" panose="020F0502020204030204" pitchFamily="34" charset="0"/>
+            </a:endParaRPr>
+          </a:p>
+          <a:p>
+            <a:endParaRPr lang="en-GB" sz="1600" b="0" dirty="0">
+              <a:solidFill>
+                <a:schemeClr val="accent2"/>
+              </a:solidFill>
+              <a:latin typeface="Calibri" panose="020F0502020204030204" pitchFamily="34" charset="0"/>
+              <a:cs typeface="Calibri" panose="020F0502020204030204" pitchFamily="34" charset="0"/>
+            </a:endParaRPr>
+          </a:p>
+          <a:p>
+            <a:pPr marL="285750" indent="-285750">
+              <a:buFont typeface="Arial" panose="020B0604020202020204" pitchFamily="34" charset="0"/>
+              <a:buChar char="•"/>
+            </a:pPr>
+            <a:endParaRPr lang="en-GB" sz="1600" b="0" dirty="0">
+              <a:solidFill>
+                <a:schemeClr val="accent2"/>
+              </a:solidFill>
+              <a:latin typeface="Calibri" panose="020F0502020204030204" pitchFamily="34" charset="0"/>
+              <a:cs typeface="Calibri" panose="020F0502020204030204" pitchFamily="34" charset="0"/>
+            </a:endParaRPr>
+          </a:p>
+          <a:p>
+            <a:pPr marL="285750" indent="-285750">
+              <a:buFont typeface="Arial" panose="020B0604020202020204" pitchFamily="34" charset="0"/>
+              <a:buChar char="•"/>
+            </a:pPr>
+            <a:endParaRPr lang="en-GB" sz="1600" b="0" dirty="0">
+              <a:solidFill>
+                <a:schemeClr val="accent2"/>
+              </a:solidFill>
+              <a:latin typeface="Calibri" panose="020F0502020204030204" pitchFamily="34" charset="0"/>
+              <a:cs typeface="Calibri" panose="020F0502020204030204" pitchFamily="34" charset="0"/>
+            </a:endParaRPr>
+          </a:p>
+          <a:p>
+            <a:pPr marL="285750" indent="-285750">
+              <a:buFont typeface="Arial" panose="020B0604020202020204" pitchFamily="34" charset="0"/>
+              <a:buChar char="•"/>
+            </a:pPr>
+            <a:endParaRPr lang="en-GB" sz="1600" b="0" dirty="0">
+              <a:solidFill>
+                <a:schemeClr val="accent2"/>
+              </a:solidFill>
+              <a:latin typeface="Calibri" panose="020F0502020204030204" pitchFamily="34" charset="0"/>
+              <a:cs typeface="Calibri" panose="020F0502020204030204" pitchFamily="34" charset="0"/>
+            </a:endParaRPr>
+          </a:p>
+          <a:p>
+            <a:endParaRPr lang="en-GB" sz="1600" b="0" dirty="0">
+              <a:solidFill>
+                <a:schemeClr val="accent2"/>
+              </a:solidFill>
+              <a:latin typeface="Calibri" panose="020F0502020204030204" pitchFamily="34" charset="0"/>
+              <a:cs typeface="Calibri" panose="020F0502020204030204" pitchFamily="34" charset="0"/>
+            </a:endParaRPr>
+          </a:p>
+          <a:p>
+            <a:pPr marL="285750" indent="-285750">
+              <a:buFont typeface="Arial" panose="020B0604020202020204" pitchFamily="34" charset="0"/>
+              <a:buChar char="•"/>
+            </a:pPr>
+            <a:endParaRPr lang="en-GB" sz="1600" b="0" dirty="0">
+              <a:solidFill>
+                <a:schemeClr val="accent2"/>
+              </a:solidFill>
+              <a:latin typeface="Calibri" panose="020F0502020204030204" pitchFamily="34" charset="0"/>
+              <a:cs typeface="Calibri" panose="020F0502020204030204" pitchFamily="34" charset="0"/>
+            </a:endParaRPr>
+          </a:p>
+        </p:txBody>
+      </p:sp>
+      <p:sp>
+        <p:nvSpPr>
+          <p:cNvPr id="10" name="Title 6">
+            <a:extLst>
+              <a:ext uri="{FF2B5EF4-FFF2-40B4-BE49-F238E27FC236}">
+                <a16:creationId xmlns:a16="http://schemas.microsoft.com/office/drawing/2014/main" id="{64A2D8A6-32F9-F325-26A8-30EC5DCDFC53}"/>
+              </a:ext>
+            </a:extLst>
+          </p:cNvPr>
+          <p:cNvSpPr txBox="1">
+            <a:spLocks/>
+          </p:cNvSpPr>
+          <p:nvPr/>
+        </p:nvSpPr>
+        <p:spPr>
+          <a:xfrm>
+            <a:off x="632460" y="5819339"/>
+            <a:ext cx="10927080" cy="731520"/>
+          </a:xfrm>
+          <a:prstGeom prst="rect">
+            <a:avLst/>
+          </a:prstGeom>
+          <a:gradFill flip="none" rotWithShape="1">
+            <a:gsLst>
+              <a:gs pos="0">
+                <a:schemeClr val="bg1"/>
+              </a:gs>
+              <a:gs pos="40000">
+                <a:schemeClr val="accent4"/>
+              </a:gs>
+              <a:gs pos="100000">
+                <a:schemeClr val="accent3"/>
+              </a:gs>
+            </a:gsLst>
+            <a:lin ang="0" scaled="1"/>
+            <a:tileRect/>
+          </a:gradFill>
+          <a:effectLst>
+            <a:outerShdw blurRad="50800" dist="38100" dir="2700000" algn="tl" rotWithShape="0">
+              <a:prstClr val="black">
+                <a:alpha val="40000"/>
+              </a:prstClr>
+            </a:outerShdw>
+          </a:effectLst>
+        </p:spPr>
+        <p:txBody>
+          <a:bodyPr vert="horz" lIns="0" tIns="0" rIns="0" bIns="0" rtlCol="0" anchor="t" anchorCtr="0">
+            <a:noAutofit/>
+          </a:bodyPr>
+          <a:lstStyle>
+            <a:lvl1pPr algn="l" defTabSz="609555" rtl="0" eaLnBrk="1" latinLnBrk="0" hangingPunct="1">
+              <a:lnSpc>
+                <a:spcPct val="100000"/>
+              </a:lnSpc>
+              <a:spcBef>
+                <a:spcPct val="0"/>
+              </a:spcBef>
+              <a:buNone/>
+              <a:defRPr lang="en-US" sz="2600" b="1" kern="1200" spc="-20" baseline="0" dirty="0">
+                <a:solidFill>
+                  <a:schemeClr val="bg1"/>
+                </a:solidFill>
+                <a:latin typeface="+mj-lt"/>
+                <a:ea typeface="+mj-ea"/>
+                <a:cs typeface="+mj-cs"/>
+              </a:defRPr>
+            </a:lvl1pPr>
+          </a:lstStyle>
+          <a:p>
+            <a:endParaRPr lang="en-GB" sz="1600" b="0" dirty="0">
+              <a:solidFill>
+                <a:schemeClr val="accent2"/>
+              </a:solidFill>
+              <a:latin typeface="Calibri" panose="020F0502020204030204" pitchFamily="34" charset="0"/>
+              <a:cs typeface="Calibri" panose="020F0502020204030204" pitchFamily="34" charset="0"/>
+            </a:endParaRPr>
+          </a:p>
+          <a:p>
+            <a:pPr marL="285750" indent="-285750">
+              <a:buFont typeface="Arial" panose="020B0604020202020204" pitchFamily="34" charset="0"/>
+              <a:buChar char="•"/>
+            </a:pPr>
+            <a:endParaRPr lang="en-GB" sz="1600" b="0" dirty="0">
+              <a:solidFill>
+                <a:schemeClr val="accent2"/>
+              </a:solidFill>
+              <a:latin typeface="Calibri" panose="020F0502020204030204" pitchFamily="34" charset="0"/>
+              <a:cs typeface="Calibri" panose="020F0502020204030204" pitchFamily="34" charset="0"/>
+            </a:endParaRPr>
+          </a:p>
+          <a:p>
+            <a:pPr marL="285750" indent="-285750">
+              <a:buFont typeface="Arial" panose="020B0604020202020204" pitchFamily="34" charset="0"/>
+              <a:buChar char="•"/>
+            </a:pPr>
+            <a:endParaRPr lang="en-GB" sz="1600" b="0" dirty="0">
+              <a:solidFill>
+                <a:schemeClr val="accent2"/>
+              </a:solidFill>
+              <a:latin typeface="Calibri" panose="020F0502020204030204" pitchFamily="34" charset="0"/>
+              <a:cs typeface="Calibri" panose="020F0502020204030204" pitchFamily="34" charset="0"/>
+            </a:endParaRPr>
+          </a:p>
+          <a:p>
+            <a:pPr marL="285750" indent="-285750">
+              <a:buFont typeface="Arial" panose="020B0604020202020204" pitchFamily="34" charset="0"/>
+              <a:buChar char="•"/>
+            </a:pPr>
+            <a:endParaRPr lang="en-GB" sz="1600" b="0" dirty="0">
+              <a:solidFill>
+                <a:schemeClr val="accent2"/>
+              </a:solidFill>
+              <a:latin typeface="Calibri" panose="020F0502020204030204" pitchFamily="34" charset="0"/>
+              <a:cs typeface="Calibri" panose="020F0502020204030204" pitchFamily="34" charset="0"/>
+            </a:endParaRPr>
+          </a:p>
+          <a:p>
+            <a:endParaRPr lang="en-GB" sz="1600" b="0" dirty="0">
+              <a:solidFill>
+                <a:schemeClr val="accent2"/>
+              </a:solidFill>
+              <a:latin typeface="Calibri" panose="020F0502020204030204" pitchFamily="34" charset="0"/>
+              <a:cs typeface="Calibri" panose="020F0502020204030204" pitchFamily="34" charset="0"/>
+            </a:endParaRPr>
+          </a:p>
+          <a:p>
+            <a:pPr marL="285750" indent="-285750">
+              <a:buFont typeface="Arial" panose="020B0604020202020204" pitchFamily="34" charset="0"/>
+              <a:buChar char="•"/>
+            </a:pPr>
+            <a:endParaRPr lang="en-GB" sz="1600" b="0" dirty="0">
+              <a:solidFill>
+                <a:schemeClr val="accent2"/>
+              </a:solidFill>
+              <a:latin typeface="Calibri" panose="020F0502020204030204" pitchFamily="34" charset="0"/>
+              <a:cs typeface="Calibri" panose="020F0502020204030204" pitchFamily="34" charset="0"/>
+            </a:endParaRPr>
+          </a:p>
+        </p:txBody>
+      </p:sp>
+      <p:sp>
+        <p:nvSpPr>
+          <p:cNvPr id="11" name="TextBox 10">
+            <a:extLst>
+              <a:ext uri="{FF2B5EF4-FFF2-40B4-BE49-F238E27FC236}">
+                <a16:creationId xmlns:a16="http://schemas.microsoft.com/office/drawing/2014/main" id="{A3036AEF-7A78-A326-F646-0EFE6B2B6FB6}"/>
+              </a:ext>
+            </a:extLst>
+          </p:cNvPr>
+          <p:cNvSpPr txBox="1"/>
+          <p:nvPr/>
+        </p:nvSpPr>
+        <p:spPr>
+          <a:xfrm>
+            <a:off x="768626" y="5883965"/>
+            <a:ext cx="10614991" cy="215444"/>
+          </a:xfrm>
+          <a:prstGeom prst="rect">
+            <a:avLst/>
+          </a:prstGeom>
+        </p:spPr>
+        <p:txBody>
+          <a:bodyPr wrap="square" lIns="0" tIns="0" rIns="0" bIns="0" rtlCol="0" anchor="t" anchorCtr="0">
+            <a:spAutoFit/>
+          </a:bodyPr>
+          <a:lstStyle/>
+          <a:p>
+            <a:pPr algn="ctr"/>
+            <a:r>
+              <a:rPr lang="en-GB" sz="1400" b="1" dirty="0" err="1">
+                <a:solidFill>
+                  <a:schemeClr val="tx2"/>
+                </a:solidFill>
+              </a:rPr>
+              <a:t>slide_takeout</a:t>
+            </a:r>
+            <a:endParaRPr lang="en-GB" sz="1400" b="1" dirty="0">
+              <a:solidFill>
+                <a:schemeClr val="tx2"/>
+              </a:solidFill>
+            </a:endParaRPr>
+          </a:p>
+        </p:txBody>
+      </p:sp>
+    </p:spTree>
+    <p:extLst>
+      <p:ext uri="{BB962C8B-B14F-4D97-AF65-F5344CB8AC3E}">
+        <p14:creationId xmlns:p14="http://schemas.microsoft.com/office/powerpoint/2010/main" val="3526922218"/>
+      </p:ext>
+    </p:extLst>
+  </p:cSld>
+  <p:clrMapOvr>
+    <a:masterClrMapping/>
+  </p:clrMapOvr>
+  <mc:AlternateContent xmlns:mc="http://schemas.openxmlformats.org/markup-compatibility/2006">
+    <mc:Choice xmlns:p14="http://schemas.microsoft.com/office/powerpoint/2010/main" Requires="p14">
+      <p:transition spd="med" p14:dur="700">
+        <p:fade/>
+      </p:transition>
+    </mc:Choice>
+    <mc:Fallback>
+      <p:transition spd="med">
+        <p:fade/>
+      </p:transition>
+    </mc:Fallback>
+  </mc:AlternateContent>
+</p:sld>
+</file>
+
+<file path=ppt/slides/slide34.xml><?xml version="1.0" encoding="utf-8"?>
+<p:sld xmlns:a="http://schemas.openxmlformats.org/drawingml/2006/main" xmlns:r="http://schemas.openxmlformats.org/officeDocument/2006/relationships" xmlns:p="http://schemas.openxmlformats.org/presentationml/2006/main">
+  <p:cSld>
+    <p:spTree>
+      <p:nvGrpSpPr>
+        <p:cNvPr id="1" name=""/>
+        <p:cNvGrpSpPr/>
+        <p:nvPr/>
+      </p:nvGrpSpPr>
+      <p:grpSpPr>
+        <a:xfrm>
+          <a:off x="0" y="0"/>
+          <a:ext cx="0" cy="0"/>
+          <a:chOff x="0" y="0"/>
+          <a:chExt cx="0" cy="0"/>
+        </a:xfrm>
+      </p:grpSpPr>
+      <p:sp>
+        <p:nvSpPr>
+          <p:cNvPr id="8" name="Text Placeholder 7">
+            <a:extLst>
+              <a:ext uri="{FF2B5EF4-FFF2-40B4-BE49-F238E27FC236}">
+                <a16:creationId xmlns:a16="http://schemas.microsoft.com/office/drawing/2014/main" id="{75D95B09-4C81-1BEA-C17E-A0651CE452C3}"/>
+              </a:ext>
+            </a:extLst>
+          </p:cNvPr>
+          <p:cNvSpPr>
+            <a:spLocks noGrp="1"/>
+          </p:cNvSpPr>
+          <p:nvPr>
+            <p:ph type="body" sz="quarter" idx="10"/>
+          </p:nvPr>
+        </p:nvSpPr>
+        <p:spPr/>
+        <p:txBody>
+          <a:bodyPr/>
+          <a:lstStyle/>
+          <a:p>
+            <a:r>
+              <a:rPr lang="en-GB" dirty="0" err="1"/>
+              <a:t>slide_subtitle</a:t>
+            </a:r>
+            <a:endParaRPr lang="en-GB" dirty="0"/>
+          </a:p>
+        </p:txBody>
+      </p:sp>
+      <p:sp>
+        <p:nvSpPr>
+          <p:cNvPr id="7" name="Title 6">
+            <a:extLst>
+              <a:ext uri="{FF2B5EF4-FFF2-40B4-BE49-F238E27FC236}">
+                <a16:creationId xmlns:a16="http://schemas.microsoft.com/office/drawing/2014/main" id="{F07B11D4-9D2C-D4C4-F367-CF2CB0614582}"/>
+              </a:ext>
+            </a:extLst>
+          </p:cNvPr>
+          <p:cNvSpPr>
+            <a:spLocks noGrp="1"/>
+          </p:cNvSpPr>
+          <p:nvPr>
+            <p:ph type="title"/>
+          </p:nvPr>
+        </p:nvSpPr>
+        <p:spPr/>
+        <p:txBody>
+          <a:bodyPr/>
+          <a:lstStyle/>
+          <a:p>
+            <a:r>
+              <a:rPr lang="en-GB" dirty="0" err="1"/>
+              <a:t>slide_title</a:t>
+            </a:r>
+            <a:endParaRPr lang="en-GB" dirty="0"/>
+          </a:p>
+        </p:txBody>
+      </p:sp>
+      <p:sp>
+        <p:nvSpPr>
+          <p:cNvPr id="9" name="Title 6">
+            <a:extLst>
+              <a:ext uri="{FF2B5EF4-FFF2-40B4-BE49-F238E27FC236}">
+                <a16:creationId xmlns:a16="http://schemas.microsoft.com/office/drawing/2014/main" id="{0FCE95F0-9FB9-6C46-6607-48165DF1A718}"/>
+              </a:ext>
+            </a:extLst>
+          </p:cNvPr>
+          <p:cNvSpPr txBox="1">
+            <a:spLocks/>
+          </p:cNvSpPr>
+          <p:nvPr/>
+        </p:nvSpPr>
+        <p:spPr>
+          <a:xfrm>
+            <a:off x="632460" y="1165884"/>
+            <a:ext cx="10927080" cy="731520"/>
+          </a:xfrm>
+          <a:prstGeom prst="rect">
+            <a:avLst/>
+          </a:prstGeom>
+        </p:spPr>
+        <p:txBody>
+          <a:bodyPr vert="horz" lIns="0" tIns="0" rIns="0" bIns="0" rtlCol="0" anchor="t" anchorCtr="0">
+            <a:noAutofit/>
+          </a:bodyPr>
+          <a:lstStyle>
+            <a:lvl1pPr algn="l" defTabSz="609555" rtl="0" eaLnBrk="1" latinLnBrk="0" hangingPunct="1">
+              <a:lnSpc>
+                <a:spcPct val="100000"/>
+              </a:lnSpc>
+              <a:spcBef>
+                <a:spcPct val="0"/>
+              </a:spcBef>
+              <a:buNone/>
+              <a:defRPr lang="en-US" sz="2600" b="1" kern="1200" spc="-20" baseline="0" dirty="0">
+                <a:solidFill>
+                  <a:schemeClr val="bg1"/>
+                </a:solidFill>
+                <a:latin typeface="+mj-lt"/>
+                <a:ea typeface="+mj-ea"/>
+                <a:cs typeface="+mj-cs"/>
+              </a:defRPr>
+            </a:lvl1pPr>
+          </a:lstStyle>
+          <a:p>
+            <a:pPr>
+              <a:buClr>
+                <a:schemeClr val="accent4"/>
+              </a:buClr>
+            </a:pPr>
+            <a:r>
+              <a:rPr lang="en-GB" sz="1400" b="0" dirty="0" err="1">
+                <a:solidFill>
+                  <a:schemeClr val="accent2"/>
+                </a:solidFill>
+                <a:latin typeface="Calibri" panose="020F0502020204030204" pitchFamily="34" charset="0"/>
+                <a:cs typeface="Calibri" panose="020F0502020204030204" pitchFamily="34" charset="0"/>
+              </a:rPr>
+              <a:t>slide_bullet</a:t>
+            </a:r>
+            <a:endParaRPr lang="en-GB" sz="1400" b="0" dirty="0">
+              <a:solidFill>
+                <a:schemeClr val="accent2"/>
+              </a:solidFill>
+              <a:latin typeface="Calibri" panose="020F0502020204030204" pitchFamily="34" charset="0"/>
+              <a:cs typeface="Calibri" panose="020F0502020204030204" pitchFamily="34" charset="0"/>
+            </a:endParaRPr>
+          </a:p>
+          <a:p>
+            <a:endParaRPr lang="en-GB" sz="1600" b="0" dirty="0">
+              <a:solidFill>
+                <a:schemeClr val="accent2"/>
+              </a:solidFill>
+              <a:latin typeface="Calibri" panose="020F0502020204030204" pitchFamily="34" charset="0"/>
+              <a:cs typeface="Calibri" panose="020F0502020204030204" pitchFamily="34" charset="0"/>
+            </a:endParaRPr>
+          </a:p>
+          <a:p>
+            <a:pPr marL="285750" indent="-285750">
+              <a:buFont typeface="Arial" panose="020B0604020202020204" pitchFamily="34" charset="0"/>
+              <a:buChar char="•"/>
+            </a:pPr>
+            <a:endParaRPr lang="en-GB" sz="1600" b="0" dirty="0">
+              <a:solidFill>
+                <a:schemeClr val="accent2"/>
+              </a:solidFill>
+              <a:latin typeface="Calibri" panose="020F0502020204030204" pitchFamily="34" charset="0"/>
+              <a:cs typeface="Calibri" panose="020F0502020204030204" pitchFamily="34" charset="0"/>
+            </a:endParaRPr>
+          </a:p>
+          <a:p>
+            <a:pPr marL="285750" indent="-285750">
+              <a:buFont typeface="Arial" panose="020B0604020202020204" pitchFamily="34" charset="0"/>
+              <a:buChar char="•"/>
+            </a:pPr>
+            <a:endParaRPr lang="en-GB" sz="1600" b="0" dirty="0">
+              <a:solidFill>
+                <a:schemeClr val="accent2"/>
+              </a:solidFill>
+              <a:latin typeface="Calibri" panose="020F0502020204030204" pitchFamily="34" charset="0"/>
+              <a:cs typeface="Calibri" panose="020F0502020204030204" pitchFamily="34" charset="0"/>
+            </a:endParaRPr>
+          </a:p>
+          <a:p>
+            <a:pPr marL="285750" indent="-285750">
+              <a:buFont typeface="Arial" panose="020B0604020202020204" pitchFamily="34" charset="0"/>
+              <a:buChar char="•"/>
+            </a:pPr>
+            <a:endParaRPr lang="en-GB" sz="1600" b="0" dirty="0">
+              <a:solidFill>
+                <a:schemeClr val="accent2"/>
+              </a:solidFill>
+              <a:latin typeface="Calibri" panose="020F0502020204030204" pitchFamily="34" charset="0"/>
+              <a:cs typeface="Calibri" panose="020F0502020204030204" pitchFamily="34" charset="0"/>
+            </a:endParaRPr>
+          </a:p>
+          <a:p>
+            <a:endParaRPr lang="en-GB" sz="1600" b="0" dirty="0">
+              <a:solidFill>
+                <a:schemeClr val="accent2"/>
+              </a:solidFill>
+              <a:latin typeface="Calibri" panose="020F0502020204030204" pitchFamily="34" charset="0"/>
+              <a:cs typeface="Calibri" panose="020F0502020204030204" pitchFamily="34" charset="0"/>
+            </a:endParaRPr>
+          </a:p>
+          <a:p>
+            <a:pPr marL="285750" indent="-285750">
+              <a:buFont typeface="Arial" panose="020B0604020202020204" pitchFamily="34" charset="0"/>
+              <a:buChar char="•"/>
+            </a:pPr>
+            <a:endParaRPr lang="en-GB" sz="1600" b="0" dirty="0">
+              <a:solidFill>
+                <a:schemeClr val="accent2"/>
+              </a:solidFill>
+              <a:latin typeface="Calibri" panose="020F0502020204030204" pitchFamily="34" charset="0"/>
+              <a:cs typeface="Calibri" panose="020F0502020204030204" pitchFamily="34" charset="0"/>
+            </a:endParaRPr>
+          </a:p>
+        </p:txBody>
+      </p:sp>
+      <p:sp>
+        <p:nvSpPr>
+          <p:cNvPr id="10" name="Title 6">
+            <a:extLst>
+              <a:ext uri="{FF2B5EF4-FFF2-40B4-BE49-F238E27FC236}">
+                <a16:creationId xmlns:a16="http://schemas.microsoft.com/office/drawing/2014/main" id="{64A2D8A6-32F9-F325-26A8-30EC5DCDFC53}"/>
+              </a:ext>
+            </a:extLst>
+          </p:cNvPr>
+          <p:cNvSpPr txBox="1">
+            <a:spLocks/>
+          </p:cNvSpPr>
+          <p:nvPr/>
+        </p:nvSpPr>
+        <p:spPr>
+          <a:xfrm>
+            <a:off x="632460" y="5819339"/>
+            <a:ext cx="10927080" cy="731520"/>
+          </a:xfrm>
+          <a:prstGeom prst="rect">
+            <a:avLst/>
+          </a:prstGeom>
+          <a:gradFill flip="none" rotWithShape="1">
+            <a:gsLst>
+              <a:gs pos="0">
+                <a:schemeClr val="bg1"/>
+              </a:gs>
+              <a:gs pos="40000">
+                <a:schemeClr val="accent4"/>
+              </a:gs>
+              <a:gs pos="100000">
+                <a:schemeClr val="accent3"/>
+              </a:gs>
+            </a:gsLst>
+            <a:lin ang="0" scaled="1"/>
+            <a:tileRect/>
+          </a:gradFill>
+          <a:effectLst>
+            <a:outerShdw blurRad="50800" dist="38100" dir="2700000" algn="tl" rotWithShape="0">
+              <a:prstClr val="black">
+                <a:alpha val="40000"/>
+              </a:prstClr>
+            </a:outerShdw>
+          </a:effectLst>
+        </p:spPr>
+        <p:txBody>
+          <a:bodyPr vert="horz" lIns="0" tIns="0" rIns="0" bIns="0" rtlCol="0" anchor="t" anchorCtr="0">
+            <a:noAutofit/>
+          </a:bodyPr>
+          <a:lstStyle>
+            <a:lvl1pPr algn="l" defTabSz="609555" rtl="0" eaLnBrk="1" latinLnBrk="0" hangingPunct="1">
+              <a:lnSpc>
+                <a:spcPct val="100000"/>
+              </a:lnSpc>
+              <a:spcBef>
+                <a:spcPct val="0"/>
+              </a:spcBef>
+              <a:buNone/>
+              <a:defRPr lang="en-US" sz="2600" b="1" kern="1200" spc="-20" baseline="0" dirty="0">
+                <a:solidFill>
+                  <a:schemeClr val="bg1"/>
+                </a:solidFill>
+                <a:latin typeface="+mj-lt"/>
+                <a:ea typeface="+mj-ea"/>
+                <a:cs typeface="+mj-cs"/>
+              </a:defRPr>
+            </a:lvl1pPr>
+          </a:lstStyle>
+          <a:p>
+            <a:endParaRPr lang="en-GB" sz="1600" b="0" dirty="0">
+              <a:solidFill>
+                <a:schemeClr val="accent2"/>
+              </a:solidFill>
+              <a:latin typeface="Calibri" panose="020F0502020204030204" pitchFamily="34" charset="0"/>
+              <a:cs typeface="Calibri" panose="020F0502020204030204" pitchFamily="34" charset="0"/>
+            </a:endParaRPr>
+          </a:p>
+          <a:p>
+            <a:pPr marL="285750" indent="-285750">
+              <a:buFont typeface="Arial" panose="020B0604020202020204" pitchFamily="34" charset="0"/>
+              <a:buChar char="•"/>
+            </a:pPr>
+            <a:endParaRPr lang="en-GB" sz="1600" b="0" dirty="0">
+              <a:solidFill>
+                <a:schemeClr val="accent2"/>
+              </a:solidFill>
+              <a:latin typeface="Calibri" panose="020F0502020204030204" pitchFamily="34" charset="0"/>
+              <a:cs typeface="Calibri" panose="020F0502020204030204" pitchFamily="34" charset="0"/>
+            </a:endParaRPr>
+          </a:p>
+          <a:p>
+            <a:pPr marL="285750" indent="-285750">
+              <a:buFont typeface="Arial" panose="020B0604020202020204" pitchFamily="34" charset="0"/>
+              <a:buChar char="•"/>
+            </a:pPr>
+            <a:endParaRPr lang="en-GB" sz="1600" b="0" dirty="0">
+              <a:solidFill>
+                <a:schemeClr val="accent2"/>
+              </a:solidFill>
+              <a:latin typeface="Calibri" panose="020F0502020204030204" pitchFamily="34" charset="0"/>
+              <a:cs typeface="Calibri" panose="020F0502020204030204" pitchFamily="34" charset="0"/>
+            </a:endParaRPr>
+          </a:p>
+          <a:p>
+            <a:pPr marL="285750" indent="-285750">
+              <a:buFont typeface="Arial" panose="020B0604020202020204" pitchFamily="34" charset="0"/>
+              <a:buChar char="•"/>
+            </a:pPr>
+            <a:endParaRPr lang="en-GB" sz="1600" b="0" dirty="0">
+              <a:solidFill>
+                <a:schemeClr val="accent2"/>
+              </a:solidFill>
+              <a:latin typeface="Calibri" panose="020F0502020204030204" pitchFamily="34" charset="0"/>
+              <a:cs typeface="Calibri" panose="020F0502020204030204" pitchFamily="34" charset="0"/>
+            </a:endParaRPr>
+          </a:p>
+          <a:p>
+            <a:endParaRPr lang="en-GB" sz="1600" b="0" dirty="0">
+              <a:solidFill>
+                <a:schemeClr val="accent2"/>
+              </a:solidFill>
+              <a:latin typeface="Calibri" panose="020F0502020204030204" pitchFamily="34" charset="0"/>
+              <a:cs typeface="Calibri" panose="020F0502020204030204" pitchFamily="34" charset="0"/>
+            </a:endParaRPr>
+          </a:p>
+          <a:p>
+            <a:pPr marL="285750" indent="-285750">
+              <a:buFont typeface="Arial" panose="020B0604020202020204" pitchFamily="34" charset="0"/>
+              <a:buChar char="•"/>
+            </a:pPr>
+            <a:endParaRPr lang="en-GB" sz="1600" b="0" dirty="0">
+              <a:solidFill>
+                <a:schemeClr val="accent2"/>
+              </a:solidFill>
+              <a:latin typeface="Calibri" panose="020F0502020204030204" pitchFamily="34" charset="0"/>
+              <a:cs typeface="Calibri" panose="020F0502020204030204" pitchFamily="34" charset="0"/>
+            </a:endParaRPr>
+          </a:p>
+        </p:txBody>
+      </p:sp>
+      <p:sp>
+        <p:nvSpPr>
+          <p:cNvPr id="11" name="TextBox 10">
+            <a:extLst>
+              <a:ext uri="{FF2B5EF4-FFF2-40B4-BE49-F238E27FC236}">
+                <a16:creationId xmlns:a16="http://schemas.microsoft.com/office/drawing/2014/main" id="{A3036AEF-7A78-A326-F646-0EFE6B2B6FB6}"/>
+              </a:ext>
+            </a:extLst>
+          </p:cNvPr>
+          <p:cNvSpPr txBox="1"/>
+          <p:nvPr/>
+        </p:nvSpPr>
+        <p:spPr>
+          <a:xfrm>
+            <a:off x="768626" y="5883965"/>
+            <a:ext cx="10614991" cy="215444"/>
+          </a:xfrm>
+          <a:prstGeom prst="rect">
+            <a:avLst/>
+          </a:prstGeom>
+        </p:spPr>
+        <p:txBody>
+          <a:bodyPr wrap="square" lIns="0" tIns="0" rIns="0" bIns="0" rtlCol="0" anchor="t" anchorCtr="0">
+            <a:spAutoFit/>
+          </a:bodyPr>
+          <a:lstStyle/>
+          <a:p>
+            <a:pPr algn="ctr"/>
+            <a:r>
+              <a:rPr lang="en-GB" sz="1400" b="1" dirty="0" err="1">
+                <a:solidFill>
+                  <a:schemeClr val="tx2"/>
+                </a:solidFill>
+              </a:rPr>
+              <a:t>slide_takeout</a:t>
+            </a:r>
+            <a:endParaRPr lang="en-GB" sz="1400" b="1" dirty="0">
+              <a:solidFill>
+                <a:schemeClr val="tx2"/>
+              </a:solidFill>
+            </a:endParaRPr>
+          </a:p>
+        </p:txBody>
+      </p:sp>
+    </p:spTree>
+    <p:extLst>
+      <p:ext uri="{BB962C8B-B14F-4D97-AF65-F5344CB8AC3E}">
+        <p14:creationId xmlns:p14="http://schemas.microsoft.com/office/powerpoint/2010/main" val="1756066251"/>
+      </p:ext>
+    </p:extLst>
+  </p:cSld>
+  <p:clrMapOvr>
+    <a:masterClrMapping/>
+  </p:clrMapOvr>
+  <mc:AlternateContent xmlns:mc="http://schemas.openxmlformats.org/markup-compatibility/2006">
+    <mc:Choice xmlns:p14="http://schemas.microsoft.com/office/powerpoint/2010/main" Requires="p14">
+      <p:transition spd="med" p14:dur="700">
+        <p:fade/>
+      </p:transition>
+    </mc:Choice>
+    <mc:Fallback>
+      <p:transition spd="med">
+        <p:fade/>
+      </p:transition>
+    </mc:Fallback>
+  </mc:AlternateContent>
+</p:sld>
+</file>
+
+<file path=ppt/slides/slide35.xml><?xml version="1.0" encoding="utf-8"?>
+<p:sld xmlns:a="http://schemas.openxmlformats.org/drawingml/2006/main" xmlns:r="http://schemas.openxmlformats.org/officeDocument/2006/relationships" xmlns:p="http://schemas.openxmlformats.org/presentationml/2006/main">
+  <p:cSld>
+    <p:spTree>
+      <p:nvGrpSpPr>
+        <p:cNvPr id="1" name=""/>
+        <p:cNvGrpSpPr/>
+        <p:nvPr/>
+      </p:nvGrpSpPr>
+      <p:grpSpPr>
+        <a:xfrm>
+          <a:off x="0" y="0"/>
+          <a:ext cx="0" cy="0"/>
+          <a:chOff x="0" y="0"/>
+          <a:chExt cx="0" cy="0"/>
+        </a:xfrm>
+      </p:grpSpPr>
+      <p:sp>
+        <p:nvSpPr>
+          <p:cNvPr id="8" name="Text Placeholder 7">
+            <a:extLst>
+              <a:ext uri="{FF2B5EF4-FFF2-40B4-BE49-F238E27FC236}">
+                <a16:creationId xmlns:a16="http://schemas.microsoft.com/office/drawing/2014/main" id="{75D95B09-4C81-1BEA-C17E-A0651CE452C3}"/>
+              </a:ext>
+            </a:extLst>
+          </p:cNvPr>
+          <p:cNvSpPr>
+            <a:spLocks noGrp="1"/>
+          </p:cNvSpPr>
+          <p:nvPr>
+            <p:ph type="body" sz="quarter" idx="10"/>
+          </p:nvPr>
+        </p:nvSpPr>
+        <p:spPr/>
+        <p:txBody>
+          <a:bodyPr/>
+          <a:lstStyle/>
+          <a:p>
+            <a:r>
+              <a:rPr lang="en-GB" dirty="0" err="1"/>
+              <a:t>slide_subtitle</a:t>
+            </a:r>
+            <a:endParaRPr lang="en-GB" dirty="0"/>
+          </a:p>
+        </p:txBody>
+      </p:sp>
+      <p:sp>
+        <p:nvSpPr>
+          <p:cNvPr id="7" name="Title 6">
+            <a:extLst>
+              <a:ext uri="{FF2B5EF4-FFF2-40B4-BE49-F238E27FC236}">
+                <a16:creationId xmlns:a16="http://schemas.microsoft.com/office/drawing/2014/main" id="{F07B11D4-9D2C-D4C4-F367-CF2CB0614582}"/>
+              </a:ext>
+            </a:extLst>
+          </p:cNvPr>
+          <p:cNvSpPr>
+            <a:spLocks noGrp="1"/>
+          </p:cNvSpPr>
+          <p:nvPr>
+            <p:ph type="title"/>
+          </p:nvPr>
+        </p:nvSpPr>
+        <p:spPr/>
+        <p:txBody>
+          <a:bodyPr/>
+          <a:lstStyle/>
+          <a:p>
+            <a:r>
+              <a:rPr lang="en-GB" dirty="0" err="1"/>
+              <a:t>slide_title</a:t>
+            </a:r>
+            <a:endParaRPr lang="en-GB" dirty="0"/>
+          </a:p>
+        </p:txBody>
+      </p:sp>
+      <p:sp>
+        <p:nvSpPr>
+          <p:cNvPr id="9" name="Title 6">
+            <a:extLst>
+              <a:ext uri="{FF2B5EF4-FFF2-40B4-BE49-F238E27FC236}">
+                <a16:creationId xmlns:a16="http://schemas.microsoft.com/office/drawing/2014/main" id="{0FCE95F0-9FB9-6C46-6607-48165DF1A718}"/>
+              </a:ext>
+            </a:extLst>
+          </p:cNvPr>
+          <p:cNvSpPr txBox="1">
+            <a:spLocks/>
+          </p:cNvSpPr>
+          <p:nvPr/>
+        </p:nvSpPr>
+        <p:spPr>
+          <a:xfrm>
+            <a:off x="632460" y="1165884"/>
+            <a:ext cx="10927080" cy="731520"/>
+          </a:xfrm>
+          <a:prstGeom prst="rect">
+            <a:avLst/>
+          </a:prstGeom>
+        </p:spPr>
+        <p:txBody>
+          <a:bodyPr vert="horz" lIns="0" tIns="0" rIns="0" bIns="0" rtlCol="0" anchor="t" anchorCtr="0">
+            <a:noAutofit/>
+          </a:bodyPr>
+          <a:lstStyle>
+            <a:lvl1pPr algn="l" defTabSz="609555" rtl="0" eaLnBrk="1" latinLnBrk="0" hangingPunct="1">
+              <a:lnSpc>
+                <a:spcPct val="100000"/>
+              </a:lnSpc>
+              <a:spcBef>
+                <a:spcPct val="0"/>
+              </a:spcBef>
+              <a:buNone/>
+              <a:defRPr lang="en-US" sz="2600" b="1" kern="1200" spc="-20" baseline="0" dirty="0">
+                <a:solidFill>
+                  <a:schemeClr val="bg1"/>
+                </a:solidFill>
+                <a:latin typeface="+mj-lt"/>
+                <a:ea typeface="+mj-ea"/>
+                <a:cs typeface="+mj-cs"/>
+              </a:defRPr>
+            </a:lvl1pPr>
+          </a:lstStyle>
+          <a:p>
+            <a:pPr>
+              <a:buClr>
+                <a:schemeClr val="accent4"/>
+              </a:buClr>
+            </a:pPr>
+            <a:r>
+              <a:rPr lang="en-GB" sz="1400" b="0" dirty="0" err="1">
+                <a:solidFill>
+                  <a:schemeClr val="accent2"/>
+                </a:solidFill>
+                <a:latin typeface="Calibri" panose="020F0502020204030204" pitchFamily="34" charset="0"/>
+                <a:cs typeface="Calibri" panose="020F0502020204030204" pitchFamily="34" charset="0"/>
+              </a:rPr>
+              <a:t>slide_bullet</a:t>
+            </a:r>
+            <a:endParaRPr lang="en-GB" sz="1400" b="0" dirty="0">
+              <a:solidFill>
+                <a:schemeClr val="accent2"/>
+              </a:solidFill>
+              <a:latin typeface="Calibri" panose="020F0502020204030204" pitchFamily="34" charset="0"/>
+              <a:cs typeface="Calibri" panose="020F0502020204030204" pitchFamily="34" charset="0"/>
+            </a:endParaRPr>
+          </a:p>
+          <a:p>
+            <a:endParaRPr lang="en-GB" sz="1600" b="0" dirty="0">
+              <a:solidFill>
+                <a:schemeClr val="accent2"/>
+              </a:solidFill>
+              <a:latin typeface="Calibri" panose="020F0502020204030204" pitchFamily="34" charset="0"/>
+              <a:cs typeface="Calibri" panose="020F0502020204030204" pitchFamily="34" charset="0"/>
+            </a:endParaRPr>
+          </a:p>
+          <a:p>
+            <a:pPr marL="285750" indent="-285750">
+              <a:buFont typeface="Arial" panose="020B0604020202020204" pitchFamily="34" charset="0"/>
+              <a:buChar char="•"/>
+            </a:pPr>
+            <a:endParaRPr lang="en-GB" sz="1600" b="0" dirty="0">
+              <a:solidFill>
+                <a:schemeClr val="accent2"/>
+              </a:solidFill>
+              <a:latin typeface="Calibri" panose="020F0502020204030204" pitchFamily="34" charset="0"/>
+              <a:cs typeface="Calibri" panose="020F0502020204030204" pitchFamily="34" charset="0"/>
+            </a:endParaRPr>
+          </a:p>
+          <a:p>
+            <a:pPr marL="285750" indent="-285750">
+              <a:buFont typeface="Arial" panose="020B0604020202020204" pitchFamily="34" charset="0"/>
+              <a:buChar char="•"/>
+            </a:pPr>
+            <a:endParaRPr lang="en-GB" sz="1600" b="0" dirty="0">
+              <a:solidFill>
+                <a:schemeClr val="accent2"/>
+              </a:solidFill>
+              <a:latin typeface="Calibri" panose="020F0502020204030204" pitchFamily="34" charset="0"/>
+              <a:cs typeface="Calibri" panose="020F0502020204030204" pitchFamily="34" charset="0"/>
+            </a:endParaRPr>
+          </a:p>
+          <a:p>
+            <a:pPr marL="285750" indent="-285750">
+              <a:buFont typeface="Arial" panose="020B0604020202020204" pitchFamily="34" charset="0"/>
+              <a:buChar char="•"/>
+            </a:pPr>
+            <a:endParaRPr lang="en-GB" sz="1600" b="0" dirty="0">
+              <a:solidFill>
+                <a:schemeClr val="accent2"/>
+              </a:solidFill>
+              <a:latin typeface="Calibri" panose="020F0502020204030204" pitchFamily="34" charset="0"/>
+              <a:cs typeface="Calibri" panose="020F0502020204030204" pitchFamily="34" charset="0"/>
+            </a:endParaRPr>
+          </a:p>
+          <a:p>
+            <a:endParaRPr lang="en-GB" sz="1600" b="0" dirty="0">
+              <a:solidFill>
+                <a:schemeClr val="accent2"/>
+              </a:solidFill>
+              <a:latin typeface="Calibri" panose="020F0502020204030204" pitchFamily="34" charset="0"/>
+              <a:cs typeface="Calibri" panose="020F0502020204030204" pitchFamily="34" charset="0"/>
+            </a:endParaRPr>
+          </a:p>
+          <a:p>
+            <a:pPr marL="285750" indent="-285750">
+              <a:buFont typeface="Arial" panose="020B0604020202020204" pitchFamily="34" charset="0"/>
+              <a:buChar char="•"/>
+            </a:pPr>
+            <a:endParaRPr lang="en-GB" sz="1600" b="0" dirty="0">
+              <a:solidFill>
+                <a:schemeClr val="accent2"/>
+              </a:solidFill>
+              <a:latin typeface="Calibri" panose="020F0502020204030204" pitchFamily="34" charset="0"/>
+              <a:cs typeface="Calibri" panose="020F0502020204030204" pitchFamily="34" charset="0"/>
+            </a:endParaRPr>
+          </a:p>
+        </p:txBody>
+      </p:sp>
+      <p:sp>
+        <p:nvSpPr>
+          <p:cNvPr id="10" name="Title 6">
+            <a:extLst>
+              <a:ext uri="{FF2B5EF4-FFF2-40B4-BE49-F238E27FC236}">
+                <a16:creationId xmlns:a16="http://schemas.microsoft.com/office/drawing/2014/main" id="{64A2D8A6-32F9-F325-26A8-30EC5DCDFC53}"/>
+              </a:ext>
+            </a:extLst>
+          </p:cNvPr>
+          <p:cNvSpPr txBox="1">
+            <a:spLocks/>
+          </p:cNvSpPr>
+          <p:nvPr/>
+        </p:nvSpPr>
+        <p:spPr>
+          <a:xfrm>
+            <a:off x="632460" y="5819339"/>
+            <a:ext cx="10927080" cy="731520"/>
+          </a:xfrm>
+          <a:prstGeom prst="rect">
+            <a:avLst/>
+          </a:prstGeom>
+          <a:gradFill flip="none" rotWithShape="1">
+            <a:gsLst>
+              <a:gs pos="0">
+                <a:schemeClr val="bg1"/>
+              </a:gs>
+              <a:gs pos="40000">
+                <a:schemeClr val="accent4"/>
+              </a:gs>
+              <a:gs pos="100000">
+                <a:schemeClr val="accent3"/>
+              </a:gs>
+            </a:gsLst>
+            <a:lin ang="0" scaled="1"/>
+            <a:tileRect/>
+          </a:gradFill>
+          <a:effectLst>
+            <a:outerShdw blurRad="50800" dist="38100" dir="2700000" algn="tl" rotWithShape="0">
+              <a:prstClr val="black">
+                <a:alpha val="40000"/>
+              </a:prstClr>
+            </a:outerShdw>
+          </a:effectLst>
+        </p:spPr>
+        <p:txBody>
+          <a:bodyPr vert="horz" lIns="0" tIns="0" rIns="0" bIns="0" rtlCol="0" anchor="t" anchorCtr="0">
+            <a:noAutofit/>
+          </a:bodyPr>
+          <a:lstStyle>
+            <a:lvl1pPr algn="l" defTabSz="609555" rtl="0" eaLnBrk="1" latinLnBrk="0" hangingPunct="1">
+              <a:lnSpc>
+                <a:spcPct val="100000"/>
+              </a:lnSpc>
+              <a:spcBef>
+                <a:spcPct val="0"/>
+              </a:spcBef>
+              <a:buNone/>
+              <a:defRPr lang="en-US" sz="2600" b="1" kern="1200" spc="-20" baseline="0" dirty="0">
+                <a:solidFill>
+                  <a:schemeClr val="bg1"/>
+                </a:solidFill>
+                <a:latin typeface="+mj-lt"/>
+                <a:ea typeface="+mj-ea"/>
+                <a:cs typeface="+mj-cs"/>
+              </a:defRPr>
+            </a:lvl1pPr>
+          </a:lstStyle>
+          <a:p>
+            <a:endParaRPr lang="en-GB" sz="1600" b="0" dirty="0">
+              <a:solidFill>
+                <a:schemeClr val="accent2"/>
+              </a:solidFill>
+              <a:latin typeface="Calibri" panose="020F0502020204030204" pitchFamily="34" charset="0"/>
+              <a:cs typeface="Calibri" panose="020F0502020204030204" pitchFamily="34" charset="0"/>
+            </a:endParaRPr>
+          </a:p>
+          <a:p>
+            <a:pPr marL="285750" indent="-285750">
+              <a:buFont typeface="Arial" panose="020B0604020202020204" pitchFamily="34" charset="0"/>
+              <a:buChar char="•"/>
+            </a:pPr>
+            <a:endParaRPr lang="en-GB" sz="1600" b="0" dirty="0">
+              <a:solidFill>
+                <a:schemeClr val="accent2"/>
+              </a:solidFill>
+              <a:latin typeface="Calibri" panose="020F0502020204030204" pitchFamily="34" charset="0"/>
+              <a:cs typeface="Calibri" panose="020F0502020204030204" pitchFamily="34" charset="0"/>
+            </a:endParaRPr>
+          </a:p>
+          <a:p>
+            <a:pPr marL="285750" indent="-285750">
+              <a:buFont typeface="Arial" panose="020B0604020202020204" pitchFamily="34" charset="0"/>
+              <a:buChar char="•"/>
+            </a:pPr>
+            <a:endParaRPr lang="en-GB" sz="1600" b="0" dirty="0">
+              <a:solidFill>
+                <a:schemeClr val="accent2"/>
+              </a:solidFill>
+              <a:latin typeface="Calibri" panose="020F0502020204030204" pitchFamily="34" charset="0"/>
+              <a:cs typeface="Calibri" panose="020F0502020204030204" pitchFamily="34" charset="0"/>
+            </a:endParaRPr>
+          </a:p>
+          <a:p>
+            <a:pPr marL="285750" indent="-285750">
+              <a:buFont typeface="Arial" panose="020B0604020202020204" pitchFamily="34" charset="0"/>
+              <a:buChar char="•"/>
+            </a:pPr>
+            <a:endParaRPr lang="en-GB" sz="1600" b="0" dirty="0">
+              <a:solidFill>
+                <a:schemeClr val="accent2"/>
+              </a:solidFill>
+              <a:latin typeface="Calibri" panose="020F0502020204030204" pitchFamily="34" charset="0"/>
+              <a:cs typeface="Calibri" panose="020F0502020204030204" pitchFamily="34" charset="0"/>
+            </a:endParaRPr>
+          </a:p>
+          <a:p>
+            <a:endParaRPr lang="en-GB" sz="1600" b="0" dirty="0">
+              <a:solidFill>
+                <a:schemeClr val="accent2"/>
+              </a:solidFill>
+              <a:latin typeface="Calibri" panose="020F0502020204030204" pitchFamily="34" charset="0"/>
+              <a:cs typeface="Calibri" panose="020F0502020204030204" pitchFamily="34" charset="0"/>
+            </a:endParaRPr>
+          </a:p>
+          <a:p>
+            <a:pPr marL="285750" indent="-285750">
+              <a:buFont typeface="Arial" panose="020B0604020202020204" pitchFamily="34" charset="0"/>
+              <a:buChar char="•"/>
+            </a:pPr>
+            <a:endParaRPr lang="en-GB" sz="1600" b="0" dirty="0">
+              <a:solidFill>
+                <a:schemeClr val="accent2"/>
+              </a:solidFill>
+              <a:latin typeface="Calibri" panose="020F0502020204030204" pitchFamily="34" charset="0"/>
+              <a:cs typeface="Calibri" panose="020F0502020204030204" pitchFamily="34" charset="0"/>
+            </a:endParaRPr>
+          </a:p>
+        </p:txBody>
+      </p:sp>
+      <p:sp>
+        <p:nvSpPr>
+          <p:cNvPr id="11" name="TextBox 10">
+            <a:extLst>
+              <a:ext uri="{FF2B5EF4-FFF2-40B4-BE49-F238E27FC236}">
+                <a16:creationId xmlns:a16="http://schemas.microsoft.com/office/drawing/2014/main" id="{A3036AEF-7A78-A326-F646-0EFE6B2B6FB6}"/>
+              </a:ext>
+            </a:extLst>
+          </p:cNvPr>
+          <p:cNvSpPr txBox="1"/>
+          <p:nvPr/>
+        </p:nvSpPr>
+        <p:spPr>
+          <a:xfrm>
+            <a:off x="768626" y="5883965"/>
+            <a:ext cx="10614991" cy="215444"/>
+          </a:xfrm>
+          <a:prstGeom prst="rect">
+            <a:avLst/>
+          </a:prstGeom>
+        </p:spPr>
+        <p:txBody>
+          <a:bodyPr wrap="square" lIns="0" tIns="0" rIns="0" bIns="0" rtlCol="0" anchor="t" anchorCtr="0">
+            <a:spAutoFit/>
+          </a:bodyPr>
+          <a:lstStyle/>
+          <a:p>
+            <a:pPr algn="ctr"/>
+            <a:r>
+              <a:rPr lang="en-GB" sz="1400" b="1" dirty="0" err="1">
+                <a:solidFill>
+                  <a:schemeClr val="tx2"/>
+                </a:solidFill>
+              </a:rPr>
+              <a:t>slide_takeout</a:t>
+            </a:r>
+            <a:endParaRPr lang="en-GB" sz="1400" b="1" dirty="0">
+              <a:solidFill>
+                <a:schemeClr val="tx2"/>
+              </a:solidFill>
+            </a:endParaRPr>
+          </a:p>
+        </p:txBody>
+      </p:sp>
+    </p:spTree>
+    <p:extLst>
+      <p:ext uri="{BB962C8B-B14F-4D97-AF65-F5344CB8AC3E}">
+        <p14:creationId xmlns:p14="http://schemas.microsoft.com/office/powerpoint/2010/main" val="231132005"/>
+      </p:ext>
+    </p:extLst>
+  </p:cSld>
+  <p:clrMapOvr>
+    <a:masterClrMapping/>
+  </p:clrMapOvr>
+  <mc:AlternateContent xmlns:mc="http://schemas.openxmlformats.org/markup-compatibility/2006">
+    <mc:Choice xmlns:p14="http://schemas.microsoft.com/office/powerpoint/2010/main" Requires="p14">
+      <p:transition spd="med" p14:dur="700">
+        <p:fade/>
+      </p:transition>
+    </mc:Choice>
+    <mc:Fallback>
+      <p:transition spd="med">
+        <p:fade/>
+      </p:transition>
+    </mc:Fallback>
+  </mc:AlternateContent>
+</p:sld>
+</file>
+
+<file path=ppt/slides/slide36.xml><?xml version="1.0" encoding="utf-8"?>
+<p:sld xmlns:a="http://schemas.openxmlformats.org/drawingml/2006/main" xmlns:r="http://schemas.openxmlformats.org/officeDocument/2006/relationships" xmlns:p="http://schemas.openxmlformats.org/presentationml/2006/main">
+  <p:cSld>
+    <p:spTree>
+      <p:nvGrpSpPr>
+        <p:cNvPr id="1" name=""/>
+        <p:cNvGrpSpPr/>
+        <p:nvPr/>
+      </p:nvGrpSpPr>
+      <p:grpSpPr>
+        <a:xfrm>
+          <a:off x="0" y="0"/>
+          <a:ext cx="0" cy="0"/>
+          <a:chOff x="0" y="0"/>
+          <a:chExt cx="0" cy="0"/>
+        </a:xfrm>
+      </p:grpSpPr>
+      <p:sp>
+        <p:nvSpPr>
+          <p:cNvPr id="8" name="Text Placeholder 7">
+            <a:extLst>
+              <a:ext uri="{FF2B5EF4-FFF2-40B4-BE49-F238E27FC236}">
+                <a16:creationId xmlns:a16="http://schemas.microsoft.com/office/drawing/2014/main" id="{75D95B09-4C81-1BEA-C17E-A0651CE452C3}"/>
+              </a:ext>
+            </a:extLst>
+          </p:cNvPr>
+          <p:cNvSpPr>
+            <a:spLocks noGrp="1"/>
+          </p:cNvSpPr>
+          <p:nvPr>
+            <p:ph type="body" sz="quarter" idx="10"/>
+          </p:nvPr>
+        </p:nvSpPr>
+        <p:spPr/>
+        <p:txBody>
+          <a:bodyPr/>
+          <a:lstStyle/>
+          <a:p>
+            <a:r>
+              <a:rPr lang="en-GB" dirty="0" err="1"/>
+              <a:t>slide_subtitle</a:t>
+            </a:r>
+            <a:endParaRPr lang="en-GB" dirty="0"/>
+          </a:p>
+        </p:txBody>
+      </p:sp>
+      <p:sp>
+        <p:nvSpPr>
+          <p:cNvPr id="7" name="Title 6">
+            <a:extLst>
+              <a:ext uri="{FF2B5EF4-FFF2-40B4-BE49-F238E27FC236}">
+                <a16:creationId xmlns:a16="http://schemas.microsoft.com/office/drawing/2014/main" id="{F07B11D4-9D2C-D4C4-F367-CF2CB0614582}"/>
+              </a:ext>
+            </a:extLst>
+          </p:cNvPr>
+          <p:cNvSpPr>
+            <a:spLocks noGrp="1"/>
+          </p:cNvSpPr>
+          <p:nvPr>
+            <p:ph type="title"/>
+          </p:nvPr>
+        </p:nvSpPr>
+        <p:spPr/>
+        <p:txBody>
+          <a:bodyPr/>
+          <a:lstStyle/>
+          <a:p>
+            <a:r>
+              <a:rPr lang="en-GB" dirty="0" err="1"/>
+              <a:t>slide_title</a:t>
+            </a:r>
+            <a:endParaRPr lang="en-GB" dirty="0"/>
+          </a:p>
+        </p:txBody>
+      </p:sp>
+      <p:sp>
+        <p:nvSpPr>
+          <p:cNvPr id="9" name="Title 6">
+            <a:extLst>
+              <a:ext uri="{FF2B5EF4-FFF2-40B4-BE49-F238E27FC236}">
+                <a16:creationId xmlns:a16="http://schemas.microsoft.com/office/drawing/2014/main" id="{0FCE95F0-9FB9-6C46-6607-48165DF1A718}"/>
+              </a:ext>
+            </a:extLst>
+          </p:cNvPr>
+          <p:cNvSpPr txBox="1">
+            <a:spLocks/>
+          </p:cNvSpPr>
+          <p:nvPr/>
+        </p:nvSpPr>
+        <p:spPr>
+          <a:xfrm>
+            <a:off x="632460" y="1165884"/>
+            <a:ext cx="10927080" cy="731520"/>
+          </a:xfrm>
+          <a:prstGeom prst="rect">
+            <a:avLst/>
+          </a:prstGeom>
+        </p:spPr>
+        <p:txBody>
+          <a:bodyPr vert="horz" lIns="0" tIns="0" rIns="0" bIns="0" rtlCol="0" anchor="t" anchorCtr="0">
+            <a:noAutofit/>
+          </a:bodyPr>
+          <a:lstStyle>
+            <a:lvl1pPr algn="l" defTabSz="609555" rtl="0" eaLnBrk="1" latinLnBrk="0" hangingPunct="1">
+              <a:lnSpc>
+                <a:spcPct val="100000"/>
+              </a:lnSpc>
+              <a:spcBef>
+                <a:spcPct val="0"/>
+              </a:spcBef>
+              <a:buNone/>
+              <a:defRPr lang="en-US" sz="2600" b="1" kern="1200" spc="-20" baseline="0" dirty="0">
+                <a:solidFill>
+                  <a:schemeClr val="bg1"/>
+                </a:solidFill>
+                <a:latin typeface="+mj-lt"/>
+                <a:ea typeface="+mj-ea"/>
+                <a:cs typeface="+mj-cs"/>
+              </a:defRPr>
+            </a:lvl1pPr>
+          </a:lstStyle>
+          <a:p>
+            <a:pPr>
+              <a:buClr>
+                <a:schemeClr val="accent4"/>
+              </a:buClr>
+            </a:pPr>
+            <a:r>
+              <a:rPr lang="en-GB" sz="1400" b="0" dirty="0" err="1">
+                <a:solidFill>
+                  <a:schemeClr val="accent2"/>
+                </a:solidFill>
+                <a:latin typeface="Calibri" panose="020F0502020204030204" pitchFamily="34" charset="0"/>
+                <a:cs typeface="Calibri" panose="020F0502020204030204" pitchFamily="34" charset="0"/>
+              </a:rPr>
+              <a:t>slide_bullet</a:t>
+            </a:r>
+            <a:endParaRPr lang="en-GB" sz="1400" b="0" dirty="0">
+              <a:solidFill>
+                <a:schemeClr val="accent2"/>
+              </a:solidFill>
+              <a:latin typeface="Calibri" panose="020F0502020204030204" pitchFamily="34" charset="0"/>
+              <a:cs typeface="Calibri" panose="020F0502020204030204" pitchFamily="34" charset="0"/>
+            </a:endParaRPr>
+          </a:p>
+          <a:p>
+            <a:endParaRPr lang="en-GB" sz="1600" b="0" dirty="0">
+              <a:solidFill>
+                <a:schemeClr val="accent2"/>
+              </a:solidFill>
+              <a:latin typeface="Calibri" panose="020F0502020204030204" pitchFamily="34" charset="0"/>
+              <a:cs typeface="Calibri" panose="020F0502020204030204" pitchFamily="34" charset="0"/>
+            </a:endParaRPr>
+          </a:p>
+          <a:p>
+            <a:pPr marL="285750" indent="-285750">
+              <a:buFont typeface="Arial" panose="020B0604020202020204" pitchFamily="34" charset="0"/>
+              <a:buChar char="•"/>
+            </a:pPr>
+            <a:endParaRPr lang="en-GB" sz="1600" b="0" dirty="0">
+              <a:solidFill>
+                <a:schemeClr val="accent2"/>
+              </a:solidFill>
+              <a:latin typeface="Calibri" panose="020F0502020204030204" pitchFamily="34" charset="0"/>
+              <a:cs typeface="Calibri" panose="020F0502020204030204" pitchFamily="34" charset="0"/>
+            </a:endParaRPr>
+          </a:p>
+          <a:p>
+            <a:pPr marL="285750" indent="-285750">
+              <a:buFont typeface="Arial" panose="020B0604020202020204" pitchFamily="34" charset="0"/>
+              <a:buChar char="•"/>
+            </a:pPr>
+            <a:endParaRPr lang="en-GB" sz="1600" b="0" dirty="0">
+              <a:solidFill>
+                <a:schemeClr val="accent2"/>
+              </a:solidFill>
+              <a:latin typeface="Calibri" panose="020F0502020204030204" pitchFamily="34" charset="0"/>
+              <a:cs typeface="Calibri" panose="020F0502020204030204" pitchFamily="34" charset="0"/>
+            </a:endParaRPr>
+          </a:p>
+          <a:p>
+            <a:pPr marL="285750" indent="-285750">
+              <a:buFont typeface="Arial" panose="020B0604020202020204" pitchFamily="34" charset="0"/>
+              <a:buChar char="•"/>
+            </a:pPr>
+            <a:endParaRPr lang="en-GB" sz="1600" b="0" dirty="0">
+              <a:solidFill>
+                <a:schemeClr val="accent2"/>
+              </a:solidFill>
+              <a:latin typeface="Calibri" panose="020F0502020204030204" pitchFamily="34" charset="0"/>
+              <a:cs typeface="Calibri" panose="020F0502020204030204" pitchFamily="34" charset="0"/>
+            </a:endParaRPr>
+          </a:p>
+          <a:p>
+            <a:endParaRPr lang="en-GB" sz="1600" b="0" dirty="0">
+              <a:solidFill>
+                <a:schemeClr val="accent2"/>
+              </a:solidFill>
+              <a:latin typeface="Calibri" panose="020F0502020204030204" pitchFamily="34" charset="0"/>
+              <a:cs typeface="Calibri" panose="020F0502020204030204" pitchFamily="34" charset="0"/>
+            </a:endParaRPr>
+          </a:p>
+          <a:p>
+            <a:pPr marL="285750" indent="-285750">
+              <a:buFont typeface="Arial" panose="020B0604020202020204" pitchFamily="34" charset="0"/>
+              <a:buChar char="•"/>
+            </a:pPr>
+            <a:endParaRPr lang="en-GB" sz="1600" b="0" dirty="0">
+              <a:solidFill>
+                <a:schemeClr val="accent2"/>
+              </a:solidFill>
+              <a:latin typeface="Calibri" panose="020F0502020204030204" pitchFamily="34" charset="0"/>
+              <a:cs typeface="Calibri" panose="020F0502020204030204" pitchFamily="34" charset="0"/>
+            </a:endParaRPr>
+          </a:p>
+        </p:txBody>
+      </p:sp>
+      <p:sp>
+        <p:nvSpPr>
+          <p:cNvPr id="10" name="Title 6">
+            <a:extLst>
+              <a:ext uri="{FF2B5EF4-FFF2-40B4-BE49-F238E27FC236}">
+                <a16:creationId xmlns:a16="http://schemas.microsoft.com/office/drawing/2014/main" id="{64A2D8A6-32F9-F325-26A8-30EC5DCDFC53}"/>
+              </a:ext>
+            </a:extLst>
+          </p:cNvPr>
+          <p:cNvSpPr txBox="1">
+            <a:spLocks/>
+          </p:cNvSpPr>
+          <p:nvPr/>
+        </p:nvSpPr>
+        <p:spPr>
+          <a:xfrm>
+            <a:off x="632460" y="5819339"/>
+            <a:ext cx="10927080" cy="731520"/>
+          </a:xfrm>
+          <a:prstGeom prst="rect">
+            <a:avLst/>
+          </a:prstGeom>
+          <a:gradFill flip="none" rotWithShape="1">
+            <a:gsLst>
+              <a:gs pos="0">
+                <a:schemeClr val="bg1"/>
+              </a:gs>
+              <a:gs pos="40000">
+                <a:schemeClr val="accent4"/>
+              </a:gs>
+              <a:gs pos="100000">
+                <a:schemeClr val="accent3"/>
+              </a:gs>
+            </a:gsLst>
+            <a:lin ang="0" scaled="1"/>
+            <a:tileRect/>
+          </a:gradFill>
+          <a:effectLst>
+            <a:outerShdw blurRad="50800" dist="38100" dir="2700000" algn="tl" rotWithShape="0">
+              <a:prstClr val="black">
+                <a:alpha val="40000"/>
+              </a:prstClr>
+            </a:outerShdw>
+          </a:effectLst>
+        </p:spPr>
+        <p:txBody>
+          <a:bodyPr vert="horz" lIns="0" tIns="0" rIns="0" bIns="0" rtlCol="0" anchor="t" anchorCtr="0">
+            <a:noAutofit/>
+          </a:bodyPr>
+          <a:lstStyle>
+            <a:lvl1pPr algn="l" defTabSz="609555" rtl="0" eaLnBrk="1" latinLnBrk="0" hangingPunct="1">
+              <a:lnSpc>
+                <a:spcPct val="100000"/>
+              </a:lnSpc>
+              <a:spcBef>
+                <a:spcPct val="0"/>
+              </a:spcBef>
+              <a:buNone/>
+              <a:defRPr lang="en-US" sz="2600" b="1" kern="1200" spc="-20" baseline="0" dirty="0">
+                <a:solidFill>
+                  <a:schemeClr val="bg1"/>
+                </a:solidFill>
+                <a:latin typeface="+mj-lt"/>
+                <a:ea typeface="+mj-ea"/>
+                <a:cs typeface="+mj-cs"/>
+              </a:defRPr>
+            </a:lvl1pPr>
+          </a:lstStyle>
+          <a:p>
+            <a:endParaRPr lang="en-GB" sz="1600" b="0" dirty="0">
+              <a:solidFill>
+                <a:schemeClr val="accent2"/>
+              </a:solidFill>
+              <a:latin typeface="Calibri" panose="020F0502020204030204" pitchFamily="34" charset="0"/>
+              <a:cs typeface="Calibri" panose="020F0502020204030204" pitchFamily="34" charset="0"/>
+            </a:endParaRPr>
+          </a:p>
+          <a:p>
+            <a:pPr marL="285750" indent="-285750">
+              <a:buFont typeface="Arial" panose="020B0604020202020204" pitchFamily="34" charset="0"/>
+              <a:buChar char="•"/>
+            </a:pPr>
+            <a:endParaRPr lang="en-GB" sz="1600" b="0" dirty="0">
+              <a:solidFill>
+                <a:schemeClr val="accent2"/>
+              </a:solidFill>
+              <a:latin typeface="Calibri" panose="020F0502020204030204" pitchFamily="34" charset="0"/>
+              <a:cs typeface="Calibri" panose="020F0502020204030204" pitchFamily="34" charset="0"/>
+            </a:endParaRPr>
+          </a:p>
+          <a:p>
+            <a:pPr marL="285750" indent="-285750">
+              <a:buFont typeface="Arial" panose="020B0604020202020204" pitchFamily="34" charset="0"/>
+              <a:buChar char="•"/>
+            </a:pPr>
+            <a:endParaRPr lang="en-GB" sz="1600" b="0" dirty="0">
+              <a:solidFill>
+                <a:schemeClr val="accent2"/>
+              </a:solidFill>
+              <a:latin typeface="Calibri" panose="020F0502020204030204" pitchFamily="34" charset="0"/>
+              <a:cs typeface="Calibri" panose="020F0502020204030204" pitchFamily="34" charset="0"/>
+            </a:endParaRPr>
+          </a:p>
+          <a:p>
+            <a:pPr marL="285750" indent="-285750">
+              <a:buFont typeface="Arial" panose="020B0604020202020204" pitchFamily="34" charset="0"/>
+              <a:buChar char="•"/>
+            </a:pPr>
+            <a:endParaRPr lang="en-GB" sz="1600" b="0" dirty="0">
+              <a:solidFill>
+                <a:schemeClr val="accent2"/>
+              </a:solidFill>
+              <a:latin typeface="Calibri" panose="020F0502020204030204" pitchFamily="34" charset="0"/>
+              <a:cs typeface="Calibri" panose="020F0502020204030204" pitchFamily="34" charset="0"/>
+            </a:endParaRPr>
+          </a:p>
+          <a:p>
+            <a:endParaRPr lang="en-GB" sz="1600" b="0" dirty="0">
+              <a:solidFill>
+                <a:schemeClr val="accent2"/>
+              </a:solidFill>
+              <a:latin typeface="Calibri" panose="020F0502020204030204" pitchFamily="34" charset="0"/>
+              <a:cs typeface="Calibri" panose="020F0502020204030204" pitchFamily="34" charset="0"/>
+            </a:endParaRPr>
+          </a:p>
+          <a:p>
+            <a:pPr marL="285750" indent="-285750">
+              <a:buFont typeface="Arial" panose="020B0604020202020204" pitchFamily="34" charset="0"/>
+              <a:buChar char="•"/>
+            </a:pPr>
+            <a:endParaRPr lang="en-GB" sz="1600" b="0" dirty="0">
+              <a:solidFill>
+                <a:schemeClr val="accent2"/>
+              </a:solidFill>
+              <a:latin typeface="Calibri" panose="020F0502020204030204" pitchFamily="34" charset="0"/>
+              <a:cs typeface="Calibri" panose="020F0502020204030204" pitchFamily="34" charset="0"/>
+            </a:endParaRPr>
+          </a:p>
+        </p:txBody>
+      </p:sp>
+      <p:sp>
+        <p:nvSpPr>
+          <p:cNvPr id="11" name="TextBox 10">
+            <a:extLst>
+              <a:ext uri="{FF2B5EF4-FFF2-40B4-BE49-F238E27FC236}">
+                <a16:creationId xmlns:a16="http://schemas.microsoft.com/office/drawing/2014/main" id="{A3036AEF-7A78-A326-F646-0EFE6B2B6FB6}"/>
+              </a:ext>
+            </a:extLst>
+          </p:cNvPr>
+          <p:cNvSpPr txBox="1"/>
+          <p:nvPr/>
+        </p:nvSpPr>
+        <p:spPr>
+          <a:xfrm>
+            <a:off x="768626" y="5883965"/>
+            <a:ext cx="10614991" cy="215444"/>
+          </a:xfrm>
+          <a:prstGeom prst="rect">
+            <a:avLst/>
+          </a:prstGeom>
+        </p:spPr>
+        <p:txBody>
+          <a:bodyPr wrap="square" lIns="0" tIns="0" rIns="0" bIns="0" rtlCol="0" anchor="t" anchorCtr="0">
+            <a:spAutoFit/>
+          </a:bodyPr>
+          <a:lstStyle/>
+          <a:p>
+            <a:pPr algn="ctr"/>
+            <a:r>
+              <a:rPr lang="en-GB" sz="1400" b="1" dirty="0" err="1">
+                <a:solidFill>
+                  <a:schemeClr val="tx2"/>
+                </a:solidFill>
+              </a:rPr>
+              <a:t>slide_takeout</a:t>
+            </a:r>
+            <a:endParaRPr lang="en-GB" sz="1400" b="1" dirty="0">
+              <a:solidFill>
+                <a:schemeClr val="tx2"/>
+              </a:solidFill>
+            </a:endParaRPr>
+          </a:p>
+        </p:txBody>
+      </p:sp>
+    </p:spTree>
+    <p:extLst>
+      <p:ext uri="{BB962C8B-B14F-4D97-AF65-F5344CB8AC3E}">
+        <p14:creationId xmlns:p14="http://schemas.microsoft.com/office/powerpoint/2010/main" val="3286029426"/>
+      </p:ext>
+    </p:extLst>
+  </p:cSld>
+  <p:clrMapOvr>
+    <a:masterClrMapping/>
+  </p:clrMapOvr>
+  <mc:AlternateContent xmlns:mc="http://schemas.openxmlformats.org/markup-compatibility/2006">
+    <mc:Choice xmlns:p14="http://schemas.microsoft.com/office/powerpoint/2010/main" Requires="p14">
+      <p:transition spd="med" p14:dur="700">
+        <p:fade/>
+      </p:transition>
+    </mc:Choice>
+    <mc:Fallback>
+      <p:transition spd="med">
+        <p:fade/>
+      </p:transition>
+    </mc:Fallback>
+  </mc:AlternateContent>
+</p:sld>
+</file>
+
+<file path=ppt/slides/slide37.xml><?xml version="1.0" encoding="utf-8"?>
+<p:sld xmlns:a="http://schemas.openxmlformats.org/drawingml/2006/main" xmlns:r="http://schemas.openxmlformats.org/officeDocument/2006/relationships" xmlns:p="http://schemas.openxmlformats.org/presentationml/2006/main">
+  <p:cSld>
+    <p:spTree>
+      <p:nvGrpSpPr>
+        <p:cNvPr id="1" name=""/>
+        <p:cNvGrpSpPr/>
+        <p:nvPr/>
+      </p:nvGrpSpPr>
+      <p:grpSpPr>
+        <a:xfrm>
+          <a:off x="0" y="0"/>
+          <a:ext cx="0" cy="0"/>
+          <a:chOff x="0" y="0"/>
+          <a:chExt cx="0" cy="0"/>
+        </a:xfrm>
+      </p:grpSpPr>
+      <p:sp>
+        <p:nvSpPr>
+          <p:cNvPr id="8" name="Text Placeholder 7">
+            <a:extLst>
+              <a:ext uri="{FF2B5EF4-FFF2-40B4-BE49-F238E27FC236}">
+                <a16:creationId xmlns:a16="http://schemas.microsoft.com/office/drawing/2014/main" id="{75D95B09-4C81-1BEA-C17E-A0651CE452C3}"/>
+              </a:ext>
+            </a:extLst>
+          </p:cNvPr>
+          <p:cNvSpPr>
+            <a:spLocks noGrp="1"/>
+          </p:cNvSpPr>
+          <p:nvPr>
+            <p:ph type="body" sz="quarter" idx="10"/>
+          </p:nvPr>
+        </p:nvSpPr>
+        <p:spPr/>
+        <p:txBody>
+          <a:bodyPr/>
+          <a:lstStyle/>
+          <a:p>
+            <a:r>
+              <a:rPr lang="en-GB" dirty="0" err="1"/>
+              <a:t>slide_subtitle</a:t>
+            </a:r>
+            <a:endParaRPr lang="en-GB" dirty="0"/>
+          </a:p>
+        </p:txBody>
+      </p:sp>
+      <p:sp>
+        <p:nvSpPr>
+          <p:cNvPr id="7" name="Title 6">
+            <a:extLst>
+              <a:ext uri="{FF2B5EF4-FFF2-40B4-BE49-F238E27FC236}">
+                <a16:creationId xmlns:a16="http://schemas.microsoft.com/office/drawing/2014/main" id="{F07B11D4-9D2C-D4C4-F367-CF2CB0614582}"/>
+              </a:ext>
+            </a:extLst>
+          </p:cNvPr>
+          <p:cNvSpPr>
+            <a:spLocks noGrp="1"/>
+          </p:cNvSpPr>
+          <p:nvPr>
+            <p:ph type="title"/>
+          </p:nvPr>
+        </p:nvSpPr>
+        <p:spPr/>
+        <p:txBody>
+          <a:bodyPr/>
+          <a:lstStyle/>
+          <a:p>
+            <a:r>
+              <a:rPr lang="en-GB" dirty="0" err="1"/>
+              <a:t>slide_title</a:t>
+            </a:r>
+            <a:endParaRPr lang="en-GB" dirty="0"/>
+          </a:p>
+        </p:txBody>
+      </p:sp>
+      <p:sp>
+        <p:nvSpPr>
+          <p:cNvPr id="9" name="Title 6">
+            <a:extLst>
+              <a:ext uri="{FF2B5EF4-FFF2-40B4-BE49-F238E27FC236}">
+                <a16:creationId xmlns:a16="http://schemas.microsoft.com/office/drawing/2014/main" id="{0FCE95F0-9FB9-6C46-6607-48165DF1A718}"/>
+              </a:ext>
+            </a:extLst>
+          </p:cNvPr>
+          <p:cNvSpPr txBox="1">
+            <a:spLocks/>
+          </p:cNvSpPr>
+          <p:nvPr/>
+        </p:nvSpPr>
+        <p:spPr>
+          <a:xfrm>
+            <a:off x="632460" y="1165884"/>
+            <a:ext cx="10927080" cy="731520"/>
+          </a:xfrm>
+          <a:prstGeom prst="rect">
+            <a:avLst/>
+          </a:prstGeom>
+        </p:spPr>
+        <p:txBody>
+          <a:bodyPr vert="horz" lIns="0" tIns="0" rIns="0" bIns="0" rtlCol="0" anchor="t" anchorCtr="0">
+            <a:noAutofit/>
+          </a:bodyPr>
+          <a:lstStyle>
+            <a:lvl1pPr algn="l" defTabSz="609555" rtl="0" eaLnBrk="1" latinLnBrk="0" hangingPunct="1">
+              <a:lnSpc>
+                <a:spcPct val="100000"/>
+              </a:lnSpc>
+              <a:spcBef>
+                <a:spcPct val="0"/>
+              </a:spcBef>
+              <a:buNone/>
+              <a:defRPr lang="en-US" sz="2600" b="1" kern="1200" spc="-20" baseline="0" dirty="0">
+                <a:solidFill>
+                  <a:schemeClr val="bg1"/>
+                </a:solidFill>
+                <a:latin typeface="+mj-lt"/>
+                <a:ea typeface="+mj-ea"/>
+                <a:cs typeface="+mj-cs"/>
+              </a:defRPr>
+            </a:lvl1pPr>
+          </a:lstStyle>
+          <a:p>
+            <a:pPr>
+              <a:buClr>
+                <a:schemeClr val="accent4"/>
+              </a:buClr>
+            </a:pPr>
+            <a:r>
+              <a:rPr lang="en-GB" sz="1400" b="0" dirty="0" err="1">
+                <a:solidFill>
+                  <a:schemeClr val="accent2"/>
+                </a:solidFill>
+                <a:latin typeface="Calibri" panose="020F0502020204030204" pitchFamily="34" charset="0"/>
+                <a:cs typeface="Calibri" panose="020F0502020204030204" pitchFamily="34" charset="0"/>
+              </a:rPr>
+              <a:t>slide_bullet</a:t>
+            </a:r>
+            <a:endParaRPr lang="en-GB" sz="1400" b="0" dirty="0">
+              <a:solidFill>
+                <a:schemeClr val="accent2"/>
+              </a:solidFill>
+              <a:latin typeface="Calibri" panose="020F0502020204030204" pitchFamily="34" charset="0"/>
+              <a:cs typeface="Calibri" panose="020F0502020204030204" pitchFamily="34" charset="0"/>
+            </a:endParaRPr>
+          </a:p>
+          <a:p>
+            <a:endParaRPr lang="en-GB" sz="1600" b="0" dirty="0">
+              <a:solidFill>
+                <a:schemeClr val="accent2"/>
+              </a:solidFill>
+              <a:latin typeface="Calibri" panose="020F0502020204030204" pitchFamily="34" charset="0"/>
+              <a:cs typeface="Calibri" panose="020F0502020204030204" pitchFamily="34" charset="0"/>
+            </a:endParaRPr>
+          </a:p>
+          <a:p>
+            <a:pPr marL="285750" indent="-285750">
+              <a:buFont typeface="Arial" panose="020B0604020202020204" pitchFamily="34" charset="0"/>
+              <a:buChar char="•"/>
+            </a:pPr>
+            <a:endParaRPr lang="en-GB" sz="1600" b="0" dirty="0">
+              <a:solidFill>
+                <a:schemeClr val="accent2"/>
+              </a:solidFill>
+              <a:latin typeface="Calibri" panose="020F0502020204030204" pitchFamily="34" charset="0"/>
+              <a:cs typeface="Calibri" panose="020F0502020204030204" pitchFamily="34" charset="0"/>
+            </a:endParaRPr>
+          </a:p>
+          <a:p>
+            <a:pPr marL="285750" indent="-285750">
+              <a:buFont typeface="Arial" panose="020B0604020202020204" pitchFamily="34" charset="0"/>
+              <a:buChar char="•"/>
+            </a:pPr>
+            <a:endParaRPr lang="en-GB" sz="1600" b="0" dirty="0">
+              <a:solidFill>
+                <a:schemeClr val="accent2"/>
+              </a:solidFill>
+              <a:latin typeface="Calibri" panose="020F0502020204030204" pitchFamily="34" charset="0"/>
+              <a:cs typeface="Calibri" panose="020F0502020204030204" pitchFamily="34" charset="0"/>
+            </a:endParaRPr>
+          </a:p>
+          <a:p>
+            <a:pPr marL="285750" indent="-285750">
+              <a:buFont typeface="Arial" panose="020B0604020202020204" pitchFamily="34" charset="0"/>
+              <a:buChar char="•"/>
+            </a:pPr>
+            <a:endParaRPr lang="en-GB" sz="1600" b="0" dirty="0">
+              <a:solidFill>
+                <a:schemeClr val="accent2"/>
+              </a:solidFill>
+              <a:latin typeface="Calibri" panose="020F0502020204030204" pitchFamily="34" charset="0"/>
+              <a:cs typeface="Calibri" panose="020F0502020204030204" pitchFamily="34" charset="0"/>
+            </a:endParaRPr>
+          </a:p>
+          <a:p>
+            <a:endParaRPr lang="en-GB" sz="1600" b="0" dirty="0">
+              <a:solidFill>
+                <a:schemeClr val="accent2"/>
+              </a:solidFill>
+              <a:latin typeface="Calibri" panose="020F0502020204030204" pitchFamily="34" charset="0"/>
+              <a:cs typeface="Calibri" panose="020F0502020204030204" pitchFamily="34" charset="0"/>
+            </a:endParaRPr>
+          </a:p>
+          <a:p>
+            <a:pPr marL="285750" indent="-285750">
+              <a:buFont typeface="Arial" panose="020B0604020202020204" pitchFamily="34" charset="0"/>
+              <a:buChar char="•"/>
+            </a:pPr>
+            <a:endParaRPr lang="en-GB" sz="1600" b="0" dirty="0">
+              <a:solidFill>
+                <a:schemeClr val="accent2"/>
+              </a:solidFill>
+              <a:latin typeface="Calibri" panose="020F0502020204030204" pitchFamily="34" charset="0"/>
+              <a:cs typeface="Calibri" panose="020F0502020204030204" pitchFamily="34" charset="0"/>
+            </a:endParaRPr>
+          </a:p>
+        </p:txBody>
+      </p:sp>
+      <p:sp>
+        <p:nvSpPr>
+          <p:cNvPr id="10" name="Title 6">
+            <a:extLst>
+              <a:ext uri="{FF2B5EF4-FFF2-40B4-BE49-F238E27FC236}">
+                <a16:creationId xmlns:a16="http://schemas.microsoft.com/office/drawing/2014/main" id="{64A2D8A6-32F9-F325-26A8-30EC5DCDFC53}"/>
+              </a:ext>
+            </a:extLst>
+          </p:cNvPr>
+          <p:cNvSpPr txBox="1">
+            <a:spLocks/>
+          </p:cNvSpPr>
+          <p:nvPr/>
+        </p:nvSpPr>
+        <p:spPr>
+          <a:xfrm>
+            <a:off x="632460" y="5819339"/>
+            <a:ext cx="10927080" cy="731520"/>
+          </a:xfrm>
+          <a:prstGeom prst="rect">
+            <a:avLst/>
+          </a:prstGeom>
+          <a:gradFill flip="none" rotWithShape="1">
+            <a:gsLst>
+              <a:gs pos="0">
+                <a:schemeClr val="bg1"/>
+              </a:gs>
+              <a:gs pos="40000">
+                <a:schemeClr val="accent4"/>
+              </a:gs>
+              <a:gs pos="100000">
+                <a:schemeClr val="accent3"/>
+              </a:gs>
+            </a:gsLst>
+            <a:lin ang="0" scaled="1"/>
+            <a:tileRect/>
+          </a:gradFill>
+          <a:effectLst>
+            <a:outerShdw blurRad="50800" dist="38100" dir="2700000" algn="tl" rotWithShape="0">
+              <a:prstClr val="black">
+                <a:alpha val="40000"/>
+              </a:prstClr>
+            </a:outerShdw>
+          </a:effectLst>
+        </p:spPr>
+        <p:txBody>
+          <a:bodyPr vert="horz" lIns="0" tIns="0" rIns="0" bIns="0" rtlCol="0" anchor="t" anchorCtr="0">
+            <a:noAutofit/>
+          </a:bodyPr>
+          <a:lstStyle>
+            <a:lvl1pPr algn="l" defTabSz="609555" rtl="0" eaLnBrk="1" latinLnBrk="0" hangingPunct="1">
+              <a:lnSpc>
+                <a:spcPct val="100000"/>
+              </a:lnSpc>
+              <a:spcBef>
+                <a:spcPct val="0"/>
+              </a:spcBef>
+              <a:buNone/>
+              <a:defRPr lang="en-US" sz="2600" b="1" kern="1200" spc="-20" baseline="0" dirty="0">
+                <a:solidFill>
+                  <a:schemeClr val="bg1"/>
+                </a:solidFill>
+                <a:latin typeface="+mj-lt"/>
+                <a:ea typeface="+mj-ea"/>
+                <a:cs typeface="+mj-cs"/>
+              </a:defRPr>
+            </a:lvl1pPr>
+          </a:lstStyle>
+          <a:p>
+            <a:endParaRPr lang="en-GB" sz="1600" b="0" dirty="0">
+              <a:solidFill>
+                <a:schemeClr val="accent2"/>
+              </a:solidFill>
+              <a:latin typeface="Calibri" panose="020F0502020204030204" pitchFamily="34" charset="0"/>
+              <a:cs typeface="Calibri" panose="020F0502020204030204" pitchFamily="34" charset="0"/>
+            </a:endParaRPr>
+          </a:p>
+          <a:p>
+            <a:pPr marL="285750" indent="-285750">
+              <a:buFont typeface="Arial" panose="020B0604020202020204" pitchFamily="34" charset="0"/>
+              <a:buChar char="•"/>
+            </a:pPr>
+            <a:endParaRPr lang="en-GB" sz="1600" b="0" dirty="0">
+              <a:solidFill>
+                <a:schemeClr val="accent2"/>
+              </a:solidFill>
+              <a:latin typeface="Calibri" panose="020F0502020204030204" pitchFamily="34" charset="0"/>
+              <a:cs typeface="Calibri" panose="020F0502020204030204" pitchFamily="34" charset="0"/>
+            </a:endParaRPr>
+          </a:p>
+          <a:p>
+            <a:pPr marL="285750" indent="-285750">
+              <a:buFont typeface="Arial" panose="020B0604020202020204" pitchFamily="34" charset="0"/>
+              <a:buChar char="•"/>
+            </a:pPr>
+            <a:endParaRPr lang="en-GB" sz="1600" b="0" dirty="0">
+              <a:solidFill>
+                <a:schemeClr val="accent2"/>
+              </a:solidFill>
+              <a:latin typeface="Calibri" panose="020F0502020204030204" pitchFamily="34" charset="0"/>
+              <a:cs typeface="Calibri" panose="020F0502020204030204" pitchFamily="34" charset="0"/>
+            </a:endParaRPr>
+          </a:p>
+          <a:p>
+            <a:pPr marL="285750" indent="-285750">
+              <a:buFont typeface="Arial" panose="020B0604020202020204" pitchFamily="34" charset="0"/>
+              <a:buChar char="•"/>
+            </a:pPr>
+            <a:endParaRPr lang="en-GB" sz="1600" b="0" dirty="0">
+              <a:solidFill>
+                <a:schemeClr val="accent2"/>
+              </a:solidFill>
+              <a:latin typeface="Calibri" panose="020F0502020204030204" pitchFamily="34" charset="0"/>
+              <a:cs typeface="Calibri" panose="020F0502020204030204" pitchFamily="34" charset="0"/>
+            </a:endParaRPr>
+          </a:p>
+          <a:p>
+            <a:endParaRPr lang="en-GB" sz="1600" b="0" dirty="0">
+              <a:solidFill>
+                <a:schemeClr val="accent2"/>
+              </a:solidFill>
+              <a:latin typeface="Calibri" panose="020F0502020204030204" pitchFamily="34" charset="0"/>
+              <a:cs typeface="Calibri" panose="020F0502020204030204" pitchFamily="34" charset="0"/>
+            </a:endParaRPr>
+          </a:p>
+          <a:p>
+            <a:pPr marL="285750" indent="-285750">
+              <a:buFont typeface="Arial" panose="020B0604020202020204" pitchFamily="34" charset="0"/>
+              <a:buChar char="•"/>
+            </a:pPr>
+            <a:endParaRPr lang="en-GB" sz="1600" b="0" dirty="0">
+              <a:solidFill>
+                <a:schemeClr val="accent2"/>
+              </a:solidFill>
+              <a:latin typeface="Calibri" panose="020F0502020204030204" pitchFamily="34" charset="0"/>
+              <a:cs typeface="Calibri" panose="020F0502020204030204" pitchFamily="34" charset="0"/>
+            </a:endParaRPr>
+          </a:p>
+        </p:txBody>
+      </p:sp>
+      <p:sp>
+        <p:nvSpPr>
+          <p:cNvPr id="11" name="TextBox 10">
+            <a:extLst>
+              <a:ext uri="{FF2B5EF4-FFF2-40B4-BE49-F238E27FC236}">
+                <a16:creationId xmlns:a16="http://schemas.microsoft.com/office/drawing/2014/main" id="{A3036AEF-7A78-A326-F646-0EFE6B2B6FB6}"/>
+              </a:ext>
+            </a:extLst>
+          </p:cNvPr>
+          <p:cNvSpPr txBox="1"/>
+          <p:nvPr/>
+        </p:nvSpPr>
+        <p:spPr>
+          <a:xfrm>
+            <a:off x="768626" y="5883965"/>
+            <a:ext cx="10614991" cy="215444"/>
+          </a:xfrm>
+          <a:prstGeom prst="rect">
+            <a:avLst/>
+          </a:prstGeom>
+        </p:spPr>
+        <p:txBody>
+          <a:bodyPr wrap="square" lIns="0" tIns="0" rIns="0" bIns="0" rtlCol="0" anchor="t" anchorCtr="0">
+            <a:spAutoFit/>
+          </a:bodyPr>
+          <a:lstStyle/>
+          <a:p>
+            <a:pPr algn="ctr"/>
+            <a:r>
+              <a:rPr lang="en-GB" sz="1400" b="1" dirty="0" err="1">
+                <a:solidFill>
+                  <a:schemeClr val="tx2"/>
+                </a:solidFill>
+              </a:rPr>
+              <a:t>slide_takeout</a:t>
+            </a:r>
+            <a:endParaRPr lang="en-GB" sz="1400" b="1" dirty="0">
+              <a:solidFill>
+                <a:schemeClr val="tx2"/>
+              </a:solidFill>
+            </a:endParaRPr>
+          </a:p>
+        </p:txBody>
+      </p:sp>
+    </p:spTree>
+    <p:extLst>
+      <p:ext uri="{BB962C8B-B14F-4D97-AF65-F5344CB8AC3E}">
+        <p14:creationId xmlns:p14="http://schemas.microsoft.com/office/powerpoint/2010/main" val="2322856359"/>
+      </p:ext>
+    </p:extLst>
+  </p:cSld>
+  <p:clrMapOvr>
+    <a:masterClrMapping/>
+  </p:clrMapOvr>
+  <mc:AlternateContent xmlns:mc="http://schemas.openxmlformats.org/markup-compatibility/2006">
+    <mc:Choice xmlns:p14="http://schemas.microsoft.com/office/powerpoint/2010/main" Requires="p14">
+      <p:transition spd="med" p14:dur="700">
+        <p:fade/>
+      </p:transition>
+    </mc:Choice>
+    <mc:Fallback>
+      <p:transition spd="med">
+        <p:fade/>
+      </p:transition>
+    </mc:Fallback>
+  </mc:AlternateContent>
+</p:sld>
+</file>
+
+<file path=ppt/slides/slide38.xml><?xml version="1.0" encoding="utf-8"?>
+<p:sld xmlns:a="http://schemas.openxmlformats.org/drawingml/2006/main" xmlns:r="http://schemas.openxmlformats.org/officeDocument/2006/relationships" xmlns:p="http://schemas.openxmlformats.org/presentationml/2006/main">
+  <p:cSld>
+    <p:spTree>
+      <p:nvGrpSpPr>
+        <p:cNvPr id="1" name=""/>
+        <p:cNvGrpSpPr/>
+        <p:nvPr/>
+      </p:nvGrpSpPr>
+      <p:grpSpPr>
+        <a:xfrm>
+          <a:off x="0" y="0"/>
+          <a:ext cx="0" cy="0"/>
+          <a:chOff x="0" y="0"/>
+          <a:chExt cx="0" cy="0"/>
+        </a:xfrm>
+      </p:grpSpPr>
+      <p:sp>
+        <p:nvSpPr>
+          <p:cNvPr id="8" name="Text Placeholder 7">
+            <a:extLst>
+              <a:ext uri="{FF2B5EF4-FFF2-40B4-BE49-F238E27FC236}">
+                <a16:creationId xmlns:a16="http://schemas.microsoft.com/office/drawing/2014/main" id="{75D95B09-4C81-1BEA-C17E-A0651CE452C3}"/>
+              </a:ext>
+            </a:extLst>
+          </p:cNvPr>
+          <p:cNvSpPr>
+            <a:spLocks noGrp="1"/>
+          </p:cNvSpPr>
+          <p:nvPr>
+            <p:ph type="body" sz="quarter" idx="10"/>
+          </p:nvPr>
+        </p:nvSpPr>
+        <p:spPr/>
+        <p:txBody>
+          <a:bodyPr/>
+          <a:lstStyle/>
+          <a:p>
+            <a:r>
+              <a:rPr lang="en-GB" dirty="0" err="1"/>
+              <a:t>slide_subtitle</a:t>
+            </a:r>
+            <a:endParaRPr lang="en-GB" dirty="0"/>
+          </a:p>
+        </p:txBody>
+      </p:sp>
+      <p:sp>
+        <p:nvSpPr>
+          <p:cNvPr id="7" name="Title 6">
+            <a:extLst>
+              <a:ext uri="{FF2B5EF4-FFF2-40B4-BE49-F238E27FC236}">
+                <a16:creationId xmlns:a16="http://schemas.microsoft.com/office/drawing/2014/main" id="{F07B11D4-9D2C-D4C4-F367-CF2CB0614582}"/>
+              </a:ext>
+            </a:extLst>
+          </p:cNvPr>
+          <p:cNvSpPr>
+            <a:spLocks noGrp="1"/>
+          </p:cNvSpPr>
+          <p:nvPr>
+            <p:ph type="title"/>
+          </p:nvPr>
+        </p:nvSpPr>
+        <p:spPr/>
+        <p:txBody>
+          <a:bodyPr/>
+          <a:lstStyle/>
+          <a:p>
+            <a:r>
+              <a:rPr lang="en-GB" dirty="0" err="1"/>
+              <a:t>slide_title</a:t>
+            </a:r>
+            <a:endParaRPr lang="en-GB" dirty="0"/>
+          </a:p>
+        </p:txBody>
+      </p:sp>
+      <p:sp>
+        <p:nvSpPr>
+          <p:cNvPr id="9" name="Title 6">
+            <a:extLst>
+              <a:ext uri="{FF2B5EF4-FFF2-40B4-BE49-F238E27FC236}">
+                <a16:creationId xmlns:a16="http://schemas.microsoft.com/office/drawing/2014/main" id="{0FCE95F0-9FB9-6C46-6607-48165DF1A718}"/>
+              </a:ext>
+            </a:extLst>
+          </p:cNvPr>
+          <p:cNvSpPr txBox="1">
+            <a:spLocks/>
+          </p:cNvSpPr>
+          <p:nvPr/>
+        </p:nvSpPr>
+        <p:spPr>
+          <a:xfrm>
+            <a:off x="632460" y="1165884"/>
+            <a:ext cx="10927080" cy="731520"/>
+          </a:xfrm>
+          <a:prstGeom prst="rect">
+            <a:avLst/>
+          </a:prstGeom>
+        </p:spPr>
+        <p:txBody>
+          <a:bodyPr vert="horz" lIns="0" tIns="0" rIns="0" bIns="0" rtlCol="0" anchor="t" anchorCtr="0">
+            <a:noAutofit/>
+          </a:bodyPr>
+          <a:lstStyle>
+            <a:lvl1pPr algn="l" defTabSz="609555" rtl="0" eaLnBrk="1" latinLnBrk="0" hangingPunct="1">
+              <a:lnSpc>
+                <a:spcPct val="100000"/>
+              </a:lnSpc>
+              <a:spcBef>
+                <a:spcPct val="0"/>
+              </a:spcBef>
+              <a:buNone/>
+              <a:defRPr lang="en-US" sz="2600" b="1" kern="1200" spc="-20" baseline="0" dirty="0">
+                <a:solidFill>
+                  <a:schemeClr val="bg1"/>
+                </a:solidFill>
+                <a:latin typeface="+mj-lt"/>
+                <a:ea typeface="+mj-ea"/>
+                <a:cs typeface="+mj-cs"/>
+              </a:defRPr>
+            </a:lvl1pPr>
+          </a:lstStyle>
+          <a:p>
+            <a:pPr>
+              <a:buClr>
+                <a:schemeClr val="accent4"/>
+              </a:buClr>
+            </a:pPr>
+            <a:r>
+              <a:rPr lang="en-GB" sz="1400" b="0" dirty="0" err="1">
+                <a:solidFill>
+                  <a:schemeClr val="accent2"/>
+                </a:solidFill>
+                <a:latin typeface="Calibri" panose="020F0502020204030204" pitchFamily="34" charset="0"/>
+                <a:cs typeface="Calibri" panose="020F0502020204030204" pitchFamily="34" charset="0"/>
+              </a:rPr>
+              <a:t>slide_bullet</a:t>
+            </a:r>
+            <a:endParaRPr lang="en-GB" sz="1400" b="0" dirty="0">
+              <a:solidFill>
+                <a:schemeClr val="accent2"/>
+              </a:solidFill>
+              <a:latin typeface="Calibri" panose="020F0502020204030204" pitchFamily="34" charset="0"/>
+              <a:cs typeface="Calibri" panose="020F0502020204030204" pitchFamily="34" charset="0"/>
+            </a:endParaRPr>
+          </a:p>
+          <a:p>
+            <a:endParaRPr lang="en-GB" sz="1600" b="0" dirty="0">
+              <a:solidFill>
+                <a:schemeClr val="accent2"/>
+              </a:solidFill>
+              <a:latin typeface="Calibri" panose="020F0502020204030204" pitchFamily="34" charset="0"/>
+              <a:cs typeface="Calibri" panose="020F0502020204030204" pitchFamily="34" charset="0"/>
+            </a:endParaRPr>
+          </a:p>
+          <a:p>
+            <a:pPr marL="285750" indent="-285750">
+              <a:buFont typeface="Arial" panose="020B0604020202020204" pitchFamily="34" charset="0"/>
+              <a:buChar char="•"/>
+            </a:pPr>
+            <a:endParaRPr lang="en-GB" sz="1600" b="0" dirty="0">
+              <a:solidFill>
+                <a:schemeClr val="accent2"/>
+              </a:solidFill>
+              <a:latin typeface="Calibri" panose="020F0502020204030204" pitchFamily="34" charset="0"/>
+              <a:cs typeface="Calibri" panose="020F0502020204030204" pitchFamily="34" charset="0"/>
+            </a:endParaRPr>
+          </a:p>
+          <a:p>
+            <a:pPr marL="285750" indent="-285750">
+              <a:buFont typeface="Arial" panose="020B0604020202020204" pitchFamily="34" charset="0"/>
+              <a:buChar char="•"/>
+            </a:pPr>
+            <a:endParaRPr lang="en-GB" sz="1600" b="0" dirty="0">
+              <a:solidFill>
+                <a:schemeClr val="accent2"/>
+              </a:solidFill>
+              <a:latin typeface="Calibri" panose="020F0502020204030204" pitchFamily="34" charset="0"/>
+              <a:cs typeface="Calibri" panose="020F0502020204030204" pitchFamily="34" charset="0"/>
+            </a:endParaRPr>
+          </a:p>
+          <a:p>
+            <a:pPr marL="285750" indent="-285750">
+              <a:buFont typeface="Arial" panose="020B0604020202020204" pitchFamily="34" charset="0"/>
+              <a:buChar char="•"/>
+            </a:pPr>
+            <a:endParaRPr lang="en-GB" sz="1600" b="0" dirty="0">
+              <a:solidFill>
+                <a:schemeClr val="accent2"/>
+              </a:solidFill>
+              <a:latin typeface="Calibri" panose="020F0502020204030204" pitchFamily="34" charset="0"/>
+              <a:cs typeface="Calibri" panose="020F0502020204030204" pitchFamily="34" charset="0"/>
+            </a:endParaRPr>
+          </a:p>
+          <a:p>
+            <a:endParaRPr lang="en-GB" sz="1600" b="0" dirty="0">
+              <a:solidFill>
+                <a:schemeClr val="accent2"/>
+              </a:solidFill>
+              <a:latin typeface="Calibri" panose="020F0502020204030204" pitchFamily="34" charset="0"/>
+              <a:cs typeface="Calibri" panose="020F0502020204030204" pitchFamily="34" charset="0"/>
+            </a:endParaRPr>
+          </a:p>
+          <a:p>
+            <a:pPr marL="285750" indent="-285750">
+              <a:buFont typeface="Arial" panose="020B0604020202020204" pitchFamily="34" charset="0"/>
+              <a:buChar char="•"/>
+            </a:pPr>
+            <a:endParaRPr lang="en-GB" sz="1600" b="0" dirty="0">
+              <a:solidFill>
+                <a:schemeClr val="accent2"/>
+              </a:solidFill>
+              <a:latin typeface="Calibri" panose="020F0502020204030204" pitchFamily="34" charset="0"/>
+              <a:cs typeface="Calibri" panose="020F0502020204030204" pitchFamily="34" charset="0"/>
+            </a:endParaRPr>
+          </a:p>
+        </p:txBody>
+      </p:sp>
+      <p:sp>
+        <p:nvSpPr>
+          <p:cNvPr id="10" name="Title 6">
+            <a:extLst>
+              <a:ext uri="{FF2B5EF4-FFF2-40B4-BE49-F238E27FC236}">
+                <a16:creationId xmlns:a16="http://schemas.microsoft.com/office/drawing/2014/main" id="{64A2D8A6-32F9-F325-26A8-30EC5DCDFC53}"/>
+              </a:ext>
+            </a:extLst>
+          </p:cNvPr>
+          <p:cNvSpPr txBox="1">
+            <a:spLocks/>
+          </p:cNvSpPr>
+          <p:nvPr/>
+        </p:nvSpPr>
+        <p:spPr>
+          <a:xfrm>
+            <a:off x="632460" y="5819339"/>
+            <a:ext cx="10927080" cy="731520"/>
+          </a:xfrm>
+          <a:prstGeom prst="rect">
+            <a:avLst/>
+          </a:prstGeom>
+          <a:gradFill flip="none" rotWithShape="1">
+            <a:gsLst>
+              <a:gs pos="0">
+                <a:schemeClr val="bg1"/>
+              </a:gs>
+              <a:gs pos="40000">
+                <a:schemeClr val="accent4"/>
+              </a:gs>
+              <a:gs pos="100000">
+                <a:schemeClr val="accent3"/>
+              </a:gs>
+            </a:gsLst>
+            <a:lin ang="0" scaled="1"/>
+            <a:tileRect/>
+          </a:gradFill>
+          <a:effectLst>
+            <a:outerShdw blurRad="50800" dist="38100" dir="2700000" algn="tl" rotWithShape="0">
+              <a:prstClr val="black">
+                <a:alpha val="40000"/>
+              </a:prstClr>
+            </a:outerShdw>
+          </a:effectLst>
+        </p:spPr>
+        <p:txBody>
+          <a:bodyPr vert="horz" lIns="0" tIns="0" rIns="0" bIns="0" rtlCol="0" anchor="t" anchorCtr="0">
+            <a:noAutofit/>
+          </a:bodyPr>
+          <a:lstStyle>
+            <a:lvl1pPr algn="l" defTabSz="609555" rtl="0" eaLnBrk="1" latinLnBrk="0" hangingPunct="1">
+              <a:lnSpc>
+                <a:spcPct val="100000"/>
+              </a:lnSpc>
+              <a:spcBef>
+                <a:spcPct val="0"/>
+              </a:spcBef>
+              <a:buNone/>
+              <a:defRPr lang="en-US" sz="2600" b="1" kern="1200" spc="-20" baseline="0" dirty="0">
+                <a:solidFill>
+                  <a:schemeClr val="bg1"/>
+                </a:solidFill>
+                <a:latin typeface="+mj-lt"/>
+                <a:ea typeface="+mj-ea"/>
+                <a:cs typeface="+mj-cs"/>
+              </a:defRPr>
+            </a:lvl1pPr>
+          </a:lstStyle>
+          <a:p>
+            <a:endParaRPr lang="en-GB" sz="1600" b="0" dirty="0">
+              <a:solidFill>
+                <a:schemeClr val="accent2"/>
+              </a:solidFill>
+              <a:latin typeface="Calibri" panose="020F0502020204030204" pitchFamily="34" charset="0"/>
+              <a:cs typeface="Calibri" panose="020F0502020204030204" pitchFamily="34" charset="0"/>
+            </a:endParaRPr>
+          </a:p>
+          <a:p>
+            <a:pPr marL="285750" indent="-285750">
+              <a:buFont typeface="Arial" panose="020B0604020202020204" pitchFamily="34" charset="0"/>
+              <a:buChar char="•"/>
+            </a:pPr>
+            <a:endParaRPr lang="en-GB" sz="1600" b="0" dirty="0">
+              <a:solidFill>
+                <a:schemeClr val="accent2"/>
+              </a:solidFill>
+              <a:latin typeface="Calibri" panose="020F0502020204030204" pitchFamily="34" charset="0"/>
+              <a:cs typeface="Calibri" panose="020F0502020204030204" pitchFamily="34" charset="0"/>
+            </a:endParaRPr>
+          </a:p>
+          <a:p>
+            <a:pPr marL="285750" indent="-285750">
+              <a:buFont typeface="Arial" panose="020B0604020202020204" pitchFamily="34" charset="0"/>
+              <a:buChar char="•"/>
+            </a:pPr>
+            <a:endParaRPr lang="en-GB" sz="1600" b="0" dirty="0">
+              <a:solidFill>
+                <a:schemeClr val="accent2"/>
+              </a:solidFill>
+              <a:latin typeface="Calibri" panose="020F0502020204030204" pitchFamily="34" charset="0"/>
+              <a:cs typeface="Calibri" panose="020F0502020204030204" pitchFamily="34" charset="0"/>
+            </a:endParaRPr>
+          </a:p>
+          <a:p>
+            <a:pPr marL="285750" indent="-285750">
+              <a:buFont typeface="Arial" panose="020B0604020202020204" pitchFamily="34" charset="0"/>
+              <a:buChar char="•"/>
+            </a:pPr>
+            <a:endParaRPr lang="en-GB" sz="1600" b="0" dirty="0">
+              <a:solidFill>
+                <a:schemeClr val="accent2"/>
+              </a:solidFill>
+              <a:latin typeface="Calibri" panose="020F0502020204030204" pitchFamily="34" charset="0"/>
+              <a:cs typeface="Calibri" panose="020F0502020204030204" pitchFamily="34" charset="0"/>
+            </a:endParaRPr>
+          </a:p>
+          <a:p>
+            <a:endParaRPr lang="en-GB" sz="1600" b="0" dirty="0">
+              <a:solidFill>
+                <a:schemeClr val="accent2"/>
+              </a:solidFill>
+              <a:latin typeface="Calibri" panose="020F0502020204030204" pitchFamily="34" charset="0"/>
+              <a:cs typeface="Calibri" panose="020F0502020204030204" pitchFamily="34" charset="0"/>
+            </a:endParaRPr>
+          </a:p>
+          <a:p>
+            <a:pPr marL="285750" indent="-285750">
+              <a:buFont typeface="Arial" panose="020B0604020202020204" pitchFamily="34" charset="0"/>
+              <a:buChar char="•"/>
+            </a:pPr>
+            <a:endParaRPr lang="en-GB" sz="1600" b="0" dirty="0">
+              <a:solidFill>
+                <a:schemeClr val="accent2"/>
+              </a:solidFill>
+              <a:latin typeface="Calibri" panose="020F0502020204030204" pitchFamily="34" charset="0"/>
+              <a:cs typeface="Calibri" panose="020F0502020204030204" pitchFamily="34" charset="0"/>
+            </a:endParaRPr>
+          </a:p>
+        </p:txBody>
+      </p:sp>
+      <p:sp>
+        <p:nvSpPr>
+          <p:cNvPr id="11" name="TextBox 10">
+            <a:extLst>
+              <a:ext uri="{FF2B5EF4-FFF2-40B4-BE49-F238E27FC236}">
+                <a16:creationId xmlns:a16="http://schemas.microsoft.com/office/drawing/2014/main" id="{A3036AEF-7A78-A326-F646-0EFE6B2B6FB6}"/>
+              </a:ext>
+            </a:extLst>
+          </p:cNvPr>
+          <p:cNvSpPr txBox="1"/>
+          <p:nvPr/>
+        </p:nvSpPr>
+        <p:spPr>
+          <a:xfrm>
+            <a:off x="768626" y="5883965"/>
+            <a:ext cx="10614991" cy="215444"/>
+          </a:xfrm>
+          <a:prstGeom prst="rect">
+            <a:avLst/>
+          </a:prstGeom>
+        </p:spPr>
+        <p:txBody>
+          <a:bodyPr wrap="square" lIns="0" tIns="0" rIns="0" bIns="0" rtlCol="0" anchor="t" anchorCtr="0">
+            <a:spAutoFit/>
+          </a:bodyPr>
+          <a:lstStyle/>
+          <a:p>
+            <a:pPr algn="ctr"/>
+            <a:r>
+              <a:rPr lang="en-GB" sz="1400" b="1" dirty="0" err="1">
+                <a:solidFill>
+                  <a:schemeClr val="tx2"/>
+                </a:solidFill>
+              </a:rPr>
+              <a:t>slide_takeout</a:t>
+            </a:r>
+            <a:endParaRPr lang="en-GB" sz="1400" b="1" dirty="0">
+              <a:solidFill>
+                <a:schemeClr val="tx2"/>
+              </a:solidFill>
+            </a:endParaRPr>
+          </a:p>
+        </p:txBody>
+      </p:sp>
+    </p:spTree>
+    <p:extLst>
+      <p:ext uri="{BB962C8B-B14F-4D97-AF65-F5344CB8AC3E}">
+        <p14:creationId xmlns:p14="http://schemas.microsoft.com/office/powerpoint/2010/main" val="810312320"/>
+      </p:ext>
+    </p:extLst>
+  </p:cSld>
+  <p:clrMapOvr>
+    <a:masterClrMapping/>
+  </p:clrMapOvr>
+  <mc:AlternateContent xmlns:mc="http://schemas.openxmlformats.org/markup-compatibility/2006">
+    <mc:Choice xmlns:p14="http://schemas.microsoft.com/office/powerpoint/2010/main" Requires="p14">
+      <p:transition spd="med" p14:dur="700">
+        <p:fade/>
+      </p:transition>
+    </mc:Choice>
+    <mc:Fallback>
+      <p:transition spd="med">
+        <p:fade/>
+      </p:transition>
+    </mc:Fallback>
+  </mc:AlternateContent>
+</p:sld>
+</file>
+
+<file path=ppt/slides/slide39.xml><?xml version="1.0" encoding="utf-8"?>
+<p:sld xmlns:a="http://schemas.openxmlformats.org/drawingml/2006/main" xmlns:r="http://schemas.openxmlformats.org/officeDocument/2006/relationships" xmlns:p="http://schemas.openxmlformats.org/presentationml/2006/main">
+  <p:cSld>
+    <p:spTree>
+      <p:nvGrpSpPr>
+        <p:cNvPr id="1" name=""/>
+        <p:cNvGrpSpPr/>
+        <p:nvPr/>
+      </p:nvGrpSpPr>
+      <p:grpSpPr>
+        <a:xfrm>
+          <a:off x="0" y="0"/>
+          <a:ext cx="0" cy="0"/>
+          <a:chOff x="0" y="0"/>
+          <a:chExt cx="0" cy="0"/>
+        </a:xfrm>
+      </p:grpSpPr>
+      <p:sp>
+        <p:nvSpPr>
+          <p:cNvPr id="8" name="Text Placeholder 7">
+            <a:extLst>
+              <a:ext uri="{FF2B5EF4-FFF2-40B4-BE49-F238E27FC236}">
+                <a16:creationId xmlns:a16="http://schemas.microsoft.com/office/drawing/2014/main" id="{75D95B09-4C81-1BEA-C17E-A0651CE452C3}"/>
+              </a:ext>
+            </a:extLst>
+          </p:cNvPr>
+          <p:cNvSpPr>
+            <a:spLocks noGrp="1"/>
+          </p:cNvSpPr>
+          <p:nvPr>
+            <p:ph type="body" sz="quarter" idx="10"/>
+          </p:nvPr>
+        </p:nvSpPr>
+        <p:spPr/>
+        <p:txBody>
+          <a:bodyPr/>
+          <a:lstStyle/>
+          <a:p>
+            <a:r>
+              <a:rPr lang="en-GB" dirty="0" err="1"/>
+              <a:t>slide_subtitle</a:t>
+            </a:r>
+            <a:endParaRPr lang="en-GB" dirty="0"/>
+          </a:p>
+        </p:txBody>
+      </p:sp>
+      <p:sp>
+        <p:nvSpPr>
+          <p:cNvPr id="7" name="Title 6">
+            <a:extLst>
+              <a:ext uri="{FF2B5EF4-FFF2-40B4-BE49-F238E27FC236}">
+                <a16:creationId xmlns:a16="http://schemas.microsoft.com/office/drawing/2014/main" id="{F07B11D4-9D2C-D4C4-F367-CF2CB0614582}"/>
+              </a:ext>
+            </a:extLst>
+          </p:cNvPr>
+          <p:cNvSpPr>
+            <a:spLocks noGrp="1"/>
+          </p:cNvSpPr>
+          <p:nvPr>
+            <p:ph type="title"/>
+          </p:nvPr>
+        </p:nvSpPr>
+        <p:spPr/>
+        <p:txBody>
+          <a:bodyPr/>
+          <a:lstStyle/>
+          <a:p>
+            <a:r>
+              <a:rPr lang="en-GB" dirty="0" err="1"/>
+              <a:t>slide_title</a:t>
+            </a:r>
+            <a:endParaRPr lang="en-GB" dirty="0"/>
+          </a:p>
+        </p:txBody>
+      </p:sp>
+      <p:sp>
+        <p:nvSpPr>
+          <p:cNvPr id="9" name="Title 6">
+            <a:extLst>
+              <a:ext uri="{FF2B5EF4-FFF2-40B4-BE49-F238E27FC236}">
+                <a16:creationId xmlns:a16="http://schemas.microsoft.com/office/drawing/2014/main" id="{0FCE95F0-9FB9-6C46-6607-48165DF1A718}"/>
+              </a:ext>
+            </a:extLst>
+          </p:cNvPr>
+          <p:cNvSpPr txBox="1">
+            <a:spLocks/>
+          </p:cNvSpPr>
+          <p:nvPr/>
+        </p:nvSpPr>
+        <p:spPr>
+          <a:xfrm>
+            <a:off x="632460" y="1165884"/>
+            <a:ext cx="10927080" cy="731520"/>
+          </a:xfrm>
+          <a:prstGeom prst="rect">
+            <a:avLst/>
+          </a:prstGeom>
+        </p:spPr>
+        <p:txBody>
+          <a:bodyPr vert="horz" lIns="0" tIns="0" rIns="0" bIns="0" rtlCol="0" anchor="t" anchorCtr="0">
+            <a:noAutofit/>
+          </a:bodyPr>
+          <a:lstStyle>
+            <a:lvl1pPr algn="l" defTabSz="609555" rtl="0" eaLnBrk="1" latinLnBrk="0" hangingPunct="1">
+              <a:lnSpc>
+                <a:spcPct val="100000"/>
+              </a:lnSpc>
+              <a:spcBef>
+                <a:spcPct val="0"/>
+              </a:spcBef>
+              <a:buNone/>
+              <a:defRPr lang="en-US" sz="2600" b="1" kern="1200" spc="-20" baseline="0" dirty="0">
+                <a:solidFill>
+                  <a:schemeClr val="bg1"/>
+                </a:solidFill>
+                <a:latin typeface="+mj-lt"/>
+                <a:ea typeface="+mj-ea"/>
+                <a:cs typeface="+mj-cs"/>
+              </a:defRPr>
+            </a:lvl1pPr>
+          </a:lstStyle>
+          <a:p>
+            <a:pPr>
+              <a:buClr>
+                <a:schemeClr val="accent4"/>
+              </a:buClr>
+            </a:pPr>
+            <a:r>
+              <a:rPr lang="en-GB" sz="1400" b="0" dirty="0" err="1">
+                <a:solidFill>
+                  <a:schemeClr val="accent2"/>
+                </a:solidFill>
+                <a:latin typeface="Calibri" panose="020F0502020204030204" pitchFamily="34" charset="0"/>
+                <a:cs typeface="Calibri" panose="020F0502020204030204" pitchFamily="34" charset="0"/>
+              </a:rPr>
+              <a:t>slide_bullet</a:t>
+            </a:r>
+            <a:endParaRPr lang="en-GB" sz="1400" b="0" dirty="0">
+              <a:solidFill>
+                <a:schemeClr val="accent2"/>
+              </a:solidFill>
+              <a:latin typeface="Calibri" panose="020F0502020204030204" pitchFamily="34" charset="0"/>
+              <a:cs typeface="Calibri" panose="020F0502020204030204" pitchFamily="34" charset="0"/>
+            </a:endParaRPr>
+          </a:p>
+          <a:p>
+            <a:endParaRPr lang="en-GB" sz="1600" b="0" dirty="0">
+              <a:solidFill>
+                <a:schemeClr val="accent2"/>
+              </a:solidFill>
+              <a:latin typeface="Calibri" panose="020F0502020204030204" pitchFamily="34" charset="0"/>
+              <a:cs typeface="Calibri" panose="020F0502020204030204" pitchFamily="34" charset="0"/>
+            </a:endParaRPr>
+          </a:p>
+          <a:p>
+            <a:pPr marL="285750" indent="-285750">
+              <a:buFont typeface="Arial" panose="020B0604020202020204" pitchFamily="34" charset="0"/>
+              <a:buChar char="•"/>
+            </a:pPr>
+            <a:endParaRPr lang="en-GB" sz="1600" b="0" dirty="0">
+              <a:solidFill>
+                <a:schemeClr val="accent2"/>
+              </a:solidFill>
+              <a:latin typeface="Calibri" panose="020F0502020204030204" pitchFamily="34" charset="0"/>
+              <a:cs typeface="Calibri" panose="020F0502020204030204" pitchFamily="34" charset="0"/>
+            </a:endParaRPr>
+          </a:p>
+          <a:p>
+            <a:pPr marL="285750" indent="-285750">
+              <a:buFont typeface="Arial" panose="020B0604020202020204" pitchFamily="34" charset="0"/>
+              <a:buChar char="•"/>
+            </a:pPr>
+            <a:endParaRPr lang="en-GB" sz="1600" b="0" dirty="0">
+              <a:solidFill>
+                <a:schemeClr val="accent2"/>
+              </a:solidFill>
+              <a:latin typeface="Calibri" panose="020F0502020204030204" pitchFamily="34" charset="0"/>
+              <a:cs typeface="Calibri" panose="020F0502020204030204" pitchFamily="34" charset="0"/>
+            </a:endParaRPr>
+          </a:p>
+          <a:p>
+            <a:pPr marL="285750" indent="-285750">
+              <a:buFont typeface="Arial" panose="020B0604020202020204" pitchFamily="34" charset="0"/>
+              <a:buChar char="•"/>
+            </a:pPr>
+            <a:endParaRPr lang="en-GB" sz="1600" b="0" dirty="0">
+              <a:solidFill>
+                <a:schemeClr val="accent2"/>
+              </a:solidFill>
+              <a:latin typeface="Calibri" panose="020F0502020204030204" pitchFamily="34" charset="0"/>
+              <a:cs typeface="Calibri" panose="020F0502020204030204" pitchFamily="34" charset="0"/>
+            </a:endParaRPr>
+          </a:p>
+          <a:p>
+            <a:endParaRPr lang="en-GB" sz="1600" b="0" dirty="0">
+              <a:solidFill>
+                <a:schemeClr val="accent2"/>
+              </a:solidFill>
+              <a:latin typeface="Calibri" panose="020F0502020204030204" pitchFamily="34" charset="0"/>
+              <a:cs typeface="Calibri" panose="020F0502020204030204" pitchFamily="34" charset="0"/>
+            </a:endParaRPr>
+          </a:p>
+          <a:p>
+            <a:pPr marL="285750" indent="-285750">
+              <a:buFont typeface="Arial" panose="020B0604020202020204" pitchFamily="34" charset="0"/>
+              <a:buChar char="•"/>
+            </a:pPr>
+            <a:endParaRPr lang="en-GB" sz="1600" b="0" dirty="0">
+              <a:solidFill>
+                <a:schemeClr val="accent2"/>
+              </a:solidFill>
+              <a:latin typeface="Calibri" panose="020F0502020204030204" pitchFamily="34" charset="0"/>
+              <a:cs typeface="Calibri" panose="020F0502020204030204" pitchFamily="34" charset="0"/>
+            </a:endParaRPr>
+          </a:p>
+        </p:txBody>
+      </p:sp>
+      <p:sp>
+        <p:nvSpPr>
+          <p:cNvPr id="10" name="Title 6">
+            <a:extLst>
+              <a:ext uri="{FF2B5EF4-FFF2-40B4-BE49-F238E27FC236}">
+                <a16:creationId xmlns:a16="http://schemas.microsoft.com/office/drawing/2014/main" id="{64A2D8A6-32F9-F325-26A8-30EC5DCDFC53}"/>
+              </a:ext>
+            </a:extLst>
+          </p:cNvPr>
+          <p:cNvSpPr txBox="1">
+            <a:spLocks/>
+          </p:cNvSpPr>
+          <p:nvPr/>
+        </p:nvSpPr>
+        <p:spPr>
+          <a:xfrm>
+            <a:off x="632460" y="5819339"/>
+            <a:ext cx="10927080" cy="731520"/>
+          </a:xfrm>
+          <a:prstGeom prst="rect">
+            <a:avLst/>
+          </a:prstGeom>
+          <a:gradFill flip="none" rotWithShape="1">
+            <a:gsLst>
+              <a:gs pos="0">
+                <a:schemeClr val="bg1"/>
+              </a:gs>
+              <a:gs pos="40000">
+                <a:schemeClr val="accent4"/>
+              </a:gs>
+              <a:gs pos="100000">
+                <a:schemeClr val="accent3"/>
+              </a:gs>
+            </a:gsLst>
+            <a:lin ang="0" scaled="1"/>
+            <a:tileRect/>
+          </a:gradFill>
+          <a:effectLst>
+            <a:outerShdw blurRad="50800" dist="38100" dir="2700000" algn="tl" rotWithShape="0">
+              <a:prstClr val="black">
+                <a:alpha val="40000"/>
+              </a:prstClr>
+            </a:outerShdw>
+          </a:effectLst>
+        </p:spPr>
+        <p:txBody>
+          <a:bodyPr vert="horz" lIns="0" tIns="0" rIns="0" bIns="0" rtlCol="0" anchor="t" anchorCtr="0">
+            <a:noAutofit/>
+          </a:bodyPr>
+          <a:lstStyle>
+            <a:lvl1pPr algn="l" defTabSz="609555" rtl="0" eaLnBrk="1" latinLnBrk="0" hangingPunct="1">
+              <a:lnSpc>
+                <a:spcPct val="100000"/>
+              </a:lnSpc>
+              <a:spcBef>
+                <a:spcPct val="0"/>
+              </a:spcBef>
+              <a:buNone/>
+              <a:defRPr lang="en-US" sz="2600" b="1" kern="1200" spc="-20" baseline="0" dirty="0">
+                <a:solidFill>
+                  <a:schemeClr val="bg1"/>
+                </a:solidFill>
+                <a:latin typeface="+mj-lt"/>
+                <a:ea typeface="+mj-ea"/>
+                <a:cs typeface="+mj-cs"/>
+              </a:defRPr>
+            </a:lvl1pPr>
+          </a:lstStyle>
+          <a:p>
+            <a:endParaRPr lang="en-GB" sz="1600" b="0" dirty="0">
+              <a:solidFill>
+                <a:schemeClr val="accent2"/>
+              </a:solidFill>
+              <a:latin typeface="Calibri" panose="020F0502020204030204" pitchFamily="34" charset="0"/>
+              <a:cs typeface="Calibri" panose="020F0502020204030204" pitchFamily="34" charset="0"/>
+            </a:endParaRPr>
+          </a:p>
+          <a:p>
+            <a:pPr marL="285750" indent="-285750">
+              <a:buFont typeface="Arial" panose="020B0604020202020204" pitchFamily="34" charset="0"/>
+              <a:buChar char="•"/>
+            </a:pPr>
+            <a:endParaRPr lang="en-GB" sz="1600" b="0" dirty="0">
+              <a:solidFill>
+                <a:schemeClr val="accent2"/>
+              </a:solidFill>
+              <a:latin typeface="Calibri" panose="020F0502020204030204" pitchFamily="34" charset="0"/>
+              <a:cs typeface="Calibri" panose="020F0502020204030204" pitchFamily="34" charset="0"/>
+            </a:endParaRPr>
+          </a:p>
+          <a:p>
+            <a:pPr marL="285750" indent="-285750">
+              <a:buFont typeface="Arial" panose="020B0604020202020204" pitchFamily="34" charset="0"/>
+              <a:buChar char="•"/>
+            </a:pPr>
+            <a:endParaRPr lang="en-GB" sz="1600" b="0" dirty="0">
+              <a:solidFill>
+                <a:schemeClr val="accent2"/>
+              </a:solidFill>
+              <a:latin typeface="Calibri" panose="020F0502020204030204" pitchFamily="34" charset="0"/>
+              <a:cs typeface="Calibri" panose="020F0502020204030204" pitchFamily="34" charset="0"/>
+            </a:endParaRPr>
+          </a:p>
+          <a:p>
+            <a:pPr marL="285750" indent="-285750">
+              <a:buFont typeface="Arial" panose="020B0604020202020204" pitchFamily="34" charset="0"/>
+              <a:buChar char="•"/>
+            </a:pPr>
+            <a:endParaRPr lang="en-GB" sz="1600" b="0" dirty="0">
+              <a:solidFill>
+                <a:schemeClr val="accent2"/>
+              </a:solidFill>
+              <a:latin typeface="Calibri" panose="020F0502020204030204" pitchFamily="34" charset="0"/>
+              <a:cs typeface="Calibri" panose="020F0502020204030204" pitchFamily="34" charset="0"/>
+            </a:endParaRPr>
+          </a:p>
+          <a:p>
+            <a:endParaRPr lang="en-GB" sz="1600" b="0" dirty="0">
+              <a:solidFill>
+                <a:schemeClr val="accent2"/>
+              </a:solidFill>
+              <a:latin typeface="Calibri" panose="020F0502020204030204" pitchFamily="34" charset="0"/>
+              <a:cs typeface="Calibri" panose="020F0502020204030204" pitchFamily="34" charset="0"/>
+            </a:endParaRPr>
+          </a:p>
+          <a:p>
+            <a:pPr marL="285750" indent="-285750">
+              <a:buFont typeface="Arial" panose="020B0604020202020204" pitchFamily="34" charset="0"/>
+              <a:buChar char="•"/>
+            </a:pPr>
+            <a:endParaRPr lang="en-GB" sz="1600" b="0" dirty="0">
+              <a:solidFill>
+                <a:schemeClr val="accent2"/>
+              </a:solidFill>
+              <a:latin typeface="Calibri" panose="020F0502020204030204" pitchFamily="34" charset="0"/>
+              <a:cs typeface="Calibri" panose="020F0502020204030204" pitchFamily="34" charset="0"/>
+            </a:endParaRPr>
+          </a:p>
+        </p:txBody>
+      </p:sp>
+      <p:sp>
+        <p:nvSpPr>
+          <p:cNvPr id="11" name="TextBox 10">
+            <a:extLst>
+              <a:ext uri="{FF2B5EF4-FFF2-40B4-BE49-F238E27FC236}">
+                <a16:creationId xmlns:a16="http://schemas.microsoft.com/office/drawing/2014/main" id="{A3036AEF-7A78-A326-F646-0EFE6B2B6FB6}"/>
+              </a:ext>
+            </a:extLst>
+          </p:cNvPr>
+          <p:cNvSpPr txBox="1"/>
+          <p:nvPr/>
+        </p:nvSpPr>
+        <p:spPr>
+          <a:xfrm>
+            <a:off x="768626" y="5883965"/>
+            <a:ext cx="10614991" cy="215444"/>
+          </a:xfrm>
+          <a:prstGeom prst="rect">
+            <a:avLst/>
+          </a:prstGeom>
+        </p:spPr>
+        <p:txBody>
+          <a:bodyPr wrap="square" lIns="0" tIns="0" rIns="0" bIns="0" rtlCol="0" anchor="t" anchorCtr="0">
+            <a:spAutoFit/>
+          </a:bodyPr>
+          <a:lstStyle/>
+          <a:p>
+            <a:pPr algn="ctr"/>
+            <a:r>
+              <a:rPr lang="en-GB" sz="1400" b="1" dirty="0" err="1">
+                <a:solidFill>
+                  <a:schemeClr val="tx2"/>
+                </a:solidFill>
+              </a:rPr>
+              <a:t>slide_takeout</a:t>
+            </a:r>
+            <a:endParaRPr lang="en-GB" sz="1400" b="1" dirty="0">
+              <a:solidFill>
+                <a:schemeClr val="tx2"/>
+              </a:solidFill>
+            </a:endParaRPr>
+          </a:p>
+        </p:txBody>
+      </p:sp>
+    </p:spTree>
+    <p:extLst>
+      <p:ext uri="{BB962C8B-B14F-4D97-AF65-F5344CB8AC3E}">
+        <p14:creationId xmlns:p14="http://schemas.microsoft.com/office/powerpoint/2010/main" val="2250085269"/>
       </p:ext>
     </p:extLst>
   </p:cSld>
@@ -12429,6 +15848,4266 @@
   <p:clrMapOvr>
     <a:masterClrMapping/>
   </p:clrMapOvr>
+  <mc:AlternateContent xmlns:mc="http://schemas.openxmlformats.org/markup-compatibility/2006" xmlns:p14="http://schemas.microsoft.com/office/powerpoint/2010/main">
+    <mc:Choice Requires="p14">
+      <p:transition spd="med" p14:dur="700">
+        <p:fade/>
+      </p:transition>
+    </mc:Choice>
+    <mc:Fallback xmlns="">
+      <p:transition spd="med">
+        <p:fade/>
+      </p:transition>
+    </mc:Fallback>
+  </mc:AlternateContent>
+</p:sld>
+</file>
+
+<file path=ppt/slides/slide40.xml><?xml version="1.0" encoding="utf-8"?>
+<p:sld xmlns:a="http://schemas.openxmlformats.org/drawingml/2006/main" xmlns:r="http://schemas.openxmlformats.org/officeDocument/2006/relationships" xmlns:p="http://schemas.openxmlformats.org/presentationml/2006/main">
+  <p:cSld>
+    <p:spTree>
+      <p:nvGrpSpPr>
+        <p:cNvPr id="1" name=""/>
+        <p:cNvGrpSpPr/>
+        <p:nvPr/>
+      </p:nvGrpSpPr>
+      <p:grpSpPr>
+        <a:xfrm>
+          <a:off x="0" y="0"/>
+          <a:ext cx="0" cy="0"/>
+          <a:chOff x="0" y="0"/>
+          <a:chExt cx="0" cy="0"/>
+        </a:xfrm>
+      </p:grpSpPr>
+      <p:sp>
+        <p:nvSpPr>
+          <p:cNvPr id="8" name="Text Placeholder 7">
+            <a:extLst>
+              <a:ext uri="{FF2B5EF4-FFF2-40B4-BE49-F238E27FC236}">
+                <a16:creationId xmlns:a16="http://schemas.microsoft.com/office/drawing/2014/main" id="{75D95B09-4C81-1BEA-C17E-A0651CE452C3}"/>
+              </a:ext>
+            </a:extLst>
+          </p:cNvPr>
+          <p:cNvSpPr>
+            <a:spLocks noGrp="1"/>
+          </p:cNvSpPr>
+          <p:nvPr>
+            <p:ph type="body" sz="quarter" idx="10"/>
+          </p:nvPr>
+        </p:nvSpPr>
+        <p:spPr/>
+        <p:txBody>
+          <a:bodyPr/>
+          <a:lstStyle/>
+          <a:p>
+            <a:r>
+              <a:rPr lang="en-GB" dirty="0" err="1"/>
+              <a:t>slide_subtitle</a:t>
+            </a:r>
+            <a:endParaRPr lang="en-GB" dirty="0"/>
+          </a:p>
+        </p:txBody>
+      </p:sp>
+      <p:sp>
+        <p:nvSpPr>
+          <p:cNvPr id="7" name="Title 6">
+            <a:extLst>
+              <a:ext uri="{FF2B5EF4-FFF2-40B4-BE49-F238E27FC236}">
+                <a16:creationId xmlns:a16="http://schemas.microsoft.com/office/drawing/2014/main" id="{F07B11D4-9D2C-D4C4-F367-CF2CB0614582}"/>
+              </a:ext>
+            </a:extLst>
+          </p:cNvPr>
+          <p:cNvSpPr>
+            <a:spLocks noGrp="1"/>
+          </p:cNvSpPr>
+          <p:nvPr>
+            <p:ph type="title"/>
+          </p:nvPr>
+        </p:nvSpPr>
+        <p:spPr/>
+        <p:txBody>
+          <a:bodyPr/>
+          <a:lstStyle/>
+          <a:p>
+            <a:r>
+              <a:rPr lang="en-GB" dirty="0" err="1"/>
+              <a:t>slide_title</a:t>
+            </a:r>
+            <a:endParaRPr lang="en-GB" dirty="0"/>
+          </a:p>
+        </p:txBody>
+      </p:sp>
+      <p:sp>
+        <p:nvSpPr>
+          <p:cNvPr id="9" name="Title 6">
+            <a:extLst>
+              <a:ext uri="{FF2B5EF4-FFF2-40B4-BE49-F238E27FC236}">
+                <a16:creationId xmlns:a16="http://schemas.microsoft.com/office/drawing/2014/main" id="{0FCE95F0-9FB9-6C46-6607-48165DF1A718}"/>
+              </a:ext>
+            </a:extLst>
+          </p:cNvPr>
+          <p:cNvSpPr txBox="1">
+            <a:spLocks/>
+          </p:cNvSpPr>
+          <p:nvPr/>
+        </p:nvSpPr>
+        <p:spPr>
+          <a:xfrm>
+            <a:off x="632460" y="1165884"/>
+            <a:ext cx="10927080" cy="731520"/>
+          </a:xfrm>
+          <a:prstGeom prst="rect">
+            <a:avLst/>
+          </a:prstGeom>
+        </p:spPr>
+        <p:txBody>
+          <a:bodyPr vert="horz" lIns="0" tIns="0" rIns="0" bIns="0" rtlCol="0" anchor="t" anchorCtr="0">
+            <a:noAutofit/>
+          </a:bodyPr>
+          <a:lstStyle>
+            <a:lvl1pPr algn="l" defTabSz="609555" rtl="0" eaLnBrk="1" latinLnBrk="0" hangingPunct="1">
+              <a:lnSpc>
+                <a:spcPct val="100000"/>
+              </a:lnSpc>
+              <a:spcBef>
+                <a:spcPct val="0"/>
+              </a:spcBef>
+              <a:buNone/>
+              <a:defRPr lang="en-US" sz="2600" b="1" kern="1200" spc="-20" baseline="0" dirty="0">
+                <a:solidFill>
+                  <a:schemeClr val="bg1"/>
+                </a:solidFill>
+                <a:latin typeface="+mj-lt"/>
+                <a:ea typeface="+mj-ea"/>
+                <a:cs typeface="+mj-cs"/>
+              </a:defRPr>
+            </a:lvl1pPr>
+          </a:lstStyle>
+          <a:p>
+            <a:pPr>
+              <a:buClr>
+                <a:schemeClr val="accent4"/>
+              </a:buClr>
+            </a:pPr>
+            <a:r>
+              <a:rPr lang="en-GB" sz="1400" b="0" dirty="0" err="1">
+                <a:solidFill>
+                  <a:schemeClr val="accent2"/>
+                </a:solidFill>
+                <a:latin typeface="Calibri" panose="020F0502020204030204" pitchFamily="34" charset="0"/>
+                <a:cs typeface="Calibri" panose="020F0502020204030204" pitchFamily="34" charset="0"/>
+              </a:rPr>
+              <a:t>slide_bullet</a:t>
+            </a:r>
+            <a:endParaRPr lang="en-GB" sz="1400" b="0" dirty="0">
+              <a:solidFill>
+                <a:schemeClr val="accent2"/>
+              </a:solidFill>
+              <a:latin typeface="Calibri" panose="020F0502020204030204" pitchFamily="34" charset="0"/>
+              <a:cs typeface="Calibri" panose="020F0502020204030204" pitchFamily="34" charset="0"/>
+            </a:endParaRPr>
+          </a:p>
+          <a:p>
+            <a:endParaRPr lang="en-GB" sz="1600" b="0" dirty="0">
+              <a:solidFill>
+                <a:schemeClr val="accent2"/>
+              </a:solidFill>
+              <a:latin typeface="Calibri" panose="020F0502020204030204" pitchFamily="34" charset="0"/>
+              <a:cs typeface="Calibri" panose="020F0502020204030204" pitchFamily="34" charset="0"/>
+            </a:endParaRPr>
+          </a:p>
+          <a:p>
+            <a:pPr marL="285750" indent="-285750">
+              <a:buFont typeface="Arial" panose="020B0604020202020204" pitchFamily="34" charset="0"/>
+              <a:buChar char="•"/>
+            </a:pPr>
+            <a:endParaRPr lang="en-GB" sz="1600" b="0" dirty="0">
+              <a:solidFill>
+                <a:schemeClr val="accent2"/>
+              </a:solidFill>
+              <a:latin typeface="Calibri" panose="020F0502020204030204" pitchFamily="34" charset="0"/>
+              <a:cs typeface="Calibri" panose="020F0502020204030204" pitchFamily="34" charset="0"/>
+            </a:endParaRPr>
+          </a:p>
+          <a:p>
+            <a:pPr marL="285750" indent="-285750">
+              <a:buFont typeface="Arial" panose="020B0604020202020204" pitchFamily="34" charset="0"/>
+              <a:buChar char="•"/>
+            </a:pPr>
+            <a:endParaRPr lang="en-GB" sz="1600" b="0" dirty="0">
+              <a:solidFill>
+                <a:schemeClr val="accent2"/>
+              </a:solidFill>
+              <a:latin typeface="Calibri" panose="020F0502020204030204" pitchFamily="34" charset="0"/>
+              <a:cs typeface="Calibri" panose="020F0502020204030204" pitchFamily="34" charset="0"/>
+            </a:endParaRPr>
+          </a:p>
+          <a:p>
+            <a:pPr marL="285750" indent="-285750">
+              <a:buFont typeface="Arial" panose="020B0604020202020204" pitchFamily="34" charset="0"/>
+              <a:buChar char="•"/>
+            </a:pPr>
+            <a:endParaRPr lang="en-GB" sz="1600" b="0" dirty="0">
+              <a:solidFill>
+                <a:schemeClr val="accent2"/>
+              </a:solidFill>
+              <a:latin typeface="Calibri" panose="020F0502020204030204" pitchFamily="34" charset="0"/>
+              <a:cs typeface="Calibri" panose="020F0502020204030204" pitchFamily="34" charset="0"/>
+            </a:endParaRPr>
+          </a:p>
+          <a:p>
+            <a:endParaRPr lang="en-GB" sz="1600" b="0" dirty="0">
+              <a:solidFill>
+                <a:schemeClr val="accent2"/>
+              </a:solidFill>
+              <a:latin typeface="Calibri" panose="020F0502020204030204" pitchFamily="34" charset="0"/>
+              <a:cs typeface="Calibri" panose="020F0502020204030204" pitchFamily="34" charset="0"/>
+            </a:endParaRPr>
+          </a:p>
+          <a:p>
+            <a:pPr marL="285750" indent="-285750">
+              <a:buFont typeface="Arial" panose="020B0604020202020204" pitchFamily="34" charset="0"/>
+              <a:buChar char="•"/>
+            </a:pPr>
+            <a:endParaRPr lang="en-GB" sz="1600" b="0" dirty="0">
+              <a:solidFill>
+                <a:schemeClr val="accent2"/>
+              </a:solidFill>
+              <a:latin typeface="Calibri" panose="020F0502020204030204" pitchFamily="34" charset="0"/>
+              <a:cs typeface="Calibri" panose="020F0502020204030204" pitchFamily="34" charset="0"/>
+            </a:endParaRPr>
+          </a:p>
+        </p:txBody>
+      </p:sp>
+      <p:sp>
+        <p:nvSpPr>
+          <p:cNvPr id="10" name="Title 6">
+            <a:extLst>
+              <a:ext uri="{FF2B5EF4-FFF2-40B4-BE49-F238E27FC236}">
+                <a16:creationId xmlns:a16="http://schemas.microsoft.com/office/drawing/2014/main" id="{64A2D8A6-32F9-F325-26A8-30EC5DCDFC53}"/>
+              </a:ext>
+            </a:extLst>
+          </p:cNvPr>
+          <p:cNvSpPr txBox="1">
+            <a:spLocks/>
+          </p:cNvSpPr>
+          <p:nvPr/>
+        </p:nvSpPr>
+        <p:spPr>
+          <a:xfrm>
+            <a:off x="632460" y="5819339"/>
+            <a:ext cx="10927080" cy="731520"/>
+          </a:xfrm>
+          <a:prstGeom prst="rect">
+            <a:avLst/>
+          </a:prstGeom>
+          <a:gradFill flip="none" rotWithShape="1">
+            <a:gsLst>
+              <a:gs pos="0">
+                <a:schemeClr val="bg1"/>
+              </a:gs>
+              <a:gs pos="40000">
+                <a:schemeClr val="accent4"/>
+              </a:gs>
+              <a:gs pos="100000">
+                <a:schemeClr val="accent3"/>
+              </a:gs>
+            </a:gsLst>
+            <a:lin ang="0" scaled="1"/>
+            <a:tileRect/>
+          </a:gradFill>
+          <a:effectLst>
+            <a:outerShdw blurRad="50800" dist="38100" dir="2700000" algn="tl" rotWithShape="0">
+              <a:prstClr val="black">
+                <a:alpha val="40000"/>
+              </a:prstClr>
+            </a:outerShdw>
+          </a:effectLst>
+        </p:spPr>
+        <p:txBody>
+          <a:bodyPr vert="horz" lIns="0" tIns="0" rIns="0" bIns="0" rtlCol="0" anchor="t" anchorCtr="0">
+            <a:noAutofit/>
+          </a:bodyPr>
+          <a:lstStyle>
+            <a:lvl1pPr algn="l" defTabSz="609555" rtl="0" eaLnBrk="1" latinLnBrk="0" hangingPunct="1">
+              <a:lnSpc>
+                <a:spcPct val="100000"/>
+              </a:lnSpc>
+              <a:spcBef>
+                <a:spcPct val="0"/>
+              </a:spcBef>
+              <a:buNone/>
+              <a:defRPr lang="en-US" sz="2600" b="1" kern="1200" spc="-20" baseline="0" dirty="0">
+                <a:solidFill>
+                  <a:schemeClr val="bg1"/>
+                </a:solidFill>
+                <a:latin typeface="+mj-lt"/>
+                <a:ea typeface="+mj-ea"/>
+                <a:cs typeface="+mj-cs"/>
+              </a:defRPr>
+            </a:lvl1pPr>
+          </a:lstStyle>
+          <a:p>
+            <a:endParaRPr lang="en-GB" sz="1600" b="0" dirty="0">
+              <a:solidFill>
+                <a:schemeClr val="accent2"/>
+              </a:solidFill>
+              <a:latin typeface="Calibri" panose="020F0502020204030204" pitchFamily="34" charset="0"/>
+              <a:cs typeface="Calibri" panose="020F0502020204030204" pitchFamily="34" charset="0"/>
+            </a:endParaRPr>
+          </a:p>
+          <a:p>
+            <a:pPr marL="285750" indent="-285750">
+              <a:buFont typeface="Arial" panose="020B0604020202020204" pitchFamily="34" charset="0"/>
+              <a:buChar char="•"/>
+            </a:pPr>
+            <a:endParaRPr lang="en-GB" sz="1600" b="0" dirty="0">
+              <a:solidFill>
+                <a:schemeClr val="accent2"/>
+              </a:solidFill>
+              <a:latin typeface="Calibri" panose="020F0502020204030204" pitchFamily="34" charset="0"/>
+              <a:cs typeface="Calibri" panose="020F0502020204030204" pitchFamily="34" charset="0"/>
+            </a:endParaRPr>
+          </a:p>
+          <a:p>
+            <a:pPr marL="285750" indent="-285750">
+              <a:buFont typeface="Arial" panose="020B0604020202020204" pitchFamily="34" charset="0"/>
+              <a:buChar char="•"/>
+            </a:pPr>
+            <a:endParaRPr lang="en-GB" sz="1600" b="0" dirty="0">
+              <a:solidFill>
+                <a:schemeClr val="accent2"/>
+              </a:solidFill>
+              <a:latin typeface="Calibri" panose="020F0502020204030204" pitchFamily="34" charset="0"/>
+              <a:cs typeface="Calibri" panose="020F0502020204030204" pitchFamily="34" charset="0"/>
+            </a:endParaRPr>
+          </a:p>
+          <a:p>
+            <a:pPr marL="285750" indent="-285750">
+              <a:buFont typeface="Arial" panose="020B0604020202020204" pitchFamily="34" charset="0"/>
+              <a:buChar char="•"/>
+            </a:pPr>
+            <a:endParaRPr lang="en-GB" sz="1600" b="0" dirty="0">
+              <a:solidFill>
+                <a:schemeClr val="accent2"/>
+              </a:solidFill>
+              <a:latin typeface="Calibri" panose="020F0502020204030204" pitchFamily="34" charset="0"/>
+              <a:cs typeface="Calibri" panose="020F0502020204030204" pitchFamily="34" charset="0"/>
+            </a:endParaRPr>
+          </a:p>
+          <a:p>
+            <a:endParaRPr lang="en-GB" sz="1600" b="0" dirty="0">
+              <a:solidFill>
+                <a:schemeClr val="accent2"/>
+              </a:solidFill>
+              <a:latin typeface="Calibri" panose="020F0502020204030204" pitchFamily="34" charset="0"/>
+              <a:cs typeface="Calibri" panose="020F0502020204030204" pitchFamily="34" charset="0"/>
+            </a:endParaRPr>
+          </a:p>
+          <a:p>
+            <a:pPr marL="285750" indent="-285750">
+              <a:buFont typeface="Arial" panose="020B0604020202020204" pitchFamily="34" charset="0"/>
+              <a:buChar char="•"/>
+            </a:pPr>
+            <a:endParaRPr lang="en-GB" sz="1600" b="0" dirty="0">
+              <a:solidFill>
+                <a:schemeClr val="accent2"/>
+              </a:solidFill>
+              <a:latin typeface="Calibri" panose="020F0502020204030204" pitchFamily="34" charset="0"/>
+              <a:cs typeface="Calibri" panose="020F0502020204030204" pitchFamily="34" charset="0"/>
+            </a:endParaRPr>
+          </a:p>
+        </p:txBody>
+      </p:sp>
+      <p:sp>
+        <p:nvSpPr>
+          <p:cNvPr id="11" name="TextBox 10">
+            <a:extLst>
+              <a:ext uri="{FF2B5EF4-FFF2-40B4-BE49-F238E27FC236}">
+                <a16:creationId xmlns:a16="http://schemas.microsoft.com/office/drawing/2014/main" id="{A3036AEF-7A78-A326-F646-0EFE6B2B6FB6}"/>
+              </a:ext>
+            </a:extLst>
+          </p:cNvPr>
+          <p:cNvSpPr txBox="1"/>
+          <p:nvPr/>
+        </p:nvSpPr>
+        <p:spPr>
+          <a:xfrm>
+            <a:off x="768626" y="5883965"/>
+            <a:ext cx="10614991" cy="215444"/>
+          </a:xfrm>
+          <a:prstGeom prst="rect">
+            <a:avLst/>
+          </a:prstGeom>
+        </p:spPr>
+        <p:txBody>
+          <a:bodyPr wrap="square" lIns="0" tIns="0" rIns="0" bIns="0" rtlCol="0" anchor="t" anchorCtr="0">
+            <a:spAutoFit/>
+          </a:bodyPr>
+          <a:lstStyle/>
+          <a:p>
+            <a:pPr algn="ctr"/>
+            <a:r>
+              <a:rPr lang="en-GB" sz="1400" b="1" dirty="0" err="1">
+                <a:solidFill>
+                  <a:schemeClr val="tx2"/>
+                </a:solidFill>
+              </a:rPr>
+              <a:t>slide_takeout</a:t>
+            </a:r>
+            <a:endParaRPr lang="en-GB" sz="1400" b="1" dirty="0">
+              <a:solidFill>
+                <a:schemeClr val="tx2"/>
+              </a:solidFill>
+            </a:endParaRPr>
+          </a:p>
+        </p:txBody>
+      </p:sp>
+    </p:spTree>
+    <p:extLst>
+      <p:ext uri="{BB962C8B-B14F-4D97-AF65-F5344CB8AC3E}">
+        <p14:creationId xmlns:p14="http://schemas.microsoft.com/office/powerpoint/2010/main" val="2099804120"/>
+      </p:ext>
+    </p:extLst>
+  </p:cSld>
+  <p:clrMapOvr>
+    <a:masterClrMapping/>
+  </p:clrMapOvr>
+  <mc:AlternateContent xmlns:mc="http://schemas.openxmlformats.org/markup-compatibility/2006">
+    <mc:Choice xmlns:p14="http://schemas.microsoft.com/office/powerpoint/2010/main" Requires="p14">
+      <p:transition spd="med" p14:dur="700">
+        <p:fade/>
+      </p:transition>
+    </mc:Choice>
+    <mc:Fallback>
+      <p:transition spd="med">
+        <p:fade/>
+      </p:transition>
+    </mc:Fallback>
+  </mc:AlternateContent>
+</p:sld>
+</file>
+
+<file path=ppt/slides/slide41.xml><?xml version="1.0" encoding="utf-8"?>
+<p:sld xmlns:a="http://schemas.openxmlformats.org/drawingml/2006/main" xmlns:r="http://schemas.openxmlformats.org/officeDocument/2006/relationships" xmlns:p="http://schemas.openxmlformats.org/presentationml/2006/main">
+  <p:cSld>
+    <p:spTree>
+      <p:nvGrpSpPr>
+        <p:cNvPr id="1" name=""/>
+        <p:cNvGrpSpPr/>
+        <p:nvPr/>
+      </p:nvGrpSpPr>
+      <p:grpSpPr>
+        <a:xfrm>
+          <a:off x="0" y="0"/>
+          <a:ext cx="0" cy="0"/>
+          <a:chOff x="0" y="0"/>
+          <a:chExt cx="0" cy="0"/>
+        </a:xfrm>
+      </p:grpSpPr>
+      <p:sp>
+        <p:nvSpPr>
+          <p:cNvPr id="8" name="Text Placeholder 7">
+            <a:extLst>
+              <a:ext uri="{FF2B5EF4-FFF2-40B4-BE49-F238E27FC236}">
+                <a16:creationId xmlns:a16="http://schemas.microsoft.com/office/drawing/2014/main" id="{75D95B09-4C81-1BEA-C17E-A0651CE452C3}"/>
+              </a:ext>
+            </a:extLst>
+          </p:cNvPr>
+          <p:cNvSpPr>
+            <a:spLocks noGrp="1"/>
+          </p:cNvSpPr>
+          <p:nvPr>
+            <p:ph type="body" sz="quarter" idx="10"/>
+          </p:nvPr>
+        </p:nvSpPr>
+        <p:spPr/>
+        <p:txBody>
+          <a:bodyPr/>
+          <a:lstStyle/>
+          <a:p>
+            <a:r>
+              <a:rPr lang="en-GB" dirty="0" err="1"/>
+              <a:t>slide_subtitle</a:t>
+            </a:r>
+            <a:endParaRPr lang="en-GB" dirty="0"/>
+          </a:p>
+        </p:txBody>
+      </p:sp>
+      <p:sp>
+        <p:nvSpPr>
+          <p:cNvPr id="7" name="Title 6">
+            <a:extLst>
+              <a:ext uri="{FF2B5EF4-FFF2-40B4-BE49-F238E27FC236}">
+                <a16:creationId xmlns:a16="http://schemas.microsoft.com/office/drawing/2014/main" id="{F07B11D4-9D2C-D4C4-F367-CF2CB0614582}"/>
+              </a:ext>
+            </a:extLst>
+          </p:cNvPr>
+          <p:cNvSpPr>
+            <a:spLocks noGrp="1"/>
+          </p:cNvSpPr>
+          <p:nvPr>
+            <p:ph type="title"/>
+          </p:nvPr>
+        </p:nvSpPr>
+        <p:spPr/>
+        <p:txBody>
+          <a:bodyPr/>
+          <a:lstStyle/>
+          <a:p>
+            <a:r>
+              <a:rPr lang="en-GB" dirty="0" err="1"/>
+              <a:t>slide_title</a:t>
+            </a:r>
+            <a:endParaRPr lang="en-GB" dirty="0"/>
+          </a:p>
+        </p:txBody>
+      </p:sp>
+      <p:sp>
+        <p:nvSpPr>
+          <p:cNvPr id="9" name="Title 6">
+            <a:extLst>
+              <a:ext uri="{FF2B5EF4-FFF2-40B4-BE49-F238E27FC236}">
+                <a16:creationId xmlns:a16="http://schemas.microsoft.com/office/drawing/2014/main" id="{0FCE95F0-9FB9-6C46-6607-48165DF1A718}"/>
+              </a:ext>
+            </a:extLst>
+          </p:cNvPr>
+          <p:cNvSpPr txBox="1">
+            <a:spLocks/>
+          </p:cNvSpPr>
+          <p:nvPr/>
+        </p:nvSpPr>
+        <p:spPr>
+          <a:xfrm>
+            <a:off x="632460" y="1165884"/>
+            <a:ext cx="10927080" cy="731520"/>
+          </a:xfrm>
+          <a:prstGeom prst="rect">
+            <a:avLst/>
+          </a:prstGeom>
+        </p:spPr>
+        <p:txBody>
+          <a:bodyPr vert="horz" lIns="0" tIns="0" rIns="0" bIns="0" rtlCol="0" anchor="t" anchorCtr="0">
+            <a:noAutofit/>
+          </a:bodyPr>
+          <a:lstStyle>
+            <a:lvl1pPr algn="l" defTabSz="609555" rtl="0" eaLnBrk="1" latinLnBrk="0" hangingPunct="1">
+              <a:lnSpc>
+                <a:spcPct val="100000"/>
+              </a:lnSpc>
+              <a:spcBef>
+                <a:spcPct val="0"/>
+              </a:spcBef>
+              <a:buNone/>
+              <a:defRPr lang="en-US" sz="2600" b="1" kern="1200" spc="-20" baseline="0" dirty="0">
+                <a:solidFill>
+                  <a:schemeClr val="bg1"/>
+                </a:solidFill>
+                <a:latin typeface="+mj-lt"/>
+                <a:ea typeface="+mj-ea"/>
+                <a:cs typeface="+mj-cs"/>
+              </a:defRPr>
+            </a:lvl1pPr>
+          </a:lstStyle>
+          <a:p>
+            <a:pPr>
+              <a:buClr>
+                <a:schemeClr val="accent4"/>
+              </a:buClr>
+            </a:pPr>
+            <a:r>
+              <a:rPr lang="en-GB" sz="1400" b="0" dirty="0" err="1">
+                <a:solidFill>
+                  <a:schemeClr val="accent2"/>
+                </a:solidFill>
+                <a:latin typeface="Calibri" panose="020F0502020204030204" pitchFamily="34" charset="0"/>
+                <a:cs typeface="Calibri" panose="020F0502020204030204" pitchFamily="34" charset="0"/>
+              </a:rPr>
+              <a:t>slide_bullet</a:t>
+            </a:r>
+            <a:endParaRPr lang="en-GB" sz="1400" b="0" dirty="0">
+              <a:solidFill>
+                <a:schemeClr val="accent2"/>
+              </a:solidFill>
+              <a:latin typeface="Calibri" panose="020F0502020204030204" pitchFamily="34" charset="0"/>
+              <a:cs typeface="Calibri" panose="020F0502020204030204" pitchFamily="34" charset="0"/>
+            </a:endParaRPr>
+          </a:p>
+          <a:p>
+            <a:endParaRPr lang="en-GB" sz="1600" b="0" dirty="0">
+              <a:solidFill>
+                <a:schemeClr val="accent2"/>
+              </a:solidFill>
+              <a:latin typeface="Calibri" panose="020F0502020204030204" pitchFamily="34" charset="0"/>
+              <a:cs typeface="Calibri" panose="020F0502020204030204" pitchFamily="34" charset="0"/>
+            </a:endParaRPr>
+          </a:p>
+          <a:p>
+            <a:pPr marL="285750" indent="-285750">
+              <a:buFont typeface="Arial" panose="020B0604020202020204" pitchFamily="34" charset="0"/>
+              <a:buChar char="•"/>
+            </a:pPr>
+            <a:endParaRPr lang="en-GB" sz="1600" b="0" dirty="0">
+              <a:solidFill>
+                <a:schemeClr val="accent2"/>
+              </a:solidFill>
+              <a:latin typeface="Calibri" panose="020F0502020204030204" pitchFamily="34" charset="0"/>
+              <a:cs typeface="Calibri" panose="020F0502020204030204" pitchFamily="34" charset="0"/>
+            </a:endParaRPr>
+          </a:p>
+          <a:p>
+            <a:pPr marL="285750" indent="-285750">
+              <a:buFont typeface="Arial" panose="020B0604020202020204" pitchFamily="34" charset="0"/>
+              <a:buChar char="•"/>
+            </a:pPr>
+            <a:endParaRPr lang="en-GB" sz="1600" b="0" dirty="0">
+              <a:solidFill>
+                <a:schemeClr val="accent2"/>
+              </a:solidFill>
+              <a:latin typeface="Calibri" panose="020F0502020204030204" pitchFamily="34" charset="0"/>
+              <a:cs typeface="Calibri" panose="020F0502020204030204" pitchFamily="34" charset="0"/>
+            </a:endParaRPr>
+          </a:p>
+          <a:p>
+            <a:pPr marL="285750" indent="-285750">
+              <a:buFont typeface="Arial" panose="020B0604020202020204" pitchFamily="34" charset="0"/>
+              <a:buChar char="•"/>
+            </a:pPr>
+            <a:endParaRPr lang="en-GB" sz="1600" b="0" dirty="0">
+              <a:solidFill>
+                <a:schemeClr val="accent2"/>
+              </a:solidFill>
+              <a:latin typeface="Calibri" panose="020F0502020204030204" pitchFamily="34" charset="0"/>
+              <a:cs typeface="Calibri" panose="020F0502020204030204" pitchFamily="34" charset="0"/>
+            </a:endParaRPr>
+          </a:p>
+          <a:p>
+            <a:endParaRPr lang="en-GB" sz="1600" b="0" dirty="0">
+              <a:solidFill>
+                <a:schemeClr val="accent2"/>
+              </a:solidFill>
+              <a:latin typeface="Calibri" panose="020F0502020204030204" pitchFamily="34" charset="0"/>
+              <a:cs typeface="Calibri" panose="020F0502020204030204" pitchFamily="34" charset="0"/>
+            </a:endParaRPr>
+          </a:p>
+          <a:p>
+            <a:pPr marL="285750" indent="-285750">
+              <a:buFont typeface="Arial" panose="020B0604020202020204" pitchFamily="34" charset="0"/>
+              <a:buChar char="•"/>
+            </a:pPr>
+            <a:endParaRPr lang="en-GB" sz="1600" b="0" dirty="0">
+              <a:solidFill>
+                <a:schemeClr val="accent2"/>
+              </a:solidFill>
+              <a:latin typeface="Calibri" panose="020F0502020204030204" pitchFamily="34" charset="0"/>
+              <a:cs typeface="Calibri" panose="020F0502020204030204" pitchFamily="34" charset="0"/>
+            </a:endParaRPr>
+          </a:p>
+        </p:txBody>
+      </p:sp>
+      <p:sp>
+        <p:nvSpPr>
+          <p:cNvPr id="10" name="Title 6">
+            <a:extLst>
+              <a:ext uri="{FF2B5EF4-FFF2-40B4-BE49-F238E27FC236}">
+                <a16:creationId xmlns:a16="http://schemas.microsoft.com/office/drawing/2014/main" id="{64A2D8A6-32F9-F325-26A8-30EC5DCDFC53}"/>
+              </a:ext>
+            </a:extLst>
+          </p:cNvPr>
+          <p:cNvSpPr txBox="1">
+            <a:spLocks/>
+          </p:cNvSpPr>
+          <p:nvPr/>
+        </p:nvSpPr>
+        <p:spPr>
+          <a:xfrm>
+            <a:off x="632460" y="5819339"/>
+            <a:ext cx="10927080" cy="731520"/>
+          </a:xfrm>
+          <a:prstGeom prst="rect">
+            <a:avLst/>
+          </a:prstGeom>
+          <a:gradFill flip="none" rotWithShape="1">
+            <a:gsLst>
+              <a:gs pos="0">
+                <a:schemeClr val="bg1"/>
+              </a:gs>
+              <a:gs pos="40000">
+                <a:schemeClr val="accent4"/>
+              </a:gs>
+              <a:gs pos="100000">
+                <a:schemeClr val="accent3"/>
+              </a:gs>
+            </a:gsLst>
+            <a:lin ang="0" scaled="1"/>
+            <a:tileRect/>
+          </a:gradFill>
+          <a:effectLst>
+            <a:outerShdw blurRad="50800" dist="38100" dir="2700000" algn="tl" rotWithShape="0">
+              <a:prstClr val="black">
+                <a:alpha val="40000"/>
+              </a:prstClr>
+            </a:outerShdw>
+          </a:effectLst>
+        </p:spPr>
+        <p:txBody>
+          <a:bodyPr vert="horz" lIns="0" tIns="0" rIns="0" bIns="0" rtlCol="0" anchor="t" anchorCtr="0">
+            <a:noAutofit/>
+          </a:bodyPr>
+          <a:lstStyle>
+            <a:lvl1pPr algn="l" defTabSz="609555" rtl="0" eaLnBrk="1" latinLnBrk="0" hangingPunct="1">
+              <a:lnSpc>
+                <a:spcPct val="100000"/>
+              </a:lnSpc>
+              <a:spcBef>
+                <a:spcPct val="0"/>
+              </a:spcBef>
+              <a:buNone/>
+              <a:defRPr lang="en-US" sz="2600" b="1" kern="1200" spc="-20" baseline="0" dirty="0">
+                <a:solidFill>
+                  <a:schemeClr val="bg1"/>
+                </a:solidFill>
+                <a:latin typeface="+mj-lt"/>
+                <a:ea typeface="+mj-ea"/>
+                <a:cs typeface="+mj-cs"/>
+              </a:defRPr>
+            </a:lvl1pPr>
+          </a:lstStyle>
+          <a:p>
+            <a:endParaRPr lang="en-GB" sz="1600" b="0" dirty="0">
+              <a:solidFill>
+                <a:schemeClr val="accent2"/>
+              </a:solidFill>
+              <a:latin typeface="Calibri" panose="020F0502020204030204" pitchFamily="34" charset="0"/>
+              <a:cs typeface="Calibri" panose="020F0502020204030204" pitchFamily="34" charset="0"/>
+            </a:endParaRPr>
+          </a:p>
+          <a:p>
+            <a:pPr marL="285750" indent="-285750">
+              <a:buFont typeface="Arial" panose="020B0604020202020204" pitchFamily="34" charset="0"/>
+              <a:buChar char="•"/>
+            </a:pPr>
+            <a:endParaRPr lang="en-GB" sz="1600" b="0" dirty="0">
+              <a:solidFill>
+                <a:schemeClr val="accent2"/>
+              </a:solidFill>
+              <a:latin typeface="Calibri" panose="020F0502020204030204" pitchFamily="34" charset="0"/>
+              <a:cs typeface="Calibri" panose="020F0502020204030204" pitchFamily="34" charset="0"/>
+            </a:endParaRPr>
+          </a:p>
+          <a:p>
+            <a:pPr marL="285750" indent="-285750">
+              <a:buFont typeface="Arial" panose="020B0604020202020204" pitchFamily="34" charset="0"/>
+              <a:buChar char="•"/>
+            </a:pPr>
+            <a:endParaRPr lang="en-GB" sz="1600" b="0" dirty="0">
+              <a:solidFill>
+                <a:schemeClr val="accent2"/>
+              </a:solidFill>
+              <a:latin typeface="Calibri" panose="020F0502020204030204" pitchFamily="34" charset="0"/>
+              <a:cs typeface="Calibri" panose="020F0502020204030204" pitchFamily="34" charset="0"/>
+            </a:endParaRPr>
+          </a:p>
+          <a:p>
+            <a:pPr marL="285750" indent="-285750">
+              <a:buFont typeface="Arial" panose="020B0604020202020204" pitchFamily="34" charset="0"/>
+              <a:buChar char="•"/>
+            </a:pPr>
+            <a:endParaRPr lang="en-GB" sz="1600" b="0" dirty="0">
+              <a:solidFill>
+                <a:schemeClr val="accent2"/>
+              </a:solidFill>
+              <a:latin typeface="Calibri" panose="020F0502020204030204" pitchFamily="34" charset="0"/>
+              <a:cs typeface="Calibri" panose="020F0502020204030204" pitchFamily="34" charset="0"/>
+            </a:endParaRPr>
+          </a:p>
+          <a:p>
+            <a:endParaRPr lang="en-GB" sz="1600" b="0" dirty="0">
+              <a:solidFill>
+                <a:schemeClr val="accent2"/>
+              </a:solidFill>
+              <a:latin typeface="Calibri" panose="020F0502020204030204" pitchFamily="34" charset="0"/>
+              <a:cs typeface="Calibri" panose="020F0502020204030204" pitchFamily="34" charset="0"/>
+            </a:endParaRPr>
+          </a:p>
+          <a:p>
+            <a:pPr marL="285750" indent="-285750">
+              <a:buFont typeface="Arial" panose="020B0604020202020204" pitchFamily="34" charset="0"/>
+              <a:buChar char="•"/>
+            </a:pPr>
+            <a:endParaRPr lang="en-GB" sz="1600" b="0" dirty="0">
+              <a:solidFill>
+                <a:schemeClr val="accent2"/>
+              </a:solidFill>
+              <a:latin typeface="Calibri" panose="020F0502020204030204" pitchFamily="34" charset="0"/>
+              <a:cs typeface="Calibri" panose="020F0502020204030204" pitchFamily="34" charset="0"/>
+            </a:endParaRPr>
+          </a:p>
+        </p:txBody>
+      </p:sp>
+      <p:sp>
+        <p:nvSpPr>
+          <p:cNvPr id="11" name="TextBox 10">
+            <a:extLst>
+              <a:ext uri="{FF2B5EF4-FFF2-40B4-BE49-F238E27FC236}">
+                <a16:creationId xmlns:a16="http://schemas.microsoft.com/office/drawing/2014/main" id="{A3036AEF-7A78-A326-F646-0EFE6B2B6FB6}"/>
+              </a:ext>
+            </a:extLst>
+          </p:cNvPr>
+          <p:cNvSpPr txBox="1"/>
+          <p:nvPr/>
+        </p:nvSpPr>
+        <p:spPr>
+          <a:xfrm>
+            <a:off x="768626" y="5883965"/>
+            <a:ext cx="10614991" cy="215444"/>
+          </a:xfrm>
+          <a:prstGeom prst="rect">
+            <a:avLst/>
+          </a:prstGeom>
+        </p:spPr>
+        <p:txBody>
+          <a:bodyPr wrap="square" lIns="0" tIns="0" rIns="0" bIns="0" rtlCol="0" anchor="t" anchorCtr="0">
+            <a:spAutoFit/>
+          </a:bodyPr>
+          <a:lstStyle/>
+          <a:p>
+            <a:pPr algn="ctr"/>
+            <a:r>
+              <a:rPr lang="en-GB" sz="1400" b="1" dirty="0" err="1">
+                <a:solidFill>
+                  <a:schemeClr val="tx2"/>
+                </a:solidFill>
+              </a:rPr>
+              <a:t>slide_takeout</a:t>
+            </a:r>
+            <a:endParaRPr lang="en-GB" sz="1400" b="1" dirty="0">
+              <a:solidFill>
+                <a:schemeClr val="tx2"/>
+              </a:solidFill>
+            </a:endParaRPr>
+          </a:p>
+        </p:txBody>
+      </p:sp>
+    </p:spTree>
+    <p:extLst>
+      <p:ext uri="{BB962C8B-B14F-4D97-AF65-F5344CB8AC3E}">
+        <p14:creationId xmlns:p14="http://schemas.microsoft.com/office/powerpoint/2010/main" val="2009858521"/>
+      </p:ext>
+    </p:extLst>
+  </p:cSld>
+  <p:clrMapOvr>
+    <a:masterClrMapping/>
+  </p:clrMapOvr>
+  <mc:AlternateContent xmlns:mc="http://schemas.openxmlformats.org/markup-compatibility/2006">
+    <mc:Choice xmlns:p14="http://schemas.microsoft.com/office/powerpoint/2010/main" Requires="p14">
+      <p:transition spd="med" p14:dur="700">
+        <p:fade/>
+      </p:transition>
+    </mc:Choice>
+    <mc:Fallback>
+      <p:transition spd="med">
+        <p:fade/>
+      </p:transition>
+    </mc:Fallback>
+  </mc:AlternateContent>
+</p:sld>
+</file>
+
+<file path=ppt/slides/slide42.xml><?xml version="1.0" encoding="utf-8"?>
+<p:sld xmlns:a="http://schemas.openxmlformats.org/drawingml/2006/main" xmlns:r="http://schemas.openxmlformats.org/officeDocument/2006/relationships" xmlns:p="http://schemas.openxmlformats.org/presentationml/2006/main">
+  <p:cSld>
+    <p:spTree>
+      <p:nvGrpSpPr>
+        <p:cNvPr id="1" name=""/>
+        <p:cNvGrpSpPr/>
+        <p:nvPr/>
+      </p:nvGrpSpPr>
+      <p:grpSpPr>
+        <a:xfrm>
+          <a:off x="0" y="0"/>
+          <a:ext cx="0" cy="0"/>
+          <a:chOff x="0" y="0"/>
+          <a:chExt cx="0" cy="0"/>
+        </a:xfrm>
+      </p:grpSpPr>
+      <p:sp>
+        <p:nvSpPr>
+          <p:cNvPr id="8" name="Text Placeholder 7">
+            <a:extLst>
+              <a:ext uri="{FF2B5EF4-FFF2-40B4-BE49-F238E27FC236}">
+                <a16:creationId xmlns:a16="http://schemas.microsoft.com/office/drawing/2014/main" id="{75D95B09-4C81-1BEA-C17E-A0651CE452C3}"/>
+              </a:ext>
+            </a:extLst>
+          </p:cNvPr>
+          <p:cNvSpPr>
+            <a:spLocks noGrp="1"/>
+          </p:cNvSpPr>
+          <p:nvPr>
+            <p:ph type="body" sz="quarter" idx="10"/>
+          </p:nvPr>
+        </p:nvSpPr>
+        <p:spPr/>
+        <p:txBody>
+          <a:bodyPr/>
+          <a:lstStyle/>
+          <a:p>
+            <a:r>
+              <a:rPr lang="en-GB" dirty="0" err="1"/>
+              <a:t>slide_subtitle</a:t>
+            </a:r>
+            <a:endParaRPr lang="en-GB" dirty="0"/>
+          </a:p>
+        </p:txBody>
+      </p:sp>
+      <p:sp>
+        <p:nvSpPr>
+          <p:cNvPr id="7" name="Title 6">
+            <a:extLst>
+              <a:ext uri="{FF2B5EF4-FFF2-40B4-BE49-F238E27FC236}">
+                <a16:creationId xmlns:a16="http://schemas.microsoft.com/office/drawing/2014/main" id="{F07B11D4-9D2C-D4C4-F367-CF2CB0614582}"/>
+              </a:ext>
+            </a:extLst>
+          </p:cNvPr>
+          <p:cNvSpPr>
+            <a:spLocks noGrp="1"/>
+          </p:cNvSpPr>
+          <p:nvPr>
+            <p:ph type="title"/>
+          </p:nvPr>
+        </p:nvSpPr>
+        <p:spPr/>
+        <p:txBody>
+          <a:bodyPr/>
+          <a:lstStyle/>
+          <a:p>
+            <a:r>
+              <a:rPr lang="en-GB" dirty="0" err="1"/>
+              <a:t>slide_title</a:t>
+            </a:r>
+            <a:endParaRPr lang="en-GB" dirty="0"/>
+          </a:p>
+        </p:txBody>
+      </p:sp>
+      <p:sp>
+        <p:nvSpPr>
+          <p:cNvPr id="9" name="Title 6">
+            <a:extLst>
+              <a:ext uri="{FF2B5EF4-FFF2-40B4-BE49-F238E27FC236}">
+                <a16:creationId xmlns:a16="http://schemas.microsoft.com/office/drawing/2014/main" id="{0FCE95F0-9FB9-6C46-6607-48165DF1A718}"/>
+              </a:ext>
+            </a:extLst>
+          </p:cNvPr>
+          <p:cNvSpPr txBox="1">
+            <a:spLocks/>
+          </p:cNvSpPr>
+          <p:nvPr/>
+        </p:nvSpPr>
+        <p:spPr>
+          <a:xfrm>
+            <a:off x="632460" y="1165884"/>
+            <a:ext cx="10927080" cy="731520"/>
+          </a:xfrm>
+          <a:prstGeom prst="rect">
+            <a:avLst/>
+          </a:prstGeom>
+        </p:spPr>
+        <p:txBody>
+          <a:bodyPr vert="horz" lIns="0" tIns="0" rIns="0" bIns="0" rtlCol="0" anchor="t" anchorCtr="0">
+            <a:noAutofit/>
+          </a:bodyPr>
+          <a:lstStyle>
+            <a:lvl1pPr algn="l" defTabSz="609555" rtl="0" eaLnBrk="1" latinLnBrk="0" hangingPunct="1">
+              <a:lnSpc>
+                <a:spcPct val="100000"/>
+              </a:lnSpc>
+              <a:spcBef>
+                <a:spcPct val="0"/>
+              </a:spcBef>
+              <a:buNone/>
+              <a:defRPr lang="en-US" sz="2600" b="1" kern="1200" spc="-20" baseline="0" dirty="0">
+                <a:solidFill>
+                  <a:schemeClr val="bg1"/>
+                </a:solidFill>
+                <a:latin typeface="+mj-lt"/>
+                <a:ea typeface="+mj-ea"/>
+                <a:cs typeface="+mj-cs"/>
+              </a:defRPr>
+            </a:lvl1pPr>
+          </a:lstStyle>
+          <a:p>
+            <a:pPr>
+              <a:buClr>
+                <a:schemeClr val="accent4"/>
+              </a:buClr>
+            </a:pPr>
+            <a:r>
+              <a:rPr lang="en-GB" sz="1400" b="0" dirty="0" err="1">
+                <a:solidFill>
+                  <a:schemeClr val="accent2"/>
+                </a:solidFill>
+                <a:latin typeface="Calibri" panose="020F0502020204030204" pitchFamily="34" charset="0"/>
+                <a:cs typeface="Calibri" panose="020F0502020204030204" pitchFamily="34" charset="0"/>
+              </a:rPr>
+              <a:t>slide_bullet</a:t>
+            </a:r>
+            <a:endParaRPr lang="en-GB" sz="1400" b="0" dirty="0">
+              <a:solidFill>
+                <a:schemeClr val="accent2"/>
+              </a:solidFill>
+              <a:latin typeface="Calibri" panose="020F0502020204030204" pitchFamily="34" charset="0"/>
+              <a:cs typeface="Calibri" panose="020F0502020204030204" pitchFamily="34" charset="0"/>
+            </a:endParaRPr>
+          </a:p>
+          <a:p>
+            <a:endParaRPr lang="en-GB" sz="1600" b="0" dirty="0">
+              <a:solidFill>
+                <a:schemeClr val="accent2"/>
+              </a:solidFill>
+              <a:latin typeface="Calibri" panose="020F0502020204030204" pitchFamily="34" charset="0"/>
+              <a:cs typeface="Calibri" panose="020F0502020204030204" pitchFamily="34" charset="0"/>
+            </a:endParaRPr>
+          </a:p>
+          <a:p>
+            <a:pPr marL="285750" indent="-285750">
+              <a:buFont typeface="Arial" panose="020B0604020202020204" pitchFamily="34" charset="0"/>
+              <a:buChar char="•"/>
+            </a:pPr>
+            <a:endParaRPr lang="en-GB" sz="1600" b="0" dirty="0">
+              <a:solidFill>
+                <a:schemeClr val="accent2"/>
+              </a:solidFill>
+              <a:latin typeface="Calibri" panose="020F0502020204030204" pitchFamily="34" charset="0"/>
+              <a:cs typeface="Calibri" panose="020F0502020204030204" pitchFamily="34" charset="0"/>
+            </a:endParaRPr>
+          </a:p>
+          <a:p>
+            <a:pPr marL="285750" indent="-285750">
+              <a:buFont typeface="Arial" panose="020B0604020202020204" pitchFamily="34" charset="0"/>
+              <a:buChar char="•"/>
+            </a:pPr>
+            <a:endParaRPr lang="en-GB" sz="1600" b="0" dirty="0">
+              <a:solidFill>
+                <a:schemeClr val="accent2"/>
+              </a:solidFill>
+              <a:latin typeface="Calibri" panose="020F0502020204030204" pitchFamily="34" charset="0"/>
+              <a:cs typeface="Calibri" panose="020F0502020204030204" pitchFamily="34" charset="0"/>
+            </a:endParaRPr>
+          </a:p>
+          <a:p>
+            <a:pPr marL="285750" indent="-285750">
+              <a:buFont typeface="Arial" panose="020B0604020202020204" pitchFamily="34" charset="0"/>
+              <a:buChar char="•"/>
+            </a:pPr>
+            <a:endParaRPr lang="en-GB" sz="1600" b="0" dirty="0">
+              <a:solidFill>
+                <a:schemeClr val="accent2"/>
+              </a:solidFill>
+              <a:latin typeface="Calibri" panose="020F0502020204030204" pitchFamily="34" charset="0"/>
+              <a:cs typeface="Calibri" panose="020F0502020204030204" pitchFamily="34" charset="0"/>
+            </a:endParaRPr>
+          </a:p>
+          <a:p>
+            <a:endParaRPr lang="en-GB" sz="1600" b="0" dirty="0">
+              <a:solidFill>
+                <a:schemeClr val="accent2"/>
+              </a:solidFill>
+              <a:latin typeface="Calibri" panose="020F0502020204030204" pitchFamily="34" charset="0"/>
+              <a:cs typeface="Calibri" panose="020F0502020204030204" pitchFamily="34" charset="0"/>
+            </a:endParaRPr>
+          </a:p>
+          <a:p>
+            <a:pPr marL="285750" indent="-285750">
+              <a:buFont typeface="Arial" panose="020B0604020202020204" pitchFamily="34" charset="0"/>
+              <a:buChar char="•"/>
+            </a:pPr>
+            <a:endParaRPr lang="en-GB" sz="1600" b="0" dirty="0">
+              <a:solidFill>
+                <a:schemeClr val="accent2"/>
+              </a:solidFill>
+              <a:latin typeface="Calibri" panose="020F0502020204030204" pitchFamily="34" charset="0"/>
+              <a:cs typeface="Calibri" panose="020F0502020204030204" pitchFamily="34" charset="0"/>
+            </a:endParaRPr>
+          </a:p>
+        </p:txBody>
+      </p:sp>
+      <p:sp>
+        <p:nvSpPr>
+          <p:cNvPr id="10" name="Title 6">
+            <a:extLst>
+              <a:ext uri="{FF2B5EF4-FFF2-40B4-BE49-F238E27FC236}">
+                <a16:creationId xmlns:a16="http://schemas.microsoft.com/office/drawing/2014/main" id="{64A2D8A6-32F9-F325-26A8-30EC5DCDFC53}"/>
+              </a:ext>
+            </a:extLst>
+          </p:cNvPr>
+          <p:cNvSpPr txBox="1">
+            <a:spLocks/>
+          </p:cNvSpPr>
+          <p:nvPr/>
+        </p:nvSpPr>
+        <p:spPr>
+          <a:xfrm>
+            <a:off x="632460" y="5819339"/>
+            <a:ext cx="10927080" cy="731520"/>
+          </a:xfrm>
+          <a:prstGeom prst="rect">
+            <a:avLst/>
+          </a:prstGeom>
+          <a:gradFill flip="none" rotWithShape="1">
+            <a:gsLst>
+              <a:gs pos="0">
+                <a:schemeClr val="bg1"/>
+              </a:gs>
+              <a:gs pos="40000">
+                <a:schemeClr val="accent4"/>
+              </a:gs>
+              <a:gs pos="100000">
+                <a:schemeClr val="accent3"/>
+              </a:gs>
+            </a:gsLst>
+            <a:lin ang="0" scaled="1"/>
+            <a:tileRect/>
+          </a:gradFill>
+          <a:effectLst>
+            <a:outerShdw blurRad="50800" dist="38100" dir="2700000" algn="tl" rotWithShape="0">
+              <a:prstClr val="black">
+                <a:alpha val="40000"/>
+              </a:prstClr>
+            </a:outerShdw>
+          </a:effectLst>
+        </p:spPr>
+        <p:txBody>
+          <a:bodyPr vert="horz" lIns="0" tIns="0" rIns="0" bIns="0" rtlCol="0" anchor="t" anchorCtr="0">
+            <a:noAutofit/>
+          </a:bodyPr>
+          <a:lstStyle>
+            <a:lvl1pPr algn="l" defTabSz="609555" rtl="0" eaLnBrk="1" latinLnBrk="0" hangingPunct="1">
+              <a:lnSpc>
+                <a:spcPct val="100000"/>
+              </a:lnSpc>
+              <a:spcBef>
+                <a:spcPct val="0"/>
+              </a:spcBef>
+              <a:buNone/>
+              <a:defRPr lang="en-US" sz="2600" b="1" kern="1200" spc="-20" baseline="0" dirty="0">
+                <a:solidFill>
+                  <a:schemeClr val="bg1"/>
+                </a:solidFill>
+                <a:latin typeface="+mj-lt"/>
+                <a:ea typeface="+mj-ea"/>
+                <a:cs typeface="+mj-cs"/>
+              </a:defRPr>
+            </a:lvl1pPr>
+          </a:lstStyle>
+          <a:p>
+            <a:endParaRPr lang="en-GB" sz="1600" b="0" dirty="0">
+              <a:solidFill>
+                <a:schemeClr val="accent2"/>
+              </a:solidFill>
+              <a:latin typeface="Calibri" panose="020F0502020204030204" pitchFamily="34" charset="0"/>
+              <a:cs typeface="Calibri" panose="020F0502020204030204" pitchFamily="34" charset="0"/>
+            </a:endParaRPr>
+          </a:p>
+          <a:p>
+            <a:pPr marL="285750" indent="-285750">
+              <a:buFont typeface="Arial" panose="020B0604020202020204" pitchFamily="34" charset="0"/>
+              <a:buChar char="•"/>
+            </a:pPr>
+            <a:endParaRPr lang="en-GB" sz="1600" b="0" dirty="0">
+              <a:solidFill>
+                <a:schemeClr val="accent2"/>
+              </a:solidFill>
+              <a:latin typeface="Calibri" panose="020F0502020204030204" pitchFamily="34" charset="0"/>
+              <a:cs typeface="Calibri" panose="020F0502020204030204" pitchFamily="34" charset="0"/>
+            </a:endParaRPr>
+          </a:p>
+          <a:p>
+            <a:pPr marL="285750" indent="-285750">
+              <a:buFont typeface="Arial" panose="020B0604020202020204" pitchFamily="34" charset="0"/>
+              <a:buChar char="•"/>
+            </a:pPr>
+            <a:endParaRPr lang="en-GB" sz="1600" b="0" dirty="0">
+              <a:solidFill>
+                <a:schemeClr val="accent2"/>
+              </a:solidFill>
+              <a:latin typeface="Calibri" panose="020F0502020204030204" pitchFamily="34" charset="0"/>
+              <a:cs typeface="Calibri" panose="020F0502020204030204" pitchFamily="34" charset="0"/>
+            </a:endParaRPr>
+          </a:p>
+          <a:p>
+            <a:pPr marL="285750" indent="-285750">
+              <a:buFont typeface="Arial" panose="020B0604020202020204" pitchFamily="34" charset="0"/>
+              <a:buChar char="•"/>
+            </a:pPr>
+            <a:endParaRPr lang="en-GB" sz="1600" b="0" dirty="0">
+              <a:solidFill>
+                <a:schemeClr val="accent2"/>
+              </a:solidFill>
+              <a:latin typeface="Calibri" panose="020F0502020204030204" pitchFamily="34" charset="0"/>
+              <a:cs typeface="Calibri" panose="020F0502020204030204" pitchFamily="34" charset="0"/>
+            </a:endParaRPr>
+          </a:p>
+          <a:p>
+            <a:endParaRPr lang="en-GB" sz="1600" b="0" dirty="0">
+              <a:solidFill>
+                <a:schemeClr val="accent2"/>
+              </a:solidFill>
+              <a:latin typeface="Calibri" panose="020F0502020204030204" pitchFamily="34" charset="0"/>
+              <a:cs typeface="Calibri" panose="020F0502020204030204" pitchFamily="34" charset="0"/>
+            </a:endParaRPr>
+          </a:p>
+          <a:p>
+            <a:pPr marL="285750" indent="-285750">
+              <a:buFont typeface="Arial" panose="020B0604020202020204" pitchFamily="34" charset="0"/>
+              <a:buChar char="•"/>
+            </a:pPr>
+            <a:endParaRPr lang="en-GB" sz="1600" b="0" dirty="0">
+              <a:solidFill>
+                <a:schemeClr val="accent2"/>
+              </a:solidFill>
+              <a:latin typeface="Calibri" panose="020F0502020204030204" pitchFamily="34" charset="0"/>
+              <a:cs typeface="Calibri" panose="020F0502020204030204" pitchFamily="34" charset="0"/>
+            </a:endParaRPr>
+          </a:p>
+        </p:txBody>
+      </p:sp>
+      <p:sp>
+        <p:nvSpPr>
+          <p:cNvPr id="11" name="TextBox 10">
+            <a:extLst>
+              <a:ext uri="{FF2B5EF4-FFF2-40B4-BE49-F238E27FC236}">
+                <a16:creationId xmlns:a16="http://schemas.microsoft.com/office/drawing/2014/main" id="{A3036AEF-7A78-A326-F646-0EFE6B2B6FB6}"/>
+              </a:ext>
+            </a:extLst>
+          </p:cNvPr>
+          <p:cNvSpPr txBox="1"/>
+          <p:nvPr/>
+        </p:nvSpPr>
+        <p:spPr>
+          <a:xfrm>
+            <a:off x="768626" y="5883965"/>
+            <a:ext cx="10614991" cy="215444"/>
+          </a:xfrm>
+          <a:prstGeom prst="rect">
+            <a:avLst/>
+          </a:prstGeom>
+        </p:spPr>
+        <p:txBody>
+          <a:bodyPr wrap="square" lIns="0" tIns="0" rIns="0" bIns="0" rtlCol="0" anchor="t" anchorCtr="0">
+            <a:spAutoFit/>
+          </a:bodyPr>
+          <a:lstStyle/>
+          <a:p>
+            <a:pPr algn="ctr"/>
+            <a:r>
+              <a:rPr lang="en-GB" sz="1400" b="1" dirty="0" err="1">
+                <a:solidFill>
+                  <a:schemeClr val="tx2"/>
+                </a:solidFill>
+              </a:rPr>
+              <a:t>slide_takeout</a:t>
+            </a:r>
+            <a:endParaRPr lang="en-GB" sz="1400" b="1" dirty="0">
+              <a:solidFill>
+                <a:schemeClr val="tx2"/>
+              </a:solidFill>
+            </a:endParaRPr>
+          </a:p>
+        </p:txBody>
+      </p:sp>
+    </p:spTree>
+    <p:extLst>
+      <p:ext uri="{BB962C8B-B14F-4D97-AF65-F5344CB8AC3E}">
+        <p14:creationId xmlns:p14="http://schemas.microsoft.com/office/powerpoint/2010/main" val="1060933840"/>
+      </p:ext>
+    </p:extLst>
+  </p:cSld>
+  <p:clrMapOvr>
+    <a:masterClrMapping/>
+  </p:clrMapOvr>
+  <mc:AlternateContent xmlns:mc="http://schemas.openxmlformats.org/markup-compatibility/2006">
+    <mc:Choice xmlns:p14="http://schemas.microsoft.com/office/powerpoint/2010/main" Requires="p14">
+      <p:transition spd="med" p14:dur="700">
+        <p:fade/>
+      </p:transition>
+    </mc:Choice>
+    <mc:Fallback>
+      <p:transition spd="med">
+        <p:fade/>
+      </p:transition>
+    </mc:Fallback>
+  </mc:AlternateContent>
+</p:sld>
+</file>
+
+<file path=ppt/slides/slide43.xml><?xml version="1.0" encoding="utf-8"?>
+<p:sld xmlns:a="http://schemas.openxmlformats.org/drawingml/2006/main" xmlns:r="http://schemas.openxmlformats.org/officeDocument/2006/relationships" xmlns:p="http://schemas.openxmlformats.org/presentationml/2006/main">
+  <p:cSld>
+    <p:spTree>
+      <p:nvGrpSpPr>
+        <p:cNvPr id="1" name=""/>
+        <p:cNvGrpSpPr/>
+        <p:nvPr/>
+      </p:nvGrpSpPr>
+      <p:grpSpPr>
+        <a:xfrm>
+          <a:off x="0" y="0"/>
+          <a:ext cx="0" cy="0"/>
+          <a:chOff x="0" y="0"/>
+          <a:chExt cx="0" cy="0"/>
+        </a:xfrm>
+      </p:grpSpPr>
+      <p:sp>
+        <p:nvSpPr>
+          <p:cNvPr id="8" name="Text Placeholder 7">
+            <a:extLst>
+              <a:ext uri="{FF2B5EF4-FFF2-40B4-BE49-F238E27FC236}">
+                <a16:creationId xmlns:a16="http://schemas.microsoft.com/office/drawing/2014/main" id="{75D95B09-4C81-1BEA-C17E-A0651CE452C3}"/>
+              </a:ext>
+            </a:extLst>
+          </p:cNvPr>
+          <p:cNvSpPr>
+            <a:spLocks noGrp="1"/>
+          </p:cNvSpPr>
+          <p:nvPr>
+            <p:ph type="body" sz="quarter" idx="10"/>
+          </p:nvPr>
+        </p:nvSpPr>
+        <p:spPr/>
+        <p:txBody>
+          <a:bodyPr/>
+          <a:lstStyle/>
+          <a:p>
+            <a:r>
+              <a:rPr lang="en-GB" dirty="0" err="1"/>
+              <a:t>slide_subtitle</a:t>
+            </a:r>
+            <a:endParaRPr lang="en-GB" dirty="0"/>
+          </a:p>
+        </p:txBody>
+      </p:sp>
+      <p:sp>
+        <p:nvSpPr>
+          <p:cNvPr id="7" name="Title 6">
+            <a:extLst>
+              <a:ext uri="{FF2B5EF4-FFF2-40B4-BE49-F238E27FC236}">
+                <a16:creationId xmlns:a16="http://schemas.microsoft.com/office/drawing/2014/main" id="{F07B11D4-9D2C-D4C4-F367-CF2CB0614582}"/>
+              </a:ext>
+            </a:extLst>
+          </p:cNvPr>
+          <p:cNvSpPr>
+            <a:spLocks noGrp="1"/>
+          </p:cNvSpPr>
+          <p:nvPr>
+            <p:ph type="title"/>
+          </p:nvPr>
+        </p:nvSpPr>
+        <p:spPr/>
+        <p:txBody>
+          <a:bodyPr/>
+          <a:lstStyle/>
+          <a:p>
+            <a:r>
+              <a:rPr lang="en-GB" dirty="0" err="1"/>
+              <a:t>slide_title</a:t>
+            </a:r>
+            <a:endParaRPr lang="en-GB" dirty="0"/>
+          </a:p>
+        </p:txBody>
+      </p:sp>
+      <p:sp>
+        <p:nvSpPr>
+          <p:cNvPr id="9" name="Title 6">
+            <a:extLst>
+              <a:ext uri="{FF2B5EF4-FFF2-40B4-BE49-F238E27FC236}">
+                <a16:creationId xmlns:a16="http://schemas.microsoft.com/office/drawing/2014/main" id="{0FCE95F0-9FB9-6C46-6607-48165DF1A718}"/>
+              </a:ext>
+            </a:extLst>
+          </p:cNvPr>
+          <p:cNvSpPr txBox="1">
+            <a:spLocks/>
+          </p:cNvSpPr>
+          <p:nvPr/>
+        </p:nvSpPr>
+        <p:spPr>
+          <a:xfrm>
+            <a:off x="632460" y="1165884"/>
+            <a:ext cx="10927080" cy="731520"/>
+          </a:xfrm>
+          <a:prstGeom prst="rect">
+            <a:avLst/>
+          </a:prstGeom>
+        </p:spPr>
+        <p:txBody>
+          <a:bodyPr vert="horz" lIns="0" tIns="0" rIns="0" bIns="0" rtlCol="0" anchor="t" anchorCtr="0">
+            <a:noAutofit/>
+          </a:bodyPr>
+          <a:lstStyle>
+            <a:lvl1pPr algn="l" defTabSz="609555" rtl="0" eaLnBrk="1" latinLnBrk="0" hangingPunct="1">
+              <a:lnSpc>
+                <a:spcPct val="100000"/>
+              </a:lnSpc>
+              <a:spcBef>
+                <a:spcPct val="0"/>
+              </a:spcBef>
+              <a:buNone/>
+              <a:defRPr lang="en-US" sz="2600" b="1" kern="1200" spc="-20" baseline="0" dirty="0">
+                <a:solidFill>
+                  <a:schemeClr val="bg1"/>
+                </a:solidFill>
+                <a:latin typeface="+mj-lt"/>
+                <a:ea typeface="+mj-ea"/>
+                <a:cs typeface="+mj-cs"/>
+              </a:defRPr>
+            </a:lvl1pPr>
+          </a:lstStyle>
+          <a:p>
+            <a:pPr>
+              <a:buClr>
+                <a:schemeClr val="accent4"/>
+              </a:buClr>
+            </a:pPr>
+            <a:r>
+              <a:rPr lang="en-GB" sz="1400" b="0" dirty="0" err="1">
+                <a:solidFill>
+                  <a:schemeClr val="accent2"/>
+                </a:solidFill>
+                <a:latin typeface="Calibri" panose="020F0502020204030204" pitchFamily="34" charset="0"/>
+                <a:cs typeface="Calibri" panose="020F0502020204030204" pitchFamily="34" charset="0"/>
+              </a:rPr>
+              <a:t>slide_bullet</a:t>
+            </a:r>
+            <a:endParaRPr lang="en-GB" sz="1400" b="0" dirty="0">
+              <a:solidFill>
+                <a:schemeClr val="accent2"/>
+              </a:solidFill>
+              <a:latin typeface="Calibri" panose="020F0502020204030204" pitchFamily="34" charset="0"/>
+              <a:cs typeface="Calibri" panose="020F0502020204030204" pitchFamily="34" charset="0"/>
+            </a:endParaRPr>
+          </a:p>
+          <a:p>
+            <a:endParaRPr lang="en-GB" sz="1600" b="0" dirty="0">
+              <a:solidFill>
+                <a:schemeClr val="accent2"/>
+              </a:solidFill>
+              <a:latin typeface="Calibri" panose="020F0502020204030204" pitchFamily="34" charset="0"/>
+              <a:cs typeface="Calibri" panose="020F0502020204030204" pitchFamily="34" charset="0"/>
+            </a:endParaRPr>
+          </a:p>
+          <a:p>
+            <a:pPr marL="285750" indent="-285750">
+              <a:buFont typeface="Arial" panose="020B0604020202020204" pitchFamily="34" charset="0"/>
+              <a:buChar char="•"/>
+            </a:pPr>
+            <a:endParaRPr lang="en-GB" sz="1600" b="0" dirty="0">
+              <a:solidFill>
+                <a:schemeClr val="accent2"/>
+              </a:solidFill>
+              <a:latin typeface="Calibri" panose="020F0502020204030204" pitchFamily="34" charset="0"/>
+              <a:cs typeface="Calibri" panose="020F0502020204030204" pitchFamily="34" charset="0"/>
+            </a:endParaRPr>
+          </a:p>
+          <a:p>
+            <a:pPr marL="285750" indent="-285750">
+              <a:buFont typeface="Arial" panose="020B0604020202020204" pitchFamily="34" charset="0"/>
+              <a:buChar char="•"/>
+            </a:pPr>
+            <a:endParaRPr lang="en-GB" sz="1600" b="0" dirty="0">
+              <a:solidFill>
+                <a:schemeClr val="accent2"/>
+              </a:solidFill>
+              <a:latin typeface="Calibri" panose="020F0502020204030204" pitchFamily="34" charset="0"/>
+              <a:cs typeface="Calibri" panose="020F0502020204030204" pitchFamily="34" charset="0"/>
+            </a:endParaRPr>
+          </a:p>
+          <a:p>
+            <a:pPr marL="285750" indent="-285750">
+              <a:buFont typeface="Arial" panose="020B0604020202020204" pitchFamily="34" charset="0"/>
+              <a:buChar char="•"/>
+            </a:pPr>
+            <a:endParaRPr lang="en-GB" sz="1600" b="0" dirty="0">
+              <a:solidFill>
+                <a:schemeClr val="accent2"/>
+              </a:solidFill>
+              <a:latin typeface="Calibri" panose="020F0502020204030204" pitchFamily="34" charset="0"/>
+              <a:cs typeface="Calibri" panose="020F0502020204030204" pitchFamily="34" charset="0"/>
+            </a:endParaRPr>
+          </a:p>
+          <a:p>
+            <a:endParaRPr lang="en-GB" sz="1600" b="0" dirty="0">
+              <a:solidFill>
+                <a:schemeClr val="accent2"/>
+              </a:solidFill>
+              <a:latin typeface="Calibri" panose="020F0502020204030204" pitchFamily="34" charset="0"/>
+              <a:cs typeface="Calibri" panose="020F0502020204030204" pitchFamily="34" charset="0"/>
+            </a:endParaRPr>
+          </a:p>
+          <a:p>
+            <a:pPr marL="285750" indent="-285750">
+              <a:buFont typeface="Arial" panose="020B0604020202020204" pitchFamily="34" charset="0"/>
+              <a:buChar char="•"/>
+            </a:pPr>
+            <a:endParaRPr lang="en-GB" sz="1600" b="0" dirty="0">
+              <a:solidFill>
+                <a:schemeClr val="accent2"/>
+              </a:solidFill>
+              <a:latin typeface="Calibri" panose="020F0502020204030204" pitchFamily="34" charset="0"/>
+              <a:cs typeface="Calibri" panose="020F0502020204030204" pitchFamily="34" charset="0"/>
+            </a:endParaRPr>
+          </a:p>
+        </p:txBody>
+      </p:sp>
+      <p:sp>
+        <p:nvSpPr>
+          <p:cNvPr id="10" name="Title 6">
+            <a:extLst>
+              <a:ext uri="{FF2B5EF4-FFF2-40B4-BE49-F238E27FC236}">
+                <a16:creationId xmlns:a16="http://schemas.microsoft.com/office/drawing/2014/main" id="{64A2D8A6-32F9-F325-26A8-30EC5DCDFC53}"/>
+              </a:ext>
+            </a:extLst>
+          </p:cNvPr>
+          <p:cNvSpPr txBox="1">
+            <a:spLocks/>
+          </p:cNvSpPr>
+          <p:nvPr/>
+        </p:nvSpPr>
+        <p:spPr>
+          <a:xfrm>
+            <a:off x="632460" y="5819339"/>
+            <a:ext cx="10927080" cy="731520"/>
+          </a:xfrm>
+          <a:prstGeom prst="rect">
+            <a:avLst/>
+          </a:prstGeom>
+          <a:gradFill flip="none" rotWithShape="1">
+            <a:gsLst>
+              <a:gs pos="0">
+                <a:schemeClr val="bg1"/>
+              </a:gs>
+              <a:gs pos="40000">
+                <a:schemeClr val="accent4"/>
+              </a:gs>
+              <a:gs pos="100000">
+                <a:schemeClr val="accent3"/>
+              </a:gs>
+            </a:gsLst>
+            <a:lin ang="0" scaled="1"/>
+            <a:tileRect/>
+          </a:gradFill>
+          <a:effectLst>
+            <a:outerShdw blurRad="50800" dist="38100" dir="2700000" algn="tl" rotWithShape="0">
+              <a:prstClr val="black">
+                <a:alpha val="40000"/>
+              </a:prstClr>
+            </a:outerShdw>
+          </a:effectLst>
+        </p:spPr>
+        <p:txBody>
+          <a:bodyPr vert="horz" lIns="0" tIns="0" rIns="0" bIns="0" rtlCol="0" anchor="t" anchorCtr="0">
+            <a:noAutofit/>
+          </a:bodyPr>
+          <a:lstStyle>
+            <a:lvl1pPr algn="l" defTabSz="609555" rtl="0" eaLnBrk="1" latinLnBrk="0" hangingPunct="1">
+              <a:lnSpc>
+                <a:spcPct val="100000"/>
+              </a:lnSpc>
+              <a:spcBef>
+                <a:spcPct val="0"/>
+              </a:spcBef>
+              <a:buNone/>
+              <a:defRPr lang="en-US" sz="2600" b="1" kern="1200" spc="-20" baseline="0" dirty="0">
+                <a:solidFill>
+                  <a:schemeClr val="bg1"/>
+                </a:solidFill>
+                <a:latin typeface="+mj-lt"/>
+                <a:ea typeface="+mj-ea"/>
+                <a:cs typeface="+mj-cs"/>
+              </a:defRPr>
+            </a:lvl1pPr>
+          </a:lstStyle>
+          <a:p>
+            <a:endParaRPr lang="en-GB" sz="1600" b="0" dirty="0">
+              <a:solidFill>
+                <a:schemeClr val="accent2"/>
+              </a:solidFill>
+              <a:latin typeface="Calibri" panose="020F0502020204030204" pitchFamily="34" charset="0"/>
+              <a:cs typeface="Calibri" panose="020F0502020204030204" pitchFamily="34" charset="0"/>
+            </a:endParaRPr>
+          </a:p>
+          <a:p>
+            <a:pPr marL="285750" indent="-285750">
+              <a:buFont typeface="Arial" panose="020B0604020202020204" pitchFamily="34" charset="0"/>
+              <a:buChar char="•"/>
+            </a:pPr>
+            <a:endParaRPr lang="en-GB" sz="1600" b="0" dirty="0">
+              <a:solidFill>
+                <a:schemeClr val="accent2"/>
+              </a:solidFill>
+              <a:latin typeface="Calibri" panose="020F0502020204030204" pitchFamily="34" charset="0"/>
+              <a:cs typeface="Calibri" panose="020F0502020204030204" pitchFamily="34" charset="0"/>
+            </a:endParaRPr>
+          </a:p>
+          <a:p>
+            <a:pPr marL="285750" indent="-285750">
+              <a:buFont typeface="Arial" panose="020B0604020202020204" pitchFamily="34" charset="0"/>
+              <a:buChar char="•"/>
+            </a:pPr>
+            <a:endParaRPr lang="en-GB" sz="1600" b="0" dirty="0">
+              <a:solidFill>
+                <a:schemeClr val="accent2"/>
+              </a:solidFill>
+              <a:latin typeface="Calibri" panose="020F0502020204030204" pitchFamily="34" charset="0"/>
+              <a:cs typeface="Calibri" panose="020F0502020204030204" pitchFamily="34" charset="0"/>
+            </a:endParaRPr>
+          </a:p>
+          <a:p>
+            <a:pPr marL="285750" indent="-285750">
+              <a:buFont typeface="Arial" panose="020B0604020202020204" pitchFamily="34" charset="0"/>
+              <a:buChar char="•"/>
+            </a:pPr>
+            <a:endParaRPr lang="en-GB" sz="1600" b="0" dirty="0">
+              <a:solidFill>
+                <a:schemeClr val="accent2"/>
+              </a:solidFill>
+              <a:latin typeface="Calibri" panose="020F0502020204030204" pitchFamily="34" charset="0"/>
+              <a:cs typeface="Calibri" panose="020F0502020204030204" pitchFamily="34" charset="0"/>
+            </a:endParaRPr>
+          </a:p>
+          <a:p>
+            <a:endParaRPr lang="en-GB" sz="1600" b="0" dirty="0">
+              <a:solidFill>
+                <a:schemeClr val="accent2"/>
+              </a:solidFill>
+              <a:latin typeface="Calibri" panose="020F0502020204030204" pitchFamily="34" charset="0"/>
+              <a:cs typeface="Calibri" panose="020F0502020204030204" pitchFamily="34" charset="0"/>
+            </a:endParaRPr>
+          </a:p>
+          <a:p>
+            <a:pPr marL="285750" indent="-285750">
+              <a:buFont typeface="Arial" panose="020B0604020202020204" pitchFamily="34" charset="0"/>
+              <a:buChar char="•"/>
+            </a:pPr>
+            <a:endParaRPr lang="en-GB" sz="1600" b="0" dirty="0">
+              <a:solidFill>
+                <a:schemeClr val="accent2"/>
+              </a:solidFill>
+              <a:latin typeface="Calibri" panose="020F0502020204030204" pitchFamily="34" charset="0"/>
+              <a:cs typeface="Calibri" panose="020F0502020204030204" pitchFamily="34" charset="0"/>
+            </a:endParaRPr>
+          </a:p>
+        </p:txBody>
+      </p:sp>
+      <p:sp>
+        <p:nvSpPr>
+          <p:cNvPr id="11" name="TextBox 10">
+            <a:extLst>
+              <a:ext uri="{FF2B5EF4-FFF2-40B4-BE49-F238E27FC236}">
+                <a16:creationId xmlns:a16="http://schemas.microsoft.com/office/drawing/2014/main" id="{A3036AEF-7A78-A326-F646-0EFE6B2B6FB6}"/>
+              </a:ext>
+            </a:extLst>
+          </p:cNvPr>
+          <p:cNvSpPr txBox="1"/>
+          <p:nvPr/>
+        </p:nvSpPr>
+        <p:spPr>
+          <a:xfrm>
+            <a:off x="768626" y="5883965"/>
+            <a:ext cx="10614991" cy="215444"/>
+          </a:xfrm>
+          <a:prstGeom prst="rect">
+            <a:avLst/>
+          </a:prstGeom>
+        </p:spPr>
+        <p:txBody>
+          <a:bodyPr wrap="square" lIns="0" tIns="0" rIns="0" bIns="0" rtlCol="0" anchor="t" anchorCtr="0">
+            <a:spAutoFit/>
+          </a:bodyPr>
+          <a:lstStyle/>
+          <a:p>
+            <a:pPr algn="ctr"/>
+            <a:r>
+              <a:rPr lang="en-GB" sz="1400" b="1" dirty="0" err="1">
+                <a:solidFill>
+                  <a:schemeClr val="tx2"/>
+                </a:solidFill>
+              </a:rPr>
+              <a:t>slide_takeout</a:t>
+            </a:r>
+            <a:endParaRPr lang="en-GB" sz="1400" b="1" dirty="0">
+              <a:solidFill>
+                <a:schemeClr val="tx2"/>
+              </a:solidFill>
+            </a:endParaRPr>
+          </a:p>
+        </p:txBody>
+      </p:sp>
+    </p:spTree>
+    <p:extLst>
+      <p:ext uri="{BB962C8B-B14F-4D97-AF65-F5344CB8AC3E}">
+        <p14:creationId xmlns:p14="http://schemas.microsoft.com/office/powerpoint/2010/main" val="1061962183"/>
+      </p:ext>
+    </p:extLst>
+  </p:cSld>
+  <p:clrMapOvr>
+    <a:masterClrMapping/>
+  </p:clrMapOvr>
+  <mc:AlternateContent xmlns:mc="http://schemas.openxmlformats.org/markup-compatibility/2006">
+    <mc:Choice xmlns:p14="http://schemas.microsoft.com/office/powerpoint/2010/main" Requires="p14">
+      <p:transition spd="med" p14:dur="700">
+        <p:fade/>
+      </p:transition>
+    </mc:Choice>
+    <mc:Fallback>
+      <p:transition spd="med">
+        <p:fade/>
+      </p:transition>
+    </mc:Fallback>
+  </mc:AlternateContent>
+</p:sld>
+</file>
+
+<file path=ppt/slides/slide44.xml><?xml version="1.0" encoding="utf-8"?>
+<p:sld xmlns:a="http://schemas.openxmlformats.org/drawingml/2006/main" xmlns:r="http://schemas.openxmlformats.org/officeDocument/2006/relationships" xmlns:p="http://schemas.openxmlformats.org/presentationml/2006/main">
+  <p:cSld>
+    <p:spTree>
+      <p:nvGrpSpPr>
+        <p:cNvPr id="1" name=""/>
+        <p:cNvGrpSpPr/>
+        <p:nvPr/>
+      </p:nvGrpSpPr>
+      <p:grpSpPr>
+        <a:xfrm>
+          <a:off x="0" y="0"/>
+          <a:ext cx="0" cy="0"/>
+          <a:chOff x="0" y="0"/>
+          <a:chExt cx="0" cy="0"/>
+        </a:xfrm>
+      </p:grpSpPr>
+      <p:sp>
+        <p:nvSpPr>
+          <p:cNvPr id="8" name="Text Placeholder 7">
+            <a:extLst>
+              <a:ext uri="{FF2B5EF4-FFF2-40B4-BE49-F238E27FC236}">
+                <a16:creationId xmlns:a16="http://schemas.microsoft.com/office/drawing/2014/main" id="{75D95B09-4C81-1BEA-C17E-A0651CE452C3}"/>
+              </a:ext>
+            </a:extLst>
+          </p:cNvPr>
+          <p:cNvSpPr>
+            <a:spLocks noGrp="1"/>
+          </p:cNvSpPr>
+          <p:nvPr>
+            <p:ph type="body" sz="quarter" idx="10"/>
+          </p:nvPr>
+        </p:nvSpPr>
+        <p:spPr/>
+        <p:txBody>
+          <a:bodyPr/>
+          <a:lstStyle/>
+          <a:p>
+            <a:r>
+              <a:rPr lang="en-GB" dirty="0" err="1"/>
+              <a:t>slide_subtitle</a:t>
+            </a:r>
+            <a:endParaRPr lang="en-GB" dirty="0"/>
+          </a:p>
+        </p:txBody>
+      </p:sp>
+      <p:sp>
+        <p:nvSpPr>
+          <p:cNvPr id="7" name="Title 6">
+            <a:extLst>
+              <a:ext uri="{FF2B5EF4-FFF2-40B4-BE49-F238E27FC236}">
+                <a16:creationId xmlns:a16="http://schemas.microsoft.com/office/drawing/2014/main" id="{F07B11D4-9D2C-D4C4-F367-CF2CB0614582}"/>
+              </a:ext>
+            </a:extLst>
+          </p:cNvPr>
+          <p:cNvSpPr>
+            <a:spLocks noGrp="1"/>
+          </p:cNvSpPr>
+          <p:nvPr>
+            <p:ph type="title"/>
+          </p:nvPr>
+        </p:nvSpPr>
+        <p:spPr/>
+        <p:txBody>
+          <a:bodyPr/>
+          <a:lstStyle/>
+          <a:p>
+            <a:r>
+              <a:rPr lang="en-GB" dirty="0" err="1"/>
+              <a:t>slide_title</a:t>
+            </a:r>
+            <a:endParaRPr lang="en-GB" dirty="0"/>
+          </a:p>
+        </p:txBody>
+      </p:sp>
+      <p:sp>
+        <p:nvSpPr>
+          <p:cNvPr id="9" name="Title 6">
+            <a:extLst>
+              <a:ext uri="{FF2B5EF4-FFF2-40B4-BE49-F238E27FC236}">
+                <a16:creationId xmlns:a16="http://schemas.microsoft.com/office/drawing/2014/main" id="{0FCE95F0-9FB9-6C46-6607-48165DF1A718}"/>
+              </a:ext>
+            </a:extLst>
+          </p:cNvPr>
+          <p:cNvSpPr txBox="1">
+            <a:spLocks/>
+          </p:cNvSpPr>
+          <p:nvPr/>
+        </p:nvSpPr>
+        <p:spPr>
+          <a:xfrm>
+            <a:off x="632460" y="1165884"/>
+            <a:ext cx="10927080" cy="731520"/>
+          </a:xfrm>
+          <a:prstGeom prst="rect">
+            <a:avLst/>
+          </a:prstGeom>
+        </p:spPr>
+        <p:txBody>
+          <a:bodyPr vert="horz" lIns="0" tIns="0" rIns="0" bIns="0" rtlCol="0" anchor="t" anchorCtr="0">
+            <a:noAutofit/>
+          </a:bodyPr>
+          <a:lstStyle>
+            <a:lvl1pPr algn="l" defTabSz="609555" rtl="0" eaLnBrk="1" latinLnBrk="0" hangingPunct="1">
+              <a:lnSpc>
+                <a:spcPct val="100000"/>
+              </a:lnSpc>
+              <a:spcBef>
+                <a:spcPct val="0"/>
+              </a:spcBef>
+              <a:buNone/>
+              <a:defRPr lang="en-US" sz="2600" b="1" kern="1200" spc="-20" baseline="0" dirty="0">
+                <a:solidFill>
+                  <a:schemeClr val="bg1"/>
+                </a:solidFill>
+                <a:latin typeface="+mj-lt"/>
+                <a:ea typeface="+mj-ea"/>
+                <a:cs typeface="+mj-cs"/>
+              </a:defRPr>
+            </a:lvl1pPr>
+          </a:lstStyle>
+          <a:p>
+            <a:pPr>
+              <a:buClr>
+                <a:schemeClr val="accent4"/>
+              </a:buClr>
+            </a:pPr>
+            <a:r>
+              <a:rPr lang="en-GB" sz="1400" b="0" dirty="0" err="1">
+                <a:solidFill>
+                  <a:schemeClr val="accent2"/>
+                </a:solidFill>
+                <a:latin typeface="Calibri" panose="020F0502020204030204" pitchFamily="34" charset="0"/>
+                <a:cs typeface="Calibri" panose="020F0502020204030204" pitchFamily="34" charset="0"/>
+              </a:rPr>
+              <a:t>slide_bullet</a:t>
+            </a:r>
+            <a:endParaRPr lang="en-GB" sz="1400" b="0" dirty="0">
+              <a:solidFill>
+                <a:schemeClr val="accent2"/>
+              </a:solidFill>
+              <a:latin typeface="Calibri" panose="020F0502020204030204" pitchFamily="34" charset="0"/>
+              <a:cs typeface="Calibri" panose="020F0502020204030204" pitchFamily="34" charset="0"/>
+            </a:endParaRPr>
+          </a:p>
+          <a:p>
+            <a:endParaRPr lang="en-GB" sz="1600" b="0" dirty="0">
+              <a:solidFill>
+                <a:schemeClr val="accent2"/>
+              </a:solidFill>
+              <a:latin typeface="Calibri" panose="020F0502020204030204" pitchFamily="34" charset="0"/>
+              <a:cs typeface="Calibri" panose="020F0502020204030204" pitchFamily="34" charset="0"/>
+            </a:endParaRPr>
+          </a:p>
+          <a:p>
+            <a:pPr marL="285750" indent="-285750">
+              <a:buFont typeface="Arial" panose="020B0604020202020204" pitchFamily="34" charset="0"/>
+              <a:buChar char="•"/>
+            </a:pPr>
+            <a:endParaRPr lang="en-GB" sz="1600" b="0" dirty="0">
+              <a:solidFill>
+                <a:schemeClr val="accent2"/>
+              </a:solidFill>
+              <a:latin typeface="Calibri" panose="020F0502020204030204" pitchFamily="34" charset="0"/>
+              <a:cs typeface="Calibri" panose="020F0502020204030204" pitchFamily="34" charset="0"/>
+            </a:endParaRPr>
+          </a:p>
+          <a:p>
+            <a:pPr marL="285750" indent="-285750">
+              <a:buFont typeface="Arial" panose="020B0604020202020204" pitchFamily="34" charset="0"/>
+              <a:buChar char="•"/>
+            </a:pPr>
+            <a:endParaRPr lang="en-GB" sz="1600" b="0" dirty="0">
+              <a:solidFill>
+                <a:schemeClr val="accent2"/>
+              </a:solidFill>
+              <a:latin typeface="Calibri" panose="020F0502020204030204" pitchFamily="34" charset="0"/>
+              <a:cs typeface="Calibri" panose="020F0502020204030204" pitchFamily="34" charset="0"/>
+            </a:endParaRPr>
+          </a:p>
+          <a:p>
+            <a:pPr marL="285750" indent="-285750">
+              <a:buFont typeface="Arial" panose="020B0604020202020204" pitchFamily="34" charset="0"/>
+              <a:buChar char="•"/>
+            </a:pPr>
+            <a:endParaRPr lang="en-GB" sz="1600" b="0" dirty="0">
+              <a:solidFill>
+                <a:schemeClr val="accent2"/>
+              </a:solidFill>
+              <a:latin typeface="Calibri" panose="020F0502020204030204" pitchFamily="34" charset="0"/>
+              <a:cs typeface="Calibri" panose="020F0502020204030204" pitchFamily="34" charset="0"/>
+            </a:endParaRPr>
+          </a:p>
+          <a:p>
+            <a:endParaRPr lang="en-GB" sz="1600" b="0" dirty="0">
+              <a:solidFill>
+                <a:schemeClr val="accent2"/>
+              </a:solidFill>
+              <a:latin typeface="Calibri" panose="020F0502020204030204" pitchFamily="34" charset="0"/>
+              <a:cs typeface="Calibri" panose="020F0502020204030204" pitchFamily="34" charset="0"/>
+            </a:endParaRPr>
+          </a:p>
+          <a:p>
+            <a:pPr marL="285750" indent="-285750">
+              <a:buFont typeface="Arial" panose="020B0604020202020204" pitchFamily="34" charset="0"/>
+              <a:buChar char="•"/>
+            </a:pPr>
+            <a:endParaRPr lang="en-GB" sz="1600" b="0" dirty="0">
+              <a:solidFill>
+                <a:schemeClr val="accent2"/>
+              </a:solidFill>
+              <a:latin typeface="Calibri" panose="020F0502020204030204" pitchFamily="34" charset="0"/>
+              <a:cs typeface="Calibri" panose="020F0502020204030204" pitchFamily="34" charset="0"/>
+            </a:endParaRPr>
+          </a:p>
+        </p:txBody>
+      </p:sp>
+      <p:sp>
+        <p:nvSpPr>
+          <p:cNvPr id="10" name="Title 6">
+            <a:extLst>
+              <a:ext uri="{FF2B5EF4-FFF2-40B4-BE49-F238E27FC236}">
+                <a16:creationId xmlns:a16="http://schemas.microsoft.com/office/drawing/2014/main" id="{64A2D8A6-32F9-F325-26A8-30EC5DCDFC53}"/>
+              </a:ext>
+            </a:extLst>
+          </p:cNvPr>
+          <p:cNvSpPr txBox="1">
+            <a:spLocks/>
+          </p:cNvSpPr>
+          <p:nvPr/>
+        </p:nvSpPr>
+        <p:spPr>
+          <a:xfrm>
+            <a:off x="632460" y="5819339"/>
+            <a:ext cx="10927080" cy="731520"/>
+          </a:xfrm>
+          <a:prstGeom prst="rect">
+            <a:avLst/>
+          </a:prstGeom>
+          <a:gradFill flip="none" rotWithShape="1">
+            <a:gsLst>
+              <a:gs pos="0">
+                <a:schemeClr val="bg1"/>
+              </a:gs>
+              <a:gs pos="40000">
+                <a:schemeClr val="accent4"/>
+              </a:gs>
+              <a:gs pos="100000">
+                <a:schemeClr val="accent3"/>
+              </a:gs>
+            </a:gsLst>
+            <a:lin ang="0" scaled="1"/>
+            <a:tileRect/>
+          </a:gradFill>
+          <a:effectLst>
+            <a:outerShdw blurRad="50800" dist="38100" dir="2700000" algn="tl" rotWithShape="0">
+              <a:prstClr val="black">
+                <a:alpha val="40000"/>
+              </a:prstClr>
+            </a:outerShdw>
+          </a:effectLst>
+        </p:spPr>
+        <p:txBody>
+          <a:bodyPr vert="horz" lIns="0" tIns="0" rIns="0" bIns="0" rtlCol="0" anchor="t" anchorCtr="0">
+            <a:noAutofit/>
+          </a:bodyPr>
+          <a:lstStyle>
+            <a:lvl1pPr algn="l" defTabSz="609555" rtl="0" eaLnBrk="1" latinLnBrk="0" hangingPunct="1">
+              <a:lnSpc>
+                <a:spcPct val="100000"/>
+              </a:lnSpc>
+              <a:spcBef>
+                <a:spcPct val="0"/>
+              </a:spcBef>
+              <a:buNone/>
+              <a:defRPr lang="en-US" sz="2600" b="1" kern="1200" spc="-20" baseline="0" dirty="0">
+                <a:solidFill>
+                  <a:schemeClr val="bg1"/>
+                </a:solidFill>
+                <a:latin typeface="+mj-lt"/>
+                <a:ea typeface="+mj-ea"/>
+                <a:cs typeface="+mj-cs"/>
+              </a:defRPr>
+            </a:lvl1pPr>
+          </a:lstStyle>
+          <a:p>
+            <a:endParaRPr lang="en-GB" sz="1600" b="0" dirty="0">
+              <a:solidFill>
+                <a:schemeClr val="accent2"/>
+              </a:solidFill>
+              <a:latin typeface="Calibri" panose="020F0502020204030204" pitchFamily="34" charset="0"/>
+              <a:cs typeface="Calibri" panose="020F0502020204030204" pitchFamily="34" charset="0"/>
+            </a:endParaRPr>
+          </a:p>
+          <a:p>
+            <a:pPr marL="285750" indent="-285750">
+              <a:buFont typeface="Arial" panose="020B0604020202020204" pitchFamily="34" charset="0"/>
+              <a:buChar char="•"/>
+            </a:pPr>
+            <a:endParaRPr lang="en-GB" sz="1600" b="0" dirty="0">
+              <a:solidFill>
+                <a:schemeClr val="accent2"/>
+              </a:solidFill>
+              <a:latin typeface="Calibri" panose="020F0502020204030204" pitchFamily="34" charset="0"/>
+              <a:cs typeface="Calibri" panose="020F0502020204030204" pitchFamily="34" charset="0"/>
+            </a:endParaRPr>
+          </a:p>
+          <a:p>
+            <a:pPr marL="285750" indent="-285750">
+              <a:buFont typeface="Arial" panose="020B0604020202020204" pitchFamily="34" charset="0"/>
+              <a:buChar char="•"/>
+            </a:pPr>
+            <a:endParaRPr lang="en-GB" sz="1600" b="0" dirty="0">
+              <a:solidFill>
+                <a:schemeClr val="accent2"/>
+              </a:solidFill>
+              <a:latin typeface="Calibri" panose="020F0502020204030204" pitchFamily="34" charset="0"/>
+              <a:cs typeface="Calibri" panose="020F0502020204030204" pitchFamily="34" charset="0"/>
+            </a:endParaRPr>
+          </a:p>
+          <a:p>
+            <a:pPr marL="285750" indent="-285750">
+              <a:buFont typeface="Arial" panose="020B0604020202020204" pitchFamily="34" charset="0"/>
+              <a:buChar char="•"/>
+            </a:pPr>
+            <a:endParaRPr lang="en-GB" sz="1600" b="0" dirty="0">
+              <a:solidFill>
+                <a:schemeClr val="accent2"/>
+              </a:solidFill>
+              <a:latin typeface="Calibri" panose="020F0502020204030204" pitchFamily="34" charset="0"/>
+              <a:cs typeface="Calibri" panose="020F0502020204030204" pitchFamily="34" charset="0"/>
+            </a:endParaRPr>
+          </a:p>
+          <a:p>
+            <a:endParaRPr lang="en-GB" sz="1600" b="0" dirty="0">
+              <a:solidFill>
+                <a:schemeClr val="accent2"/>
+              </a:solidFill>
+              <a:latin typeface="Calibri" panose="020F0502020204030204" pitchFamily="34" charset="0"/>
+              <a:cs typeface="Calibri" panose="020F0502020204030204" pitchFamily="34" charset="0"/>
+            </a:endParaRPr>
+          </a:p>
+          <a:p>
+            <a:pPr marL="285750" indent="-285750">
+              <a:buFont typeface="Arial" panose="020B0604020202020204" pitchFamily="34" charset="0"/>
+              <a:buChar char="•"/>
+            </a:pPr>
+            <a:endParaRPr lang="en-GB" sz="1600" b="0" dirty="0">
+              <a:solidFill>
+                <a:schemeClr val="accent2"/>
+              </a:solidFill>
+              <a:latin typeface="Calibri" panose="020F0502020204030204" pitchFamily="34" charset="0"/>
+              <a:cs typeface="Calibri" panose="020F0502020204030204" pitchFamily="34" charset="0"/>
+            </a:endParaRPr>
+          </a:p>
+        </p:txBody>
+      </p:sp>
+      <p:sp>
+        <p:nvSpPr>
+          <p:cNvPr id="11" name="TextBox 10">
+            <a:extLst>
+              <a:ext uri="{FF2B5EF4-FFF2-40B4-BE49-F238E27FC236}">
+                <a16:creationId xmlns:a16="http://schemas.microsoft.com/office/drawing/2014/main" id="{A3036AEF-7A78-A326-F646-0EFE6B2B6FB6}"/>
+              </a:ext>
+            </a:extLst>
+          </p:cNvPr>
+          <p:cNvSpPr txBox="1"/>
+          <p:nvPr/>
+        </p:nvSpPr>
+        <p:spPr>
+          <a:xfrm>
+            <a:off x="768626" y="5883965"/>
+            <a:ext cx="10614991" cy="215444"/>
+          </a:xfrm>
+          <a:prstGeom prst="rect">
+            <a:avLst/>
+          </a:prstGeom>
+        </p:spPr>
+        <p:txBody>
+          <a:bodyPr wrap="square" lIns="0" tIns="0" rIns="0" bIns="0" rtlCol="0" anchor="t" anchorCtr="0">
+            <a:spAutoFit/>
+          </a:bodyPr>
+          <a:lstStyle/>
+          <a:p>
+            <a:pPr algn="ctr"/>
+            <a:r>
+              <a:rPr lang="en-GB" sz="1400" b="1" dirty="0" err="1">
+                <a:solidFill>
+                  <a:schemeClr val="tx2"/>
+                </a:solidFill>
+              </a:rPr>
+              <a:t>slide_takeout</a:t>
+            </a:r>
+            <a:endParaRPr lang="en-GB" sz="1400" b="1" dirty="0">
+              <a:solidFill>
+                <a:schemeClr val="tx2"/>
+              </a:solidFill>
+            </a:endParaRPr>
+          </a:p>
+        </p:txBody>
+      </p:sp>
+    </p:spTree>
+    <p:extLst>
+      <p:ext uri="{BB962C8B-B14F-4D97-AF65-F5344CB8AC3E}">
+        <p14:creationId xmlns:p14="http://schemas.microsoft.com/office/powerpoint/2010/main" val="153515781"/>
+      </p:ext>
+    </p:extLst>
+  </p:cSld>
+  <p:clrMapOvr>
+    <a:masterClrMapping/>
+  </p:clrMapOvr>
+  <mc:AlternateContent xmlns:mc="http://schemas.openxmlformats.org/markup-compatibility/2006">
+    <mc:Choice xmlns:p14="http://schemas.microsoft.com/office/powerpoint/2010/main" Requires="p14">
+      <p:transition spd="med" p14:dur="700">
+        <p:fade/>
+      </p:transition>
+    </mc:Choice>
+    <mc:Fallback>
+      <p:transition spd="med">
+        <p:fade/>
+      </p:transition>
+    </mc:Fallback>
+  </mc:AlternateContent>
+</p:sld>
+</file>
+
+<file path=ppt/slides/slide45.xml><?xml version="1.0" encoding="utf-8"?>
+<p:sld xmlns:a="http://schemas.openxmlformats.org/drawingml/2006/main" xmlns:r="http://schemas.openxmlformats.org/officeDocument/2006/relationships" xmlns:p="http://schemas.openxmlformats.org/presentationml/2006/main">
+  <p:cSld>
+    <p:spTree>
+      <p:nvGrpSpPr>
+        <p:cNvPr id="1" name=""/>
+        <p:cNvGrpSpPr/>
+        <p:nvPr/>
+      </p:nvGrpSpPr>
+      <p:grpSpPr>
+        <a:xfrm>
+          <a:off x="0" y="0"/>
+          <a:ext cx="0" cy="0"/>
+          <a:chOff x="0" y="0"/>
+          <a:chExt cx="0" cy="0"/>
+        </a:xfrm>
+      </p:grpSpPr>
+      <p:sp>
+        <p:nvSpPr>
+          <p:cNvPr id="8" name="Text Placeholder 7">
+            <a:extLst>
+              <a:ext uri="{FF2B5EF4-FFF2-40B4-BE49-F238E27FC236}">
+                <a16:creationId xmlns:a16="http://schemas.microsoft.com/office/drawing/2014/main" id="{75D95B09-4C81-1BEA-C17E-A0651CE452C3}"/>
+              </a:ext>
+            </a:extLst>
+          </p:cNvPr>
+          <p:cNvSpPr>
+            <a:spLocks noGrp="1"/>
+          </p:cNvSpPr>
+          <p:nvPr>
+            <p:ph type="body" sz="quarter" idx="10"/>
+          </p:nvPr>
+        </p:nvSpPr>
+        <p:spPr/>
+        <p:txBody>
+          <a:bodyPr/>
+          <a:lstStyle/>
+          <a:p>
+            <a:r>
+              <a:rPr lang="en-GB" dirty="0" err="1"/>
+              <a:t>slide_subtitle</a:t>
+            </a:r>
+            <a:endParaRPr lang="en-GB" dirty="0"/>
+          </a:p>
+        </p:txBody>
+      </p:sp>
+      <p:sp>
+        <p:nvSpPr>
+          <p:cNvPr id="7" name="Title 6">
+            <a:extLst>
+              <a:ext uri="{FF2B5EF4-FFF2-40B4-BE49-F238E27FC236}">
+                <a16:creationId xmlns:a16="http://schemas.microsoft.com/office/drawing/2014/main" id="{F07B11D4-9D2C-D4C4-F367-CF2CB0614582}"/>
+              </a:ext>
+            </a:extLst>
+          </p:cNvPr>
+          <p:cNvSpPr>
+            <a:spLocks noGrp="1"/>
+          </p:cNvSpPr>
+          <p:nvPr>
+            <p:ph type="title"/>
+          </p:nvPr>
+        </p:nvSpPr>
+        <p:spPr/>
+        <p:txBody>
+          <a:bodyPr/>
+          <a:lstStyle/>
+          <a:p>
+            <a:r>
+              <a:rPr lang="en-GB" dirty="0" err="1"/>
+              <a:t>slide_title</a:t>
+            </a:r>
+            <a:endParaRPr lang="en-GB" dirty="0"/>
+          </a:p>
+        </p:txBody>
+      </p:sp>
+      <p:sp>
+        <p:nvSpPr>
+          <p:cNvPr id="9" name="Title 6">
+            <a:extLst>
+              <a:ext uri="{FF2B5EF4-FFF2-40B4-BE49-F238E27FC236}">
+                <a16:creationId xmlns:a16="http://schemas.microsoft.com/office/drawing/2014/main" id="{0FCE95F0-9FB9-6C46-6607-48165DF1A718}"/>
+              </a:ext>
+            </a:extLst>
+          </p:cNvPr>
+          <p:cNvSpPr txBox="1">
+            <a:spLocks/>
+          </p:cNvSpPr>
+          <p:nvPr/>
+        </p:nvSpPr>
+        <p:spPr>
+          <a:xfrm>
+            <a:off x="632460" y="1165884"/>
+            <a:ext cx="10927080" cy="731520"/>
+          </a:xfrm>
+          <a:prstGeom prst="rect">
+            <a:avLst/>
+          </a:prstGeom>
+        </p:spPr>
+        <p:txBody>
+          <a:bodyPr vert="horz" lIns="0" tIns="0" rIns="0" bIns="0" rtlCol="0" anchor="t" anchorCtr="0">
+            <a:noAutofit/>
+          </a:bodyPr>
+          <a:lstStyle>
+            <a:lvl1pPr algn="l" defTabSz="609555" rtl="0" eaLnBrk="1" latinLnBrk="0" hangingPunct="1">
+              <a:lnSpc>
+                <a:spcPct val="100000"/>
+              </a:lnSpc>
+              <a:spcBef>
+                <a:spcPct val="0"/>
+              </a:spcBef>
+              <a:buNone/>
+              <a:defRPr lang="en-US" sz="2600" b="1" kern="1200" spc="-20" baseline="0" dirty="0">
+                <a:solidFill>
+                  <a:schemeClr val="bg1"/>
+                </a:solidFill>
+                <a:latin typeface="+mj-lt"/>
+                <a:ea typeface="+mj-ea"/>
+                <a:cs typeface="+mj-cs"/>
+              </a:defRPr>
+            </a:lvl1pPr>
+          </a:lstStyle>
+          <a:p>
+            <a:pPr>
+              <a:buClr>
+                <a:schemeClr val="accent4"/>
+              </a:buClr>
+            </a:pPr>
+            <a:r>
+              <a:rPr lang="en-GB" sz="1400" b="0" dirty="0" err="1">
+                <a:solidFill>
+                  <a:schemeClr val="accent2"/>
+                </a:solidFill>
+                <a:latin typeface="Calibri" panose="020F0502020204030204" pitchFamily="34" charset="0"/>
+                <a:cs typeface="Calibri" panose="020F0502020204030204" pitchFamily="34" charset="0"/>
+              </a:rPr>
+              <a:t>slide_bullet</a:t>
+            </a:r>
+            <a:endParaRPr lang="en-GB" sz="1400" b="0" dirty="0">
+              <a:solidFill>
+                <a:schemeClr val="accent2"/>
+              </a:solidFill>
+              <a:latin typeface="Calibri" panose="020F0502020204030204" pitchFamily="34" charset="0"/>
+              <a:cs typeface="Calibri" panose="020F0502020204030204" pitchFamily="34" charset="0"/>
+            </a:endParaRPr>
+          </a:p>
+          <a:p>
+            <a:endParaRPr lang="en-GB" sz="1600" b="0" dirty="0">
+              <a:solidFill>
+                <a:schemeClr val="accent2"/>
+              </a:solidFill>
+              <a:latin typeface="Calibri" panose="020F0502020204030204" pitchFamily="34" charset="0"/>
+              <a:cs typeface="Calibri" panose="020F0502020204030204" pitchFamily="34" charset="0"/>
+            </a:endParaRPr>
+          </a:p>
+          <a:p>
+            <a:pPr marL="285750" indent="-285750">
+              <a:buFont typeface="Arial" panose="020B0604020202020204" pitchFamily="34" charset="0"/>
+              <a:buChar char="•"/>
+            </a:pPr>
+            <a:endParaRPr lang="en-GB" sz="1600" b="0" dirty="0">
+              <a:solidFill>
+                <a:schemeClr val="accent2"/>
+              </a:solidFill>
+              <a:latin typeface="Calibri" panose="020F0502020204030204" pitchFamily="34" charset="0"/>
+              <a:cs typeface="Calibri" panose="020F0502020204030204" pitchFamily="34" charset="0"/>
+            </a:endParaRPr>
+          </a:p>
+          <a:p>
+            <a:pPr marL="285750" indent="-285750">
+              <a:buFont typeface="Arial" panose="020B0604020202020204" pitchFamily="34" charset="0"/>
+              <a:buChar char="•"/>
+            </a:pPr>
+            <a:endParaRPr lang="en-GB" sz="1600" b="0" dirty="0">
+              <a:solidFill>
+                <a:schemeClr val="accent2"/>
+              </a:solidFill>
+              <a:latin typeface="Calibri" panose="020F0502020204030204" pitchFamily="34" charset="0"/>
+              <a:cs typeface="Calibri" panose="020F0502020204030204" pitchFamily="34" charset="0"/>
+            </a:endParaRPr>
+          </a:p>
+          <a:p>
+            <a:pPr marL="285750" indent="-285750">
+              <a:buFont typeface="Arial" panose="020B0604020202020204" pitchFamily="34" charset="0"/>
+              <a:buChar char="•"/>
+            </a:pPr>
+            <a:endParaRPr lang="en-GB" sz="1600" b="0" dirty="0">
+              <a:solidFill>
+                <a:schemeClr val="accent2"/>
+              </a:solidFill>
+              <a:latin typeface="Calibri" panose="020F0502020204030204" pitchFamily="34" charset="0"/>
+              <a:cs typeface="Calibri" panose="020F0502020204030204" pitchFamily="34" charset="0"/>
+            </a:endParaRPr>
+          </a:p>
+          <a:p>
+            <a:endParaRPr lang="en-GB" sz="1600" b="0" dirty="0">
+              <a:solidFill>
+                <a:schemeClr val="accent2"/>
+              </a:solidFill>
+              <a:latin typeface="Calibri" panose="020F0502020204030204" pitchFamily="34" charset="0"/>
+              <a:cs typeface="Calibri" panose="020F0502020204030204" pitchFamily="34" charset="0"/>
+            </a:endParaRPr>
+          </a:p>
+          <a:p>
+            <a:pPr marL="285750" indent="-285750">
+              <a:buFont typeface="Arial" panose="020B0604020202020204" pitchFamily="34" charset="0"/>
+              <a:buChar char="•"/>
+            </a:pPr>
+            <a:endParaRPr lang="en-GB" sz="1600" b="0" dirty="0">
+              <a:solidFill>
+                <a:schemeClr val="accent2"/>
+              </a:solidFill>
+              <a:latin typeface="Calibri" panose="020F0502020204030204" pitchFamily="34" charset="0"/>
+              <a:cs typeface="Calibri" panose="020F0502020204030204" pitchFamily="34" charset="0"/>
+            </a:endParaRPr>
+          </a:p>
+        </p:txBody>
+      </p:sp>
+      <p:sp>
+        <p:nvSpPr>
+          <p:cNvPr id="10" name="Title 6">
+            <a:extLst>
+              <a:ext uri="{FF2B5EF4-FFF2-40B4-BE49-F238E27FC236}">
+                <a16:creationId xmlns:a16="http://schemas.microsoft.com/office/drawing/2014/main" id="{64A2D8A6-32F9-F325-26A8-30EC5DCDFC53}"/>
+              </a:ext>
+            </a:extLst>
+          </p:cNvPr>
+          <p:cNvSpPr txBox="1">
+            <a:spLocks/>
+          </p:cNvSpPr>
+          <p:nvPr/>
+        </p:nvSpPr>
+        <p:spPr>
+          <a:xfrm>
+            <a:off x="632460" y="5819339"/>
+            <a:ext cx="10927080" cy="731520"/>
+          </a:xfrm>
+          <a:prstGeom prst="rect">
+            <a:avLst/>
+          </a:prstGeom>
+          <a:gradFill flip="none" rotWithShape="1">
+            <a:gsLst>
+              <a:gs pos="0">
+                <a:schemeClr val="bg1"/>
+              </a:gs>
+              <a:gs pos="40000">
+                <a:schemeClr val="accent4"/>
+              </a:gs>
+              <a:gs pos="100000">
+                <a:schemeClr val="accent3"/>
+              </a:gs>
+            </a:gsLst>
+            <a:lin ang="0" scaled="1"/>
+            <a:tileRect/>
+          </a:gradFill>
+          <a:effectLst>
+            <a:outerShdw blurRad="50800" dist="38100" dir="2700000" algn="tl" rotWithShape="0">
+              <a:prstClr val="black">
+                <a:alpha val="40000"/>
+              </a:prstClr>
+            </a:outerShdw>
+          </a:effectLst>
+        </p:spPr>
+        <p:txBody>
+          <a:bodyPr vert="horz" lIns="0" tIns="0" rIns="0" bIns="0" rtlCol="0" anchor="t" anchorCtr="0">
+            <a:noAutofit/>
+          </a:bodyPr>
+          <a:lstStyle>
+            <a:lvl1pPr algn="l" defTabSz="609555" rtl="0" eaLnBrk="1" latinLnBrk="0" hangingPunct="1">
+              <a:lnSpc>
+                <a:spcPct val="100000"/>
+              </a:lnSpc>
+              <a:spcBef>
+                <a:spcPct val="0"/>
+              </a:spcBef>
+              <a:buNone/>
+              <a:defRPr lang="en-US" sz="2600" b="1" kern="1200" spc="-20" baseline="0" dirty="0">
+                <a:solidFill>
+                  <a:schemeClr val="bg1"/>
+                </a:solidFill>
+                <a:latin typeface="+mj-lt"/>
+                <a:ea typeface="+mj-ea"/>
+                <a:cs typeface="+mj-cs"/>
+              </a:defRPr>
+            </a:lvl1pPr>
+          </a:lstStyle>
+          <a:p>
+            <a:endParaRPr lang="en-GB" sz="1600" b="0" dirty="0">
+              <a:solidFill>
+                <a:schemeClr val="accent2"/>
+              </a:solidFill>
+              <a:latin typeface="Calibri" panose="020F0502020204030204" pitchFamily="34" charset="0"/>
+              <a:cs typeface="Calibri" panose="020F0502020204030204" pitchFamily="34" charset="0"/>
+            </a:endParaRPr>
+          </a:p>
+          <a:p>
+            <a:pPr marL="285750" indent="-285750">
+              <a:buFont typeface="Arial" panose="020B0604020202020204" pitchFamily="34" charset="0"/>
+              <a:buChar char="•"/>
+            </a:pPr>
+            <a:endParaRPr lang="en-GB" sz="1600" b="0" dirty="0">
+              <a:solidFill>
+                <a:schemeClr val="accent2"/>
+              </a:solidFill>
+              <a:latin typeface="Calibri" panose="020F0502020204030204" pitchFamily="34" charset="0"/>
+              <a:cs typeface="Calibri" panose="020F0502020204030204" pitchFamily="34" charset="0"/>
+            </a:endParaRPr>
+          </a:p>
+          <a:p>
+            <a:pPr marL="285750" indent="-285750">
+              <a:buFont typeface="Arial" panose="020B0604020202020204" pitchFamily="34" charset="0"/>
+              <a:buChar char="•"/>
+            </a:pPr>
+            <a:endParaRPr lang="en-GB" sz="1600" b="0" dirty="0">
+              <a:solidFill>
+                <a:schemeClr val="accent2"/>
+              </a:solidFill>
+              <a:latin typeface="Calibri" panose="020F0502020204030204" pitchFamily="34" charset="0"/>
+              <a:cs typeface="Calibri" panose="020F0502020204030204" pitchFamily="34" charset="0"/>
+            </a:endParaRPr>
+          </a:p>
+          <a:p>
+            <a:pPr marL="285750" indent="-285750">
+              <a:buFont typeface="Arial" panose="020B0604020202020204" pitchFamily="34" charset="0"/>
+              <a:buChar char="•"/>
+            </a:pPr>
+            <a:endParaRPr lang="en-GB" sz="1600" b="0" dirty="0">
+              <a:solidFill>
+                <a:schemeClr val="accent2"/>
+              </a:solidFill>
+              <a:latin typeface="Calibri" panose="020F0502020204030204" pitchFamily="34" charset="0"/>
+              <a:cs typeface="Calibri" panose="020F0502020204030204" pitchFamily="34" charset="0"/>
+            </a:endParaRPr>
+          </a:p>
+          <a:p>
+            <a:endParaRPr lang="en-GB" sz="1600" b="0" dirty="0">
+              <a:solidFill>
+                <a:schemeClr val="accent2"/>
+              </a:solidFill>
+              <a:latin typeface="Calibri" panose="020F0502020204030204" pitchFamily="34" charset="0"/>
+              <a:cs typeface="Calibri" panose="020F0502020204030204" pitchFamily="34" charset="0"/>
+            </a:endParaRPr>
+          </a:p>
+          <a:p>
+            <a:pPr marL="285750" indent="-285750">
+              <a:buFont typeface="Arial" panose="020B0604020202020204" pitchFamily="34" charset="0"/>
+              <a:buChar char="•"/>
+            </a:pPr>
+            <a:endParaRPr lang="en-GB" sz="1600" b="0" dirty="0">
+              <a:solidFill>
+                <a:schemeClr val="accent2"/>
+              </a:solidFill>
+              <a:latin typeface="Calibri" panose="020F0502020204030204" pitchFamily="34" charset="0"/>
+              <a:cs typeface="Calibri" panose="020F0502020204030204" pitchFamily="34" charset="0"/>
+            </a:endParaRPr>
+          </a:p>
+        </p:txBody>
+      </p:sp>
+      <p:sp>
+        <p:nvSpPr>
+          <p:cNvPr id="11" name="TextBox 10">
+            <a:extLst>
+              <a:ext uri="{FF2B5EF4-FFF2-40B4-BE49-F238E27FC236}">
+                <a16:creationId xmlns:a16="http://schemas.microsoft.com/office/drawing/2014/main" id="{A3036AEF-7A78-A326-F646-0EFE6B2B6FB6}"/>
+              </a:ext>
+            </a:extLst>
+          </p:cNvPr>
+          <p:cNvSpPr txBox="1"/>
+          <p:nvPr/>
+        </p:nvSpPr>
+        <p:spPr>
+          <a:xfrm>
+            <a:off x="768626" y="5883965"/>
+            <a:ext cx="10614991" cy="215444"/>
+          </a:xfrm>
+          <a:prstGeom prst="rect">
+            <a:avLst/>
+          </a:prstGeom>
+        </p:spPr>
+        <p:txBody>
+          <a:bodyPr wrap="square" lIns="0" tIns="0" rIns="0" bIns="0" rtlCol="0" anchor="t" anchorCtr="0">
+            <a:spAutoFit/>
+          </a:bodyPr>
+          <a:lstStyle/>
+          <a:p>
+            <a:pPr algn="ctr"/>
+            <a:r>
+              <a:rPr lang="en-GB" sz="1400" b="1" dirty="0" err="1">
+                <a:solidFill>
+                  <a:schemeClr val="tx2"/>
+                </a:solidFill>
+              </a:rPr>
+              <a:t>slide_takeout</a:t>
+            </a:r>
+            <a:endParaRPr lang="en-GB" sz="1400" b="1" dirty="0">
+              <a:solidFill>
+                <a:schemeClr val="tx2"/>
+              </a:solidFill>
+            </a:endParaRPr>
+          </a:p>
+        </p:txBody>
+      </p:sp>
+    </p:spTree>
+    <p:extLst>
+      <p:ext uri="{BB962C8B-B14F-4D97-AF65-F5344CB8AC3E}">
+        <p14:creationId xmlns:p14="http://schemas.microsoft.com/office/powerpoint/2010/main" val="3115654511"/>
+      </p:ext>
+    </p:extLst>
+  </p:cSld>
+  <p:clrMapOvr>
+    <a:masterClrMapping/>
+  </p:clrMapOvr>
+  <mc:AlternateContent xmlns:mc="http://schemas.openxmlformats.org/markup-compatibility/2006">
+    <mc:Choice xmlns:p14="http://schemas.microsoft.com/office/powerpoint/2010/main" Requires="p14">
+      <p:transition spd="med" p14:dur="700">
+        <p:fade/>
+      </p:transition>
+    </mc:Choice>
+    <mc:Fallback>
+      <p:transition spd="med">
+        <p:fade/>
+      </p:transition>
+    </mc:Fallback>
+  </mc:AlternateContent>
+</p:sld>
+</file>
+
+<file path=ppt/slides/slide46.xml><?xml version="1.0" encoding="utf-8"?>
+<p:sld xmlns:a="http://schemas.openxmlformats.org/drawingml/2006/main" xmlns:r="http://schemas.openxmlformats.org/officeDocument/2006/relationships" xmlns:p="http://schemas.openxmlformats.org/presentationml/2006/main">
+  <p:cSld>
+    <p:spTree>
+      <p:nvGrpSpPr>
+        <p:cNvPr id="1" name=""/>
+        <p:cNvGrpSpPr/>
+        <p:nvPr/>
+      </p:nvGrpSpPr>
+      <p:grpSpPr>
+        <a:xfrm>
+          <a:off x="0" y="0"/>
+          <a:ext cx="0" cy="0"/>
+          <a:chOff x="0" y="0"/>
+          <a:chExt cx="0" cy="0"/>
+        </a:xfrm>
+      </p:grpSpPr>
+      <p:sp>
+        <p:nvSpPr>
+          <p:cNvPr id="8" name="Text Placeholder 7">
+            <a:extLst>
+              <a:ext uri="{FF2B5EF4-FFF2-40B4-BE49-F238E27FC236}">
+                <a16:creationId xmlns:a16="http://schemas.microsoft.com/office/drawing/2014/main" id="{75D95B09-4C81-1BEA-C17E-A0651CE452C3}"/>
+              </a:ext>
+            </a:extLst>
+          </p:cNvPr>
+          <p:cNvSpPr>
+            <a:spLocks noGrp="1"/>
+          </p:cNvSpPr>
+          <p:nvPr>
+            <p:ph type="body" sz="quarter" idx="10"/>
+          </p:nvPr>
+        </p:nvSpPr>
+        <p:spPr/>
+        <p:txBody>
+          <a:bodyPr/>
+          <a:lstStyle/>
+          <a:p>
+            <a:r>
+              <a:rPr lang="en-GB" dirty="0" err="1"/>
+              <a:t>slide_subtitle</a:t>
+            </a:r>
+            <a:endParaRPr lang="en-GB" dirty="0"/>
+          </a:p>
+        </p:txBody>
+      </p:sp>
+      <p:sp>
+        <p:nvSpPr>
+          <p:cNvPr id="7" name="Title 6">
+            <a:extLst>
+              <a:ext uri="{FF2B5EF4-FFF2-40B4-BE49-F238E27FC236}">
+                <a16:creationId xmlns:a16="http://schemas.microsoft.com/office/drawing/2014/main" id="{F07B11D4-9D2C-D4C4-F367-CF2CB0614582}"/>
+              </a:ext>
+            </a:extLst>
+          </p:cNvPr>
+          <p:cNvSpPr>
+            <a:spLocks noGrp="1"/>
+          </p:cNvSpPr>
+          <p:nvPr>
+            <p:ph type="title"/>
+          </p:nvPr>
+        </p:nvSpPr>
+        <p:spPr/>
+        <p:txBody>
+          <a:bodyPr/>
+          <a:lstStyle/>
+          <a:p>
+            <a:r>
+              <a:rPr lang="en-GB" dirty="0" err="1"/>
+              <a:t>slide_title</a:t>
+            </a:r>
+            <a:endParaRPr lang="en-GB" dirty="0"/>
+          </a:p>
+        </p:txBody>
+      </p:sp>
+      <p:sp>
+        <p:nvSpPr>
+          <p:cNvPr id="9" name="Title 6">
+            <a:extLst>
+              <a:ext uri="{FF2B5EF4-FFF2-40B4-BE49-F238E27FC236}">
+                <a16:creationId xmlns:a16="http://schemas.microsoft.com/office/drawing/2014/main" id="{0FCE95F0-9FB9-6C46-6607-48165DF1A718}"/>
+              </a:ext>
+            </a:extLst>
+          </p:cNvPr>
+          <p:cNvSpPr txBox="1">
+            <a:spLocks/>
+          </p:cNvSpPr>
+          <p:nvPr/>
+        </p:nvSpPr>
+        <p:spPr>
+          <a:xfrm>
+            <a:off x="632460" y="1165884"/>
+            <a:ext cx="10927080" cy="731520"/>
+          </a:xfrm>
+          <a:prstGeom prst="rect">
+            <a:avLst/>
+          </a:prstGeom>
+        </p:spPr>
+        <p:txBody>
+          <a:bodyPr vert="horz" lIns="0" tIns="0" rIns="0" bIns="0" rtlCol="0" anchor="t" anchorCtr="0">
+            <a:noAutofit/>
+          </a:bodyPr>
+          <a:lstStyle>
+            <a:lvl1pPr algn="l" defTabSz="609555" rtl="0" eaLnBrk="1" latinLnBrk="0" hangingPunct="1">
+              <a:lnSpc>
+                <a:spcPct val="100000"/>
+              </a:lnSpc>
+              <a:spcBef>
+                <a:spcPct val="0"/>
+              </a:spcBef>
+              <a:buNone/>
+              <a:defRPr lang="en-US" sz="2600" b="1" kern="1200" spc="-20" baseline="0" dirty="0">
+                <a:solidFill>
+                  <a:schemeClr val="bg1"/>
+                </a:solidFill>
+                <a:latin typeface="+mj-lt"/>
+                <a:ea typeface="+mj-ea"/>
+                <a:cs typeface="+mj-cs"/>
+              </a:defRPr>
+            </a:lvl1pPr>
+          </a:lstStyle>
+          <a:p>
+            <a:pPr>
+              <a:buClr>
+                <a:schemeClr val="accent4"/>
+              </a:buClr>
+            </a:pPr>
+            <a:r>
+              <a:rPr lang="en-GB" sz="1400" b="0" dirty="0" err="1">
+                <a:solidFill>
+                  <a:schemeClr val="accent2"/>
+                </a:solidFill>
+                <a:latin typeface="Calibri" panose="020F0502020204030204" pitchFamily="34" charset="0"/>
+                <a:cs typeface="Calibri" panose="020F0502020204030204" pitchFamily="34" charset="0"/>
+              </a:rPr>
+              <a:t>slide_bullet</a:t>
+            </a:r>
+            <a:endParaRPr lang="en-GB" sz="1400" b="0" dirty="0">
+              <a:solidFill>
+                <a:schemeClr val="accent2"/>
+              </a:solidFill>
+              <a:latin typeface="Calibri" panose="020F0502020204030204" pitchFamily="34" charset="0"/>
+              <a:cs typeface="Calibri" panose="020F0502020204030204" pitchFamily="34" charset="0"/>
+            </a:endParaRPr>
+          </a:p>
+          <a:p>
+            <a:endParaRPr lang="en-GB" sz="1600" b="0" dirty="0">
+              <a:solidFill>
+                <a:schemeClr val="accent2"/>
+              </a:solidFill>
+              <a:latin typeface="Calibri" panose="020F0502020204030204" pitchFamily="34" charset="0"/>
+              <a:cs typeface="Calibri" panose="020F0502020204030204" pitchFamily="34" charset="0"/>
+            </a:endParaRPr>
+          </a:p>
+          <a:p>
+            <a:pPr marL="285750" indent="-285750">
+              <a:buFont typeface="Arial" panose="020B0604020202020204" pitchFamily="34" charset="0"/>
+              <a:buChar char="•"/>
+            </a:pPr>
+            <a:endParaRPr lang="en-GB" sz="1600" b="0" dirty="0">
+              <a:solidFill>
+                <a:schemeClr val="accent2"/>
+              </a:solidFill>
+              <a:latin typeface="Calibri" panose="020F0502020204030204" pitchFamily="34" charset="0"/>
+              <a:cs typeface="Calibri" panose="020F0502020204030204" pitchFamily="34" charset="0"/>
+            </a:endParaRPr>
+          </a:p>
+          <a:p>
+            <a:pPr marL="285750" indent="-285750">
+              <a:buFont typeface="Arial" panose="020B0604020202020204" pitchFamily="34" charset="0"/>
+              <a:buChar char="•"/>
+            </a:pPr>
+            <a:endParaRPr lang="en-GB" sz="1600" b="0" dirty="0">
+              <a:solidFill>
+                <a:schemeClr val="accent2"/>
+              </a:solidFill>
+              <a:latin typeface="Calibri" panose="020F0502020204030204" pitchFamily="34" charset="0"/>
+              <a:cs typeface="Calibri" panose="020F0502020204030204" pitchFamily="34" charset="0"/>
+            </a:endParaRPr>
+          </a:p>
+          <a:p>
+            <a:pPr marL="285750" indent="-285750">
+              <a:buFont typeface="Arial" panose="020B0604020202020204" pitchFamily="34" charset="0"/>
+              <a:buChar char="•"/>
+            </a:pPr>
+            <a:endParaRPr lang="en-GB" sz="1600" b="0" dirty="0">
+              <a:solidFill>
+                <a:schemeClr val="accent2"/>
+              </a:solidFill>
+              <a:latin typeface="Calibri" panose="020F0502020204030204" pitchFamily="34" charset="0"/>
+              <a:cs typeface="Calibri" panose="020F0502020204030204" pitchFamily="34" charset="0"/>
+            </a:endParaRPr>
+          </a:p>
+          <a:p>
+            <a:endParaRPr lang="en-GB" sz="1600" b="0" dirty="0">
+              <a:solidFill>
+                <a:schemeClr val="accent2"/>
+              </a:solidFill>
+              <a:latin typeface="Calibri" panose="020F0502020204030204" pitchFamily="34" charset="0"/>
+              <a:cs typeface="Calibri" panose="020F0502020204030204" pitchFamily="34" charset="0"/>
+            </a:endParaRPr>
+          </a:p>
+          <a:p>
+            <a:pPr marL="285750" indent="-285750">
+              <a:buFont typeface="Arial" panose="020B0604020202020204" pitchFamily="34" charset="0"/>
+              <a:buChar char="•"/>
+            </a:pPr>
+            <a:endParaRPr lang="en-GB" sz="1600" b="0" dirty="0">
+              <a:solidFill>
+                <a:schemeClr val="accent2"/>
+              </a:solidFill>
+              <a:latin typeface="Calibri" panose="020F0502020204030204" pitchFamily="34" charset="0"/>
+              <a:cs typeface="Calibri" panose="020F0502020204030204" pitchFamily="34" charset="0"/>
+            </a:endParaRPr>
+          </a:p>
+        </p:txBody>
+      </p:sp>
+      <p:sp>
+        <p:nvSpPr>
+          <p:cNvPr id="10" name="Title 6">
+            <a:extLst>
+              <a:ext uri="{FF2B5EF4-FFF2-40B4-BE49-F238E27FC236}">
+                <a16:creationId xmlns:a16="http://schemas.microsoft.com/office/drawing/2014/main" id="{64A2D8A6-32F9-F325-26A8-30EC5DCDFC53}"/>
+              </a:ext>
+            </a:extLst>
+          </p:cNvPr>
+          <p:cNvSpPr txBox="1">
+            <a:spLocks/>
+          </p:cNvSpPr>
+          <p:nvPr/>
+        </p:nvSpPr>
+        <p:spPr>
+          <a:xfrm>
+            <a:off x="632460" y="5819339"/>
+            <a:ext cx="10927080" cy="731520"/>
+          </a:xfrm>
+          <a:prstGeom prst="rect">
+            <a:avLst/>
+          </a:prstGeom>
+          <a:gradFill flip="none" rotWithShape="1">
+            <a:gsLst>
+              <a:gs pos="0">
+                <a:schemeClr val="bg1"/>
+              </a:gs>
+              <a:gs pos="40000">
+                <a:schemeClr val="accent4"/>
+              </a:gs>
+              <a:gs pos="100000">
+                <a:schemeClr val="accent3"/>
+              </a:gs>
+            </a:gsLst>
+            <a:lin ang="0" scaled="1"/>
+            <a:tileRect/>
+          </a:gradFill>
+          <a:effectLst>
+            <a:outerShdw blurRad="50800" dist="38100" dir="2700000" algn="tl" rotWithShape="0">
+              <a:prstClr val="black">
+                <a:alpha val="40000"/>
+              </a:prstClr>
+            </a:outerShdw>
+          </a:effectLst>
+        </p:spPr>
+        <p:txBody>
+          <a:bodyPr vert="horz" lIns="0" tIns="0" rIns="0" bIns="0" rtlCol="0" anchor="t" anchorCtr="0">
+            <a:noAutofit/>
+          </a:bodyPr>
+          <a:lstStyle>
+            <a:lvl1pPr algn="l" defTabSz="609555" rtl="0" eaLnBrk="1" latinLnBrk="0" hangingPunct="1">
+              <a:lnSpc>
+                <a:spcPct val="100000"/>
+              </a:lnSpc>
+              <a:spcBef>
+                <a:spcPct val="0"/>
+              </a:spcBef>
+              <a:buNone/>
+              <a:defRPr lang="en-US" sz="2600" b="1" kern="1200" spc="-20" baseline="0" dirty="0">
+                <a:solidFill>
+                  <a:schemeClr val="bg1"/>
+                </a:solidFill>
+                <a:latin typeface="+mj-lt"/>
+                <a:ea typeface="+mj-ea"/>
+                <a:cs typeface="+mj-cs"/>
+              </a:defRPr>
+            </a:lvl1pPr>
+          </a:lstStyle>
+          <a:p>
+            <a:endParaRPr lang="en-GB" sz="1600" b="0" dirty="0">
+              <a:solidFill>
+                <a:schemeClr val="accent2"/>
+              </a:solidFill>
+              <a:latin typeface="Calibri" panose="020F0502020204030204" pitchFamily="34" charset="0"/>
+              <a:cs typeface="Calibri" panose="020F0502020204030204" pitchFamily="34" charset="0"/>
+            </a:endParaRPr>
+          </a:p>
+          <a:p>
+            <a:pPr marL="285750" indent="-285750">
+              <a:buFont typeface="Arial" panose="020B0604020202020204" pitchFamily="34" charset="0"/>
+              <a:buChar char="•"/>
+            </a:pPr>
+            <a:endParaRPr lang="en-GB" sz="1600" b="0" dirty="0">
+              <a:solidFill>
+                <a:schemeClr val="accent2"/>
+              </a:solidFill>
+              <a:latin typeface="Calibri" panose="020F0502020204030204" pitchFamily="34" charset="0"/>
+              <a:cs typeface="Calibri" panose="020F0502020204030204" pitchFamily="34" charset="0"/>
+            </a:endParaRPr>
+          </a:p>
+          <a:p>
+            <a:pPr marL="285750" indent="-285750">
+              <a:buFont typeface="Arial" panose="020B0604020202020204" pitchFamily="34" charset="0"/>
+              <a:buChar char="•"/>
+            </a:pPr>
+            <a:endParaRPr lang="en-GB" sz="1600" b="0" dirty="0">
+              <a:solidFill>
+                <a:schemeClr val="accent2"/>
+              </a:solidFill>
+              <a:latin typeface="Calibri" panose="020F0502020204030204" pitchFamily="34" charset="0"/>
+              <a:cs typeface="Calibri" panose="020F0502020204030204" pitchFamily="34" charset="0"/>
+            </a:endParaRPr>
+          </a:p>
+          <a:p>
+            <a:pPr marL="285750" indent="-285750">
+              <a:buFont typeface="Arial" panose="020B0604020202020204" pitchFamily="34" charset="0"/>
+              <a:buChar char="•"/>
+            </a:pPr>
+            <a:endParaRPr lang="en-GB" sz="1600" b="0" dirty="0">
+              <a:solidFill>
+                <a:schemeClr val="accent2"/>
+              </a:solidFill>
+              <a:latin typeface="Calibri" panose="020F0502020204030204" pitchFamily="34" charset="0"/>
+              <a:cs typeface="Calibri" panose="020F0502020204030204" pitchFamily="34" charset="0"/>
+            </a:endParaRPr>
+          </a:p>
+          <a:p>
+            <a:endParaRPr lang="en-GB" sz="1600" b="0" dirty="0">
+              <a:solidFill>
+                <a:schemeClr val="accent2"/>
+              </a:solidFill>
+              <a:latin typeface="Calibri" panose="020F0502020204030204" pitchFamily="34" charset="0"/>
+              <a:cs typeface="Calibri" panose="020F0502020204030204" pitchFamily="34" charset="0"/>
+            </a:endParaRPr>
+          </a:p>
+          <a:p>
+            <a:pPr marL="285750" indent="-285750">
+              <a:buFont typeface="Arial" panose="020B0604020202020204" pitchFamily="34" charset="0"/>
+              <a:buChar char="•"/>
+            </a:pPr>
+            <a:endParaRPr lang="en-GB" sz="1600" b="0" dirty="0">
+              <a:solidFill>
+                <a:schemeClr val="accent2"/>
+              </a:solidFill>
+              <a:latin typeface="Calibri" panose="020F0502020204030204" pitchFamily="34" charset="0"/>
+              <a:cs typeface="Calibri" panose="020F0502020204030204" pitchFamily="34" charset="0"/>
+            </a:endParaRPr>
+          </a:p>
+        </p:txBody>
+      </p:sp>
+      <p:sp>
+        <p:nvSpPr>
+          <p:cNvPr id="11" name="TextBox 10">
+            <a:extLst>
+              <a:ext uri="{FF2B5EF4-FFF2-40B4-BE49-F238E27FC236}">
+                <a16:creationId xmlns:a16="http://schemas.microsoft.com/office/drawing/2014/main" id="{A3036AEF-7A78-A326-F646-0EFE6B2B6FB6}"/>
+              </a:ext>
+            </a:extLst>
+          </p:cNvPr>
+          <p:cNvSpPr txBox="1"/>
+          <p:nvPr/>
+        </p:nvSpPr>
+        <p:spPr>
+          <a:xfrm>
+            <a:off x="768626" y="5883965"/>
+            <a:ext cx="10614991" cy="215444"/>
+          </a:xfrm>
+          <a:prstGeom prst="rect">
+            <a:avLst/>
+          </a:prstGeom>
+        </p:spPr>
+        <p:txBody>
+          <a:bodyPr wrap="square" lIns="0" tIns="0" rIns="0" bIns="0" rtlCol="0" anchor="t" anchorCtr="0">
+            <a:spAutoFit/>
+          </a:bodyPr>
+          <a:lstStyle/>
+          <a:p>
+            <a:pPr algn="ctr"/>
+            <a:r>
+              <a:rPr lang="en-GB" sz="1400" b="1" dirty="0" err="1">
+                <a:solidFill>
+                  <a:schemeClr val="tx2"/>
+                </a:solidFill>
+              </a:rPr>
+              <a:t>slide_takeout</a:t>
+            </a:r>
+            <a:endParaRPr lang="en-GB" sz="1400" b="1" dirty="0">
+              <a:solidFill>
+                <a:schemeClr val="tx2"/>
+              </a:solidFill>
+            </a:endParaRPr>
+          </a:p>
+        </p:txBody>
+      </p:sp>
+    </p:spTree>
+    <p:extLst>
+      <p:ext uri="{BB962C8B-B14F-4D97-AF65-F5344CB8AC3E}">
+        <p14:creationId xmlns:p14="http://schemas.microsoft.com/office/powerpoint/2010/main" val="2291541923"/>
+      </p:ext>
+    </p:extLst>
+  </p:cSld>
+  <p:clrMapOvr>
+    <a:masterClrMapping/>
+  </p:clrMapOvr>
+  <mc:AlternateContent xmlns:mc="http://schemas.openxmlformats.org/markup-compatibility/2006">
+    <mc:Choice xmlns:p14="http://schemas.microsoft.com/office/powerpoint/2010/main" Requires="p14">
+      <p:transition spd="med" p14:dur="700">
+        <p:fade/>
+      </p:transition>
+    </mc:Choice>
+    <mc:Fallback>
+      <p:transition spd="med">
+        <p:fade/>
+      </p:transition>
+    </mc:Fallback>
+  </mc:AlternateContent>
+</p:sld>
+</file>
+
+<file path=ppt/slides/slide47.xml><?xml version="1.0" encoding="utf-8"?>
+<p:sld xmlns:a="http://schemas.openxmlformats.org/drawingml/2006/main" xmlns:r="http://schemas.openxmlformats.org/officeDocument/2006/relationships" xmlns:p="http://schemas.openxmlformats.org/presentationml/2006/main">
+  <p:cSld>
+    <p:spTree>
+      <p:nvGrpSpPr>
+        <p:cNvPr id="1" name=""/>
+        <p:cNvGrpSpPr/>
+        <p:nvPr/>
+      </p:nvGrpSpPr>
+      <p:grpSpPr>
+        <a:xfrm>
+          <a:off x="0" y="0"/>
+          <a:ext cx="0" cy="0"/>
+          <a:chOff x="0" y="0"/>
+          <a:chExt cx="0" cy="0"/>
+        </a:xfrm>
+      </p:grpSpPr>
+      <p:sp>
+        <p:nvSpPr>
+          <p:cNvPr id="8" name="Text Placeholder 7">
+            <a:extLst>
+              <a:ext uri="{FF2B5EF4-FFF2-40B4-BE49-F238E27FC236}">
+                <a16:creationId xmlns:a16="http://schemas.microsoft.com/office/drawing/2014/main" id="{75D95B09-4C81-1BEA-C17E-A0651CE452C3}"/>
+              </a:ext>
+            </a:extLst>
+          </p:cNvPr>
+          <p:cNvSpPr>
+            <a:spLocks noGrp="1"/>
+          </p:cNvSpPr>
+          <p:nvPr>
+            <p:ph type="body" sz="quarter" idx="10"/>
+          </p:nvPr>
+        </p:nvSpPr>
+        <p:spPr/>
+        <p:txBody>
+          <a:bodyPr/>
+          <a:lstStyle/>
+          <a:p>
+            <a:r>
+              <a:rPr lang="en-GB" dirty="0" err="1"/>
+              <a:t>slide_subtitle</a:t>
+            </a:r>
+            <a:endParaRPr lang="en-GB" dirty="0"/>
+          </a:p>
+        </p:txBody>
+      </p:sp>
+      <p:sp>
+        <p:nvSpPr>
+          <p:cNvPr id="7" name="Title 6">
+            <a:extLst>
+              <a:ext uri="{FF2B5EF4-FFF2-40B4-BE49-F238E27FC236}">
+                <a16:creationId xmlns:a16="http://schemas.microsoft.com/office/drawing/2014/main" id="{F07B11D4-9D2C-D4C4-F367-CF2CB0614582}"/>
+              </a:ext>
+            </a:extLst>
+          </p:cNvPr>
+          <p:cNvSpPr>
+            <a:spLocks noGrp="1"/>
+          </p:cNvSpPr>
+          <p:nvPr>
+            <p:ph type="title"/>
+          </p:nvPr>
+        </p:nvSpPr>
+        <p:spPr/>
+        <p:txBody>
+          <a:bodyPr/>
+          <a:lstStyle/>
+          <a:p>
+            <a:r>
+              <a:rPr lang="en-GB" dirty="0" err="1"/>
+              <a:t>slide_title</a:t>
+            </a:r>
+            <a:endParaRPr lang="en-GB" dirty="0"/>
+          </a:p>
+        </p:txBody>
+      </p:sp>
+      <p:sp>
+        <p:nvSpPr>
+          <p:cNvPr id="9" name="Title 6">
+            <a:extLst>
+              <a:ext uri="{FF2B5EF4-FFF2-40B4-BE49-F238E27FC236}">
+                <a16:creationId xmlns:a16="http://schemas.microsoft.com/office/drawing/2014/main" id="{0FCE95F0-9FB9-6C46-6607-48165DF1A718}"/>
+              </a:ext>
+            </a:extLst>
+          </p:cNvPr>
+          <p:cNvSpPr txBox="1">
+            <a:spLocks/>
+          </p:cNvSpPr>
+          <p:nvPr/>
+        </p:nvSpPr>
+        <p:spPr>
+          <a:xfrm>
+            <a:off x="632460" y="1165884"/>
+            <a:ext cx="10927080" cy="731520"/>
+          </a:xfrm>
+          <a:prstGeom prst="rect">
+            <a:avLst/>
+          </a:prstGeom>
+        </p:spPr>
+        <p:txBody>
+          <a:bodyPr vert="horz" lIns="0" tIns="0" rIns="0" bIns="0" rtlCol="0" anchor="t" anchorCtr="0">
+            <a:noAutofit/>
+          </a:bodyPr>
+          <a:lstStyle>
+            <a:lvl1pPr algn="l" defTabSz="609555" rtl="0" eaLnBrk="1" latinLnBrk="0" hangingPunct="1">
+              <a:lnSpc>
+                <a:spcPct val="100000"/>
+              </a:lnSpc>
+              <a:spcBef>
+                <a:spcPct val="0"/>
+              </a:spcBef>
+              <a:buNone/>
+              <a:defRPr lang="en-US" sz="2600" b="1" kern="1200" spc="-20" baseline="0" dirty="0">
+                <a:solidFill>
+                  <a:schemeClr val="bg1"/>
+                </a:solidFill>
+                <a:latin typeface="+mj-lt"/>
+                <a:ea typeface="+mj-ea"/>
+                <a:cs typeface="+mj-cs"/>
+              </a:defRPr>
+            </a:lvl1pPr>
+          </a:lstStyle>
+          <a:p>
+            <a:pPr>
+              <a:buClr>
+                <a:schemeClr val="accent4"/>
+              </a:buClr>
+            </a:pPr>
+            <a:r>
+              <a:rPr lang="en-GB" sz="1400" b="0" dirty="0" err="1">
+                <a:solidFill>
+                  <a:schemeClr val="accent2"/>
+                </a:solidFill>
+                <a:latin typeface="Calibri" panose="020F0502020204030204" pitchFamily="34" charset="0"/>
+                <a:cs typeface="Calibri" panose="020F0502020204030204" pitchFamily="34" charset="0"/>
+              </a:rPr>
+              <a:t>slide_bullet</a:t>
+            </a:r>
+            <a:endParaRPr lang="en-GB" sz="1400" b="0" dirty="0">
+              <a:solidFill>
+                <a:schemeClr val="accent2"/>
+              </a:solidFill>
+              <a:latin typeface="Calibri" panose="020F0502020204030204" pitchFamily="34" charset="0"/>
+              <a:cs typeface="Calibri" panose="020F0502020204030204" pitchFamily="34" charset="0"/>
+            </a:endParaRPr>
+          </a:p>
+          <a:p>
+            <a:endParaRPr lang="en-GB" sz="1600" b="0" dirty="0">
+              <a:solidFill>
+                <a:schemeClr val="accent2"/>
+              </a:solidFill>
+              <a:latin typeface="Calibri" panose="020F0502020204030204" pitchFamily="34" charset="0"/>
+              <a:cs typeface="Calibri" panose="020F0502020204030204" pitchFamily="34" charset="0"/>
+            </a:endParaRPr>
+          </a:p>
+          <a:p>
+            <a:pPr marL="285750" indent="-285750">
+              <a:buFont typeface="Arial" panose="020B0604020202020204" pitchFamily="34" charset="0"/>
+              <a:buChar char="•"/>
+            </a:pPr>
+            <a:endParaRPr lang="en-GB" sz="1600" b="0" dirty="0">
+              <a:solidFill>
+                <a:schemeClr val="accent2"/>
+              </a:solidFill>
+              <a:latin typeface="Calibri" panose="020F0502020204030204" pitchFamily="34" charset="0"/>
+              <a:cs typeface="Calibri" panose="020F0502020204030204" pitchFamily="34" charset="0"/>
+            </a:endParaRPr>
+          </a:p>
+          <a:p>
+            <a:pPr marL="285750" indent="-285750">
+              <a:buFont typeface="Arial" panose="020B0604020202020204" pitchFamily="34" charset="0"/>
+              <a:buChar char="•"/>
+            </a:pPr>
+            <a:endParaRPr lang="en-GB" sz="1600" b="0" dirty="0">
+              <a:solidFill>
+                <a:schemeClr val="accent2"/>
+              </a:solidFill>
+              <a:latin typeface="Calibri" panose="020F0502020204030204" pitchFamily="34" charset="0"/>
+              <a:cs typeface="Calibri" panose="020F0502020204030204" pitchFamily="34" charset="0"/>
+            </a:endParaRPr>
+          </a:p>
+          <a:p>
+            <a:pPr marL="285750" indent="-285750">
+              <a:buFont typeface="Arial" panose="020B0604020202020204" pitchFamily="34" charset="0"/>
+              <a:buChar char="•"/>
+            </a:pPr>
+            <a:endParaRPr lang="en-GB" sz="1600" b="0" dirty="0">
+              <a:solidFill>
+                <a:schemeClr val="accent2"/>
+              </a:solidFill>
+              <a:latin typeface="Calibri" panose="020F0502020204030204" pitchFamily="34" charset="0"/>
+              <a:cs typeface="Calibri" panose="020F0502020204030204" pitchFamily="34" charset="0"/>
+            </a:endParaRPr>
+          </a:p>
+          <a:p>
+            <a:endParaRPr lang="en-GB" sz="1600" b="0" dirty="0">
+              <a:solidFill>
+                <a:schemeClr val="accent2"/>
+              </a:solidFill>
+              <a:latin typeface="Calibri" panose="020F0502020204030204" pitchFamily="34" charset="0"/>
+              <a:cs typeface="Calibri" panose="020F0502020204030204" pitchFamily="34" charset="0"/>
+            </a:endParaRPr>
+          </a:p>
+          <a:p>
+            <a:pPr marL="285750" indent="-285750">
+              <a:buFont typeface="Arial" panose="020B0604020202020204" pitchFamily="34" charset="0"/>
+              <a:buChar char="•"/>
+            </a:pPr>
+            <a:endParaRPr lang="en-GB" sz="1600" b="0" dirty="0">
+              <a:solidFill>
+                <a:schemeClr val="accent2"/>
+              </a:solidFill>
+              <a:latin typeface="Calibri" panose="020F0502020204030204" pitchFamily="34" charset="0"/>
+              <a:cs typeface="Calibri" panose="020F0502020204030204" pitchFamily="34" charset="0"/>
+            </a:endParaRPr>
+          </a:p>
+        </p:txBody>
+      </p:sp>
+      <p:sp>
+        <p:nvSpPr>
+          <p:cNvPr id="10" name="Title 6">
+            <a:extLst>
+              <a:ext uri="{FF2B5EF4-FFF2-40B4-BE49-F238E27FC236}">
+                <a16:creationId xmlns:a16="http://schemas.microsoft.com/office/drawing/2014/main" id="{64A2D8A6-32F9-F325-26A8-30EC5DCDFC53}"/>
+              </a:ext>
+            </a:extLst>
+          </p:cNvPr>
+          <p:cNvSpPr txBox="1">
+            <a:spLocks/>
+          </p:cNvSpPr>
+          <p:nvPr/>
+        </p:nvSpPr>
+        <p:spPr>
+          <a:xfrm>
+            <a:off x="632460" y="5819339"/>
+            <a:ext cx="10927080" cy="731520"/>
+          </a:xfrm>
+          <a:prstGeom prst="rect">
+            <a:avLst/>
+          </a:prstGeom>
+          <a:gradFill flip="none" rotWithShape="1">
+            <a:gsLst>
+              <a:gs pos="0">
+                <a:schemeClr val="bg1"/>
+              </a:gs>
+              <a:gs pos="40000">
+                <a:schemeClr val="accent4"/>
+              </a:gs>
+              <a:gs pos="100000">
+                <a:schemeClr val="accent3"/>
+              </a:gs>
+            </a:gsLst>
+            <a:lin ang="0" scaled="1"/>
+            <a:tileRect/>
+          </a:gradFill>
+          <a:effectLst>
+            <a:outerShdw blurRad="50800" dist="38100" dir="2700000" algn="tl" rotWithShape="0">
+              <a:prstClr val="black">
+                <a:alpha val="40000"/>
+              </a:prstClr>
+            </a:outerShdw>
+          </a:effectLst>
+        </p:spPr>
+        <p:txBody>
+          <a:bodyPr vert="horz" lIns="0" tIns="0" rIns="0" bIns="0" rtlCol="0" anchor="t" anchorCtr="0">
+            <a:noAutofit/>
+          </a:bodyPr>
+          <a:lstStyle>
+            <a:lvl1pPr algn="l" defTabSz="609555" rtl="0" eaLnBrk="1" latinLnBrk="0" hangingPunct="1">
+              <a:lnSpc>
+                <a:spcPct val="100000"/>
+              </a:lnSpc>
+              <a:spcBef>
+                <a:spcPct val="0"/>
+              </a:spcBef>
+              <a:buNone/>
+              <a:defRPr lang="en-US" sz="2600" b="1" kern="1200" spc="-20" baseline="0" dirty="0">
+                <a:solidFill>
+                  <a:schemeClr val="bg1"/>
+                </a:solidFill>
+                <a:latin typeface="+mj-lt"/>
+                <a:ea typeface="+mj-ea"/>
+                <a:cs typeface="+mj-cs"/>
+              </a:defRPr>
+            </a:lvl1pPr>
+          </a:lstStyle>
+          <a:p>
+            <a:endParaRPr lang="en-GB" sz="1600" b="0" dirty="0">
+              <a:solidFill>
+                <a:schemeClr val="accent2"/>
+              </a:solidFill>
+              <a:latin typeface="Calibri" panose="020F0502020204030204" pitchFamily="34" charset="0"/>
+              <a:cs typeface="Calibri" panose="020F0502020204030204" pitchFamily="34" charset="0"/>
+            </a:endParaRPr>
+          </a:p>
+          <a:p>
+            <a:pPr marL="285750" indent="-285750">
+              <a:buFont typeface="Arial" panose="020B0604020202020204" pitchFamily="34" charset="0"/>
+              <a:buChar char="•"/>
+            </a:pPr>
+            <a:endParaRPr lang="en-GB" sz="1600" b="0" dirty="0">
+              <a:solidFill>
+                <a:schemeClr val="accent2"/>
+              </a:solidFill>
+              <a:latin typeface="Calibri" panose="020F0502020204030204" pitchFamily="34" charset="0"/>
+              <a:cs typeface="Calibri" panose="020F0502020204030204" pitchFamily="34" charset="0"/>
+            </a:endParaRPr>
+          </a:p>
+          <a:p>
+            <a:pPr marL="285750" indent="-285750">
+              <a:buFont typeface="Arial" panose="020B0604020202020204" pitchFamily="34" charset="0"/>
+              <a:buChar char="•"/>
+            </a:pPr>
+            <a:endParaRPr lang="en-GB" sz="1600" b="0" dirty="0">
+              <a:solidFill>
+                <a:schemeClr val="accent2"/>
+              </a:solidFill>
+              <a:latin typeface="Calibri" panose="020F0502020204030204" pitchFamily="34" charset="0"/>
+              <a:cs typeface="Calibri" panose="020F0502020204030204" pitchFamily="34" charset="0"/>
+            </a:endParaRPr>
+          </a:p>
+          <a:p>
+            <a:pPr marL="285750" indent="-285750">
+              <a:buFont typeface="Arial" panose="020B0604020202020204" pitchFamily="34" charset="0"/>
+              <a:buChar char="•"/>
+            </a:pPr>
+            <a:endParaRPr lang="en-GB" sz="1600" b="0" dirty="0">
+              <a:solidFill>
+                <a:schemeClr val="accent2"/>
+              </a:solidFill>
+              <a:latin typeface="Calibri" panose="020F0502020204030204" pitchFamily="34" charset="0"/>
+              <a:cs typeface="Calibri" panose="020F0502020204030204" pitchFamily="34" charset="0"/>
+            </a:endParaRPr>
+          </a:p>
+          <a:p>
+            <a:endParaRPr lang="en-GB" sz="1600" b="0" dirty="0">
+              <a:solidFill>
+                <a:schemeClr val="accent2"/>
+              </a:solidFill>
+              <a:latin typeface="Calibri" panose="020F0502020204030204" pitchFamily="34" charset="0"/>
+              <a:cs typeface="Calibri" panose="020F0502020204030204" pitchFamily="34" charset="0"/>
+            </a:endParaRPr>
+          </a:p>
+          <a:p>
+            <a:pPr marL="285750" indent="-285750">
+              <a:buFont typeface="Arial" panose="020B0604020202020204" pitchFamily="34" charset="0"/>
+              <a:buChar char="•"/>
+            </a:pPr>
+            <a:endParaRPr lang="en-GB" sz="1600" b="0" dirty="0">
+              <a:solidFill>
+                <a:schemeClr val="accent2"/>
+              </a:solidFill>
+              <a:latin typeface="Calibri" panose="020F0502020204030204" pitchFamily="34" charset="0"/>
+              <a:cs typeface="Calibri" panose="020F0502020204030204" pitchFamily="34" charset="0"/>
+            </a:endParaRPr>
+          </a:p>
+        </p:txBody>
+      </p:sp>
+      <p:sp>
+        <p:nvSpPr>
+          <p:cNvPr id="11" name="TextBox 10">
+            <a:extLst>
+              <a:ext uri="{FF2B5EF4-FFF2-40B4-BE49-F238E27FC236}">
+                <a16:creationId xmlns:a16="http://schemas.microsoft.com/office/drawing/2014/main" id="{A3036AEF-7A78-A326-F646-0EFE6B2B6FB6}"/>
+              </a:ext>
+            </a:extLst>
+          </p:cNvPr>
+          <p:cNvSpPr txBox="1"/>
+          <p:nvPr/>
+        </p:nvSpPr>
+        <p:spPr>
+          <a:xfrm>
+            <a:off x="768626" y="5883965"/>
+            <a:ext cx="10614991" cy="215444"/>
+          </a:xfrm>
+          <a:prstGeom prst="rect">
+            <a:avLst/>
+          </a:prstGeom>
+        </p:spPr>
+        <p:txBody>
+          <a:bodyPr wrap="square" lIns="0" tIns="0" rIns="0" bIns="0" rtlCol="0" anchor="t" anchorCtr="0">
+            <a:spAutoFit/>
+          </a:bodyPr>
+          <a:lstStyle/>
+          <a:p>
+            <a:pPr algn="ctr"/>
+            <a:r>
+              <a:rPr lang="en-GB" sz="1400" b="1" dirty="0" err="1">
+                <a:solidFill>
+                  <a:schemeClr val="tx2"/>
+                </a:solidFill>
+              </a:rPr>
+              <a:t>slide_takeout</a:t>
+            </a:r>
+            <a:endParaRPr lang="en-GB" sz="1400" b="1" dirty="0">
+              <a:solidFill>
+                <a:schemeClr val="tx2"/>
+              </a:solidFill>
+            </a:endParaRPr>
+          </a:p>
+        </p:txBody>
+      </p:sp>
+    </p:spTree>
+    <p:extLst>
+      <p:ext uri="{BB962C8B-B14F-4D97-AF65-F5344CB8AC3E}">
+        <p14:creationId xmlns:p14="http://schemas.microsoft.com/office/powerpoint/2010/main" val="1049266416"/>
+      </p:ext>
+    </p:extLst>
+  </p:cSld>
+  <p:clrMapOvr>
+    <a:masterClrMapping/>
+  </p:clrMapOvr>
+  <mc:AlternateContent xmlns:mc="http://schemas.openxmlformats.org/markup-compatibility/2006">
+    <mc:Choice xmlns:p14="http://schemas.microsoft.com/office/powerpoint/2010/main" Requires="p14">
+      <p:transition spd="med" p14:dur="700">
+        <p:fade/>
+      </p:transition>
+    </mc:Choice>
+    <mc:Fallback>
+      <p:transition spd="med">
+        <p:fade/>
+      </p:transition>
+    </mc:Fallback>
+  </mc:AlternateContent>
+</p:sld>
+</file>
+
+<file path=ppt/slides/slide48.xml><?xml version="1.0" encoding="utf-8"?>
+<p:sld xmlns:a="http://schemas.openxmlformats.org/drawingml/2006/main" xmlns:r="http://schemas.openxmlformats.org/officeDocument/2006/relationships" xmlns:p="http://schemas.openxmlformats.org/presentationml/2006/main">
+  <p:cSld>
+    <p:spTree>
+      <p:nvGrpSpPr>
+        <p:cNvPr id="1" name=""/>
+        <p:cNvGrpSpPr/>
+        <p:nvPr/>
+      </p:nvGrpSpPr>
+      <p:grpSpPr>
+        <a:xfrm>
+          <a:off x="0" y="0"/>
+          <a:ext cx="0" cy="0"/>
+          <a:chOff x="0" y="0"/>
+          <a:chExt cx="0" cy="0"/>
+        </a:xfrm>
+      </p:grpSpPr>
+      <p:sp>
+        <p:nvSpPr>
+          <p:cNvPr id="8" name="Text Placeholder 7">
+            <a:extLst>
+              <a:ext uri="{FF2B5EF4-FFF2-40B4-BE49-F238E27FC236}">
+                <a16:creationId xmlns:a16="http://schemas.microsoft.com/office/drawing/2014/main" id="{75D95B09-4C81-1BEA-C17E-A0651CE452C3}"/>
+              </a:ext>
+            </a:extLst>
+          </p:cNvPr>
+          <p:cNvSpPr>
+            <a:spLocks noGrp="1"/>
+          </p:cNvSpPr>
+          <p:nvPr>
+            <p:ph type="body" sz="quarter" idx="10"/>
+          </p:nvPr>
+        </p:nvSpPr>
+        <p:spPr/>
+        <p:txBody>
+          <a:bodyPr/>
+          <a:lstStyle/>
+          <a:p>
+            <a:r>
+              <a:rPr lang="en-GB" dirty="0" err="1"/>
+              <a:t>slide_subtitle</a:t>
+            </a:r>
+            <a:endParaRPr lang="en-GB" dirty="0"/>
+          </a:p>
+        </p:txBody>
+      </p:sp>
+      <p:sp>
+        <p:nvSpPr>
+          <p:cNvPr id="7" name="Title 6">
+            <a:extLst>
+              <a:ext uri="{FF2B5EF4-FFF2-40B4-BE49-F238E27FC236}">
+                <a16:creationId xmlns:a16="http://schemas.microsoft.com/office/drawing/2014/main" id="{F07B11D4-9D2C-D4C4-F367-CF2CB0614582}"/>
+              </a:ext>
+            </a:extLst>
+          </p:cNvPr>
+          <p:cNvSpPr>
+            <a:spLocks noGrp="1"/>
+          </p:cNvSpPr>
+          <p:nvPr>
+            <p:ph type="title"/>
+          </p:nvPr>
+        </p:nvSpPr>
+        <p:spPr/>
+        <p:txBody>
+          <a:bodyPr/>
+          <a:lstStyle/>
+          <a:p>
+            <a:r>
+              <a:rPr lang="en-GB" dirty="0" err="1"/>
+              <a:t>slide_title</a:t>
+            </a:r>
+            <a:endParaRPr lang="en-GB" dirty="0"/>
+          </a:p>
+        </p:txBody>
+      </p:sp>
+      <p:sp>
+        <p:nvSpPr>
+          <p:cNvPr id="9" name="Title 6">
+            <a:extLst>
+              <a:ext uri="{FF2B5EF4-FFF2-40B4-BE49-F238E27FC236}">
+                <a16:creationId xmlns:a16="http://schemas.microsoft.com/office/drawing/2014/main" id="{0FCE95F0-9FB9-6C46-6607-48165DF1A718}"/>
+              </a:ext>
+            </a:extLst>
+          </p:cNvPr>
+          <p:cNvSpPr txBox="1">
+            <a:spLocks/>
+          </p:cNvSpPr>
+          <p:nvPr/>
+        </p:nvSpPr>
+        <p:spPr>
+          <a:xfrm>
+            <a:off x="632460" y="1165884"/>
+            <a:ext cx="10927080" cy="731520"/>
+          </a:xfrm>
+          <a:prstGeom prst="rect">
+            <a:avLst/>
+          </a:prstGeom>
+        </p:spPr>
+        <p:txBody>
+          <a:bodyPr vert="horz" lIns="0" tIns="0" rIns="0" bIns="0" rtlCol="0" anchor="t" anchorCtr="0">
+            <a:noAutofit/>
+          </a:bodyPr>
+          <a:lstStyle>
+            <a:lvl1pPr algn="l" defTabSz="609555" rtl="0" eaLnBrk="1" latinLnBrk="0" hangingPunct="1">
+              <a:lnSpc>
+                <a:spcPct val="100000"/>
+              </a:lnSpc>
+              <a:spcBef>
+                <a:spcPct val="0"/>
+              </a:spcBef>
+              <a:buNone/>
+              <a:defRPr lang="en-US" sz="2600" b="1" kern="1200" spc="-20" baseline="0" dirty="0">
+                <a:solidFill>
+                  <a:schemeClr val="bg1"/>
+                </a:solidFill>
+                <a:latin typeface="+mj-lt"/>
+                <a:ea typeface="+mj-ea"/>
+                <a:cs typeface="+mj-cs"/>
+              </a:defRPr>
+            </a:lvl1pPr>
+          </a:lstStyle>
+          <a:p>
+            <a:pPr>
+              <a:buClr>
+                <a:schemeClr val="accent4"/>
+              </a:buClr>
+            </a:pPr>
+            <a:r>
+              <a:rPr lang="en-GB" sz="1400" b="0" dirty="0" err="1">
+                <a:solidFill>
+                  <a:schemeClr val="accent2"/>
+                </a:solidFill>
+                <a:latin typeface="Calibri" panose="020F0502020204030204" pitchFamily="34" charset="0"/>
+                <a:cs typeface="Calibri" panose="020F0502020204030204" pitchFamily="34" charset="0"/>
+              </a:rPr>
+              <a:t>slide_bullet</a:t>
+            </a:r>
+            <a:endParaRPr lang="en-GB" sz="1400" b="0" dirty="0">
+              <a:solidFill>
+                <a:schemeClr val="accent2"/>
+              </a:solidFill>
+              <a:latin typeface="Calibri" panose="020F0502020204030204" pitchFamily="34" charset="0"/>
+              <a:cs typeface="Calibri" panose="020F0502020204030204" pitchFamily="34" charset="0"/>
+            </a:endParaRPr>
+          </a:p>
+          <a:p>
+            <a:endParaRPr lang="en-GB" sz="1600" b="0" dirty="0">
+              <a:solidFill>
+                <a:schemeClr val="accent2"/>
+              </a:solidFill>
+              <a:latin typeface="Calibri" panose="020F0502020204030204" pitchFamily="34" charset="0"/>
+              <a:cs typeface="Calibri" panose="020F0502020204030204" pitchFamily="34" charset="0"/>
+            </a:endParaRPr>
+          </a:p>
+          <a:p>
+            <a:pPr marL="285750" indent="-285750">
+              <a:buFont typeface="Arial" panose="020B0604020202020204" pitchFamily="34" charset="0"/>
+              <a:buChar char="•"/>
+            </a:pPr>
+            <a:endParaRPr lang="en-GB" sz="1600" b="0" dirty="0">
+              <a:solidFill>
+                <a:schemeClr val="accent2"/>
+              </a:solidFill>
+              <a:latin typeface="Calibri" panose="020F0502020204030204" pitchFamily="34" charset="0"/>
+              <a:cs typeface="Calibri" panose="020F0502020204030204" pitchFamily="34" charset="0"/>
+            </a:endParaRPr>
+          </a:p>
+          <a:p>
+            <a:pPr marL="285750" indent="-285750">
+              <a:buFont typeface="Arial" panose="020B0604020202020204" pitchFamily="34" charset="0"/>
+              <a:buChar char="•"/>
+            </a:pPr>
+            <a:endParaRPr lang="en-GB" sz="1600" b="0" dirty="0">
+              <a:solidFill>
+                <a:schemeClr val="accent2"/>
+              </a:solidFill>
+              <a:latin typeface="Calibri" panose="020F0502020204030204" pitchFamily="34" charset="0"/>
+              <a:cs typeface="Calibri" panose="020F0502020204030204" pitchFamily="34" charset="0"/>
+            </a:endParaRPr>
+          </a:p>
+          <a:p>
+            <a:pPr marL="285750" indent="-285750">
+              <a:buFont typeface="Arial" panose="020B0604020202020204" pitchFamily="34" charset="0"/>
+              <a:buChar char="•"/>
+            </a:pPr>
+            <a:endParaRPr lang="en-GB" sz="1600" b="0" dirty="0">
+              <a:solidFill>
+                <a:schemeClr val="accent2"/>
+              </a:solidFill>
+              <a:latin typeface="Calibri" panose="020F0502020204030204" pitchFamily="34" charset="0"/>
+              <a:cs typeface="Calibri" panose="020F0502020204030204" pitchFamily="34" charset="0"/>
+            </a:endParaRPr>
+          </a:p>
+          <a:p>
+            <a:endParaRPr lang="en-GB" sz="1600" b="0" dirty="0">
+              <a:solidFill>
+                <a:schemeClr val="accent2"/>
+              </a:solidFill>
+              <a:latin typeface="Calibri" panose="020F0502020204030204" pitchFamily="34" charset="0"/>
+              <a:cs typeface="Calibri" panose="020F0502020204030204" pitchFamily="34" charset="0"/>
+            </a:endParaRPr>
+          </a:p>
+          <a:p>
+            <a:pPr marL="285750" indent="-285750">
+              <a:buFont typeface="Arial" panose="020B0604020202020204" pitchFamily="34" charset="0"/>
+              <a:buChar char="•"/>
+            </a:pPr>
+            <a:endParaRPr lang="en-GB" sz="1600" b="0" dirty="0">
+              <a:solidFill>
+                <a:schemeClr val="accent2"/>
+              </a:solidFill>
+              <a:latin typeface="Calibri" panose="020F0502020204030204" pitchFamily="34" charset="0"/>
+              <a:cs typeface="Calibri" panose="020F0502020204030204" pitchFamily="34" charset="0"/>
+            </a:endParaRPr>
+          </a:p>
+        </p:txBody>
+      </p:sp>
+      <p:sp>
+        <p:nvSpPr>
+          <p:cNvPr id="10" name="Title 6">
+            <a:extLst>
+              <a:ext uri="{FF2B5EF4-FFF2-40B4-BE49-F238E27FC236}">
+                <a16:creationId xmlns:a16="http://schemas.microsoft.com/office/drawing/2014/main" id="{64A2D8A6-32F9-F325-26A8-30EC5DCDFC53}"/>
+              </a:ext>
+            </a:extLst>
+          </p:cNvPr>
+          <p:cNvSpPr txBox="1">
+            <a:spLocks/>
+          </p:cNvSpPr>
+          <p:nvPr/>
+        </p:nvSpPr>
+        <p:spPr>
+          <a:xfrm>
+            <a:off x="632460" y="5819339"/>
+            <a:ext cx="10927080" cy="731520"/>
+          </a:xfrm>
+          <a:prstGeom prst="rect">
+            <a:avLst/>
+          </a:prstGeom>
+          <a:gradFill flip="none" rotWithShape="1">
+            <a:gsLst>
+              <a:gs pos="0">
+                <a:schemeClr val="bg1"/>
+              </a:gs>
+              <a:gs pos="40000">
+                <a:schemeClr val="accent4"/>
+              </a:gs>
+              <a:gs pos="100000">
+                <a:schemeClr val="accent3"/>
+              </a:gs>
+            </a:gsLst>
+            <a:lin ang="0" scaled="1"/>
+            <a:tileRect/>
+          </a:gradFill>
+          <a:effectLst>
+            <a:outerShdw blurRad="50800" dist="38100" dir="2700000" algn="tl" rotWithShape="0">
+              <a:prstClr val="black">
+                <a:alpha val="40000"/>
+              </a:prstClr>
+            </a:outerShdw>
+          </a:effectLst>
+        </p:spPr>
+        <p:txBody>
+          <a:bodyPr vert="horz" lIns="0" tIns="0" rIns="0" bIns="0" rtlCol="0" anchor="t" anchorCtr="0">
+            <a:noAutofit/>
+          </a:bodyPr>
+          <a:lstStyle>
+            <a:lvl1pPr algn="l" defTabSz="609555" rtl="0" eaLnBrk="1" latinLnBrk="0" hangingPunct="1">
+              <a:lnSpc>
+                <a:spcPct val="100000"/>
+              </a:lnSpc>
+              <a:spcBef>
+                <a:spcPct val="0"/>
+              </a:spcBef>
+              <a:buNone/>
+              <a:defRPr lang="en-US" sz="2600" b="1" kern="1200" spc="-20" baseline="0" dirty="0">
+                <a:solidFill>
+                  <a:schemeClr val="bg1"/>
+                </a:solidFill>
+                <a:latin typeface="+mj-lt"/>
+                <a:ea typeface="+mj-ea"/>
+                <a:cs typeface="+mj-cs"/>
+              </a:defRPr>
+            </a:lvl1pPr>
+          </a:lstStyle>
+          <a:p>
+            <a:endParaRPr lang="en-GB" sz="1600" b="0" dirty="0">
+              <a:solidFill>
+                <a:schemeClr val="accent2"/>
+              </a:solidFill>
+              <a:latin typeface="Calibri" panose="020F0502020204030204" pitchFamily="34" charset="0"/>
+              <a:cs typeface="Calibri" panose="020F0502020204030204" pitchFamily="34" charset="0"/>
+            </a:endParaRPr>
+          </a:p>
+          <a:p>
+            <a:pPr marL="285750" indent="-285750">
+              <a:buFont typeface="Arial" panose="020B0604020202020204" pitchFamily="34" charset="0"/>
+              <a:buChar char="•"/>
+            </a:pPr>
+            <a:endParaRPr lang="en-GB" sz="1600" b="0" dirty="0">
+              <a:solidFill>
+                <a:schemeClr val="accent2"/>
+              </a:solidFill>
+              <a:latin typeface="Calibri" panose="020F0502020204030204" pitchFamily="34" charset="0"/>
+              <a:cs typeface="Calibri" panose="020F0502020204030204" pitchFamily="34" charset="0"/>
+            </a:endParaRPr>
+          </a:p>
+          <a:p>
+            <a:pPr marL="285750" indent="-285750">
+              <a:buFont typeface="Arial" panose="020B0604020202020204" pitchFamily="34" charset="0"/>
+              <a:buChar char="•"/>
+            </a:pPr>
+            <a:endParaRPr lang="en-GB" sz="1600" b="0" dirty="0">
+              <a:solidFill>
+                <a:schemeClr val="accent2"/>
+              </a:solidFill>
+              <a:latin typeface="Calibri" panose="020F0502020204030204" pitchFamily="34" charset="0"/>
+              <a:cs typeface="Calibri" panose="020F0502020204030204" pitchFamily="34" charset="0"/>
+            </a:endParaRPr>
+          </a:p>
+          <a:p>
+            <a:pPr marL="285750" indent="-285750">
+              <a:buFont typeface="Arial" panose="020B0604020202020204" pitchFamily="34" charset="0"/>
+              <a:buChar char="•"/>
+            </a:pPr>
+            <a:endParaRPr lang="en-GB" sz="1600" b="0" dirty="0">
+              <a:solidFill>
+                <a:schemeClr val="accent2"/>
+              </a:solidFill>
+              <a:latin typeface="Calibri" panose="020F0502020204030204" pitchFamily="34" charset="0"/>
+              <a:cs typeface="Calibri" panose="020F0502020204030204" pitchFamily="34" charset="0"/>
+            </a:endParaRPr>
+          </a:p>
+          <a:p>
+            <a:endParaRPr lang="en-GB" sz="1600" b="0" dirty="0">
+              <a:solidFill>
+                <a:schemeClr val="accent2"/>
+              </a:solidFill>
+              <a:latin typeface="Calibri" panose="020F0502020204030204" pitchFamily="34" charset="0"/>
+              <a:cs typeface="Calibri" panose="020F0502020204030204" pitchFamily="34" charset="0"/>
+            </a:endParaRPr>
+          </a:p>
+          <a:p>
+            <a:pPr marL="285750" indent="-285750">
+              <a:buFont typeface="Arial" panose="020B0604020202020204" pitchFamily="34" charset="0"/>
+              <a:buChar char="•"/>
+            </a:pPr>
+            <a:endParaRPr lang="en-GB" sz="1600" b="0" dirty="0">
+              <a:solidFill>
+                <a:schemeClr val="accent2"/>
+              </a:solidFill>
+              <a:latin typeface="Calibri" panose="020F0502020204030204" pitchFamily="34" charset="0"/>
+              <a:cs typeface="Calibri" panose="020F0502020204030204" pitchFamily="34" charset="0"/>
+            </a:endParaRPr>
+          </a:p>
+        </p:txBody>
+      </p:sp>
+      <p:sp>
+        <p:nvSpPr>
+          <p:cNvPr id="11" name="TextBox 10">
+            <a:extLst>
+              <a:ext uri="{FF2B5EF4-FFF2-40B4-BE49-F238E27FC236}">
+                <a16:creationId xmlns:a16="http://schemas.microsoft.com/office/drawing/2014/main" id="{A3036AEF-7A78-A326-F646-0EFE6B2B6FB6}"/>
+              </a:ext>
+            </a:extLst>
+          </p:cNvPr>
+          <p:cNvSpPr txBox="1"/>
+          <p:nvPr/>
+        </p:nvSpPr>
+        <p:spPr>
+          <a:xfrm>
+            <a:off x="768626" y="5883965"/>
+            <a:ext cx="10614991" cy="215444"/>
+          </a:xfrm>
+          <a:prstGeom prst="rect">
+            <a:avLst/>
+          </a:prstGeom>
+        </p:spPr>
+        <p:txBody>
+          <a:bodyPr wrap="square" lIns="0" tIns="0" rIns="0" bIns="0" rtlCol="0" anchor="t" anchorCtr="0">
+            <a:spAutoFit/>
+          </a:bodyPr>
+          <a:lstStyle/>
+          <a:p>
+            <a:pPr algn="ctr"/>
+            <a:r>
+              <a:rPr lang="en-GB" sz="1400" b="1" dirty="0" err="1">
+                <a:solidFill>
+                  <a:schemeClr val="tx2"/>
+                </a:solidFill>
+              </a:rPr>
+              <a:t>slide_takeout</a:t>
+            </a:r>
+            <a:endParaRPr lang="en-GB" sz="1400" b="1" dirty="0">
+              <a:solidFill>
+                <a:schemeClr val="tx2"/>
+              </a:solidFill>
+            </a:endParaRPr>
+          </a:p>
+        </p:txBody>
+      </p:sp>
+    </p:spTree>
+    <p:extLst>
+      <p:ext uri="{BB962C8B-B14F-4D97-AF65-F5344CB8AC3E}">
+        <p14:creationId xmlns:p14="http://schemas.microsoft.com/office/powerpoint/2010/main" val="2306804890"/>
+      </p:ext>
+    </p:extLst>
+  </p:cSld>
+  <p:clrMapOvr>
+    <a:masterClrMapping/>
+  </p:clrMapOvr>
+  <mc:AlternateContent xmlns:mc="http://schemas.openxmlformats.org/markup-compatibility/2006">
+    <mc:Choice xmlns:p14="http://schemas.microsoft.com/office/powerpoint/2010/main" Requires="p14">
+      <p:transition spd="med" p14:dur="700">
+        <p:fade/>
+      </p:transition>
+    </mc:Choice>
+    <mc:Fallback>
+      <p:transition spd="med">
+        <p:fade/>
+      </p:transition>
+    </mc:Fallback>
+  </mc:AlternateContent>
+</p:sld>
+</file>
+
+<file path=ppt/slides/slide49.xml><?xml version="1.0" encoding="utf-8"?>
+<p:sld xmlns:a="http://schemas.openxmlformats.org/drawingml/2006/main" xmlns:r="http://schemas.openxmlformats.org/officeDocument/2006/relationships" xmlns:p="http://schemas.openxmlformats.org/presentationml/2006/main">
+  <p:cSld>
+    <p:spTree>
+      <p:nvGrpSpPr>
+        <p:cNvPr id="1" name=""/>
+        <p:cNvGrpSpPr/>
+        <p:nvPr/>
+      </p:nvGrpSpPr>
+      <p:grpSpPr>
+        <a:xfrm>
+          <a:off x="0" y="0"/>
+          <a:ext cx="0" cy="0"/>
+          <a:chOff x="0" y="0"/>
+          <a:chExt cx="0" cy="0"/>
+        </a:xfrm>
+      </p:grpSpPr>
+      <p:sp>
+        <p:nvSpPr>
+          <p:cNvPr id="8" name="Text Placeholder 7">
+            <a:extLst>
+              <a:ext uri="{FF2B5EF4-FFF2-40B4-BE49-F238E27FC236}">
+                <a16:creationId xmlns:a16="http://schemas.microsoft.com/office/drawing/2014/main" id="{75D95B09-4C81-1BEA-C17E-A0651CE452C3}"/>
+              </a:ext>
+            </a:extLst>
+          </p:cNvPr>
+          <p:cNvSpPr>
+            <a:spLocks noGrp="1"/>
+          </p:cNvSpPr>
+          <p:nvPr>
+            <p:ph type="body" sz="quarter" idx="10"/>
+          </p:nvPr>
+        </p:nvSpPr>
+        <p:spPr/>
+        <p:txBody>
+          <a:bodyPr/>
+          <a:lstStyle/>
+          <a:p>
+            <a:r>
+              <a:rPr lang="en-GB" dirty="0" err="1"/>
+              <a:t>slide_subtitle</a:t>
+            </a:r>
+            <a:endParaRPr lang="en-GB" dirty="0"/>
+          </a:p>
+        </p:txBody>
+      </p:sp>
+      <p:sp>
+        <p:nvSpPr>
+          <p:cNvPr id="7" name="Title 6">
+            <a:extLst>
+              <a:ext uri="{FF2B5EF4-FFF2-40B4-BE49-F238E27FC236}">
+                <a16:creationId xmlns:a16="http://schemas.microsoft.com/office/drawing/2014/main" id="{F07B11D4-9D2C-D4C4-F367-CF2CB0614582}"/>
+              </a:ext>
+            </a:extLst>
+          </p:cNvPr>
+          <p:cNvSpPr>
+            <a:spLocks noGrp="1"/>
+          </p:cNvSpPr>
+          <p:nvPr>
+            <p:ph type="title"/>
+          </p:nvPr>
+        </p:nvSpPr>
+        <p:spPr/>
+        <p:txBody>
+          <a:bodyPr/>
+          <a:lstStyle/>
+          <a:p>
+            <a:r>
+              <a:rPr lang="en-GB" dirty="0" err="1"/>
+              <a:t>slide_title</a:t>
+            </a:r>
+            <a:endParaRPr lang="en-GB" dirty="0"/>
+          </a:p>
+        </p:txBody>
+      </p:sp>
+      <p:sp>
+        <p:nvSpPr>
+          <p:cNvPr id="9" name="Title 6">
+            <a:extLst>
+              <a:ext uri="{FF2B5EF4-FFF2-40B4-BE49-F238E27FC236}">
+                <a16:creationId xmlns:a16="http://schemas.microsoft.com/office/drawing/2014/main" id="{0FCE95F0-9FB9-6C46-6607-48165DF1A718}"/>
+              </a:ext>
+            </a:extLst>
+          </p:cNvPr>
+          <p:cNvSpPr txBox="1">
+            <a:spLocks/>
+          </p:cNvSpPr>
+          <p:nvPr/>
+        </p:nvSpPr>
+        <p:spPr>
+          <a:xfrm>
+            <a:off x="632460" y="1165884"/>
+            <a:ext cx="10927080" cy="731520"/>
+          </a:xfrm>
+          <a:prstGeom prst="rect">
+            <a:avLst/>
+          </a:prstGeom>
+        </p:spPr>
+        <p:txBody>
+          <a:bodyPr vert="horz" lIns="0" tIns="0" rIns="0" bIns="0" rtlCol="0" anchor="t" anchorCtr="0">
+            <a:noAutofit/>
+          </a:bodyPr>
+          <a:lstStyle>
+            <a:lvl1pPr algn="l" defTabSz="609555" rtl="0" eaLnBrk="1" latinLnBrk="0" hangingPunct="1">
+              <a:lnSpc>
+                <a:spcPct val="100000"/>
+              </a:lnSpc>
+              <a:spcBef>
+                <a:spcPct val="0"/>
+              </a:spcBef>
+              <a:buNone/>
+              <a:defRPr lang="en-US" sz="2600" b="1" kern="1200" spc="-20" baseline="0" dirty="0">
+                <a:solidFill>
+                  <a:schemeClr val="bg1"/>
+                </a:solidFill>
+                <a:latin typeface="+mj-lt"/>
+                <a:ea typeface="+mj-ea"/>
+                <a:cs typeface="+mj-cs"/>
+              </a:defRPr>
+            </a:lvl1pPr>
+          </a:lstStyle>
+          <a:p>
+            <a:pPr>
+              <a:buClr>
+                <a:schemeClr val="accent4"/>
+              </a:buClr>
+            </a:pPr>
+            <a:r>
+              <a:rPr lang="en-GB" sz="1400" b="0" dirty="0" err="1">
+                <a:solidFill>
+                  <a:schemeClr val="accent2"/>
+                </a:solidFill>
+                <a:latin typeface="Calibri" panose="020F0502020204030204" pitchFamily="34" charset="0"/>
+                <a:cs typeface="Calibri" panose="020F0502020204030204" pitchFamily="34" charset="0"/>
+              </a:rPr>
+              <a:t>slide_bullet</a:t>
+            </a:r>
+            <a:endParaRPr lang="en-GB" sz="1400" b="0" dirty="0">
+              <a:solidFill>
+                <a:schemeClr val="accent2"/>
+              </a:solidFill>
+              <a:latin typeface="Calibri" panose="020F0502020204030204" pitchFamily="34" charset="0"/>
+              <a:cs typeface="Calibri" panose="020F0502020204030204" pitchFamily="34" charset="0"/>
+            </a:endParaRPr>
+          </a:p>
+          <a:p>
+            <a:endParaRPr lang="en-GB" sz="1600" b="0" dirty="0">
+              <a:solidFill>
+                <a:schemeClr val="accent2"/>
+              </a:solidFill>
+              <a:latin typeface="Calibri" panose="020F0502020204030204" pitchFamily="34" charset="0"/>
+              <a:cs typeface="Calibri" panose="020F0502020204030204" pitchFamily="34" charset="0"/>
+            </a:endParaRPr>
+          </a:p>
+          <a:p>
+            <a:pPr marL="285750" indent="-285750">
+              <a:buFont typeface="Arial" panose="020B0604020202020204" pitchFamily="34" charset="0"/>
+              <a:buChar char="•"/>
+            </a:pPr>
+            <a:endParaRPr lang="en-GB" sz="1600" b="0" dirty="0">
+              <a:solidFill>
+                <a:schemeClr val="accent2"/>
+              </a:solidFill>
+              <a:latin typeface="Calibri" panose="020F0502020204030204" pitchFamily="34" charset="0"/>
+              <a:cs typeface="Calibri" panose="020F0502020204030204" pitchFamily="34" charset="0"/>
+            </a:endParaRPr>
+          </a:p>
+          <a:p>
+            <a:pPr marL="285750" indent="-285750">
+              <a:buFont typeface="Arial" panose="020B0604020202020204" pitchFamily="34" charset="0"/>
+              <a:buChar char="•"/>
+            </a:pPr>
+            <a:endParaRPr lang="en-GB" sz="1600" b="0" dirty="0">
+              <a:solidFill>
+                <a:schemeClr val="accent2"/>
+              </a:solidFill>
+              <a:latin typeface="Calibri" panose="020F0502020204030204" pitchFamily="34" charset="0"/>
+              <a:cs typeface="Calibri" panose="020F0502020204030204" pitchFamily="34" charset="0"/>
+            </a:endParaRPr>
+          </a:p>
+          <a:p>
+            <a:pPr marL="285750" indent="-285750">
+              <a:buFont typeface="Arial" panose="020B0604020202020204" pitchFamily="34" charset="0"/>
+              <a:buChar char="•"/>
+            </a:pPr>
+            <a:endParaRPr lang="en-GB" sz="1600" b="0" dirty="0">
+              <a:solidFill>
+                <a:schemeClr val="accent2"/>
+              </a:solidFill>
+              <a:latin typeface="Calibri" panose="020F0502020204030204" pitchFamily="34" charset="0"/>
+              <a:cs typeface="Calibri" panose="020F0502020204030204" pitchFamily="34" charset="0"/>
+            </a:endParaRPr>
+          </a:p>
+          <a:p>
+            <a:endParaRPr lang="en-GB" sz="1600" b="0" dirty="0">
+              <a:solidFill>
+                <a:schemeClr val="accent2"/>
+              </a:solidFill>
+              <a:latin typeface="Calibri" panose="020F0502020204030204" pitchFamily="34" charset="0"/>
+              <a:cs typeface="Calibri" panose="020F0502020204030204" pitchFamily="34" charset="0"/>
+            </a:endParaRPr>
+          </a:p>
+          <a:p>
+            <a:pPr marL="285750" indent="-285750">
+              <a:buFont typeface="Arial" panose="020B0604020202020204" pitchFamily="34" charset="0"/>
+              <a:buChar char="•"/>
+            </a:pPr>
+            <a:endParaRPr lang="en-GB" sz="1600" b="0" dirty="0">
+              <a:solidFill>
+                <a:schemeClr val="accent2"/>
+              </a:solidFill>
+              <a:latin typeface="Calibri" panose="020F0502020204030204" pitchFamily="34" charset="0"/>
+              <a:cs typeface="Calibri" panose="020F0502020204030204" pitchFamily="34" charset="0"/>
+            </a:endParaRPr>
+          </a:p>
+        </p:txBody>
+      </p:sp>
+      <p:sp>
+        <p:nvSpPr>
+          <p:cNvPr id="10" name="Title 6">
+            <a:extLst>
+              <a:ext uri="{FF2B5EF4-FFF2-40B4-BE49-F238E27FC236}">
+                <a16:creationId xmlns:a16="http://schemas.microsoft.com/office/drawing/2014/main" id="{64A2D8A6-32F9-F325-26A8-30EC5DCDFC53}"/>
+              </a:ext>
+            </a:extLst>
+          </p:cNvPr>
+          <p:cNvSpPr txBox="1">
+            <a:spLocks/>
+          </p:cNvSpPr>
+          <p:nvPr/>
+        </p:nvSpPr>
+        <p:spPr>
+          <a:xfrm>
+            <a:off x="632460" y="5819339"/>
+            <a:ext cx="10927080" cy="731520"/>
+          </a:xfrm>
+          <a:prstGeom prst="rect">
+            <a:avLst/>
+          </a:prstGeom>
+          <a:gradFill flip="none" rotWithShape="1">
+            <a:gsLst>
+              <a:gs pos="0">
+                <a:schemeClr val="bg1"/>
+              </a:gs>
+              <a:gs pos="40000">
+                <a:schemeClr val="accent4"/>
+              </a:gs>
+              <a:gs pos="100000">
+                <a:schemeClr val="accent3"/>
+              </a:gs>
+            </a:gsLst>
+            <a:lin ang="0" scaled="1"/>
+            <a:tileRect/>
+          </a:gradFill>
+          <a:effectLst>
+            <a:outerShdw blurRad="50800" dist="38100" dir="2700000" algn="tl" rotWithShape="0">
+              <a:prstClr val="black">
+                <a:alpha val="40000"/>
+              </a:prstClr>
+            </a:outerShdw>
+          </a:effectLst>
+        </p:spPr>
+        <p:txBody>
+          <a:bodyPr vert="horz" lIns="0" tIns="0" rIns="0" bIns="0" rtlCol="0" anchor="t" anchorCtr="0">
+            <a:noAutofit/>
+          </a:bodyPr>
+          <a:lstStyle>
+            <a:lvl1pPr algn="l" defTabSz="609555" rtl="0" eaLnBrk="1" latinLnBrk="0" hangingPunct="1">
+              <a:lnSpc>
+                <a:spcPct val="100000"/>
+              </a:lnSpc>
+              <a:spcBef>
+                <a:spcPct val="0"/>
+              </a:spcBef>
+              <a:buNone/>
+              <a:defRPr lang="en-US" sz="2600" b="1" kern="1200" spc="-20" baseline="0" dirty="0">
+                <a:solidFill>
+                  <a:schemeClr val="bg1"/>
+                </a:solidFill>
+                <a:latin typeface="+mj-lt"/>
+                <a:ea typeface="+mj-ea"/>
+                <a:cs typeface="+mj-cs"/>
+              </a:defRPr>
+            </a:lvl1pPr>
+          </a:lstStyle>
+          <a:p>
+            <a:endParaRPr lang="en-GB" sz="1600" b="0" dirty="0">
+              <a:solidFill>
+                <a:schemeClr val="accent2"/>
+              </a:solidFill>
+              <a:latin typeface="Calibri" panose="020F0502020204030204" pitchFamily="34" charset="0"/>
+              <a:cs typeface="Calibri" panose="020F0502020204030204" pitchFamily="34" charset="0"/>
+            </a:endParaRPr>
+          </a:p>
+          <a:p>
+            <a:pPr marL="285750" indent="-285750">
+              <a:buFont typeface="Arial" panose="020B0604020202020204" pitchFamily="34" charset="0"/>
+              <a:buChar char="•"/>
+            </a:pPr>
+            <a:endParaRPr lang="en-GB" sz="1600" b="0" dirty="0">
+              <a:solidFill>
+                <a:schemeClr val="accent2"/>
+              </a:solidFill>
+              <a:latin typeface="Calibri" panose="020F0502020204030204" pitchFamily="34" charset="0"/>
+              <a:cs typeface="Calibri" panose="020F0502020204030204" pitchFamily="34" charset="0"/>
+            </a:endParaRPr>
+          </a:p>
+          <a:p>
+            <a:pPr marL="285750" indent="-285750">
+              <a:buFont typeface="Arial" panose="020B0604020202020204" pitchFamily="34" charset="0"/>
+              <a:buChar char="•"/>
+            </a:pPr>
+            <a:endParaRPr lang="en-GB" sz="1600" b="0" dirty="0">
+              <a:solidFill>
+                <a:schemeClr val="accent2"/>
+              </a:solidFill>
+              <a:latin typeface="Calibri" panose="020F0502020204030204" pitchFamily="34" charset="0"/>
+              <a:cs typeface="Calibri" panose="020F0502020204030204" pitchFamily="34" charset="0"/>
+            </a:endParaRPr>
+          </a:p>
+          <a:p>
+            <a:pPr marL="285750" indent="-285750">
+              <a:buFont typeface="Arial" panose="020B0604020202020204" pitchFamily="34" charset="0"/>
+              <a:buChar char="•"/>
+            </a:pPr>
+            <a:endParaRPr lang="en-GB" sz="1600" b="0" dirty="0">
+              <a:solidFill>
+                <a:schemeClr val="accent2"/>
+              </a:solidFill>
+              <a:latin typeface="Calibri" panose="020F0502020204030204" pitchFamily="34" charset="0"/>
+              <a:cs typeface="Calibri" panose="020F0502020204030204" pitchFamily="34" charset="0"/>
+            </a:endParaRPr>
+          </a:p>
+          <a:p>
+            <a:endParaRPr lang="en-GB" sz="1600" b="0" dirty="0">
+              <a:solidFill>
+                <a:schemeClr val="accent2"/>
+              </a:solidFill>
+              <a:latin typeface="Calibri" panose="020F0502020204030204" pitchFamily="34" charset="0"/>
+              <a:cs typeface="Calibri" panose="020F0502020204030204" pitchFamily="34" charset="0"/>
+            </a:endParaRPr>
+          </a:p>
+          <a:p>
+            <a:pPr marL="285750" indent="-285750">
+              <a:buFont typeface="Arial" panose="020B0604020202020204" pitchFamily="34" charset="0"/>
+              <a:buChar char="•"/>
+            </a:pPr>
+            <a:endParaRPr lang="en-GB" sz="1600" b="0" dirty="0">
+              <a:solidFill>
+                <a:schemeClr val="accent2"/>
+              </a:solidFill>
+              <a:latin typeface="Calibri" panose="020F0502020204030204" pitchFamily="34" charset="0"/>
+              <a:cs typeface="Calibri" panose="020F0502020204030204" pitchFamily="34" charset="0"/>
+            </a:endParaRPr>
+          </a:p>
+        </p:txBody>
+      </p:sp>
+      <p:sp>
+        <p:nvSpPr>
+          <p:cNvPr id="11" name="TextBox 10">
+            <a:extLst>
+              <a:ext uri="{FF2B5EF4-FFF2-40B4-BE49-F238E27FC236}">
+                <a16:creationId xmlns:a16="http://schemas.microsoft.com/office/drawing/2014/main" id="{A3036AEF-7A78-A326-F646-0EFE6B2B6FB6}"/>
+              </a:ext>
+            </a:extLst>
+          </p:cNvPr>
+          <p:cNvSpPr txBox="1"/>
+          <p:nvPr/>
+        </p:nvSpPr>
+        <p:spPr>
+          <a:xfrm>
+            <a:off x="768626" y="5883965"/>
+            <a:ext cx="10614991" cy="215444"/>
+          </a:xfrm>
+          <a:prstGeom prst="rect">
+            <a:avLst/>
+          </a:prstGeom>
+        </p:spPr>
+        <p:txBody>
+          <a:bodyPr wrap="square" lIns="0" tIns="0" rIns="0" bIns="0" rtlCol="0" anchor="t" anchorCtr="0">
+            <a:spAutoFit/>
+          </a:bodyPr>
+          <a:lstStyle/>
+          <a:p>
+            <a:pPr algn="ctr"/>
+            <a:r>
+              <a:rPr lang="en-GB" sz="1400" b="1" dirty="0" err="1">
+                <a:solidFill>
+                  <a:schemeClr val="tx2"/>
+                </a:solidFill>
+              </a:rPr>
+              <a:t>slide_takeout</a:t>
+            </a:r>
+            <a:endParaRPr lang="en-GB" sz="1400" b="1" dirty="0">
+              <a:solidFill>
+                <a:schemeClr val="tx2"/>
+              </a:solidFill>
+            </a:endParaRPr>
+          </a:p>
+        </p:txBody>
+      </p:sp>
+    </p:spTree>
+    <p:extLst>
+      <p:ext uri="{BB962C8B-B14F-4D97-AF65-F5344CB8AC3E}">
+        <p14:creationId xmlns:p14="http://schemas.microsoft.com/office/powerpoint/2010/main" val="750592620"/>
+      </p:ext>
+    </p:extLst>
+  </p:cSld>
+  <p:clrMapOvr>
+    <a:masterClrMapping/>
+  </p:clrMapOvr>
   <mc:AlternateContent xmlns:mc="http://schemas.openxmlformats.org/markup-compatibility/2006">
     <mc:Choice xmlns:p14="http://schemas.microsoft.com/office/powerpoint/2010/main" Requires="p14">
       <p:transition spd="med" p14:dur="700">
@@ -12849,6 +20528,432 @@
     <p:extLst>
       <p:ext uri="{BB962C8B-B14F-4D97-AF65-F5344CB8AC3E}">
         <p14:creationId xmlns:p14="http://schemas.microsoft.com/office/powerpoint/2010/main" val="1943154021"/>
+      </p:ext>
+    </p:extLst>
+  </p:cSld>
+  <p:clrMapOvr>
+    <a:masterClrMapping/>
+  </p:clrMapOvr>
+  <mc:AlternateContent xmlns:mc="http://schemas.openxmlformats.org/markup-compatibility/2006" xmlns:p14="http://schemas.microsoft.com/office/powerpoint/2010/main">
+    <mc:Choice Requires="p14">
+      <p:transition spd="med" p14:dur="700">
+        <p:fade/>
+      </p:transition>
+    </mc:Choice>
+    <mc:Fallback xmlns="">
+      <p:transition spd="med">
+        <p:fade/>
+      </p:transition>
+    </mc:Fallback>
+  </mc:AlternateContent>
+</p:sld>
+</file>
+
+<file path=ppt/slides/slide50.xml><?xml version="1.0" encoding="utf-8"?>
+<p:sld xmlns:a="http://schemas.openxmlformats.org/drawingml/2006/main" xmlns:r="http://schemas.openxmlformats.org/officeDocument/2006/relationships" xmlns:p="http://schemas.openxmlformats.org/presentationml/2006/main">
+  <p:cSld>
+    <p:spTree>
+      <p:nvGrpSpPr>
+        <p:cNvPr id="1" name=""/>
+        <p:cNvGrpSpPr/>
+        <p:nvPr/>
+      </p:nvGrpSpPr>
+      <p:grpSpPr>
+        <a:xfrm>
+          <a:off x="0" y="0"/>
+          <a:ext cx="0" cy="0"/>
+          <a:chOff x="0" y="0"/>
+          <a:chExt cx="0" cy="0"/>
+        </a:xfrm>
+      </p:grpSpPr>
+      <p:sp>
+        <p:nvSpPr>
+          <p:cNvPr id="8" name="Text Placeholder 7">
+            <a:extLst>
+              <a:ext uri="{FF2B5EF4-FFF2-40B4-BE49-F238E27FC236}">
+                <a16:creationId xmlns:a16="http://schemas.microsoft.com/office/drawing/2014/main" id="{75D95B09-4C81-1BEA-C17E-A0651CE452C3}"/>
+              </a:ext>
+            </a:extLst>
+          </p:cNvPr>
+          <p:cNvSpPr>
+            <a:spLocks noGrp="1"/>
+          </p:cNvSpPr>
+          <p:nvPr>
+            <p:ph type="body" sz="quarter" idx="10"/>
+          </p:nvPr>
+        </p:nvSpPr>
+        <p:spPr/>
+        <p:txBody>
+          <a:bodyPr/>
+          <a:lstStyle/>
+          <a:p>
+            <a:r>
+              <a:rPr lang="en-GB" dirty="0" err="1"/>
+              <a:t>slide_subtitle</a:t>
+            </a:r>
+            <a:endParaRPr lang="en-GB" dirty="0"/>
+          </a:p>
+        </p:txBody>
+      </p:sp>
+      <p:sp>
+        <p:nvSpPr>
+          <p:cNvPr id="7" name="Title 6">
+            <a:extLst>
+              <a:ext uri="{FF2B5EF4-FFF2-40B4-BE49-F238E27FC236}">
+                <a16:creationId xmlns:a16="http://schemas.microsoft.com/office/drawing/2014/main" id="{F07B11D4-9D2C-D4C4-F367-CF2CB0614582}"/>
+              </a:ext>
+            </a:extLst>
+          </p:cNvPr>
+          <p:cNvSpPr>
+            <a:spLocks noGrp="1"/>
+          </p:cNvSpPr>
+          <p:nvPr>
+            <p:ph type="title"/>
+          </p:nvPr>
+        </p:nvSpPr>
+        <p:spPr/>
+        <p:txBody>
+          <a:bodyPr/>
+          <a:lstStyle/>
+          <a:p>
+            <a:r>
+              <a:rPr lang="en-GB" dirty="0" err="1"/>
+              <a:t>slide_title</a:t>
+            </a:r>
+            <a:endParaRPr lang="en-GB" dirty="0"/>
+          </a:p>
+        </p:txBody>
+      </p:sp>
+      <p:sp>
+        <p:nvSpPr>
+          <p:cNvPr id="9" name="Title 6">
+            <a:extLst>
+              <a:ext uri="{FF2B5EF4-FFF2-40B4-BE49-F238E27FC236}">
+                <a16:creationId xmlns:a16="http://schemas.microsoft.com/office/drawing/2014/main" id="{0FCE95F0-9FB9-6C46-6607-48165DF1A718}"/>
+              </a:ext>
+            </a:extLst>
+          </p:cNvPr>
+          <p:cNvSpPr txBox="1">
+            <a:spLocks/>
+          </p:cNvSpPr>
+          <p:nvPr/>
+        </p:nvSpPr>
+        <p:spPr>
+          <a:xfrm>
+            <a:off x="632460" y="1165884"/>
+            <a:ext cx="10927080" cy="731520"/>
+          </a:xfrm>
+          <a:prstGeom prst="rect">
+            <a:avLst/>
+          </a:prstGeom>
+        </p:spPr>
+        <p:txBody>
+          <a:bodyPr vert="horz" lIns="0" tIns="0" rIns="0" bIns="0" rtlCol="0" anchor="t" anchorCtr="0">
+            <a:noAutofit/>
+          </a:bodyPr>
+          <a:lstStyle>
+            <a:lvl1pPr algn="l" defTabSz="609555" rtl="0" eaLnBrk="1" latinLnBrk="0" hangingPunct="1">
+              <a:lnSpc>
+                <a:spcPct val="100000"/>
+              </a:lnSpc>
+              <a:spcBef>
+                <a:spcPct val="0"/>
+              </a:spcBef>
+              <a:buNone/>
+              <a:defRPr lang="en-US" sz="2600" b="1" kern="1200" spc="-20" baseline="0" dirty="0">
+                <a:solidFill>
+                  <a:schemeClr val="bg1"/>
+                </a:solidFill>
+                <a:latin typeface="+mj-lt"/>
+                <a:ea typeface="+mj-ea"/>
+                <a:cs typeface="+mj-cs"/>
+              </a:defRPr>
+            </a:lvl1pPr>
+          </a:lstStyle>
+          <a:p>
+            <a:pPr>
+              <a:buClr>
+                <a:schemeClr val="accent4"/>
+              </a:buClr>
+            </a:pPr>
+            <a:r>
+              <a:rPr lang="en-GB" sz="1400" b="0" dirty="0" err="1">
+                <a:solidFill>
+                  <a:schemeClr val="accent2"/>
+                </a:solidFill>
+                <a:latin typeface="Calibri" panose="020F0502020204030204" pitchFamily="34" charset="0"/>
+                <a:cs typeface="Calibri" panose="020F0502020204030204" pitchFamily="34" charset="0"/>
+              </a:rPr>
+              <a:t>slide_bullet</a:t>
+            </a:r>
+            <a:endParaRPr lang="en-GB" sz="1400" b="0" dirty="0">
+              <a:solidFill>
+                <a:schemeClr val="accent2"/>
+              </a:solidFill>
+              <a:latin typeface="Calibri" panose="020F0502020204030204" pitchFamily="34" charset="0"/>
+              <a:cs typeface="Calibri" panose="020F0502020204030204" pitchFamily="34" charset="0"/>
+            </a:endParaRPr>
+          </a:p>
+          <a:p>
+            <a:endParaRPr lang="en-GB" sz="1600" b="0" dirty="0">
+              <a:solidFill>
+                <a:schemeClr val="accent2"/>
+              </a:solidFill>
+              <a:latin typeface="Calibri" panose="020F0502020204030204" pitchFamily="34" charset="0"/>
+              <a:cs typeface="Calibri" panose="020F0502020204030204" pitchFamily="34" charset="0"/>
+            </a:endParaRPr>
+          </a:p>
+          <a:p>
+            <a:pPr marL="285750" indent="-285750">
+              <a:buFont typeface="Arial" panose="020B0604020202020204" pitchFamily="34" charset="0"/>
+              <a:buChar char="•"/>
+            </a:pPr>
+            <a:endParaRPr lang="en-GB" sz="1600" b="0" dirty="0">
+              <a:solidFill>
+                <a:schemeClr val="accent2"/>
+              </a:solidFill>
+              <a:latin typeface="Calibri" panose="020F0502020204030204" pitchFamily="34" charset="0"/>
+              <a:cs typeface="Calibri" panose="020F0502020204030204" pitchFamily="34" charset="0"/>
+            </a:endParaRPr>
+          </a:p>
+          <a:p>
+            <a:pPr marL="285750" indent="-285750">
+              <a:buFont typeface="Arial" panose="020B0604020202020204" pitchFamily="34" charset="0"/>
+              <a:buChar char="•"/>
+            </a:pPr>
+            <a:endParaRPr lang="en-GB" sz="1600" b="0" dirty="0">
+              <a:solidFill>
+                <a:schemeClr val="accent2"/>
+              </a:solidFill>
+              <a:latin typeface="Calibri" panose="020F0502020204030204" pitchFamily="34" charset="0"/>
+              <a:cs typeface="Calibri" panose="020F0502020204030204" pitchFamily="34" charset="0"/>
+            </a:endParaRPr>
+          </a:p>
+          <a:p>
+            <a:pPr marL="285750" indent="-285750">
+              <a:buFont typeface="Arial" panose="020B0604020202020204" pitchFamily="34" charset="0"/>
+              <a:buChar char="•"/>
+            </a:pPr>
+            <a:endParaRPr lang="en-GB" sz="1600" b="0" dirty="0">
+              <a:solidFill>
+                <a:schemeClr val="accent2"/>
+              </a:solidFill>
+              <a:latin typeface="Calibri" panose="020F0502020204030204" pitchFamily="34" charset="0"/>
+              <a:cs typeface="Calibri" panose="020F0502020204030204" pitchFamily="34" charset="0"/>
+            </a:endParaRPr>
+          </a:p>
+          <a:p>
+            <a:endParaRPr lang="en-GB" sz="1600" b="0" dirty="0">
+              <a:solidFill>
+                <a:schemeClr val="accent2"/>
+              </a:solidFill>
+              <a:latin typeface="Calibri" panose="020F0502020204030204" pitchFamily="34" charset="0"/>
+              <a:cs typeface="Calibri" panose="020F0502020204030204" pitchFamily="34" charset="0"/>
+            </a:endParaRPr>
+          </a:p>
+          <a:p>
+            <a:pPr marL="285750" indent="-285750">
+              <a:buFont typeface="Arial" panose="020B0604020202020204" pitchFamily="34" charset="0"/>
+              <a:buChar char="•"/>
+            </a:pPr>
+            <a:endParaRPr lang="en-GB" sz="1600" b="0" dirty="0">
+              <a:solidFill>
+                <a:schemeClr val="accent2"/>
+              </a:solidFill>
+              <a:latin typeface="Calibri" panose="020F0502020204030204" pitchFamily="34" charset="0"/>
+              <a:cs typeface="Calibri" panose="020F0502020204030204" pitchFamily="34" charset="0"/>
+            </a:endParaRPr>
+          </a:p>
+        </p:txBody>
+      </p:sp>
+      <p:sp>
+        <p:nvSpPr>
+          <p:cNvPr id="10" name="Title 6">
+            <a:extLst>
+              <a:ext uri="{FF2B5EF4-FFF2-40B4-BE49-F238E27FC236}">
+                <a16:creationId xmlns:a16="http://schemas.microsoft.com/office/drawing/2014/main" id="{64A2D8A6-32F9-F325-26A8-30EC5DCDFC53}"/>
+              </a:ext>
+            </a:extLst>
+          </p:cNvPr>
+          <p:cNvSpPr txBox="1">
+            <a:spLocks/>
+          </p:cNvSpPr>
+          <p:nvPr/>
+        </p:nvSpPr>
+        <p:spPr>
+          <a:xfrm>
+            <a:off x="632460" y="5819339"/>
+            <a:ext cx="10927080" cy="731520"/>
+          </a:xfrm>
+          <a:prstGeom prst="rect">
+            <a:avLst/>
+          </a:prstGeom>
+          <a:gradFill flip="none" rotWithShape="1">
+            <a:gsLst>
+              <a:gs pos="0">
+                <a:schemeClr val="bg1"/>
+              </a:gs>
+              <a:gs pos="40000">
+                <a:schemeClr val="accent4"/>
+              </a:gs>
+              <a:gs pos="100000">
+                <a:schemeClr val="accent3"/>
+              </a:gs>
+            </a:gsLst>
+            <a:lin ang="0" scaled="1"/>
+            <a:tileRect/>
+          </a:gradFill>
+          <a:effectLst>
+            <a:outerShdw blurRad="50800" dist="38100" dir="2700000" algn="tl" rotWithShape="0">
+              <a:prstClr val="black">
+                <a:alpha val="40000"/>
+              </a:prstClr>
+            </a:outerShdw>
+          </a:effectLst>
+        </p:spPr>
+        <p:txBody>
+          <a:bodyPr vert="horz" lIns="0" tIns="0" rIns="0" bIns="0" rtlCol="0" anchor="t" anchorCtr="0">
+            <a:noAutofit/>
+          </a:bodyPr>
+          <a:lstStyle>
+            <a:lvl1pPr algn="l" defTabSz="609555" rtl="0" eaLnBrk="1" latinLnBrk="0" hangingPunct="1">
+              <a:lnSpc>
+                <a:spcPct val="100000"/>
+              </a:lnSpc>
+              <a:spcBef>
+                <a:spcPct val="0"/>
+              </a:spcBef>
+              <a:buNone/>
+              <a:defRPr lang="en-US" sz="2600" b="1" kern="1200" spc="-20" baseline="0" dirty="0">
+                <a:solidFill>
+                  <a:schemeClr val="bg1"/>
+                </a:solidFill>
+                <a:latin typeface="+mj-lt"/>
+                <a:ea typeface="+mj-ea"/>
+                <a:cs typeface="+mj-cs"/>
+              </a:defRPr>
+            </a:lvl1pPr>
+          </a:lstStyle>
+          <a:p>
+            <a:endParaRPr lang="en-GB" sz="1600" b="0" dirty="0">
+              <a:solidFill>
+                <a:schemeClr val="accent2"/>
+              </a:solidFill>
+              <a:latin typeface="Calibri" panose="020F0502020204030204" pitchFamily="34" charset="0"/>
+              <a:cs typeface="Calibri" panose="020F0502020204030204" pitchFamily="34" charset="0"/>
+            </a:endParaRPr>
+          </a:p>
+          <a:p>
+            <a:pPr marL="285750" indent="-285750">
+              <a:buFont typeface="Arial" panose="020B0604020202020204" pitchFamily="34" charset="0"/>
+              <a:buChar char="•"/>
+            </a:pPr>
+            <a:endParaRPr lang="en-GB" sz="1600" b="0" dirty="0">
+              <a:solidFill>
+                <a:schemeClr val="accent2"/>
+              </a:solidFill>
+              <a:latin typeface="Calibri" panose="020F0502020204030204" pitchFamily="34" charset="0"/>
+              <a:cs typeface="Calibri" panose="020F0502020204030204" pitchFamily="34" charset="0"/>
+            </a:endParaRPr>
+          </a:p>
+          <a:p>
+            <a:pPr marL="285750" indent="-285750">
+              <a:buFont typeface="Arial" panose="020B0604020202020204" pitchFamily="34" charset="0"/>
+              <a:buChar char="•"/>
+            </a:pPr>
+            <a:endParaRPr lang="en-GB" sz="1600" b="0" dirty="0">
+              <a:solidFill>
+                <a:schemeClr val="accent2"/>
+              </a:solidFill>
+              <a:latin typeface="Calibri" panose="020F0502020204030204" pitchFamily="34" charset="0"/>
+              <a:cs typeface="Calibri" panose="020F0502020204030204" pitchFamily="34" charset="0"/>
+            </a:endParaRPr>
+          </a:p>
+          <a:p>
+            <a:pPr marL="285750" indent="-285750">
+              <a:buFont typeface="Arial" panose="020B0604020202020204" pitchFamily="34" charset="0"/>
+              <a:buChar char="•"/>
+            </a:pPr>
+            <a:endParaRPr lang="en-GB" sz="1600" b="0" dirty="0">
+              <a:solidFill>
+                <a:schemeClr val="accent2"/>
+              </a:solidFill>
+              <a:latin typeface="Calibri" panose="020F0502020204030204" pitchFamily="34" charset="0"/>
+              <a:cs typeface="Calibri" panose="020F0502020204030204" pitchFamily="34" charset="0"/>
+            </a:endParaRPr>
+          </a:p>
+          <a:p>
+            <a:endParaRPr lang="en-GB" sz="1600" b="0" dirty="0">
+              <a:solidFill>
+                <a:schemeClr val="accent2"/>
+              </a:solidFill>
+              <a:latin typeface="Calibri" panose="020F0502020204030204" pitchFamily="34" charset="0"/>
+              <a:cs typeface="Calibri" panose="020F0502020204030204" pitchFamily="34" charset="0"/>
+            </a:endParaRPr>
+          </a:p>
+          <a:p>
+            <a:pPr marL="285750" indent="-285750">
+              <a:buFont typeface="Arial" panose="020B0604020202020204" pitchFamily="34" charset="0"/>
+              <a:buChar char="•"/>
+            </a:pPr>
+            <a:endParaRPr lang="en-GB" sz="1600" b="0" dirty="0">
+              <a:solidFill>
+                <a:schemeClr val="accent2"/>
+              </a:solidFill>
+              <a:latin typeface="Calibri" panose="020F0502020204030204" pitchFamily="34" charset="0"/>
+              <a:cs typeface="Calibri" panose="020F0502020204030204" pitchFamily="34" charset="0"/>
+            </a:endParaRPr>
+          </a:p>
+        </p:txBody>
+      </p:sp>
+      <p:sp>
+        <p:nvSpPr>
+          <p:cNvPr id="11" name="TextBox 10">
+            <a:extLst>
+              <a:ext uri="{FF2B5EF4-FFF2-40B4-BE49-F238E27FC236}">
+                <a16:creationId xmlns:a16="http://schemas.microsoft.com/office/drawing/2014/main" id="{A3036AEF-7A78-A326-F646-0EFE6B2B6FB6}"/>
+              </a:ext>
+            </a:extLst>
+          </p:cNvPr>
+          <p:cNvSpPr txBox="1"/>
+          <p:nvPr/>
+        </p:nvSpPr>
+        <p:spPr>
+          <a:xfrm>
+            <a:off x="768626" y="5883965"/>
+            <a:ext cx="10614991" cy="215444"/>
+          </a:xfrm>
+          <a:prstGeom prst="rect">
+            <a:avLst/>
+          </a:prstGeom>
+        </p:spPr>
+        <p:txBody>
+          <a:bodyPr wrap="square" lIns="0" tIns="0" rIns="0" bIns="0" rtlCol="0" anchor="t" anchorCtr="0">
+            <a:spAutoFit/>
+          </a:bodyPr>
+          <a:lstStyle/>
+          <a:p>
+            <a:pPr algn="ctr"/>
+            <a:r>
+              <a:rPr lang="en-GB" sz="1400" b="1" dirty="0" err="1">
+                <a:solidFill>
+                  <a:schemeClr val="tx2"/>
+                </a:solidFill>
+              </a:rPr>
+              <a:t>slide_takeout</a:t>
+            </a:r>
+            <a:endParaRPr lang="en-GB" sz="1400" b="1" dirty="0">
+              <a:solidFill>
+                <a:schemeClr val="tx2"/>
+              </a:solidFill>
+            </a:endParaRPr>
+          </a:p>
+        </p:txBody>
+      </p:sp>
+    </p:spTree>
+    <p:extLst>
+      <p:ext uri="{BB962C8B-B14F-4D97-AF65-F5344CB8AC3E}">
+        <p14:creationId xmlns:p14="http://schemas.microsoft.com/office/powerpoint/2010/main" val="1125727727"/>
       </p:ext>
     </p:extLst>
   </p:cSld>
@@ -13281,13 +21386,13 @@
   <p:clrMapOvr>
     <a:masterClrMapping/>
   </p:clrMapOvr>
-  <mc:AlternateContent xmlns:mc="http://schemas.openxmlformats.org/markup-compatibility/2006">
-    <mc:Choice xmlns:p14="http://schemas.microsoft.com/office/powerpoint/2010/main" Requires="p14">
+  <mc:AlternateContent xmlns:mc="http://schemas.openxmlformats.org/markup-compatibility/2006" xmlns:p14="http://schemas.microsoft.com/office/powerpoint/2010/main">
+    <mc:Choice Requires="p14">
       <p:transition spd="med" p14:dur="700">
         <p:fade/>
       </p:transition>
     </mc:Choice>
-    <mc:Fallback>
+    <mc:Fallback xmlns="">
       <p:transition spd="med">
         <p:fade/>
       </p:transition>
@@ -13707,13 +21812,13 @@
   <p:clrMapOvr>
     <a:masterClrMapping/>
   </p:clrMapOvr>
-  <mc:AlternateContent xmlns:mc="http://schemas.openxmlformats.org/markup-compatibility/2006">
-    <mc:Choice xmlns:p14="http://schemas.microsoft.com/office/powerpoint/2010/main" Requires="p14">
+  <mc:AlternateContent xmlns:mc="http://schemas.openxmlformats.org/markup-compatibility/2006" xmlns:p14="http://schemas.microsoft.com/office/powerpoint/2010/main">
+    <mc:Choice Requires="p14">
       <p:transition spd="med" p14:dur="700">
         <p:fade/>
       </p:transition>
     </mc:Choice>
-    <mc:Fallback>
+    <mc:Fallback xmlns="">
       <p:transition spd="med">
         <p:fade/>
       </p:transition>
@@ -14133,13 +22238,13 @@
   <p:clrMapOvr>
     <a:masterClrMapping/>
   </p:clrMapOvr>
-  <mc:AlternateContent xmlns:mc="http://schemas.openxmlformats.org/markup-compatibility/2006">
-    <mc:Choice xmlns:p14="http://schemas.microsoft.com/office/powerpoint/2010/main" Requires="p14">
+  <mc:AlternateContent xmlns:mc="http://schemas.openxmlformats.org/markup-compatibility/2006" xmlns:p14="http://schemas.microsoft.com/office/powerpoint/2010/main">
+    <mc:Choice Requires="p14">
       <p:transition spd="med" p14:dur="700">
         <p:fade/>
       </p:transition>
     </mc:Choice>
-    <mc:Fallback>
+    <mc:Fallback xmlns="">
       <p:transition spd="med">
         <p:fade/>
       </p:transition>
@@ -14559,13 +22664,13 @@
   <p:clrMapOvr>
     <a:masterClrMapping/>
   </p:clrMapOvr>
-  <mc:AlternateContent xmlns:mc="http://schemas.openxmlformats.org/markup-compatibility/2006">
-    <mc:Choice xmlns:p14="http://schemas.microsoft.com/office/powerpoint/2010/main" Requires="p14">
+  <mc:AlternateContent xmlns:mc="http://schemas.openxmlformats.org/markup-compatibility/2006" xmlns:p14="http://schemas.microsoft.com/office/powerpoint/2010/main">
+    <mc:Choice Requires="p14">
       <p:transition spd="med" p14:dur="700">
         <p:fade/>
       </p:transition>
     </mc:Choice>
-    <mc:Fallback>
+    <mc:Fallback xmlns="">
       <p:transition spd="med">
         <p:fade/>
       </p:transition>
@@ -15251,6 +23356,15 @@
 </file>
 
 <file path=customXml/item1.xml><?xml version="1.0" encoding="utf-8"?>
+<?mso-contentType ?>
+<FormTemplates xmlns="http://schemas.microsoft.com/sharepoint/v3/contenttype/forms">
+  <Display>DocumentLibraryForm</Display>
+  <Edit>DocumentLibraryForm</Edit>
+  <New>DocumentLibraryForm</New>
+</FormTemplates>
+</file>
+
+<file path=customXml/item2.xml><?xml version="1.0" encoding="utf-8"?>
 <p:properties xmlns:p="http://schemas.microsoft.com/office/2006/metadata/properties" xmlns:xsi="http://www.w3.org/2001/XMLSchema-instance" xmlns:pc="http://schemas.microsoft.com/office/infopath/2007/PartnerControls">
   <documentManagement>
     <TaxCatchAll xmlns="9bea065c-4598-471b-a0d8-b208471d6a41" xsi:nil="true"/>
@@ -15259,15 +23373,6 @@
     </lcf76f155ced4ddcb4097134ff3c332f>
   </documentManagement>
 </p:properties>
-</file>
-
-<file path=customXml/item2.xml><?xml version="1.0" encoding="utf-8"?>
-<?mso-contentType ?>
-<FormTemplates xmlns="http://schemas.microsoft.com/sharepoint/v3/contenttype/forms">
-  <Display>DocumentLibraryForm</Display>
-  <Edit>DocumentLibraryForm</Edit>
-  <New>DocumentLibraryForm</New>
-</FormTemplates>
 </file>
 
 <file path=customXml/item3.xml><?xml version="1.0" encoding="utf-8"?>
@@ -15506,26 +23611,26 @@
 </file>
 
 <file path=customXml/itemProps1.xml><?xml version="1.0" encoding="utf-8"?>
-<ds:datastoreItem xmlns:ds="http://schemas.openxmlformats.org/officeDocument/2006/customXml" ds:itemID="{9674E985-4D59-45AB-8970-AD8E2C92CE21}">
+<ds:datastoreItem xmlns:ds="http://schemas.openxmlformats.org/officeDocument/2006/customXml" ds:itemID="{3BB299B6-1159-4940-B296-E198453C8E80}">
   <ds:schemaRefs>
-    <ds:schemaRef ds:uri="http://purl.org/dc/elements/1.1/"/>
-    <ds:schemaRef ds:uri="9bea065c-4598-471b-a0d8-b208471d6a41"/>
-    <ds:schemaRef ds:uri="http://www.w3.org/XML/1998/namespace"/>
-    <ds:schemaRef ds:uri="http://schemas.microsoft.com/office/2006/documentManagement/types"/>
-    <ds:schemaRef ds:uri="http://purl.org/dc/terms/"/>
-    <ds:schemaRef ds:uri="http://schemas.microsoft.com/office/infopath/2007/PartnerControls"/>
-    <ds:schemaRef ds:uri="737cdb0d-9f15-48ec-9529-975a91239bb1"/>
-    <ds:schemaRef ds:uri="http://schemas.openxmlformats.org/package/2006/metadata/core-properties"/>
-    <ds:schemaRef ds:uri="http://schemas.microsoft.com/office/2006/metadata/properties"/>
-    <ds:schemaRef ds:uri="http://purl.org/dc/dcmitype/"/>
+    <ds:schemaRef ds:uri="http://schemas.microsoft.com/sharepoint/v3/contenttype/forms"/>
   </ds:schemaRefs>
 </ds:datastoreItem>
 </file>
 
 <file path=customXml/itemProps2.xml><?xml version="1.0" encoding="utf-8"?>
-<ds:datastoreItem xmlns:ds="http://schemas.openxmlformats.org/officeDocument/2006/customXml" ds:itemID="{3BB299B6-1159-4940-B296-E198453C8E80}">
+<ds:datastoreItem xmlns:ds="http://schemas.openxmlformats.org/officeDocument/2006/customXml" ds:itemID="{9674E985-4D59-45AB-8970-AD8E2C92CE21}">
   <ds:schemaRefs>
-    <ds:schemaRef ds:uri="http://schemas.microsoft.com/sharepoint/v3/contenttype/forms"/>
+    <ds:schemaRef ds:uri="9bea065c-4598-471b-a0d8-b208471d6a41"/>
+    <ds:schemaRef ds:uri="http://purl.org/dc/terms/"/>
+    <ds:schemaRef ds:uri="http://purl.org/dc/dcmitype/"/>
+    <ds:schemaRef ds:uri="http://schemas.microsoft.com/office/2006/metadata/properties"/>
+    <ds:schemaRef ds:uri="http://www.w3.org/XML/1998/namespace"/>
+    <ds:schemaRef ds:uri="http://schemas.microsoft.com/office/2006/documentManagement/types"/>
+    <ds:schemaRef ds:uri="http://purl.org/dc/elements/1.1/"/>
+    <ds:schemaRef ds:uri="http://schemas.openxmlformats.org/package/2006/metadata/core-properties"/>
+    <ds:schemaRef ds:uri="http://schemas.microsoft.com/office/infopath/2007/PartnerControls"/>
+    <ds:schemaRef ds:uri="737cdb0d-9f15-48ec-9529-975a91239bb1"/>
   </ds:schemaRefs>
 </ds:datastoreItem>
 </file>
